--- a/documentacao/apresentação/MIT- 3ª sprint.pptx
+++ b/documentacao/apresentação/MIT- 3ª sprint.pptx
@@ -10309,13 +10309,7 @@
               <a:rPr lang="pt-BR" sz="4400" dirty="0">
                 <a:latin typeface="+mj-lt"/>
               </a:rPr>
-              <a:t> Principais </a:t>
-            </a:r>
-            <a:r>
-              <a:rPr lang="pt-BR" sz="4400" dirty="0">
-                <a:latin typeface="+mj-lt"/>
-              </a:rPr>
-              <a:t>requisitos - </a:t>
+              <a:t> Principais requisitos - </a:t>
             </a:r>
             <a:r>
               <a:rPr lang="pt-BR" sz="4400" dirty="0" err="1">
@@ -10894,7 +10888,6 @@
               <a:rPr lang="pt-BR" altLang="pt-BR" sz="2800" dirty="0"/>
               <a:t>Manual de instalação</a:t>
             </a:r>
-            <a:endParaRPr lang="pt-BR" altLang="pt-BR" sz="2800" dirty="0"/>
           </a:p>
           <a:p>
             <a:pPr marL="457200" lvl="1" indent="0">
@@ -13142,6 +13135,88 @@
           </a:p>
         </p:txBody>
       </p:sp>
+      <p:pic>
+        <p:nvPicPr>
+          <p:cNvPr id="2" name="Imagem 1"/>
+          <p:cNvPicPr>
+            <a:picLocks noChangeAspect="1"/>
+          </p:cNvPicPr>
+          <p:nvPr/>
+        </p:nvPicPr>
+        <p:blipFill>
+          <a:blip r:embed="rId2">
+            <a:extLst>
+              <a:ext uri="{BEBA8EAE-BF5A-486C-A8C5-ECC9F3942E4B}">
+                <a14:imgProps xmlns:a14="http://schemas.microsoft.com/office/drawing/2010/main">
+                  <a14:imgLayer r:embed="rId3">
+                    <a14:imgEffect>
+                      <a14:backgroundRemoval t="2655" b="98820" l="0" r="98430">
+                        <a14:foregroundMark x1="10266" y1="11504" x2="10266" y2="11209"/>
+                        <a14:foregroundMark x1="12923" y1="49263" x2="6401" y2="36283"/>
+                        <a14:foregroundMark x1="2415" y1="24484" x2="15459" y2="24779"/>
+                        <a14:foregroundMark x1="15459" y1="25074" x2="22585" y2="63717"/>
+                        <a14:foregroundMark x1="22585" y1="64012" x2="9420" y2="84071"/>
+                        <a14:foregroundMark x1="9300" y1="84366" x2="2053" y2="79941"/>
+                        <a14:foregroundMark x1="2053" y1="79941" x2="2174" y2="24779"/>
+                        <a14:foregroundMark x1="16787" y1="31268" x2="32729" y2="27434"/>
+                        <a14:foregroundMark x1="32729" y1="27434" x2="33092" y2="1180"/>
+                        <a14:foregroundMark x1="33092" y1="1180" x2="53502" y2="7670"/>
+                        <a14:foregroundMark x1="53502" y1="7670" x2="58454" y2="25074"/>
+                        <a14:foregroundMark x1="58454" y1="25664" x2="60507" y2="31858"/>
+                        <a14:foregroundMark x1="60749" y1="31858" x2="64614" y2="30383"/>
+                        <a14:foregroundMark x1="64614" y1="30383" x2="75845" y2="28024"/>
+                        <a14:foregroundMark x1="75845" y1="28024" x2="97947" y2="30973"/>
+                        <a14:foregroundMark x1="97947" y1="30973" x2="98551" y2="37168"/>
+                        <a14:foregroundMark x1="98551" y1="37168" x2="93116" y2="48378"/>
+                        <a14:foregroundMark x1="93116" y1="48378" x2="80314" y2="49558"/>
+                        <a14:foregroundMark x1="80314" y1="49558" x2="64130" y2="49853"/>
+                        <a14:foregroundMark x1="64010" y1="49853" x2="46739" y2="49263"/>
+                        <a14:foregroundMark x1="45169" y1="52212" x2="46256" y2="48968"/>
+                        <a14:foregroundMark x1="51087" y1="66962" x2="54710" y2="77286"/>
+                        <a14:foregroundMark x1="54710" y1="76991" x2="63043" y2="77581"/>
+                        <a14:foregroundMark x1="63043" y1="77581" x2="58454" y2="92035"/>
+                        <a14:foregroundMark x1="58454" y1="92035" x2="45048" y2="97050"/>
+                        <a14:foregroundMark x1="45048" y1="96460" x2="31643" y2="96460"/>
+                        <a14:foregroundMark x1="31643" y1="96460" x2="30676" y2="61652"/>
+                        <a14:foregroundMark x1="30797" y1="61652" x2="31401" y2="44838"/>
+                        <a14:foregroundMark x1="31401" y1="44838" x2="20290" y2="52212"/>
+                        <a14:foregroundMark x1="1570" y1="41003" x2="1932" y2="28319"/>
+                        <a14:backgroundMark x1="51087" y1="64012" x2="91787" y2="64897"/>
+                        <a14:backgroundMark x1="13768" y1="10914" x2="13768" y2="10914"/>
+                        <a14:backgroundMark x1="21498" y1="17699" x2="21498" y2="17699"/>
+                        <a14:backgroundMark x1="26812" y1="23599" x2="28502" y2="0"/>
+                        <a14:backgroundMark x1="26691" y1="5015" x2="845" y2="590"/>
+                        <a14:backgroundMark x1="65700" y1="15634" x2="56039" y2="1475"/>
+                        <a14:backgroundMark x1="65217" y1="15634" x2="98913" y2="25959"/>
+                        <a14:backgroundMark x1="51932" y1="54572" x2="99879" y2="51622"/>
+                        <a14:backgroundMark x1="30797" y1="96460" x2="23671" y2="64307"/>
+                        <a14:backgroundMark x1="23671" y1="65782" x2="4469" y2="91740"/>
+                        <a14:backgroundMark x1="7488" y1="85251" x2="0" y2="78171"/>
+                        <a14:backgroundMark x1="1329" y1="78466" x2="1329" y2="23304"/>
+                      </a14:backgroundRemoval>
+                    </a14:imgEffect>
+                  </a14:imgLayer>
+                </a14:imgProps>
+              </a:ext>
+              <a:ext uri="{28A0092B-C50C-407E-A947-70E740481C1C}">
+                <a14:useLocalDpi xmlns:a14="http://schemas.microsoft.com/office/drawing/2010/main" val="0"/>
+              </a:ext>
+            </a:extLst>
+          </a:blip>
+          <a:stretch>
+            <a:fillRect/>
+          </a:stretch>
+        </p:blipFill>
+        <p:spPr>
+          <a:xfrm>
+            <a:off x="245355" y="1891861"/>
+            <a:ext cx="9696025" cy="3969749"/>
+          </a:xfrm>
+          <a:prstGeom prst="rect">
+            <a:avLst/>
+          </a:prstGeom>
+        </p:spPr>
+      </p:pic>
     </p:spTree>
     <p:extLst>
       <p:ext uri="{BB962C8B-B14F-4D97-AF65-F5344CB8AC3E}">
@@ -13379,7 +13454,7 @@
         </p:nvSpPr>
         <p:spPr>
           <a:xfrm>
-            <a:off x="0" y="767016"/>
+            <a:off x="0" y="420175"/>
             <a:ext cx="9192126" cy="1154243"/>
           </a:xfrm>
           <a:prstGeom prst="homePlate">
@@ -13416,19 +13491,7 @@
               <a:rPr lang="pt-BR" sz="4400" dirty="0" smtClean="0">
                 <a:latin typeface="+mj-lt"/>
               </a:rPr>
-              <a:t>Modelagem </a:t>
-            </a:r>
-            <a:r>
-              <a:rPr lang="pt-BR" sz="4400" dirty="0" smtClean="0">
-                <a:latin typeface="+mj-lt"/>
-              </a:rPr>
-              <a:t>logica</a:t>
-            </a:r>
-            <a:r>
-              <a:rPr lang="pt-BR" sz="4400" dirty="0" smtClean="0">
-                <a:latin typeface="+mj-lt"/>
-              </a:rPr>
-              <a:t> de </a:t>
+              <a:t>Modelagem logica de </a:t>
             </a:r>
             <a:r>
               <a:rPr lang="pt-BR" sz="4400" dirty="0">
@@ -13439,6 +13502,70 @@
           </a:p>
         </p:txBody>
       </p:sp>
+      <p:pic>
+        <p:nvPicPr>
+          <p:cNvPr id="3" name="Imagem 2"/>
+          <p:cNvPicPr>
+            <a:picLocks noChangeAspect="1"/>
+          </p:cNvPicPr>
+          <p:nvPr/>
+        </p:nvPicPr>
+        <p:blipFill>
+          <a:blip r:embed="rId2">
+            <a:extLst>
+              <a:ext uri="{BEBA8EAE-BF5A-486C-A8C5-ECC9F3942E4B}">
+                <a14:imgProps xmlns:a14="http://schemas.microsoft.com/office/drawing/2010/main">
+                  <a14:imgLayer r:embed="rId3">
+                    <a14:imgEffect>
+                      <a14:backgroundRemoval t="0" b="100000" l="1397" r="100000">
+                        <a14:foregroundMark x1="6285" y1="15078" x2="18994" y2="16408"/>
+                        <a14:foregroundMark x1="58101" y1="43237" x2="56844" y2="9978"/>
+                        <a14:foregroundMark x1="56844" y1="9978" x2="38687" y2="10200"/>
+                        <a14:foregroundMark x1="38687" y1="10200" x2="38408" y2="47007"/>
+                        <a14:foregroundMark x1="38408" y1="47007" x2="57682" y2="47672"/>
+                        <a14:foregroundMark x1="77514" y1="18404" x2="78212" y2="41685"/>
+                        <a14:foregroundMark x1="78212" y1="41685" x2="80726" y2="41242"/>
+                        <a14:foregroundMark x1="40223" y1="67849" x2="52933" y2="66297"/>
+                        <a14:foregroundMark x1="47626" y1="62084" x2="47626" y2="62084"/>
+                        <a14:foregroundMark x1="47486" y1="59645" x2="47486" y2="59645"/>
+                        <a14:foregroundMark x1="47346" y1="58093" x2="47346" y2="58093"/>
+                        <a14:foregroundMark x1="47346" y1="55211" x2="47346" y2="55211"/>
+                        <a14:foregroundMark x1="47346" y1="54989" x2="47346" y2="54989"/>
+                        <a14:foregroundMark x1="47346" y1="54102" x2="47346" y2="54102"/>
+                        <a14:foregroundMark x1="22905" y1="30599" x2="22905" y2="30599"/>
+                        <a14:foregroundMark x1="23184" y1="29933" x2="23184" y2="29933"/>
+                        <a14:foregroundMark x1="23883" y1="29712" x2="24022" y2="29712"/>
+                        <a14:foregroundMark x1="24302" y1="29712" x2="24302" y2="29712"/>
+                        <a14:foregroundMark x1="24721" y1="29712" x2="25000" y2="29712"/>
+                        <a14:foregroundMark x1="25559" y1="29712" x2="25978" y2="29712"/>
+                        <a14:foregroundMark x1="26257" y1="29712" x2="34916" y2="30155"/>
+                        <a14:foregroundMark x1="59497" y1="30155" x2="75140" y2="29933"/>
+                        <a14:foregroundMark x1="47346" y1="64745" x2="47207" y2="50776"/>
+                        <a14:backgroundMark x1="6145" y1="5100" x2="20670" y2="7539"/>
+                      </a14:backgroundRemoval>
+                    </a14:imgEffect>
+                  </a14:imgLayer>
+                </a14:imgProps>
+              </a:ext>
+              <a:ext uri="{28A0092B-C50C-407E-A947-70E740481C1C}">
+                <a14:useLocalDpi xmlns:a14="http://schemas.microsoft.com/office/drawing/2010/main" val="0"/>
+              </a:ext>
+            </a:extLst>
+          </a:blip>
+          <a:stretch>
+            <a:fillRect/>
+          </a:stretch>
+        </p:blipFill>
+        <p:spPr>
+          <a:xfrm>
+            <a:off x="378372" y="1362084"/>
+            <a:ext cx="9050601" cy="5700868"/>
+          </a:xfrm>
+          <a:prstGeom prst="rect">
+            <a:avLst/>
+          </a:prstGeom>
+        </p:spPr>
+      </p:pic>
     </p:spTree>
     <p:extLst>
       <p:ext uri="{BB962C8B-B14F-4D97-AF65-F5344CB8AC3E}">
@@ -13527,13 +13654,7 @@
               <a:rPr lang="pt-BR" sz="4400" dirty="0" smtClean="0">
                 <a:latin typeface="+mj-lt"/>
               </a:rPr>
-              <a:t>Parâmetros utilizados</a:t>
-            </a:r>
-            <a:r>
-              <a:rPr lang="pt-BR" sz="4400" dirty="0" smtClean="0">
-                <a:latin typeface="+mj-lt"/>
-              </a:rPr>
-              <a:t> </a:t>
+              <a:t>Parâmetros utilizados </a:t>
             </a:r>
             <a:endParaRPr lang="pt-BR" sz="4400" dirty="0">
               <a:latin typeface="+mj-lt"/>
@@ -14072,13 +14193,7 @@
               <a:rPr lang="pt-BR" sz="4400" dirty="0" smtClean="0">
                 <a:latin typeface="+mj-lt"/>
               </a:rPr>
-              <a:t>Ferramenta de suporte</a:t>
-            </a:r>
-            <a:r>
-              <a:rPr lang="pt-BR" sz="4400" dirty="0" smtClean="0">
-                <a:latin typeface="+mj-lt"/>
-              </a:rPr>
-              <a:t> </a:t>
+              <a:t>Ferramenta de suporte </a:t>
             </a:r>
             <a:endParaRPr lang="pt-BR" sz="4400" dirty="0">
               <a:latin typeface="+mj-lt"/>
@@ -16764,9 +16879,6 @@
               </a:rPr>
               <a:t>Processo para tratar problemas</a:t>
             </a:r>
-            <a:endParaRPr lang="pt-BR" sz="4000" dirty="0" smtClean="0">
-              <a:latin typeface="+mj-lt"/>
-            </a:endParaRPr>
           </a:p>
         </p:txBody>
       </p:sp>
@@ -18489,13 +18601,7 @@
               <a:rPr lang="pt-BR" sz="4400" dirty="0" smtClean="0">
                 <a:latin typeface="+mj-lt"/>
               </a:rPr>
-              <a:t>Porque este </a:t>
-            </a:r>
-            <a:r>
-              <a:rPr lang="pt-BR" sz="4400" dirty="0" smtClean="0">
-                <a:latin typeface="+mj-lt"/>
-              </a:rPr>
-              <a:t>segmento?</a:t>
+              <a:t>Porque este segmento?</a:t>
             </a:r>
             <a:endParaRPr lang="pt-BR" sz="4400" dirty="0">
               <a:latin typeface="+mj-lt"/>
@@ -18548,13 +18654,7 @@
               <a:rPr lang="pt-BR" sz="2400" dirty="0" smtClean="0">
                 <a:latin typeface="+mj-lt"/>
               </a:rPr>
-              <a:t>mais de</a:t>
-            </a:r>
-            <a:r>
-              <a:rPr lang="pt-BR" sz="2400" dirty="0" smtClean="0">
-                <a:latin typeface="+mj-lt"/>
-              </a:rPr>
-              <a:t> </a:t>
+              <a:t>mais de </a:t>
             </a:r>
             <a:r>
               <a:rPr lang="pt-BR" sz="2400" dirty="0">
@@ -19476,13 +19576,7 @@
               <a:rPr lang="pt-BR" sz="4400" dirty="0" smtClean="0">
                 <a:latin typeface="+mj-lt"/>
               </a:rPr>
-              <a:t>Conhecendo a</a:t>
-            </a:r>
-            <a:r>
-              <a:rPr lang="pt-BR" sz="4400" dirty="0" smtClean="0">
-                <a:latin typeface="+mj-lt"/>
-              </a:rPr>
-              <a:t> </a:t>
+              <a:t>Conhecendo a </a:t>
             </a:r>
             <a:r>
               <a:rPr lang="pt-BR" sz="4400" dirty="0">

--- a/documentacao/apresentação/MIT- 3ª sprint.pptx
+++ b/documentacao/apresentação/MIT- 3ª sprint.pptx
@@ -5,7 +5,7 @@
     <p:sldMasterId id="2147483766" r:id="rId1"/>
   </p:sldMasterIdLst>
   <p:notesMasterIdLst>
-    <p:notesMasterId r:id="rId29"/>
+    <p:notesMasterId r:id="rId30"/>
   </p:notesMasterIdLst>
   <p:sldIdLst>
     <p:sldId id="257" r:id="rId2"/>
@@ -20,21 +20,22 @@
     <p:sldId id="362" r:id="rId11"/>
     <p:sldId id="292" r:id="rId12"/>
     <p:sldId id="367" r:id="rId13"/>
-    <p:sldId id="353" r:id="rId14"/>
-    <p:sldId id="368" r:id="rId15"/>
-    <p:sldId id="369" r:id="rId16"/>
-    <p:sldId id="363" r:id="rId17"/>
-    <p:sldId id="361" r:id="rId18"/>
-    <p:sldId id="370" r:id="rId19"/>
-    <p:sldId id="356" r:id="rId20"/>
-    <p:sldId id="371" r:id="rId21"/>
-    <p:sldId id="372" r:id="rId22"/>
-    <p:sldId id="354" r:id="rId23"/>
-    <p:sldId id="365" r:id="rId24"/>
-    <p:sldId id="373" r:id="rId25"/>
-    <p:sldId id="374" r:id="rId26"/>
-    <p:sldId id="375" r:id="rId27"/>
-    <p:sldId id="358" r:id="rId28"/>
+    <p:sldId id="376" r:id="rId14"/>
+    <p:sldId id="353" r:id="rId15"/>
+    <p:sldId id="368" r:id="rId16"/>
+    <p:sldId id="369" r:id="rId17"/>
+    <p:sldId id="363" r:id="rId18"/>
+    <p:sldId id="361" r:id="rId19"/>
+    <p:sldId id="370" r:id="rId20"/>
+    <p:sldId id="356" r:id="rId21"/>
+    <p:sldId id="371" r:id="rId22"/>
+    <p:sldId id="372" r:id="rId23"/>
+    <p:sldId id="354" r:id="rId24"/>
+    <p:sldId id="365" r:id="rId25"/>
+    <p:sldId id="373" r:id="rId26"/>
+    <p:sldId id="374" r:id="rId27"/>
+    <p:sldId id="375" r:id="rId28"/>
+    <p:sldId id="358" r:id="rId29"/>
   </p:sldIdLst>
   <p:sldSz cx="12192000" cy="6858000"/>
   <p:notesSz cx="6858000" cy="9144000"/>
@@ -718,7 +719,7 @@
           <a:p>
             <a:fld id="{CC4436DD-0265-4424-9439-2D4FAD906258}" type="slidenum">
               <a:rPr lang="pt-BR" smtClean="0"/>
-              <a:t>14</a:t>
+              <a:t>15</a:t>
             </a:fld>
             <a:endParaRPr lang="pt-BR" dirty="0"/>
           </a:p>
@@ -810,7 +811,7 @@
           <a:p>
             <a:fld id="{CC4436DD-0265-4424-9439-2D4FAD906258}" type="slidenum">
               <a:rPr lang="pt-BR" smtClean="0"/>
-              <a:t>26</a:t>
+              <a:t>27</a:t>
             </a:fld>
             <a:endParaRPr lang="pt-BR" dirty="0"/>
           </a:p>
@@ -10228,6 +10229,36 @@
           <a:chExt cx="0" cy="0"/>
         </a:xfrm>
       </p:grpSpPr>
+    </p:spTree>
+    <p:extLst>
+      <p:ext uri="{BB962C8B-B14F-4D97-AF65-F5344CB8AC3E}">
+        <p14:creationId xmlns:p14="http://schemas.microsoft.com/office/powerpoint/2010/main" val="2059130151"/>
+      </p:ext>
+    </p:extLst>
+  </p:cSld>
+  <p:clrMapOvr>
+    <a:masterClrMapping/>
+  </p:clrMapOvr>
+</p:sld>
+</file>
+
+<file path=ppt/slides/slide14.xml><?xml version="1.0" encoding="utf-8"?>
+<p:sld xmlns:a="http://schemas.openxmlformats.org/drawingml/2006/main" xmlns:r="http://schemas.openxmlformats.org/officeDocument/2006/relationships" xmlns:p="http://schemas.openxmlformats.org/presentationml/2006/main">
+  <p:cSld>
+    <p:spTree>
+      <p:nvGrpSpPr>
+        <p:cNvPr id="1" name=""/>
+        <p:cNvGrpSpPr/>
+        <p:nvPr/>
+      </p:nvGrpSpPr>
+      <p:grpSpPr>
+        <a:xfrm>
+          <a:off x="0" y="0"/>
+          <a:ext cx="0" cy="0"/>
+          <a:chOff x="0" y="0"/>
+          <a:chExt cx="0" cy="0"/>
+        </a:xfrm>
+      </p:grpSpPr>
       <p:pic>
         <p:nvPicPr>
           <p:cNvPr id="9" name="Imagem 8"/>
@@ -10951,7 +10982,7 @@
 </p:sld>
 </file>
 
-<file path=ppt/slides/slide14.xml><?xml version="1.0" encoding="utf-8"?>
+<file path=ppt/slides/slide15.xml><?xml version="1.0" encoding="utf-8"?>
 <p:sld xmlns:a="http://schemas.openxmlformats.org/drawingml/2006/main" xmlns:r="http://schemas.openxmlformats.org/officeDocument/2006/relationships" xmlns:p="http://schemas.openxmlformats.org/presentationml/2006/main">
   <p:cSld>
     <p:spTree>
@@ -11005,13 +11036,17 @@
           <a:p>
             <a:r>
               <a:rPr lang="pt-BR" sz="2400" dirty="0" smtClean="0"/>
-              <a:t>Erro entre a API e o node;</a:t>
+              <a:t>Erro entre o node e o banco de dados;</a:t>
             </a:r>
           </a:p>
           <a:p>
             <a:r>
               <a:rPr lang="pt-BR" sz="2400" dirty="0" smtClean="0"/>
-              <a:t>Erro entre o sensor e o arduino.</a:t>
+              <a:t>Erro </a:t>
+            </a:r>
+            <a:r>
+              <a:rPr lang="pt-BR" sz="2400" dirty="0" smtClean="0"/>
+              <a:t>entre o sensor e o arduino.</a:t>
             </a:r>
           </a:p>
           <a:p>
@@ -11098,7 +11133,7 @@
 </p:sld>
 </file>
 
-<file path=ppt/slides/slide15.xml><?xml version="1.0" encoding="utf-8"?>
+<file path=ppt/slides/slide16.xml><?xml version="1.0" encoding="utf-8"?>
 <p:sld xmlns:a="http://schemas.openxmlformats.org/drawingml/2006/main" xmlns:r="http://schemas.openxmlformats.org/officeDocument/2006/relationships" xmlns:p="http://schemas.openxmlformats.org/presentationml/2006/main">
   <p:cSld>
     <p:spTree>
@@ -11229,7 +11264,7 @@
 </p:sld>
 </file>
 
-<file path=ppt/slides/slide16.xml><?xml version="1.0" encoding="utf-8"?>
+<file path=ppt/slides/slide17.xml><?xml version="1.0" encoding="utf-8"?>
 <p:sld xmlns:a="http://schemas.openxmlformats.org/drawingml/2006/main" xmlns:r="http://schemas.openxmlformats.org/officeDocument/2006/relationships" xmlns:p="http://schemas.openxmlformats.org/presentationml/2006/main">
   <p:cSld>
     <p:spTree>
@@ -12689,7 +12724,7 @@
 </p:sld>
 </file>
 
-<file path=ppt/slides/slide17.xml><?xml version="1.0" encoding="utf-8"?>
+<file path=ppt/slides/slide18.xml><?xml version="1.0" encoding="utf-8"?>
 <p:sld xmlns:a="http://schemas.openxmlformats.org/drawingml/2006/main" xmlns:r="http://schemas.openxmlformats.org/officeDocument/2006/relationships" xmlns:p="http://schemas.openxmlformats.org/presentationml/2006/main">
   <p:cSld>
     <p:spTree>
@@ -12811,7 +12846,7 @@
 </p:sld>
 </file>
 
-<file path=ppt/slides/slide18.xml><?xml version="1.0" encoding="utf-8"?>
+<file path=ppt/slides/slide19.xml><?xml version="1.0" encoding="utf-8"?>
 <p:sld xmlns:a="http://schemas.openxmlformats.org/drawingml/2006/main" xmlns:r="http://schemas.openxmlformats.org/officeDocument/2006/relationships" xmlns:p="http://schemas.openxmlformats.org/presentationml/2006/main">
   <p:cSld>
     <p:spTree>
@@ -13008,14 +13043,14 @@
       </p:pic>
       <p:pic>
         <p:nvPicPr>
-          <p:cNvPr id="8" name="Imagem 7"/>
+          <p:cNvPr id="7" name="Imagem 6"/>
           <p:cNvPicPr>
             <a:picLocks noChangeAspect="1"/>
           </p:cNvPicPr>
           <p:nvPr/>
         </p:nvPicPr>
         <p:blipFill>
-          <a:blip r:embed="rId6" cstate="print">
+          <a:blip r:embed="rId6">
             <a:extLst>
               <a:ext uri="{28A0092B-C50C-407E-A947-70E740481C1C}">
                 <a14:useLocalDpi xmlns:a14="http://schemas.microsoft.com/office/drawing/2010/main" val="0"/>
@@ -13028,8 +13063,8 @@
         </p:blipFill>
         <p:spPr>
           <a:xfrm>
-            <a:off x="0" y="4664575"/>
-            <a:ext cx="3201401" cy="1800086"/>
+            <a:off x="558855" y="4735679"/>
+            <a:ext cx="2371725" cy="1924050"/>
           </a:xfrm>
           <a:prstGeom prst="rect">
             <a:avLst/>
@@ -13056,7 +13091,193 @@
 </p:sld>
 </file>
 
-<file path=ppt/slides/slide19.xml><?xml version="1.0" encoding="utf-8"?>
+<file path=ppt/slides/slide2.xml><?xml version="1.0" encoding="utf-8"?>
+<p:sld xmlns:a="http://schemas.openxmlformats.org/drawingml/2006/main" xmlns:r="http://schemas.openxmlformats.org/officeDocument/2006/relationships" xmlns:p="http://schemas.openxmlformats.org/presentationml/2006/main">
+  <p:cSld>
+    <p:spTree>
+      <p:nvGrpSpPr>
+        <p:cNvPr id="1" name=""/>
+        <p:cNvGrpSpPr/>
+        <p:nvPr/>
+      </p:nvGrpSpPr>
+      <p:grpSpPr>
+        <a:xfrm>
+          <a:off x="0" y="0"/>
+          <a:ext cx="0" cy="0"/>
+          <a:chOff x="0" y="0"/>
+          <a:chExt cx="0" cy="0"/>
+        </a:xfrm>
+      </p:grpSpPr>
+      <p:pic>
+        <p:nvPicPr>
+          <p:cNvPr id="6" name="Imagem 5"/>
+          <p:cNvPicPr>
+            <a:picLocks noChangeAspect="1"/>
+          </p:cNvPicPr>
+          <p:nvPr/>
+        </p:nvPicPr>
+        <p:blipFill rotWithShape="1">
+          <a:blip r:embed="rId2"/>
+          <a:srcRect l="29654" t="27695" r="23478" b="14555"/>
+          <a:stretch/>
+        </p:blipFill>
+        <p:spPr>
+          <a:xfrm>
+            <a:off x="4633633" y="3775165"/>
+            <a:ext cx="4261546" cy="2952206"/>
+          </a:xfrm>
+          <a:prstGeom prst="rect">
+            <a:avLst/>
+          </a:prstGeom>
+        </p:spPr>
+      </p:pic>
+      <p:sp>
+        <p:nvSpPr>
+          <p:cNvPr id="3" name="Espaço Reservado para Conteúdo 2"/>
+          <p:cNvSpPr>
+            <a:spLocks noGrp="1"/>
+          </p:cNvSpPr>
+          <p:nvPr>
+            <p:ph idx="1"/>
+          </p:nvPr>
+        </p:nvSpPr>
+        <p:spPr>
+          <a:xfrm>
+            <a:off x="677334" y="2495006"/>
+            <a:ext cx="8596668" cy="4232365"/>
+          </a:xfrm>
+        </p:spPr>
+        <p:txBody>
+          <a:bodyPr/>
+          <a:lstStyle/>
+          <a:p>
+            <a:r>
+              <a:rPr lang="pt-BR" sz="2400" b="1" dirty="0" smtClean="0"/>
+              <a:t>Bruno </a:t>
+            </a:r>
+            <a:r>
+              <a:rPr lang="pt-BR" sz="2400" b="1" dirty="0"/>
+              <a:t>Santana RA: 01201134</a:t>
+            </a:r>
+            <a:endParaRPr lang="pt-BR" sz="2400" dirty="0"/>
+          </a:p>
+          <a:p>
+            <a:r>
+              <a:rPr lang="pt-BR" sz="2400" b="1" dirty="0"/>
+              <a:t>Gabriel Bezerra RA: 01201035</a:t>
+            </a:r>
+            <a:endParaRPr lang="pt-BR" sz="2400" dirty="0"/>
+          </a:p>
+          <a:p>
+            <a:r>
+              <a:rPr lang="pt-BR" sz="2400" b="1" dirty="0"/>
+              <a:t>Graziela Lucena RA: 01201051</a:t>
+            </a:r>
+            <a:endParaRPr lang="pt-BR" sz="2400" dirty="0"/>
+          </a:p>
+          <a:p>
+            <a:r>
+              <a:rPr lang="pt-BR" sz="2400" b="1" dirty="0"/>
+              <a:t>Raphael Moitinho RA: 01201123</a:t>
+            </a:r>
+            <a:endParaRPr lang="pt-BR" sz="2400" dirty="0"/>
+          </a:p>
+          <a:p>
+            <a:r>
+              <a:rPr lang="pt-BR" sz="2400" b="1" dirty="0"/>
+              <a:t>Stefany Batista RA: 01201103</a:t>
+            </a:r>
+            <a:endParaRPr lang="pt-BR" sz="2400" dirty="0"/>
+          </a:p>
+          <a:p>
+            <a:r>
+              <a:rPr lang="pt-BR" sz="2400" b="1" dirty="0"/>
+              <a:t>Yuri de Jesus RA: 01201117</a:t>
+            </a:r>
+            <a:endParaRPr lang="pt-BR" sz="2400" dirty="0"/>
+          </a:p>
+          <a:p>
+            <a:endParaRPr lang="pt-BR" dirty="0"/>
+          </a:p>
+        </p:txBody>
+      </p:sp>
+      <p:sp>
+        <p:nvSpPr>
+          <p:cNvPr id="5" name="Seta: Pentágono 2">
+            <a:extLst>
+              <a:ext uri="{FF2B5EF4-FFF2-40B4-BE49-F238E27FC236}">
+                <a16:creationId xmlns:a16="http://schemas.microsoft.com/office/drawing/2014/main" id="{8D5E2365-E865-4746-B4C5-1FEBACFD8DE9}"/>
+              </a:ext>
+            </a:extLst>
+          </p:cNvPr>
+          <p:cNvSpPr/>
+          <p:nvPr/>
+        </p:nvSpPr>
+        <p:spPr>
+          <a:xfrm>
+            <a:off x="0" y="470810"/>
+            <a:ext cx="4049486" cy="700428"/>
+          </a:xfrm>
+          <a:prstGeom prst="homePlate">
+            <a:avLst/>
+          </a:prstGeom>
+          <a:solidFill>
+            <a:srgbClr val="227EA4"/>
+          </a:solidFill>
+          <a:ln>
+            <a:noFill/>
+          </a:ln>
+        </p:spPr>
+        <p:style>
+          <a:lnRef idx="2">
+            <a:schemeClr val="accent1">
+              <a:shade val="50000"/>
+            </a:schemeClr>
+          </a:lnRef>
+          <a:fillRef idx="1">
+            <a:schemeClr val="accent1"/>
+          </a:fillRef>
+          <a:effectRef idx="0">
+            <a:schemeClr val="accent1"/>
+          </a:effectRef>
+          <a:fontRef idx="minor">
+            <a:schemeClr val="lt1"/>
+          </a:fontRef>
+        </p:style>
+        <p:txBody>
+          <a:bodyPr rtlCol="0" anchor="ctr"/>
+          <a:lstStyle/>
+          <a:p>
+            <a:r>
+              <a:rPr lang="pt-BR" sz="4400" dirty="0">
+                <a:latin typeface="+mj-lt"/>
+              </a:rPr>
+              <a:t> Quem somos</a:t>
+            </a:r>
+          </a:p>
+        </p:txBody>
+      </p:sp>
+    </p:spTree>
+    <p:extLst>
+      <p:ext uri="{BB962C8B-B14F-4D97-AF65-F5344CB8AC3E}">
+        <p14:creationId xmlns:p14="http://schemas.microsoft.com/office/powerpoint/2010/main" val="3885914879"/>
+      </p:ext>
+    </p:extLst>
+  </p:cSld>
+  <p:clrMapOvr>
+    <a:masterClrMapping/>
+  </p:clrMapOvr>
+  <p:timing>
+    <p:tnLst>
+      <p:par>
+        <p:cTn id="1" dur="indefinite" restart="never" nodeType="tmRoot"/>
+      </p:par>
+    </p:tnLst>
+  </p:timing>
+</p:sld>
+</file>
+
+<file path=ppt/slides/slide20.xml><?xml version="1.0" encoding="utf-8"?>
 <p:sld xmlns:a="http://schemas.openxmlformats.org/drawingml/2006/main" xmlns:r="http://schemas.openxmlformats.org/officeDocument/2006/relationships" xmlns:p="http://schemas.openxmlformats.org/presentationml/2006/main">
   <p:cSld>
     <p:spTree>
@@ -13237,193 +13458,7 @@
 </p:sld>
 </file>
 
-<file path=ppt/slides/slide2.xml><?xml version="1.0" encoding="utf-8"?>
-<p:sld xmlns:a="http://schemas.openxmlformats.org/drawingml/2006/main" xmlns:r="http://schemas.openxmlformats.org/officeDocument/2006/relationships" xmlns:p="http://schemas.openxmlformats.org/presentationml/2006/main">
-  <p:cSld>
-    <p:spTree>
-      <p:nvGrpSpPr>
-        <p:cNvPr id="1" name=""/>
-        <p:cNvGrpSpPr/>
-        <p:nvPr/>
-      </p:nvGrpSpPr>
-      <p:grpSpPr>
-        <a:xfrm>
-          <a:off x="0" y="0"/>
-          <a:ext cx="0" cy="0"/>
-          <a:chOff x="0" y="0"/>
-          <a:chExt cx="0" cy="0"/>
-        </a:xfrm>
-      </p:grpSpPr>
-      <p:pic>
-        <p:nvPicPr>
-          <p:cNvPr id="6" name="Imagem 5"/>
-          <p:cNvPicPr>
-            <a:picLocks noChangeAspect="1"/>
-          </p:cNvPicPr>
-          <p:nvPr/>
-        </p:nvPicPr>
-        <p:blipFill rotWithShape="1">
-          <a:blip r:embed="rId2"/>
-          <a:srcRect l="29654" t="27695" r="23478" b="14555"/>
-          <a:stretch/>
-        </p:blipFill>
-        <p:spPr>
-          <a:xfrm>
-            <a:off x="4633633" y="3775165"/>
-            <a:ext cx="4261546" cy="2952206"/>
-          </a:xfrm>
-          <a:prstGeom prst="rect">
-            <a:avLst/>
-          </a:prstGeom>
-        </p:spPr>
-      </p:pic>
-      <p:sp>
-        <p:nvSpPr>
-          <p:cNvPr id="3" name="Espaço Reservado para Conteúdo 2"/>
-          <p:cNvSpPr>
-            <a:spLocks noGrp="1"/>
-          </p:cNvSpPr>
-          <p:nvPr>
-            <p:ph idx="1"/>
-          </p:nvPr>
-        </p:nvSpPr>
-        <p:spPr>
-          <a:xfrm>
-            <a:off x="677334" y="2495006"/>
-            <a:ext cx="8596668" cy="4232365"/>
-          </a:xfrm>
-        </p:spPr>
-        <p:txBody>
-          <a:bodyPr/>
-          <a:lstStyle/>
-          <a:p>
-            <a:r>
-              <a:rPr lang="pt-BR" sz="2400" b="1" dirty="0" smtClean="0"/>
-              <a:t>Bruno </a:t>
-            </a:r>
-            <a:r>
-              <a:rPr lang="pt-BR" sz="2400" b="1" dirty="0"/>
-              <a:t>Santana RA: 01201134</a:t>
-            </a:r>
-            <a:endParaRPr lang="pt-BR" sz="2400" dirty="0"/>
-          </a:p>
-          <a:p>
-            <a:r>
-              <a:rPr lang="pt-BR" sz="2400" b="1" dirty="0"/>
-              <a:t>Gabriel Bezerra RA: 01201035</a:t>
-            </a:r>
-            <a:endParaRPr lang="pt-BR" sz="2400" dirty="0"/>
-          </a:p>
-          <a:p>
-            <a:r>
-              <a:rPr lang="pt-BR" sz="2400" b="1" dirty="0"/>
-              <a:t>Graziela Lucena RA: 01201051</a:t>
-            </a:r>
-            <a:endParaRPr lang="pt-BR" sz="2400" dirty="0"/>
-          </a:p>
-          <a:p>
-            <a:r>
-              <a:rPr lang="pt-BR" sz="2400" b="1" dirty="0"/>
-              <a:t>Raphael Moitinho RA: 01201123</a:t>
-            </a:r>
-            <a:endParaRPr lang="pt-BR" sz="2400" dirty="0"/>
-          </a:p>
-          <a:p>
-            <a:r>
-              <a:rPr lang="pt-BR" sz="2400" b="1" dirty="0"/>
-              <a:t>Stefany Batista RA: 01201103</a:t>
-            </a:r>
-            <a:endParaRPr lang="pt-BR" sz="2400" dirty="0"/>
-          </a:p>
-          <a:p>
-            <a:r>
-              <a:rPr lang="pt-BR" sz="2400" b="1" dirty="0"/>
-              <a:t>Yuri de Jesus RA: 01201117</a:t>
-            </a:r>
-            <a:endParaRPr lang="pt-BR" sz="2400" dirty="0"/>
-          </a:p>
-          <a:p>
-            <a:endParaRPr lang="pt-BR" dirty="0"/>
-          </a:p>
-        </p:txBody>
-      </p:sp>
-      <p:sp>
-        <p:nvSpPr>
-          <p:cNvPr id="5" name="Seta: Pentágono 2">
-            <a:extLst>
-              <a:ext uri="{FF2B5EF4-FFF2-40B4-BE49-F238E27FC236}">
-                <a16:creationId xmlns:a16="http://schemas.microsoft.com/office/drawing/2014/main" id="{8D5E2365-E865-4746-B4C5-1FEBACFD8DE9}"/>
-              </a:ext>
-            </a:extLst>
-          </p:cNvPr>
-          <p:cNvSpPr/>
-          <p:nvPr/>
-        </p:nvSpPr>
-        <p:spPr>
-          <a:xfrm>
-            <a:off x="0" y="470810"/>
-            <a:ext cx="4049486" cy="700428"/>
-          </a:xfrm>
-          <a:prstGeom prst="homePlate">
-            <a:avLst/>
-          </a:prstGeom>
-          <a:solidFill>
-            <a:srgbClr val="227EA4"/>
-          </a:solidFill>
-          <a:ln>
-            <a:noFill/>
-          </a:ln>
-        </p:spPr>
-        <p:style>
-          <a:lnRef idx="2">
-            <a:schemeClr val="accent1">
-              <a:shade val="50000"/>
-            </a:schemeClr>
-          </a:lnRef>
-          <a:fillRef idx="1">
-            <a:schemeClr val="accent1"/>
-          </a:fillRef>
-          <a:effectRef idx="0">
-            <a:schemeClr val="accent1"/>
-          </a:effectRef>
-          <a:fontRef idx="minor">
-            <a:schemeClr val="lt1"/>
-          </a:fontRef>
-        </p:style>
-        <p:txBody>
-          <a:bodyPr rtlCol="0" anchor="ctr"/>
-          <a:lstStyle/>
-          <a:p>
-            <a:r>
-              <a:rPr lang="pt-BR" sz="4400" dirty="0">
-                <a:latin typeface="+mj-lt"/>
-              </a:rPr>
-              <a:t> Quem somos</a:t>
-            </a:r>
-          </a:p>
-        </p:txBody>
-      </p:sp>
-    </p:spTree>
-    <p:extLst>
-      <p:ext uri="{BB962C8B-B14F-4D97-AF65-F5344CB8AC3E}">
-        <p14:creationId xmlns:p14="http://schemas.microsoft.com/office/powerpoint/2010/main" val="3885914879"/>
-      </p:ext>
-    </p:extLst>
-  </p:cSld>
-  <p:clrMapOvr>
-    <a:masterClrMapping/>
-  </p:clrMapOvr>
-  <p:timing>
-    <p:tnLst>
-      <p:par>
-        <p:cTn id="1" dur="indefinite" restart="never" nodeType="tmRoot"/>
-      </p:par>
-    </p:tnLst>
-  </p:timing>
-</p:sld>
-</file>
-
-<file path=ppt/slides/slide20.xml><?xml version="1.0" encoding="utf-8"?>
+<file path=ppt/slides/slide21.xml><?xml version="1.0" encoding="utf-8"?>
 <p:sld xmlns:a="http://schemas.openxmlformats.org/drawingml/2006/main" xmlns:r="http://schemas.openxmlformats.org/officeDocument/2006/relationships" xmlns:p="http://schemas.openxmlformats.org/presentationml/2006/main">
   <p:cSld>
     <p:spTree>
@@ -13586,7 +13621,7 @@
 </p:sld>
 </file>
 
-<file path=ppt/slides/slide21.xml><?xml version="1.0" encoding="utf-8"?>
+<file path=ppt/slides/slide22.xml><?xml version="1.0" encoding="utf-8"?>
 <p:sld xmlns:a="http://schemas.openxmlformats.org/drawingml/2006/main" xmlns:r="http://schemas.openxmlformats.org/officeDocument/2006/relationships" xmlns:p="http://schemas.openxmlformats.org/presentationml/2006/main">
   <p:cSld>
     <p:spTree>
@@ -13986,129 +14021,6 @@
     <p:extLst>
       <p:ext uri="{BB962C8B-B14F-4D97-AF65-F5344CB8AC3E}">
         <p14:creationId xmlns:p14="http://schemas.microsoft.com/office/powerpoint/2010/main" val="2109366803"/>
-      </p:ext>
-    </p:extLst>
-  </p:cSld>
-  <p:clrMapOvr>
-    <a:masterClrMapping/>
-  </p:clrMapOvr>
-  <p:timing>
-    <p:tnLst>
-      <p:par>
-        <p:cTn id="1" dur="indefinite" restart="never" nodeType="tmRoot"/>
-      </p:par>
-    </p:tnLst>
-  </p:timing>
-</p:sld>
-</file>
-
-<file path=ppt/slides/slide22.xml><?xml version="1.0" encoding="utf-8"?>
-<p:sld xmlns:a="http://schemas.openxmlformats.org/drawingml/2006/main" xmlns:r="http://schemas.openxmlformats.org/officeDocument/2006/relationships" xmlns:p="http://schemas.openxmlformats.org/presentationml/2006/main">
-  <p:cSld>
-    <p:spTree>
-      <p:nvGrpSpPr>
-        <p:cNvPr id="1" name=""/>
-        <p:cNvGrpSpPr/>
-        <p:nvPr/>
-      </p:nvGrpSpPr>
-      <p:grpSpPr>
-        <a:xfrm>
-          <a:off x="0" y="0"/>
-          <a:ext cx="0" cy="0"/>
-          <a:chOff x="0" y="0"/>
-          <a:chExt cx="0" cy="0"/>
-        </a:xfrm>
-      </p:grpSpPr>
-      <p:sp>
-        <p:nvSpPr>
-          <p:cNvPr id="3" name="Seta: Pentágono 2">
-            <a:extLst>
-              <a:ext uri="{FF2B5EF4-FFF2-40B4-BE49-F238E27FC236}">
-                <a16:creationId xmlns:a16="http://schemas.microsoft.com/office/drawing/2014/main" id="{305FC1E8-F2E8-42C2-B81F-097C0FA4A259}"/>
-              </a:ext>
-            </a:extLst>
-          </p:cNvPr>
-          <p:cNvSpPr/>
-          <p:nvPr/>
-        </p:nvSpPr>
-        <p:spPr>
-          <a:xfrm>
-            <a:off x="0" y="1001410"/>
-            <a:ext cx="5804452" cy="947113"/>
-          </a:xfrm>
-          <a:prstGeom prst="homePlate">
-            <a:avLst/>
-          </a:prstGeom>
-          <a:solidFill>
-            <a:srgbClr val="227EA4"/>
-          </a:solidFill>
-          <a:ln>
-            <a:noFill/>
-          </a:ln>
-        </p:spPr>
-        <p:style>
-          <a:lnRef idx="2">
-            <a:schemeClr val="accent1">
-              <a:shade val="50000"/>
-            </a:schemeClr>
-          </a:lnRef>
-          <a:fillRef idx="1">
-            <a:schemeClr val="accent1"/>
-          </a:fillRef>
-          <a:effectRef idx="0">
-            <a:schemeClr val="accent1"/>
-          </a:effectRef>
-          <a:fontRef idx="minor">
-            <a:schemeClr val="lt1"/>
-          </a:fontRef>
-        </p:style>
-        <p:txBody>
-          <a:bodyPr rtlCol="0" anchor="ctr"/>
-          <a:lstStyle/>
-          <a:p>
-            <a:r>
-              <a:rPr lang="pt-BR" sz="4400" dirty="0">
-                <a:latin typeface="+mj-lt"/>
-              </a:rPr>
-              <a:t> Site institucional.</a:t>
-            </a:r>
-          </a:p>
-        </p:txBody>
-      </p:sp>
-      <p:pic>
-        <p:nvPicPr>
-          <p:cNvPr id="4" name="Imagem 3">
-            <a:extLst>
-              <a:ext uri="{FF2B5EF4-FFF2-40B4-BE49-F238E27FC236}">
-                <a16:creationId xmlns:a16="http://schemas.microsoft.com/office/drawing/2014/main" id="{17A01398-7BFC-4FD2-AF17-61ED461A601B}"/>
-              </a:ext>
-            </a:extLst>
-          </p:cNvPr>
-          <p:cNvPicPr>
-            <a:picLocks noChangeAspect="1"/>
-          </p:cNvPicPr>
-          <p:nvPr/>
-        </p:nvPicPr>
-        <p:blipFill>
-          <a:blip r:embed="rId2"/>
-          <a:stretch>
-            <a:fillRect/>
-          </a:stretch>
-        </p:blipFill>
-        <p:spPr>
-          <a:xfrm>
-            <a:off x="1267326" y="2485768"/>
-            <a:ext cx="7332901" cy="3674402"/>
-          </a:xfrm>
-          <a:prstGeom prst="rect">
-            <a:avLst/>
-          </a:prstGeom>
-        </p:spPr>
-      </p:pic>
-    </p:spTree>
-    <p:extLst>
-      <p:ext uri="{BB962C8B-B14F-4D97-AF65-F5344CB8AC3E}">
-        <p14:creationId xmlns:p14="http://schemas.microsoft.com/office/powerpoint/2010/main" val="4128221601"/>
       </p:ext>
     </p:extLst>
   </p:cSld>
@@ -14156,8 +14068,8 @@
         </p:nvSpPr>
         <p:spPr>
           <a:xfrm>
-            <a:off x="0" y="330749"/>
-            <a:ext cx="6769768" cy="1154243"/>
+            <a:off x="0" y="1001410"/>
+            <a:ext cx="5804452" cy="947113"/>
           </a:xfrm>
           <a:prstGeom prst="homePlate">
             <a:avLst/>
@@ -14190,70 +14102,38 @@
           <a:lstStyle/>
           <a:p>
             <a:r>
-              <a:rPr lang="pt-BR" sz="4400" dirty="0" smtClean="0">
+              <a:rPr lang="pt-BR" sz="4400" dirty="0">
                 <a:latin typeface="+mj-lt"/>
               </a:rPr>
-              <a:t>Ferramenta de suporte </a:t>
-            </a:r>
-            <a:endParaRPr lang="pt-BR" sz="4400" dirty="0">
-              <a:latin typeface="+mj-lt"/>
-            </a:endParaRPr>
+              <a:t> Site institucional.</a:t>
+            </a:r>
           </a:p>
         </p:txBody>
       </p:sp>
       <p:pic>
         <p:nvPicPr>
-          <p:cNvPr id="4" name="Imagem 3"/>
-          <p:cNvPicPr>
-            <a:picLocks noChangeAspect="1"/>
-          </p:cNvPicPr>
-          <p:nvPr/>
-        </p:nvPicPr>
-        <p:blipFill rotWithShape="1">
-          <a:blip r:embed="rId2">
+          <p:cNvPr id="4" name="Imagem 3">
             <a:extLst>
-              <a:ext uri="{28A0092B-C50C-407E-A947-70E740481C1C}">
-                <a14:useLocalDpi xmlns:a14="http://schemas.microsoft.com/office/drawing/2010/main" val="0"/>
+              <a:ext uri="{FF2B5EF4-FFF2-40B4-BE49-F238E27FC236}">
+                <a16:creationId xmlns:a16="http://schemas.microsoft.com/office/drawing/2014/main" id="{17A01398-7BFC-4FD2-AF17-61ED461A601B}"/>
               </a:ext>
             </a:extLst>
-          </a:blip>
-          <a:srcRect l="11076" t="28663" r="8923" b="29563"/>
-          <a:stretch/>
-        </p:blipFill>
-        <p:spPr>
-          <a:xfrm>
-            <a:off x="1668378" y="2832812"/>
-            <a:ext cx="4395538" cy="2316110"/>
-          </a:xfrm>
-          <a:prstGeom prst="rect">
-            <a:avLst/>
-          </a:prstGeom>
-        </p:spPr>
-      </p:pic>
-      <p:pic>
-        <p:nvPicPr>
-          <p:cNvPr id="5" name="Imagem 4"/>
+          </p:cNvPr>
           <p:cNvPicPr>
             <a:picLocks noChangeAspect="1"/>
           </p:cNvPicPr>
           <p:nvPr/>
         </p:nvPicPr>
         <p:blipFill>
-          <a:blip r:embed="rId3">
-            <a:extLst>
-              <a:ext uri="{28A0092B-C50C-407E-A947-70E740481C1C}">
-                <a14:useLocalDpi xmlns:a14="http://schemas.microsoft.com/office/drawing/2010/main" val="0"/>
-              </a:ext>
-            </a:extLst>
-          </a:blip>
+          <a:blip r:embed="rId2"/>
           <a:stretch>
             <a:fillRect/>
           </a:stretch>
         </p:blipFill>
         <p:spPr>
           <a:xfrm>
-            <a:off x="6476748" y="4672574"/>
-            <a:ext cx="2314325" cy="2185426"/>
+            <a:off x="1267326" y="2485768"/>
+            <a:ext cx="7332901" cy="3674402"/>
           </a:xfrm>
           <a:prstGeom prst="rect">
             <a:avLst/>
@@ -14263,7 +14143,7 @@
     </p:spTree>
     <p:extLst>
       <p:ext uri="{BB962C8B-B14F-4D97-AF65-F5344CB8AC3E}">
-        <p14:creationId xmlns:p14="http://schemas.microsoft.com/office/powerpoint/2010/main" val="4245214836"/>
+        <p14:creationId xmlns:p14="http://schemas.microsoft.com/office/powerpoint/2010/main" val="4128221601"/>
       </p:ext>
     </p:extLst>
   </p:cSld>
@@ -14299,7 +14179,7 @@
       </p:grpSpPr>
       <p:sp>
         <p:nvSpPr>
-          <p:cNvPr id="2" name="Seta: Pentágono 2">
+          <p:cNvPr id="3" name="Seta: Pentágono 2">
             <a:extLst>
               <a:ext uri="{FF2B5EF4-FFF2-40B4-BE49-F238E27FC236}">
                 <a16:creationId xmlns:a16="http://schemas.microsoft.com/office/drawing/2014/main" id="{305FC1E8-F2E8-42C2-B81F-097C0FA4A259}"/>
@@ -14311,8 +14191,8 @@
         </p:nvSpPr>
         <p:spPr>
           <a:xfrm>
-            <a:off x="-1" y="555340"/>
-            <a:ext cx="6785811" cy="968660"/>
+            <a:off x="0" y="330749"/>
+            <a:ext cx="6769768" cy="1154243"/>
           </a:xfrm>
           <a:prstGeom prst="homePlate">
             <a:avLst/>
@@ -14348,28 +14228,67 @@
               <a:rPr lang="pt-BR" sz="4400" dirty="0" smtClean="0">
                 <a:latin typeface="+mj-lt"/>
               </a:rPr>
-              <a:t>Manual de instalação</a:t>
-            </a:r>
+              <a:t>Ferramenta de suporte </a:t>
+            </a:r>
+            <a:endParaRPr lang="pt-BR" sz="4400" dirty="0">
+              <a:latin typeface="+mj-lt"/>
+            </a:endParaRPr>
           </a:p>
         </p:txBody>
       </p:sp>
       <p:pic>
         <p:nvPicPr>
-          <p:cNvPr id="3" name="Imagem 2"/>
+          <p:cNvPr id="4" name="Imagem 3"/>
           <p:cNvPicPr>
             <a:picLocks noChangeAspect="1"/>
           </p:cNvPicPr>
           <p:nvPr/>
         </p:nvPicPr>
         <p:blipFill rotWithShape="1">
-          <a:blip r:embed="rId2"/>
-          <a:srcRect l="26327" t="19935" r="27190" b="10237"/>
+          <a:blip r:embed="rId2">
+            <a:extLst>
+              <a:ext uri="{28A0092B-C50C-407E-A947-70E740481C1C}">
+                <a14:useLocalDpi xmlns:a14="http://schemas.microsoft.com/office/drawing/2010/main" val="0"/>
+              </a:ext>
+            </a:extLst>
+          </a:blip>
+          <a:srcRect l="11076" t="28663" r="8923" b="29563"/>
           <a:stretch/>
         </p:blipFill>
         <p:spPr>
           <a:xfrm>
-            <a:off x="1801969" y="1524000"/>
-            <a:ext cx="6047873" cy="5108027"/>
+            <a:off x="1668378" y="2832812"/>
+            <a:ext cx="4395538" cy="2316110"/>
+          </a:xfrm>
+          <a:prstGeom prst="rect">
+            <a:avLst/>
+          </a:prstGeom>
+        </p:spPr>
+      </p:pic>
+      <p:pic>
+        <p:nvPicPr>
+          <p:cNvPr id="5" name="Imagem 4"/>
+          <p:cNvPicPr>
+            <a:picLocks noChangeAspect="1"/>
+          </p:cNvPicPr>
+          <p:nvPr/>
+        </p:nvPicPr>
+        <p:blipFill>
+          <a:blip r:embed="rId3">
+            <a:extLst>
+              <a:ext uri="{28A0092B-C50C-407E-A947-70E740481C1C}">
+                <a14:useLocalDpi xmlns:a14="http://schemas.microsoft.com/office/drawing/2010/main" val="0"/>
+              </a:ext>
+            </a:extLst>
+          </a:blip>
+          <a:stretch>
+            <a:fillRect/>
+          </a:stretch>
+        </p:blipFill>
+        <p:spPr>
+          <a:xfrm>
+            <a:off x="6476748" y="4672574"/>
+            <a:ext cx="2314325" cy="2185426"/>
           </a:xfrm>
           <a:prstGeom prst="rect">
             <a:avLst/>
@@ -14379,7 +14298,7 @@
     </p:spTree>
     <p:extLst>
       <p:ext uri="{BB962C8B-B14F-4D97-AF65-F5344CB8AC3E}">
-        <p14:creationId xmlns:p14="http://schemas.microsoft.com/office/powerpoint/2010/main" val="963247618"/>
+        <p14:creationId xmlns:p14="http://schemas.microsoft.com/office/powerpoint/2010/main" val="4245214836"/>
       </p:ext>
     </p:extLst>
   </p:cSld>
@@ -14415,2420 +14334,7 @@
       </p:grpSpPr>
       <p:sp>
         <p:nvSpPr>
-          <p:cNvPr id="61" name="Retângulo 60"/>
-          <p:cNvSpPr/>
-          <p:nvPr/>
-        </p:nvSpPr>
-        <p:spPr>
-          <a:xfrm>
-            <a:off x="486068" y="6025487"/>
-            <a:ext cx="10489475" cy="1086601"/>
-          </a:xfrm>
-          <a:prstGeom prst="rect">
-            <a:avLst/>
-          </a:prstGeom>
-          <a:ln>
-            <a:solidFill>
-              <a:schemeClr val="tx1"/>
-            </a:solidFill>
-          </a:ln>
-        </p:spPr>
-        <p:style>
-          <a:lnRef idx="2">
-            <a:schemeClr val="accent6"/>
-          </a:lnRef>
-          <a:fillRef idx="1">
-            <a:schemeClr val="lt1"/>
-          </a:fillRef>
-          <a:effectRef idx="0">
-            <a:schemeClr val="accent6"/>
-          </a:effectRef>
-          <a:fontRef idx="minor">
-            <a:schemeClr val="dk1"/>
-          </a:fontRef>
-        </p:style>
-        <p:txBody>
-          <a:bodyPr rtlCol="0" anchor="ctr"/>
-          <a:lstStyle/>
-          <a:p>
-            <a:pPr algn="ctr"/>
-            <a:endParaRPr lang="pt-BR" dirty="0"/>
-          </a:p>
-        </p:txBody>
-      </p:sp>
-      <p:sp>
-        <p:nvSpPr>
-          <p:cNvPr id="2" name="Retângulo 1"/>
-          <p:cNvSpPr/>
-          <p:nvPr/>
-        </p:nvSpPr>
-        <p:spPr>
-          <a:xfrm>
-            <a:off x="486075" y="758975"/>
-            <a:ext cx="10489475" cy="391886"/>
-          </a:xfrm>
-          <a:prstGeom prst="rect">
-            <a:avLst/>
-          </a:prstGeom>
-          <a:ln>
-            <a:solidFill>
-              <a:schemeClr val="tx1"/>
-            </a:solidFill>
-          </a:ln>
-        </p:spPr>
-        <p:style>
-          <a:lnRef idx="2">
-            <a:schemeClr val="accent6"/>
-          </a:lnRef>
-          <a:fillRef idx="1">
-            <a:schemeClr val="lt1"/>
-          </a:fillRef>
-          <a:effectRef idx="0">
-            <a:schemeClr val="accent6"/>
-          </a:effectRef>
-          <a:fontRef idx="minor">
-            <a:schemeClr val="dk1"/>
-          </a:fontRef>
-        </p:style>
-        <p:txBody>
-          <a:bodyPr rtlCol="0" anchor="ctr"/>
-          <a:lstStyle/>
-          <a:p>
-            <a:pPr algn="ctr"/>
-            <a:r>
-              <a:rPr lang="pt-BR" dirty="0" smtClean="0"/>
-              <a:t>Equipe de gestão de problemas</a:t>
-            </a:r>
-          </a:p>
-        </p:txBody>
-      </p:sp>
-      <p:sp>
-        <p:nvSpPr>
-          <p:cNvPr id="3" name="Retângulo 2"/>
-          <p:cNvSpPr/>
-          <p:nvPr/>
-        </p:nvSpPr>
-        <p:spPr>
-          <a:xfrm>
-            <a:off x="486075" y="1150861"/>
-            <a:ext cx="10489475" cy="824592"/>
-          </a:xfrm>
-          <a:prstGeom prst="rect">
-            <a:avLst/>
-          </a:prstGeom>
-          <a:ln>
-            <a:solidFill>
-              <a:schemeClr val="tx1"/>
-            </a:solidFill>
-          </a:ln>
-        </p:spPr>
-        <p:style>
-          <a:lnRef idx="2">
-            <a:schemeClr val="accent6"/>
-          </a:lnRef>
-          <a:fillRef idx="1">
-            <a:schemeClr val="lt1"/>
-          </a:fillRef>
-          <a:effectRef idx="0">
-            <a:schemeClr val="accent6"/>
-          </a:effectRef>
-          <a:fontRef idx="minor">
-            <a:schemeClr val="dk1"/>
-          </a:fontRef>
-        </p:style>
-        <p:txBody>
-          <a:bodyPr rtlCol="0" anchor="ctr"/>
-          <a:lstStyle/>
-          <a:p>
-            <a:pPr algn="ctr"/>
-            <a:endParaRPr lang="pt-BR"/>
-          </a:p>
-        </p:txBody>
-      </p:sp>
-      <p:sp>
-        <p:nvSpPr>
-          <p:cNvPr id="4" name="Retângulo 3"/>
-          <p:cNvSpPr/>
-          <p:nvPr/>
-        </p:nvSpPr>
-        <p:spPr>
-          <a:xfrm>
-            <a:off x="486075" y="1975453"/>
-            <a:ext cx="10489475" cy="1209660"/>
-          </a:xfrm>
-          <a:prstGeom prst="rect">
-            <a:avLst/>
-          </a:prstGeom>
-          <a:ln>
-            <a:solidFill>
-              <a:schemeClr val="tx1"/>
-            </a:solidFill>
-          </a:ln>
-        </p:spPr>
-        <p:style>
-          <a:lnRef idx="2">
-            <a:schemeClr val="accent6"/>
-          </a:lnRef>
-          <a:fillRef idx="1">
-            <a:schemeClr val="lt1"/>
-          </a:fillRef>
-          <a:effectRef idx="0">
-            <a:schemeClr val="accent6"/>
-          </a:effectRef>
-          <a:fontRef idx="minor">
-            <a:schemeClr val="dk1"/>
-          </a:fontRef>
-        </p:style>
-        <p:txBody>
-          <a:bodyPr rtlCol="0" anchor="ctr"/>
-          <a:lstStyle/>
-          <a:p>
-            <a:pPr algn="ctr"/>
-            <a:endParaRPr lang="pt-BR" dirty="0"/>
-          </a:p>
-        </p:txBody>
-      </p:sp>
-      <p:sp>
-        <p:nvSpPr>
-          <p:cNvPr id="5" name="Retângulo 4"/>
-          <p:cNvSpPr/>
-          <p:nvPr/>
-        </p:nvSpPr>
-        <p:spPr>
-          <a:xfrm>
-            <a:off x="486068" y="3403077"/>
-            <a:ext cx="10489475" cy="1086601"/>
-          </a:xfrm>
-          <a:prstGeom prst="rect">
-            <a:avLst/>
-          </a:prstGeom>
-          <a:ln>
-            <a:solidFill>
-              <a:schemeClr val="tx1"/>
-            </a:solidFill>
-          </a:ln>
-        </p:spPr>
-        <p:style>
-          <a:lnRef idx="2">
-            <a:schemeClr val="accent6"/>
-          </a:lnRef>
-          <a:fillRef idx="1">
-            <a:schemeClr val="lt1"/>
-          </a:fillRef>
-          <a:effectRef idx="0">
-            <a:schemeClr val="accent6"/>
-          </a:effectRef>
-          <a:fontRef idx="minor">
-            <a:schemeClr val="dk1"/>
-          </a:fontRef>
-        </p:style>
-        <p:txBody>
-          <a:bodyPr rtlCol="0" anchor="ctr"/>
-          <a:lstStyle/>
-          <a:p>
-            <a:pPr algn="ctr"/>
-            <a:endParaRPr lang="pt-BR" dirty="0"/>
-          </a:p>
-        </p:txBody>
-      </p:sp>
-      <p:sp>
-        <p:nvSpPr>
-          <p:cNvPr id="6" name="Retângulo 5"/>
-          <p:cNvSpPr/>
-          <p:nvPr/>
-        </p:nvSpPr>
-        <p:spPr>
-          <a:xfrm>
-            <a:off x="486073" y="3185114"/>
-            <a:ext cx="10489475" cy="228600"/>
-          </a:xfrm>
-          <a:prstGeom prst="rect">
-            <a:avLst/>
-          </a:prstGeom>
-          <a:ln>
-            <a:solidFill>
-              <a:schemeClr val="tx1"/>
-            </a:solidFill>
-          </a:ln>
-        </p:spPr>
-        <p:style>
-          <a:lnRef idx="2">
-            <a:schemeClr val="accent6"/>
-          </a:lnRef>
-          <a:fillRef idx="1">
-            <a:schemeClr val="lt1"/>
-          </a:fillRef>
-          <a:effectRef idx="0">
-            <a:schemeClr val="accent6"/>
-          </a:effectRef>
-          <a:fontRef idx="minor">
-            <a:schemeClr val="dk1"/>
-          </a:fontRef>
-        </p:style>
-        <p:txBody>
-          <a:bodyPr rtlCol="0" anchor="ctr"/>
-          <a:lstStyle/>
-          <a:p>
-            <a:pPr algn="ctr"/>
-            <a:r>
-              <a:rPr lang="pt-BR" dirty="0" smtClean="0"/>
-              <a:t>Suporte nível 1</a:t>
-            </a:r>
-            <a:endParaRPr lang="pt-BR" dirty="0"/>
-          </a:p>
-        </p:txBody>
-      </p:sp>
-      <p:sp>
-        <p:nvSpPr>
-          <p:cNvPr id="7" name="Retângulo 6"/>
-          <p:cNvSpPr/>
-          <p:nvPr/>
-        </p:nvSpPr>
-        <p:spPr>
-          <a:xfrm>
-            <a:off x="486081" y="4493478"/>
-            <a:ext cx="10489475" cy="228600"/>
-          </a:xfrm>
-          <a:prstGeom prst="rect">
-            <a:avLst/>
-          </a:prstGeom>
-          <a:ln>
-            <a:solidFill>
-              <a:schemeClr val="tx1"/>
-            </a:solidFill>
-          </a:ln>
-        </p:spPr>
-        <p:style>
-          <a:lnRef idx="2">
-            <a:schemeClr val="accent6"/>
-          </a:lnRef>
-          <a:fillRef idx="1">
-            <a:schemeClr val="lt1"/>
-          </a:fillRef>
-          <a:effectRef idx="0">
-            <a:schemeClr val="accent6"/>
-          </a:effectRef>
-          <a:fontRef idx="minor">
-            <a:schemeClr val="dk1"/>
-          </a:fontRef>
-        </p:style>
-        <p:txBody>
-          <a:bodyPr rtlCol="0" anchor="ctr"/>
-          <a:lstStyle/>
-          <a:p>
-            <a:pPr algn="ctr"/>
-            <a:r>
-              <a:rPr lang="pt-BR" dirty="0" smtClean="0"/>
-              <a:t>Suporte nível 2</a:t>
-            </a:r>
-            <a:endParaRPr lang="pt-BR" dirty="0"/>
-          </a:p>
-        </p:txBody>
-      </p:sp>
-      <p:sp>
-        <p:nvSpPr>
-          <p:cNvPr id="8" name="Retângulo 7"/>
-          <p:cNvSpPr/>
-          <p:nvPr/>
-        </p:nvSpPr>
-        <p:spPr>
-          <a:xfrm>
-            <a:off x="486068" y="5801133"/>
-            <a:ext cx="10489475" cy="228600"/>
-          </a:xfrm>
-          <a:prstGeom prst="rect">
-            <a:avLst/>
-          </a:prstGeom>
-          <a:ln>
-            <a:solidFill>
-              <a:schemeClr val="tx1"/>
-            </a:solidFill>
-          </a:ln>
-        </p:spPr>
-        <p:style>
-          <a:lnRef idx="2">
-            <a:schemeClr val="accent6"/>
-          </a:lnRef>
-          <a:fillRef idx="1">
-            <a:schemeClr val="lt1"/>
-          </a:fillRef>
-          <a:effectRef idx="0">
-            <a:schemeClr val="accent6"/>
-          </a:effectRef>
-          <a:fontRef idx="minor">
-            <a:schemeClr val="dk1"/>
-          </a:fontRef>
-        </p:style>
-        <p:txBody>
-          <a:bodyPr rtlCol="0" anchor="ctr"/>
-          <a:lstStyle/>
-          <a:p>
-            <a:pPr algn="ctr"/>
-            <a:r>
-              <a:rPr lang="pt-BR" dirty="0" smtClean="0"/>
-              <a:t>Suporte nível 3</a:t>
-            </a:r>
-            <a:endParaRPr lang="pt-BR" dirty="0"/>
-          </a:p>
-        </p:txBody>
-      </p:sp>
-      <p:sp>
-        <p:nvSpPr>
-          <p:cNvPr id="9" name="Fluxograma: Conector 8"/>
-          <p:cNvSpPr/>
-          <p:nvPr/>
-        </p:nvSpPr>
-        <p:spPr>
-          <a:xfrm>
-            <a:off x="926403" y="1322856"/>
-            <a:ext cx="457200" cy="457200"/>
-          </a:xfrm>
-          <a:prstGeom prst="flowChartConnector">
-            <a:avLst/>
-          </a:prstGeom>
-          <a:ln>
-            <a:solidFill>
-              <a:schemeClr val="tx1"/>
-            </a:solidFill>
-          </a:ln>
-        </p:spPr>
-        <p:style>
-          <a:lnRef idx="2">
-            <a:schemeClr val="accent6"/>
-          </a:lnRef>
-          <a:fillRef idx="1">
-            <a:schemeClr val="lt1"/>
-          </a:fillRef>
-          <a:effectRef idx="0">
-            <a:schemeClr val="accent6"/>
-          </a:effectRef>
-          <a:fontRef idx="minor">
-            <a:schemeClr val="dk1"/>
-          </a:fontRef>
-        </p:style>
-        <p:txBody>
-          <a:bodyPr rtlCol="0" anchor="ctr"/>
-          <a:lstStyle/>
-          <a:p>
-            <a:pPr algn="ctr"/>
-            <a:endParaRPr lang="pt-BR"/>
-          </a:p>
-        </p:txBody>
-      </p:sp>
-      <p:sp>
-        <p:nvSpPr>
-          <p:cNvPr id="10" name="Fluxograma: Conector 9"/>
-          <p:cNvSpPr/>
-          <p:nvPr/>
-        </p:nvSpPr>
-        <p:spPr>
-          <a:xfrm>
-            <a:off x="8815554" y="1246600"/>
-            <a:ext cx="457200" cy="457200"/>
-          </a:xfrm>
-          <a:prstGeom prst="flowChartConnector">
-            <a:avLst/>
-          </a:prstGeom>
-          <a:ln>
-            <a:solidFill>
-              <a:schemeClr val="tx1"/>
-            </a:solidFill>
-          </a:ln>
-        </p:spPr>
-        <p:style>
-          <a:lnRef idx="2">
-            <a:schemeClr val="accent6"/>
-          </a:lnRef>
-          <a:fillRef idx="1">
-            <a:schemeClr val="lt1"/>
-          </a:fillRef>
-          <a:effectRef idx="0">
-            <a:schemeClr val="accent6"/>
-          </a:effectRef>
-          <a:fontRef idx="minor">
-            <a:schemeClr val="dk1"/>
-          </a:fontRef>
-        </p:style>
-        <p:txBody>
-          <a:bodyPr rtlCol="0" anchor="ctr"/>
-          <a:lstStyle/>
-          <a:p>
-            <a:pPr algn="ctr"/>
-            <a:endParaRPr lang="pt-BR"/>
-          </a:p>
-        </p:txBody>
-      </p:sp>
-      <p:sp>
-        <p:nvSpPr>
-          <p:cNvPr id="11" name="Fluxograma: Conector 10"/>
-          <p:cNvSpPr/>
-          <p:nvPr/>
-        </p:nvSpPr>
-        <p:spPr>
-          <a:xfrm>
-            <a:off x="8891754" y="1322800"/>
-            <a:ext cx="304800" cy="304800"/>
-          </a:xfrm>
-          <a:prstGeom prst="flowChartConnector">
-            <a:avLst/>
-          </a:prstGeom>
-        </p:spPr>
-        <p:style>
-          <a:lnRef idx="2">
-            <a:schemeClr val="dk1">
-              <a:shade val="50000"/>
-            </a:schemeClr>
-          </a:lnRef>
-          <a:fillRef idx="1">
-            <a:schemeClr val="dk1"/>
-          </a:fillRef>
-          <a:effectRef idx="0">
-            <a:schemeClr val="dk1"/>
-          </a:effectRef>
-          <a:fontRef idx="minor">
-            <a:schemeClr val="lt1"/>
-          </a:fontRef>
-        </p:style>
-        <p:txBody>
-          <a:bodyPr rtlCol="0" anchor="ctr"/>
-          <a:lstStyle/>
-          <a:p>
-            <a:pPr algn="ctr"/>
-            <a:endParaRPr lang="pt-BR"/>
-          </a:p>
-        </p:txBody>
-      </p:sp>
-      <p:sp>
-        <p:nvSpPr>
-          <p:cNvPr id="12" name="Fluxograma: Processo 11"/>
-          <p:cNvSpPr/>
-          <p:nvPr/>
-        </p:nvSpPr>
-        <p:spPr>
-          <a:xfrm>
-            <a:off x="3338097" y="1219826"/>
-            <a:ext cx="1554480" cy="636813"/>
-          </a:xfrm>
-          <a:prstGeom prst="flowChartProcess">
-            <a:avLst/>
-          </a:prstGeom>
-          <a:ln>
-            <a:solidFill>
-              <a:schemeClr val="tx1"/>
-            </a:solidFill>
-          </a:ln>
-        </p:spPr>
-        <p:style>
-          <a:lnRef idx="2">
-            <a:schemeClr val="accent6"/>
-          </a:lnRef>
-          <a:fillRef idx="1">
-            <a:schemeClr val="lt1"/>
-          </a:fillRef>
-          <a:effectRef idx="0">
-            <a:schemeClr val="accent6"/>
-          </a:effectRef>
-          <a:fontRef idx="minor">
-            <a:schemeClr val="dk1"/>
-          </a:fontRef>
-        </p:style>
-        <p:txBody>
-          <a:bodyPr rtlCol="0" anchor="ctr"/>
-          <a:lstStyle/>
-          <a:p>
-            <a:pPr algn="ctr"/>
-            <a:r>
-              <a:rPr lang="pt-BR" sz="1200" dirty="0" smtClean="0"/>
-              <a:t>Time de TI identifica e registra o problema</a:t>
-            </a:r>
-            <a:endParaRPr lang="pt-BR" sz="1200" dirty="0"/>
-          </a:p>
-        </p:txBody>
-      </p:sp>
-      <p:cxnSp>
-        <p:nvCxnSpPr>
-          <p:cNvPr id="13" name="Conector de Seta Reta 12"/>
-          <p:cNvCxnSpPr>
-            <a:stCxn id="9" idx="6"/>
-          </p:cNvCxnSpPr>
-          <p:nvPr/>
-        </p:nvCxnSpPr>
-        <p:spPr>
-          <a:xfrm>
-            <a:off x="1383603" y="1551456"/>
-            <a:ext cx="236592" cy="6322"/>
-          </a:xfrm>
-          <a:prstGeom prst="straightConnector1">
-            <a:avLst/>
-          </a:prstGeom>
-          <a:ln>
-            <a:tailEnd type="triangle"/>
-          </a:ln>
-        </p:spPr>
-        <p:style>
-          <a:lnRef idx="1">
-            <a:schemeClr val="dk1"/>
-          </a:lnRef>
-          <a:fillRef idx="0">
-            <a:schemeClr val="dk1"/>
-          </a:fillRef>
-          <a:effectRef idx="0">
-            <a:schemeClr val="dk1"/>
-          </a:effectRef>
-          <a:fontRef idx="minor">
-            <a:schemeClr val="tx1"/>
-          </a:fontRef>
-        </p:style>
-      </p:cxnSp>
-      <p:sp>
-        <p:nvSpPr>
-          <p:cNvPr id="14" name="Fluxograma: Processo 13"/>
-          <p:cNvSpPr/>
-          <p:nvPr/>
-        </p:nvSpPr>
-        <p:spPr>
-          <a:xfrm>
-            <a:off x="561191" y="2373514"/>
-            <a:ext cx="1140823" cy="636813"/>
-          </a:xfrm>
-          <a:prstGeom prst="flowChartProcess">
-            <a:avLst/>
-          </a:prstGeom>
-          <a:ln>
-            <a:solidFill>
-              <a:schemeClr val="tx1"/>
-            </a:solidFill>
-          </a:ln>
-        </p:spPr>
-        <p:style>
-          <a:lnRef idx="2">
-            <a:schemeClr val="accent6"/>
-          </a:lnRef>
-          <a:fillRef idx="1">
-            <a:schemeClr val="lt1"/>
-          </a:fillRef>
-          <a:effectRef idx="0">
-            <a:schemeClr val="accent6"/>
-          </a:effectRef>
-          <a:fontRef idx="minor">
-            <a:schemeClr val="dk1"/>
-          </a:fontRef>
-        </p:style>
-        <p:txBody>
-          <a:bodyPr rtlCol="0" anchor="ctr"/>
-          <a:lstStyle/>
-          <a:p>
-            <a:pPr algn="ctr"/>
-            <a:r>
-              <a:rPr lang="pt-BR" sz="1200" dirty="0" smtClean="0"/>
-              <a:t>Problema é recebido</a:t>
-            </a:r>
-            <a:endParaRPr lang="pt-BR" sz="1200" dirty="0"/>
-          </a:p>
-        </p:txBody>
-      </p:sp>
-      <p:sp>
-        <p:nvSpPr>
-          <p:cNvPr id="15" name="Fluxograma: Processo 14"/>
-          <p:cNvSpPr/>
-          <p:nvPr/>
-        </p:nvSpPr>
-        <p:spPr>
-          <a:xfrm>
-            <a:off x="1991880" y="2373514"/>
-            <a:ext cx="1140823" cy="636813"/>
-          </a:xfrm>
-          <a:prstGeom prst="flowChartProcess">
-            <a:avLst/>
-          </a:prstGeom>
-          <a:ln>
-            <a:solidFill>
-              <a:schemeClr val="tx1"/>
-            </a:solidFill>
-          </a:ln>
-        </p:spPr>
-        <p:style>
-          <a:lnRef idx="2">
-            <a:schemeClr val="accent6"/>
-          </a:lnRef>
-          <a:fillRef idx="1">
-            <a:schemeClr val="lt1"/>
-          </a:fillRef>
-          <a:effectRef idx="0">
-            <a:schemeClr val="accent6"/>
-          </a:effectRef>
-          <a:fontRef idx="minor">
-            <a:schemeClr val="dk1"/>
-          </a:fontRef>
-        </p:style>
-        <p:txBody>
-          <a:bodyPr rtlCol="0" anchor="ctr"/>
-          <a:lstStyle/>
-          <a:p>
-            <a:pPr algn="ctr"/>
-            <a:r>
-              <a:rPr lang="pt-BR" sz="1200" dirty="0"/>
-              <a:t>Problema</a:t>
-            </a:r>
-            <a:r>
-              <a:rPr lang="pt-BR" sz="1200" dirty="0" smtClean="0"/>
-              <a:t> é registrado</a:t>
-            </a:r>
-            <a:endParaRPr lang="pt-BR" sz="1200" dirty="0"/>
-          </a:p>
-        </p:txBody>
-      </p:sp>
-      <p:sp>
-        <p:nvSpPr>
-          <p:cNvPr id="16" name="Fluxograma: Processo 15"/>
-          <p:cNvSpPr/>
-          <p:nvPr/>
-        </p:nvSpPr>
-        <p:spPr>
-          <a:xfrm>
-            <a:off x="3421191" y="2373513"/>
-            <a:ext cx="1150567" cy="636813"/>
-          </a:xfrm>
-          <a:prstGeom prst="flowChartProcess">
-            <a:avLst/>
-          </a:prstGeom>
-          <a:ln>
-            <a:solidFill>
-              <a:schemeClr val="tx1"/>
-            </a:solidFill>
-          </a:ln>
-        </p:spPr>
-        <p:style>
-          <a:lnRef idx="2">
-            <a:schemeClr val="accent6"/>
-          </a:lnRef>
-          <a:fillRef idx="1">
-            <a:schemeClr val="lt1"/>
-          </a:fillRef>
-          <a:effectRef idx="0">
-            <a:schemeClr val="accent6"/>
-          </a:effectRef>
-          <a:fontRef idx="minor">
-            <a:schemeClr val="dk1"/>
-          </a:fontRef>
-        </p:style>
-        <p:txBody>
-          <a:bodyPr rtlCol="0" anchor="ctr"/>
-          <a:lstStyle/>
-          <a:p>
-            <a:pPr algn="ctr"/>
-            <a:r>
-              <a:rPr lang="pt-BR" sz="1200" dirty="0"/>
-              <a:t>Problema </a:t>
-            </a:r>
-            <a:r>
-              <a:rPr lang="pt-BR" sz="1200" dirty="0" smtClean="0"/>
-              <a:t> é classificado </a:t>
-            </a:r>
-            <a:endParaRPr lang="pt-BR" sz="1200" dirty="0"/>
-          </a:p>
-        </p:txBody>
-      </p:sp>
-      <p:cxnSp>
-        <p:nvCxnSpPr>
-          <p:cNvPr id="17" name="Conector de Seta Reta 16"/>
-          <p:cNvCxnSpPr/>
-          <p:nvPr/>
-        </p:nvCxnSpPr>
-        <p:spPr>
-          <a:xfrm>
-            <a:off x="1702014" y="2678857"/>
-            <a:ext cx="307624" cy="0"/>
-          </a:xfrm>
-          <a:prstGeom prst="straightConnector1">
-            <a:avLst/>
-          </a:prstGeom>
-          <a:ln>
-            <a:solidFill>
-              <a:schemeClr val="tx1"/>
-            </a:solidFill>
-            <a:tailEnd type="triangle"/>
-          </a:ln>
-        </p:spPr>
-        <p:style>
-          <a:lnRef idx="1">
-            <a:schemeClr val="accent1"/>
-          </a:lnRef>
-          <a:fillRef idx="0">
-            <a:schemeClr val="accent1"/>
-          </a:fillRef>
-          <a:effectRef idx="0">
-            <a:schemeClr val="accent1"/>
-          </a:effectRef>
-          <a:fontRef idx="minor">
-            <a:schemeClr val="tx1"/>
-          </a:fontRef>
-        </p:style>
-      </p:cxnSp>
-      <p:sp>
-        <p:nvSpPr>
-          <p:cNvPr id="18" name="Fluxograma: Processo 17"/>
-          <p:cNvSpPr/>
-          <p:nvPr/>
-        </p:nvSpPr>
-        <p:spPr>
-          <a:xfrm>
-            <a:off x="4860241" y="2369161"/>
-            <a:ext cx="1140818" cy="636813"/>
-          </a:xfrm>
-          <a:prstGeom prst="flowChartProcess">
-            <a:avLst/>
-          </a:prstGeom>
-          <a:ln>
-            <a:solidFill>
-              <a:schemeClr val="tx1"/>
-            </a:solidFill>
-          </a:ln>
-        </p:spPr>
-        <p:style>
-          <a:lnRef idx="2">
-            <a:schemeClr val="accent6"/>
-          </a:lnRef>
-          <a:fillRef idx="1">
-            <a:schemeClr val="lt1"/>
-          </a:fillRef>
-          <a:effectRef idx="0">
-            <a:schemeClr val="accent6"/>
-          </a:effectRef>
-          <a:fontRef idx="minor">
-            <a:schemeClr val="dk1"/>
-          </a:fontRef>
-        </p:style>
-        <p:txBody>
-          <a:bodyPr rtlCol="0" anchor="ctr"/>
-          <a:lstStyle/>
-          <a:p>
-            <a:pPr algn="ctr"/>
-            <a:r>
-              <a:rPr lang="pt-BR" sz="1200" dirty="0"/>
-              <a:t>Problema</a:t>
-            </a:r>
-            <a:r>
-              <a:rPr lang="pt-BR" sz="1200" dirty="0" smtClean="0"/>
-              <a:t> é priorizado </a:t>
-            </a:r>
-            <a:endParaRPr lang="pt-BR" sz="1200" dirty="0"/>
-          </a:p>
-        </p:txBody>
-      </p:sp>
-      <p:sp>
-        <p:nvSpPr>
-          <p:cNvPr id="19" name="Fluxograma: Decisão 18"/>
-          <p:cNvSpPr/>
-          <p:nvPr/>
-        </p:nvSpPr>
-        <p:spPr>
-          <a:xfrm>
-            <a:off x="3621425" y="3575989"/>
-            <a:ext cx="1549870" cy="731115"/>
-          </a:xfrm>
-          <a:prstGeom prst="flowChartDecision">
-            <a:avLst/>
-          </a:prstGeom>
-          <a:ln>
-            <a:solidFill>
-              <a:schemeClr val="tx1"/>
-            </a:solidFill>
-          </a:ln>
-        </p:spPr>
-        <p:style>
-          <a:lnRef idx="2">
-            <a:schemeClr val="accent6"/>
-          </a:lnRef>
-          <a:fillRef idx="1">
-            <a:schemeClr val="lt1"/>
-          </a:fillRef>
-          <a:effectRef idx="0">
-            <a:schemeClr val="accent6"/>
-          </a:effectRef>
-          <a:fontRef idx="minor">
-            <a:schemeClr val="dk1"/>
-          </a:fontRef>
-        </p:style>
-        <p:txBody>
-          <a:bodyPr rtlCol="0" anchor="ctr"/>
-          <a:lstStyle/>
-          <a:p>
-            <a:pPr algn="ctr"/>
-            <a:r>
-              <a:rPr lang="pt-BR" sz="900" dirty="0" smtClean="0"/>
-              <a:t>Problema pode ser resolvido?</a:t>
-            </a:r>
-            <a:endParaRPr lang="pt-BR" sz="900" dirty="0"/>
-          </a:p>
-        </p:txBody>
-      </p:sp>
-      <p:sp>
-        <p:nvSpPr>
-          <p:cNvPr id="20" name="Fluxograma: Processo 19"/>
-          <p:cNvSpPr/>
-          <p:nvPr/>
-        </p:nvSpPr>
-        <p:spPr>
-          <a:xfrm>
-            <a:off x="584591" y="3624716"/>
-            <a:ext cx="1140818" cy="636813"/>
-          </a:xfrm>
-          <a:prstGeom prst="flowChartProcess">
-            <a:avLst/>
-          </a:prstGeom>
-          <a:ln>
-            <a:solidFill>
-              <a:schemeClr val="tx1"/>
-            </a:solidFill>
-          </a:ln>
-        </p:spPr>
-        <p:style>
-          <a:lnRef idx="2">
-            <a:schemeClr val="accent6"/>
-          </a:lnRef>
-          <a:fillRef idx="1">
-            <a:schemeClr val="lt1"/>
-          </a:fillRef>
-          <a:effectRef idx="0">
-            <a:schemeClr val="accent6"/>
-          </a:effectRef>
-          <a:fontRef idx="minor">
-            <a:schemeClr val="dk1"/>
-          </a:fontRef>
-        </p:style>
-        <p:txBody>
-          <a:bodyPr rtlCol="0" anchor="ctr"/>
-          <a:lstStyle/>
-          <a:p>
-            <a:pPr algn="ctr"/>
-            <a:r>
-              <a:rPr lang="pt-BR" sz="1200" dirty="0"/>
-              <a:t>Problema</a:t>
-            </a:r>
-            <a:r>
-              <a:rPr lang="pt-BR" sz="1200" dirty="0" smtClean="0"/>
-              <a:t> é diagnosticado</a:t>
-            </a:r>
-            <a:endParaRPr lang="pt-BR" sz="1200" dirty="0"/>
-          </a:p>
-        </p:txBody>
-      </p:sp>
-      <p:cxnSp>
-        <p:nvCxnSpPr>
-          <p:cNvPr id="21" name="Conector de Seta Reta 20"/>
-          <p:cNvCxnSpPr/>
-          <p:nvPr/>
-        </p:nvCxnSpPr>
-        <p:spPr>
-          <a:xfrm>
-            <a:off x="3132703" y="2691920"/>
-            <a:ext cx="307624" cy="0"/>
-          </a:xfrm>
-          <a:prstGeom prst="straightConnector1">
-            <a:avLst/>
-          </a:prstGeom>
-          <a:ln>
-            <a:solidFill>
-              <a:schemeClr val="tx1"/>
-            </a:solidFill>
-            <a:tailEnd type="triangle"/>
-          </a:ln>
-        </p:spPr>
-        <p:style>
-          <a:lnRef idx="1">
-            <a:schemeClr val="accent1"/>
-          </a:lnRef>
-          <a:fillRef idx="0">
-            <a:schemeClr val="accent1"/>
-          </a:fillRef>
-          <a:effectRef idx="0">
-            <a:schemeClr val="accent1"/>
-          </a:effectRef>
-          <a:fontRef idx="minor">
-            <a:schemeClr val="tx1"/>
-          </a:fontRef>
-        </p:style>
-      </p:cxnSp>
-      <p:cxnSp>
-        <p:nvCxnSpPr>
-          <p:cNvPr id="22" name="Conector de Seta Reta 21"/>
-          <p:cNvCxnSpPr/>
-          <p:nvPr/>
-        </p:nvCxnSpPr>
-        <p:spPr>
-          <a:xfrm>
-            <a:off x="4571758" y="2691919"/>
-            <a:ext cx="307624" cy="0"/>
-          </a:xfrm>
-          <a:prstGeom prst="straightConnector1">
-            <a:avLst/>
-          </a:prstGeom>
-          <a:ln>
-            <a:solidFill>
-              <a:schemeClr val="tx1"/>
-            </a:solidFill>
-            <a:tailEnd type="triangle"/>
-          </a:ln>
-        </p:spPr>
-        <p:style>
-          <a:lnRef idx="1">
-            <a:schemeClr val="accent1"/>
-          </a:lnRef>
-          <a:fillRef idx="0">
-            <a:schemeClr val="accent1"/>
-          </a:fillRef>
-          <a:effectRef idx="0">
-            <a:schemeClr val="accent1"/>
-          </a:effectRef>
-          <a:fontRef idx="minor">
-            <a:schemeClr val="tx1"/>
-          </a:fontRef>
-        </p:style>
-      </p:cxnSp>
-      <p:cxnSp>
-        <p:nvCxnSpPr>
-          <p:cNvPr id="23" name="Conector de Seta Reta 22"/>
-          <p:cNvCxnSpPr>
-            <a:stCxn id="20" idx="3"/>
-            <a:endCxn id="55" idx="1"/>
-          </p:cNvCxnSpPr>
-          <p:nvPr/>
-        </p:nvCxnSpPr>
-        <p:spPr>
-          <a:xfrm flipV="1">
-            <a:off x="1725409" y="3938479"/>
-            <a:ext cx="414793" cy="4644"/>
-          </a:xfrm>
-          <a:prstGeom prst="straightConnector1">
-            <a:avLst/>
-          </a:prstGeom>
-          <a:ln>
-            <a:solidFill>
-              <a:schemeClr val="tx1"/>
-            </a:solidFill>
-            <a:tailEnd type="triangle"/>
-          </a:ln>
-        </p:spPr>
-        <p:style>
-          <a:lnRef idx="1">
-            <a:schemeClr val="accent1"/>
-          </a:lnRef>
-          <a:fillRef idx="0">
-            <a:schemeClr val="accent1"/>
-          </a:fillRef>
-          <a:effectRef idx="0">
-            <a:schemeClr val="accent1"/>
-          </a:effectRef>
-          <a:fontRef idx="minor">
-            <a:schemeClr val="tx1"/>
-          </a:fontRef>
-        </p:style>
-      </p:cxnSp>
-      <p:sp>
-        <p:nvSpPr>
-          <p:cNvPr id="24" name="Fluxograma: Processo 23"/>
-          <p:cNvSpPr/>
-          <p:nvPr/>
-        </p:nvSpPr>
-        <p:spPr>
-          <a:xfrm>
-            <a:off x="5609244" y="3627970"/>
-            <a:ext cx="1140818" cy="636813"/>
-          </a:xfrm>
-          <a:prstGeom prst="flowChartProcess">
-            <a:avLst/>
-          </a:prstGeom>
-          <a:ln>
-            <a:solidFill>
-              <a:schemeClr val="tx1"/>
-            </a:solidFill>
-          </a:ln>
-        </p:spPr>
-        <p:style>
-          <a:lnRef idx="2">
-            <a:schemeClr val="accent6"/>
-          </a:lnRef>
-          <a:fillRef idx="1">
-            <a:schemeClr val="lt1"/>
-          </a:fillRef>
-          <a:effectRef idx="0">
-            <a:schemeClr val="accent6"/>
-          </a:effectRef>
-          <a:fontRef idx="minor">
-            <a:schemeClr val="dk1"/>
-          </a:fontRef>
-        </p:style>
-        <p:txBody>
-          <a:bodyPr rtlCol="0" anchor="ctr"/>
-          <a:lstStyle/>
-          <a:p>
-            <a:pPr algn="ctr"/>
-            <a:r>
-              <a:rPr lang="pt-BR" sz="1200" dirty="0" smtClean="0"/>
-              <a:t>Resolver</a:t>
-            </a:r>
-            <a:endParaRPr lang="pt-BR" sz="1200" dirty="0"/>
-          </a:p>
-        </p:txBody>
-      </p:sp>
-      <p:sp>
-        <p:nvSpPr>
-          <p:cNvPr id="25" name="CaixaDeTexto 24"/>
-          <p:cNvSpPr txBox="1"/>
-          <p:nvPr/>
-        </p:nvSpPr>
-        <p:spPr>
-          <a:xfrm>
-            <a:off x="5139029" y="3717444"/>
-            <a:ext cx="485765" cy="246221"/>
-          </a:xfrm>
-          <a:prstGeom prst="rect">
-            <a:avLst/>
-          </a:prstGeom>
-          <a:noFill/>
-        </p:spPr>
-        <p:txBody>
-          <a:bodyPr wrap="square" rtlCol="0">
-            <a:spAutoFit/>
-          </a:bodyPr>
-          <a:lstStyle/>
-          <a:p>
-            <a:r>
-              <a:rPr lang="pt-BR" sz="1000" dirty="0" smtClean="0"/>
-              <a:t>sim</a:t>
-            </a:r>
-            <a:endParaRPr lang="pt-BR" sz="1000" dirty="0"/>
-          </a:p>
-        </p:txBody>
-      </p:sp>
-      <p:sp>
-        <p:nvSpPr>
-          <p:cNvPr id="26" name="CaixaDeTexto 25"/>
-          <p:cNvSpPr txBox="1"/>
-          <p:nvPr/>
-        </p:nvSpPr>
-        <p:spPr>
-          <a:xfrm>
-            <a:off x="4460874" y="4308626"/>
-            <a:ext cx="485765" cy="246221"/>
-          </a:xfrm>
-          <a:prstGeom prst="rect">
-            <a:avLst/>
-          </a:prstGeom>
-          <a:noFill/>
-        </p:spPr>
-        <p:txBody>
-          <a:bodyPr wrap="square" rtlCol="0">
-            <a:spAutoFit/>
-          </a:bodyPr>
-          <a:lstStyle/>
-          <a:p>
-            <a:r>
-              <a:rPr lang="pt-BR" sz="1000" dirty="0" smtClean="0"/>
-              <a:t>não</a:t>
-            </a:r>
-            <a:endParaRPr lang="pt-BR" sz="1000" dirty="0"/>
-          </a:p>
-        </p:txBody>
-      </p:sp>
-      <p:sp>
-        <p:nvSpPr>
-          <p:cNvPr id="27" name="Retângulo 26"/>
-          <p:cNvSpPr/>
-          <p:nvPr/>
-        </p:nvSpPr>
-        <p:spPr>
-          <a:xfrm>
-            <a:off x="486068" y="1975452"/>
-            <a:ext cx="10489475" cy="228600"/>
-          </a:xfrm>
-          <a:prstGeom prst="rect">
-            <a:avLst/>
-          </a:prstGeom>
-          <a:ln>
-            <a:solidFill>
-              <a:schemeClr val="tx1"/>
-            </a:solidFill>
-          </a:ln>
-        </p:spPr>
-        <p:style>
-          <a:lnRef idx="2">
-            <a:schemeClr val="accent6"/>
-          </a:lnRef>
-          <a:fillRef idx="1">
-            <a:schemeClr val="lt1"/>
-          </a:fillRef>
-          <a:effectRef idx="0">
-            <a:schemeClr val="accent6"/>
-          </a:effectRef>
-          <a:fontRef idx="minor">
-            <a:schemeClr val="dk1"/>
-          </a:fontRef>
-        </p:style>
-        <p:txBody>
-          <a:bodyPr rtlCol="0" anchor="ctr"/>
-          <a:lstStyle/>
-          <a:p>
-            <a:pPr algn="ctr"/>
-            <a:r>
-              <a:rPr lang="pt-BR" dirty="0"/>
-              <a:t>Central de serviços de </a:t>
-            </a:r>
-            <a:r>
-              <a:rPr lang="pt-BR" dirty="0" smtClean="0"/>
-              <a:t>TI</a:t>
-            </a:r>
-            <a:endParaRPr lang="pt-BR" dirty="0"/>
-          </a:p>
-        </p:txBody>
-      </p:sp>
-      <p:sp>
-        <p:nvSpPr>
-          <p:cNvPr id="28" name="Retângulo 27"/>
-          <p:cNvSpPr/>
-          <p:nvPr/>
-        </p:nvSpPr>
-        <p:spPr>
-          <a:xfrm>
-            <a:off x="486068" y="4718576"/>
-            <a:ext cx="10489475" cy="1086601"/>
-          </a:xfrm>
-          <a:prstGeom prst="rect">
-            <a:avLst/>
-          </a:prstGeom>
-          <a:ln>
-            <a:solidFill>
-              <a:schemeClr val="tx1"/>
-            </a:solidFill>
-          </a:ln>
-        </p:spPr>
-        <p:style>
-          <a:lnRef idx="2">
-            <a:schemeClr val="accent6"/>
-          </a:lnRef>
-          <a:fillRef idx="1">
-            <a:schemeClr val="lt1"/>
-          </a:fillRef>
-          <a:effectRef idx="0">
-            <a:schemeClr val="accent6"/>
-          </a:effectRef>
-          <a:fontRef idx="minor">
-            <a:schemeClr val="dk1"/>
-          </a:fontRef>
-        </p:style>
-        <p:txBody>
-          <a:bodyPr rtlCol="0" anchor="ctr"/>
-          <a:lstStyle/>
-          <a:p>
-            <a:pPr algn="ctr"/>
-            <a:endParaRPr lang="pt-BR" dirty="0"/>
-          </a:p>
-        </p:txBody>
-      </p:sp>
-      <p:cxnSp>
-        <p:nvCxnSpPr>
-          <p:cNvPr id="29" name="Conector Angulado 28"/>
-          <p:cNvCxnSpPr>
-            <a:stCxn id="12" idx="2"/>
-            <a:endCxn id="14" idx="0"/>
-          </p:cNvCxnSpPr>
-          <p:nvPr/>
-        </p:nvCxnSpPr>
-        <p:spPr>
-          <a:xfrm rot="5400000">
-            <a:off x="2365033" y="623209"/>
-            <a:ext cx="516875" cy="2983734"/>
-          </a:xfrm>
-          <a:prstGeom prst="bentConnector3">
-            <a:avLst>
-              <a:gd name="adj1" fmla="val 50000"/>
-            </a:avLst>
-          </a:prstGeom>
-          <a:ln>
-            <a:tailEnd type="triangle"/>
-          </a:ln>
-        </p:spPr>
-        <p:style>
-          <a:lnRef idx="1">
-            <a:schemeClr val="dk1"/>
-          </a:lnRef>
-          <a:fillRef idx="0">
-            <a:schemeClr val="dk1"/>
-          </a:fillRef>
-          <a:effectRef idx="0">
-            <a:schemeClr val="dk1"/>
-          </a:effectRef>
-          <a:fontRef idx="minor">
-            <a:schemeClr val="tx1"/>
-          </a:fontRef>
-        </p:style>
-      </p:cxnSp>
-      <p:sp>
-        <p:nvSpPr>
-          <p:cNvPr id="30" name="Fluxograma: Processo 29"/>
-          <p:cNvSpPr/>
-          <p:nvPr/>
-        </p:nvSpPr>
-        <p:spPr>
-          <a:xfrm>
-            <a:off x="584591" y="4986954"/>
-            <a:ext cx="1140818" cy="636813"/>
-          </a:xfrm>
-          <a:prstGeom prst="flowChartProcess">
-            <a:avLst/>
-          </a:prstGeom>
-          <a:ln>
-            <a:solidFill>
-              <a:schemeClr val="tx1"/>
-            </a:solidFill>
-          </a:ln>
-        </p:spPr>
-        <p:style>
-          <a:lnRef idx="2">
-            <a:schemeClr val="accent6"/>
-          </a:lnRef>
-          <a:fillRef idx="1">
-            <a:schemeClr val="lt1"/>
-          </a:fillRef>
-          <a:effectRef idx="0">
-            <a:schemeClr val="accent6"/>
-          </a:effectRef>
-          <a:fontRef idx="minor">
-            <a:schemeClr val="dk1"/>
-          </a:fontRef>
-        </p:style>
-        <p:txBody>
-          <a:bodyPr rtlCol="0" anchor="ctr"/>
-          <a:lstStyle/>
-          <a:p>
-            <a:pPr algn="ctr"/>
-            <a:r>
-              <a:rPr lang="pt-BR" sz="1200" dirty="0" smtClean="0"/>
-              <a:t>Escalar para próximo nível</a:t>
-            </a:r>
-          </a:p>
-        </p:txBody>
-      </p:sp>
-      <p:sp>
-        <p:nvSpPr>
-          <p:cNvPr id="31" name="Fluxograma: Processo 30"/>
-          <p:cNvSpPr/>
-          <p:nvPr/>
-        </p:nvSpPr>
-        <p:spPr>
-          <a:xfrm>
-            <a:off x="2028781" y="4967819"/>
-            <a:ext cx="1140818" cy="636813"/>
-          </a:xfrm>
-          <a:prstGeom prst="flowChartProcess">
-            <a:avLst/>
-          </a:prstGeom>
-          <a:ln>
-            <a:solidFill>
-              <a:schemeClr val="tx1"/>
-            </a:solidFill>
-          </a:ln>
-        </p:spPr>
-        <p:style>
-          <a:lnRef idx="2">
-            <a:schemeClr val="accent6"/>
-          </a:lnRef>
-          <a:fillRef idx="1">
-            <a:schemeClr val="lt1"/>
-          </a:fillRef>
-          <a:effectRef idx="0">
-            <a:schemeClr val="accent6"/>
-          </a:effectRef>
-          <a:fontRef idx="minor">
-            <a:schemeClr val="dk1"/>
-          </a:fontRef>
-        </p:style>
-        <p:txBody>
-          <a:bodyPr rtlCol="0" anchor="ctr"/>
-          <a:lstStyle/>
-          <a:p>
-            <a:pPr algn="ctr"/>
-            <a:r>
-              <a:rPr lang="pt-BR" sz="1200" dirty="0"/>
-              <a:t>Investiga a causa raiz</a:t>
-            </a:r>
-          </a:p>
-        </p:txBody>
-      </p:sp>
-      <p:cxnSp>
-        <p:nvCxnSpPr>
-          <p:cNvPr id="32" name="Conector Angulado 31"/>
-          <p:cNvCxnSpPr>
-            <a:stCxn id="19" idx="2"/>
-            <a:endCxn id="30" idx="0"/>
-          </p:cNvCxnSpPr>
-          <p:nvPr/>
-        </p:nvCxnSpPr>
-        <p:spPr>
-          <a:xfrm rot="5400000">
-            <a:off x="2435755" y="3026349"/>
-            <a:ext cx="679850" cy="3241360"/>
-          </a:xfrm>
-          <a:prstGeom prst="bentConnector3">
-            <a:avLst>
-              <a:gd name="adj1" fmla="val 50000"/>
-            </a:avLst>
-          </a:prstGeom>
-          <a:ln>
-            <a:tailEnd type="triangle"/>
-          </a:ln>
-        </p:spPr>
-        <p:style>
-          <a:lnRef idx="1">
-            <a:schemeClr val="dk1"/>
-          </a:lnRef>
-          <a:fillRef idx="0">
-            <a:schemeClr val="dk1"/>
-          </a:fillRef>
-          <a:effectRef idx="0">
-            <a:schemeClr val="dk1"/>
-          </a:effectRef>
-          <a:fontRef idx="minor">
-            <a:schemeClr val="tx1"/>
-          </a:fontRef>
-        </p:style>
-      </p:cxnSp>
-      <p:cxnSp>
-        <p:nvCxnSpPr>
-          <p:cNvPr id="33" name="Conector de Seta Reta 32"/>
-          <p:cNvCxnSpPr/>
-          <p:nvPr/>
-        </p:nvCxnSpPr>
-        <p:spPr>
-          <a:xfrm>
-            <a:off x="1725409" y="5270575"/>
-            <a:ext cx="307624" cy="0"/>
-          </a:xfrm>
-          <a:prstGeom prst="straightConnector1">
-            <a:avLst/>
-          </a:prstGeom>
-          <a:ln>
-            <a:solidFill>
-              <a:schemeClr val="tx1"/>
-            </a:solidFill>
-            <a:tailEnd type="triangle"/>
-          </a:ln>
-        </p:spPr>
-        <p:style>
-          <a:lnRef idx="1">
-            <a:schemeClr val="accent1"/>
-          </a:lnRef>
-          <a:fillRef idx="0">
-            <a:schemeClr val="accent1"/>
-          </a:fillRef>
-          <a:effectRef idx="0">
-            <a:schemeClr val="accent1"/>
-          </a:effectRef>
-          <a:fontRef idx="minor">
-            <a:schemeClr val="tx1"/>
-          </a:fontRef>
-        </p:style>
-      </p:cxnSp>
-      <p:cxnSp>
-        <p:nvCxnSpPr>
-          <p:cNvPr id="34" name="Conector Angulado 33"/>
-          <p:cNvCxnSpPr>
-            <a:stCxn id="18" idx="2"/>
-            <a:endCxn id="20" idx="0"/>
-          </p:cNvCxnSpPr>
-          <p:nvPr/>
-        </p:nvCxnSpPr>
-        <p:spPr>
-          <a:xfrm rot="5400000">
-            <a:off x="2983454" y="1177520"/>
-            <a:ext cx="618742" cy="4275650"/>
-          </a:xfrm>
-          <a:prstGeom prst="bentConnector3">
-            <a:avLst>
-              <a:gd name="adj1" fmla="val 17672"/>
-            </a:avLst>
-          </a:prstGeom>
-          <a:ln>
-            <a:tailEnd type="triangle"/>
-          </a:ln>
-        </p:spPr>
-        <p:style>
-          <a:lnRef idx="1">
-            <a:schemeClr val="dk1"/>
-          </a:lnRef>
-          <a:fillRef idx="0">
-            <a:schemeClr val="dk1"/>
-          </a:fillRef>
-          <a:effectRef idx="0">
-            <a:schemeClr val="dk1"/>
-          </a:effectRef>
-          <a:fontRef idx="minor">
-            <a:schemeClr val="tx1"/>
-          </a:fontRef>
-        </p:style>
-      </p:cxnSp>
-      <p:sp>
-        <p:nvSpPr>
-          <p:cNvPr id="35" name="Fluxograma: Decisão 34"/>
-          <p:cNvSpPr/>
-          <p:nvPr/>
-        </p:nvSpPr>
-        <p:spPr>
-          <a:xfrm>
-            <a:off x="3437845" y="4934805"/>
-            <a:ext cx="1354982" cy="731115"/>
-          </a:xfrm>
-          <a:prstGeom prst="flowChartDecision">
-            <a:avLst/>
-          </a:prstGeom>
-          <a:ln>
-            <a:solidFill>
-              <a:schemeClr val="tx1"/>
-            </a:solidFill>
-          </a:ln>
-        </p:spPr>
-        <p:style>
-          <a:lnRef idx="2">
-            <a:schemeClr val="accent6"/>
-          </a:lnRef>
-          <a:fillRef idx="1">
-            <a:schemeClr val="lt1"/>
-          </a:fillRef>
-          <a:effectRef idx="0">
-            <a:schemeClr val="accent6"/>
-          </a:effectRef>
-          <a:fontRef idx="minor">
-            <a:schemeClr val="dk1"/>
-          </a:fontRef>
-        </p:style>
-        <p:txBody>
-          <a:bodyPr rtlCol="0" anchor="ctr"/>
-          <a:lstStyle/>
-          <a:p>
-            <a:pPr algn="ctr"/>
-            <a:r>
-              <a:rPr lang="pt-BR" sz="900" dirty="0" smtClean="0"/>
-              <a:t>Problema pode ser resolvido?</a:t>
-            </a:r>
-            <a:endParaRPr lang="pt-BR" sz="900" dirty="0"/>
-          </a:p>
-        </p:txBody>
-      </p:sp>
-      <p:cxnSp>
-        <p:nvCxnSpPr>
-          <p:cNvPr id="36" name="Conector de Seta Reta 35"/>
-          <p:cNvCxnSpPr/>
-          <p:nvPr/>
-        </p:nvCxnSpPr>
-        <p:spPr>
-          <a:xfrm>
-            <a:off x="3149367" y="5300363"/>
-            <a:ext cx="307624" cy="0"/>
-          </a:xfrm>
-          <a:prstGeom prst="straightConnector1">
-            <a:avLst/>
-          </a:prstGeom>
-          <a:ln>
-            <a:solidFill>
-              <a:schemeClr val="tx1"/>
-            </a:solidFill>
-            <a:tailEnd type="triangle"/>
-          </a:ln>
-        </p:spPr>
-        <p:style>
-          <a:lnRef idx="1">
-            <a:schemeClr val="accent1"/>
-          </a:lnRef>
-          <a:fillRef idx="0">
-            <a:schemeClr val="accent1"/>
-          </a:fillRef>
-          <a:effectRef idx="0">
-            <a:schemeClr val="accent1"/>
-          </a:effectRef>
-          <a:fontRef idx="minor">
-            <a:schemeClr val="tx1"/>
-          </a:fontRef>
-        </p:style>
-      </p:cxnSp>
-      <p:sp>
-        <p:nvSpPr>
-          <p:cNvPr id="37" name="Fluxograma: Processo 36"/>
-          <p:cNvSpPr/>
-          <p:nvPr/>
-        </p:nvSpPr>
-        <p:spPr>
-          <a:xfrm>
-            <a:off x="5100451" y="4986954"/>
-            <a:ext cx="1140818" cy="636813"/>
-          </a:xfrm>
-          <a:prstGeom prst="flowChartProcess">
-            <a:avLst/>
-          </a:prstGeom>
-          <a:ln>
-            <a:solidFill>
-              <a:schemeClr val="tx1"/>
-            </a:solidFill>
-          </a:ln>
-        </p:spPr>
-        <p:style>
-          <a:lnRef idx="2">
-            <a:schemeClr val="accent6"/>
-          </a:lnRef>
-          <a:fillRef idx="1">
-            <a:schemeClr val="lt1"/>
-          </a:fillRef>
-          <a:effectRef idx="0">
-            <a:schemeClr val="accent6"/>
-          </a:effectRef>
-          <a:fontRef idx="minor">
-            <a:schemeClr val="dk1"/>
-          </a:fontRef>
-        </p:style>
-        <p:txBody>
-          <a:bodyPr rtlCol="0" anchor="ctr"/>
-          <a:lstStyle/>
-          <a:p>
-            <a:pPr algn="ctr"/>
-            <a:r>
-              <a:rPr lang="pt-BR" sz="1200" dirty="0" smtClean="0"/>
-              <a:t>Resolver</a:t>
-            </a:r>
-            <a:endParaRPr lang="pt-BR" sz="1200" dirty="0"/>
-          </a:p>
-        </p:txBody>
-      </p:sp>
-      <p:sp>
-        <p:nvSpPr>
-          <p:cNvPr id="38" name="CaixaDeTexto 37"/>
-          <p:cNvSpPr txBox="1"/>
-          <p:nvPr/>
-        </p:nvSpPr>
-        <p:spPr>
-          <a:xfrm>
-            <a:off x="4718526" y="5062851"/>
-            <a:ext cx="485765" cy="246221"/>
-          </a:xfrm>
-          <a:prstGeom prst="rect">
-            <a:avLst/>
-          </a:prstGeom>
-          <a:noFill/>
-        </p:spPr>
-        <p:txBody>
-          <a:bodyPr wrap="square" rtlCol="0">
-            <a:spAutoFit/>
-          </a:bodyPr>
-          <a:lstStyle/>
-          <a:p>
-            <a:r>
-              <a:rPr lang="pt-BR" sz="1000" dirty="0" smtClean="0"/>
-              <a:t>sim</a:t>
-            </a:r>
-            <a:endParaRPr lang="pt-BR" sz="1000" dirty="0"/>
-          </a:p>
-        </p:txBody>
-      </p:sp>
-      <p:sp>
-        <p:nvSpPr>
-          <p:cNvPr id="39" name="CaixaDeTexto 38"/>
-          <p:cNvSpPr txBox="1"/>
-          <p:nvPr/>
-        </p:nvSpPr>
-        <p:spPr>
-          <a:xfrm>
-            <a:off x="3614466" y="5601900"/>
-            <a:ext cx="485765" cy="246221"/>
-          </a:xfrm>
-          <a:prstGeom prst="rect">
-            <a:avLst/>
-          </a:prstGeom>
-          <a:noFill/>
-        </p:spPr>
-        <p:txBody>
-          <a:bodyPr wrap="square" rtlCol="0">
-            <a:spAutoFit/>
-          </a:bodyPr>
-          <a:lstStyle/>
-          <a:p>
-            <a:r>
-              <a:rPr lang="pt-BR" sz="1000" dirty="0" smtClean="0"/>
-              <a:t>não</a:t>
-            </a:r>
-            <a:endParaRPr lang="pt-BR" sz="1000" dirty="0"/>
-          </a:p>
-        </p:txBody>
-      </p:sp>
-      <p:cxnSp>
-        <p:nvCxnSpPr>
-          <p:cNvPr id="40" name="Conector de Seta Reta 39"/>
-          <p:cNvCxnSpPr/>
-          <p:nvPr/>
-        </p:nvCxnSpPr>
-        <p:spPr>
-          <a:xfrm>
-            <a:off x="4792827" y="5300362"/>
-            <a:ext cx="307624" cy="0"/>
-          </a:xfrm>
-          <a:prstGeom prst="straightConnector1">
-            <a:avLst/>
-          </a:prstGeom>
-          <a:ln>
-            <a:solidFill>
-              <a:schemeClr val="tx1"/>
-            </a:solidFill>
-            <a:tailEnd type="triangle"/>
-          </a:ln>
-        </p:spPr>
-        <p:style>
-          <a:lnRef idx="1">
-            <a:schemeClr val="accent1"/>
-          </a:lnRef>
-          <a:fillRef idx="0">
-            <a:schemeClr val="accent1"/>
-          </a:fillRef>
-          <a:effectRef idx="0">
-            <a:schemeClr val="accent1"/>
-          </a:effectRef>
-          <a:fontRef idx="minor">
-            <a:schemeClr val="tx1"/>
-          </a:fontRef>
-        </p:style>
-      </p:cxnSp>
-      <p:sp>
-        <p:nvSpPr>
-          <p:cNvPr id="41" name="Fluxograma: Processo 40"/>
-          <p:cNvSpPr/>
-          <p:nvPr/>
-        </p:nvSpPr>
-        <p:spPr>
-          <a:xfrm>
-            <a:off x="584591" y="6221187"/>
-            <a:ext cx="1140818" cy="636813"/>
-          </a:xfrm>
-          <a:prstGeom prst="flowChartProcess">
-            <a:avLst/>
-          </a:prstGeom>
-          <a:ln>
-            <a:solidFill>
-              <a:schemeClr val="tx1"/>
-            </a:solidFill>
-          </a:ln>
-        </p:spPr>
-        <p:style>
-          <a:lnRef idx="2">
-            <a:schemeClr val="accent6"/>
-          </a:lnRef>
-          <a:fillRef idx="1">
-            <a:schemeClr val="lt1"/>
-          </a:fillRef>
-          <a:effectRef idx="0">
-            <a:schemeClr val="accent6"/>
-          </a:effectRef>
-          <a:fontRef idx="minor">
-            <a:schemeClr val="dk1"/>
-          </a:fontRef>
-        </p:style>
-        <p:txBody>
-          <a:bodyPr rtlCol="0" anchor="ctr"/>
-          <a:lstStyle/>
-          <a:p>
-            <a:pPr algn="ctr"/>
-            <a:r>
-              <a:rPr lang="pt-BR" sz="1200" dirty="0" smtClean="0"/>
-              <a:t>Escalar para próximo nível</a:t>
-            </a:r>
-          </a:p>
-        </p:txBody>
-      </p:sp>
-      <p:sp>
-        <p:nvSpPr>
-          <p:cNvPr id="42" name="Fluxograma: Processo 41"/>
-          <p:cNvSpPr/>
-          <p:nvPr/>
-        </p:nvSpPr>
-        <p:spPr>
-          <a:xfrm>
-            <a:off x="2028781" y="6202052"/>
-            <a:ext cx="1140818" cy="636813"/>
-          </a:xfrm>
-          <a:prstGeom prst="flowChartProcess">
-            <a:avLst/>
-          </a:prstGeom>
-          <a:ln>
-            <a:solidFill>
-              <a:schemeClr val="tx1"/>
-            </a:solidFill>
-          </a:ln>
-        </p:spPr>
-        <p:style>
-          <a:lnRef idx="2">
-            <a:schemeClr val="accent6"/>
-          </a:lnRef>
-          <a:fillRef idx="1">
-            <a:schemeClr val="lt1"/>
-          </a:fillRef>
-          <a:effectRef idx="0">
-            <a:schemeClr val="accent6"/>
-          </a:effectRef>
-          <a:fontRef idx="minor">
-            <a:schemeClr val="dk1"/>
-          </a:fontRef>
-        </p:style>
-        <p:txBody>
-          <a:bodyPr rtlCol="0" anchor="ctr"/>
-          <a:lstStyle/>
-          <a:p>
-            <a:pPr algn="ctr"/>
-            <a:r>
-              <a:rPr lang="pt-BR" sz="1200" dirty="0"/>
-              <a:t>Investiga a causa raiz</a:t>
-            </a:r>
-          </a:p>
-        </p:txBody>
-      </p:sp>
-      <p:cxnSp>
-        <p:nvCxnSpPr>
-          <p:cNvPr id="43" name="Conector de Seta Reta 42"/>
-          <p:cNvCxnSpPr/>
-          <p:nvPr/>
-        </p:nvCxnSpPr>
-        <p:spPr>
-          <a:xfrm>
-            <a:off x="1725409" y="6504808"/>
-            <a:ext cx="307624" cy="0"/>
-          </a:xfrm>
-          <a:prstGeom prst="straightConnector1">
-            <a:avLst/>
-          </a:prstGeom>
-          <a:ln>
-            <a:solidFill>
-              <a:schemeClr val="tx1"/>
-            </a:solidFill>
-            <a:tailEnd type="triangle"/>
-          </a:ln>
-        </p:spPr>
-        <p:style>
-          <a:lnRef idx="1">
-            <a:schemeClr val="accent1"/>
-          </a:lnRef>
-          <a:fillRef idx="0">
-            <a:schemeClr val="accent1"/>
-          </a:fillRef>
-          <a:effectRef idx="0">
-            <a:schemeClr val="accent1"/>
-          </a:effectRef>
-          <a:fontRef idx="minor">
-            <a:schemeClr val="tx1"/>
-          </a:fontRef>
-        </p:style>
-      </p:cxnSp>
-      <p:sp>
-        <p:nvSpPr>
-          <p:cNvPr id="44" name="Fluxograma: Processo 43"/>
-          <p:cNvSpPr/>
-          <p:nvPr/>
-        </p:nvSpPr>
-        <p:spPr>
-          <a:xfrm>
-            <a:off x="3477223" y="6196477"/>
-            <a:ext cx="1140818" cy="636813"/>
-          </a:xfrm>
-          <a:prstGeom prst="flowChartProcess">
-            <a:avLst/>
-          </a:prstGeom>
-          <a:ln>
-            <a:solidFill>
-              <a:schemeClr val="tx1"/>
-            </a:solidFill>
-          </a:ln>
-        </p:spPr>
-        <p:style>
-          <a:lnRef idx="2">
-            <a:schemeClr val="accent6"/>
-          </a:lnRef>
-          <a:fillRef idx="1">
-            <a:schemeClr val="lt1"/>
-          </a:fillRef>
-          <a:effectRef idx="0">
-            <a:schemeClr val="accent6"/>
-          </a:effectRef>
-          <a:fontRef idx="minor">
-            <a:schemeClr val="dk1"/>
-          </a:fontRef>
-        </p:style>
-        <p:txBody>
-          <a:bodyPr rtlCol="0" anchor="ctr"/>
-          <a:lstStyle/>
-          <a:p>
-            <a:pPr algn="ctr"/>
-            <a:r>
-              <a:rPr lang="pt-BR" sz="1200" dirty="0" smtClean="0"/>
-              <a:t>Resolver</a:t>
-            </a:r>
-            <a:endParaRPr lang="pt-BR" sz="1200" dirty="0"/>
-          </a:p>
-        </p:txBody>
-      </p:sp>
-      <p:cxnSp>
-        <p:nvCxnSpPr>
-          <p:cNvPr id="45" name="Conector de Seta Reta 44"/>
-          <p:cNvCxnSpPr/>
-          <p:nvPr/>
-        </p:nvCxnSpPr>
-        <p:spPr>
-          <a:xfrm>
-            <a:off x="3169599" y="6487200"/>
-            <a:ext cx="307624" cy="0"/>
-          </a:xfrm>
-          <a:prstGeom prst="straightConnector1">
-            <a:avLst/>
-          </a:prstGeom>
-          <a:ln>
-            <a:solidFill>
-              <a:schemeClr val="tx1"/>
-            </a:solidFill>
-            <a:tailEnd type="triangle"/>
-          </a:ln>
-        </p:spPr>
-        <p:style>
-          <a:lnRef idx="1">
-            <a:schemeClr val="accent1"/>
-          </a:lnRef>
-          <a:fillRef idx="0">
-            <a:schemeClr val="accent1"/>
-          </a:fillRef>
-          <a:effectRef idx="0">
-            <a:schemeClr val="accent1"/>
-          </a:effectRef>
-          <a:fontRef idx="minor">
-            <a:schemeClr val="tx1"/>
-          </a:fontRef>
-        </p:style>
-      </p:cxnSp>
-      <p:cxnSp>
-        <p:nvCxnSpPr>
-          <p:cNvPr id="46" name="Conector Angulado 45"/>
-          <p:cNvCxnSpPr>
-            <a:stCxn id="35" idx="2"/>
-            <a:endCxn id="41" idx="0"/>
-          </p:cNvCxnSpPr>
-          <p:nvPr/>
-        </p:nvCxnSpPr>
-        <p:spPr>
-          <a:xfrm rot="5400000">
-            <a:off x="2357535" y="4463385"/>
-            <a:ext cx="555267" cy="2960336"/>
-          </a:xfrm>
-          <a:prstGeom prst="bentConnector3">
-            <a:avLst/>
-          </a:prstGeom>
-          <a:ln>
-            <a:tailEnd type="triangle"/>
-          </a:ln>
-        </p:spPr>
-        <p:style>
-          <a:lnRef idx="1">
-            <a:schemeClr val="dk1"/>
-          </a:lnRef>
-          <a:fillRef idx="0">
-            <a:schemeClr val="dk1"/>
-          </a:fillRef>
-          <a:effectRef idx="0">
-            <a:schemeClr val="dk1"/>
-          </a:effectRef>
-          <a:fontRef idx="minor">
-            <a:schemeClr val="tx1"/>
-          </a:fontRef>
-        </p:style>
-      </p:cxnSp>
-      <p:sp>
-        <p:nvSpPr>
-          <p:cNvPr id="47" name="Fluxograma: Processo Predefinido 46"/>
-          <p:cNvSpPr/>
-          <p:nvPr/>
-        </p:nvSpPr>
-        <p:spPr>
-          <a:xfrm>
-            <a:off x="7292533" y="2378446"/>
-            <a:ext cx="1409394" cy="635334"/>
-          </a:xfrm>
-          <a:prstGeom prst="flowChartPredefinedProcess">
-            <a:avLst/>
-          </a:prstGeom>
-          <a:ln>
-            <a:solidFill>
-              <a:schemeClr val="tx1"/>
-            </a:solidFill>
-          </a:ln>
-        </p:spPr>
-        <p:style>
-          <a:lnRef idx="2">
-            <a:schemeClr val="accent6"/>
-          </a:lnRef>
-          <a:fillRef idx="1">
-            <a:schemeClr val="lt1"/>
-          </a:fillRef>
-          <a:effectRef idx="0">
-            <a:schemeClr val="accent6"/>
-          </a:effectRef>
-          <a:fontRef idx="minor">
-            <a:schemeClr val="dk1"/>
-          </a:fontRef>
-        </p:style>
-        <p:txBody>
-          <a:bodyPr rtlCol="0" anchor="ctr"/>
-          <a:lstStyle/>
-          <a:p>
-            <a:pPr algn="ctr"/>
-            <a:r>
-              <a:rPr lang="pt-BR" sz="1050" dirty="0" smtClean="0"/>
-              <a:t>Atualizar base de conhecimento</a:t>
-            </a:r>
-            <a:endParaRPr lang="pt-BR" sz="1050" dirty="0"/>
-          </a:p>
-        </p:txBody>
-      </p:sp>
-      <p:sp>
-        <p:nvSpPr>
-          <p:cNvPr id="48" name="Fluxograma: Processo 47"/>
-          <p:cNvSpPr/>
-          <p:nvPr/>
-        </p:nvSpPr>
-        <p:spPr>
-          <a:xfrm>
-            <a:off x="9272754" y="2378272"/>
-            <a:ext cx="1140818" cy="636813"/>
-          </a:xfrm>
-          <a:prstGeom prst="flowChartProcess">
-            <a:avLst/>
-          </a:prstGeom>
-          <a:ln>
-            <a:solidFill>
-              <a:schemeClr val="tx1"/>
-            </a:solidFill>
-          </a:ln>
-        </p:spPr>
-        <p:style>
-          <a:lnRef idx="2">
-            <a:schemeClr val="accent6"/>
-          </a:lnRef>
-          <a:fillRef idx="1">
-            <a:schemeClr val="lt1"/>
-          </a:fillRef>
-          <a:effectRef idx="0">
-            <a:schemeClr val="accent6"/>
-          </a:effectRef>
-          <a:fontRef idx="minor">
-            <a:schemeClr val="dk1"/>
-          </a:fontRef>
-        </p:style>
-        <p:txBody>
-          <a:bodyPr rtlCol="0" anchor="ctr"/>
-          <a:lstStyle/>
-          <a:p>
-            <a:pPr algn="ctr"/>
-            <a:r>
-              <a:rPr lang="pt-BR" sz="1200" dirty="0"/>
-              <a:t>Problema</a:t>
-            </a:r>
-            <a:r>
-              <a:rPr lang="pt-BR" sz="1200" dirty="0" smtClean="0"/>
-              <a:t> é fechado</a:t>
-            </a:r>
-            <a:endParaRPr lang="pt-BR" sz="1200" dirty="0"/>
-          </a:p>
-        </p:txBody>
-      </p:sp>
-      <p:cxnSp>
-        <p:nvCxnSpPr>
-          <p:cNvPr id="49" name="Conector Angulado 48"/>
-          <p:cNvCxnSpPr>
-            <a:stCxn id="24" idx="3"/>
-            <a:endCxn id="47" idx="1"/>
-          </p:cNvCxnSpPr>
-          <p:nvPr/>
-        </p:nvCxnSpPr>
-        <p:spPr>
-          <a:xfrm flipV="1">
-            <a:off x="6750062" y="2696113"/>
-            <a:ext cx="542471" cy="1250264"/>
-          </a:xfrm>
-          <a:prstGeom prst="bentConnector3">
-            <a:avLst>
-              <a:gd name="adj1" fmla="val 50000"/>
-            </a:avLst>
-          </a:prstGeom>
-          <a:ln>
-            <a:solidFill>
-              <a:schemeClr val="tx1"/>
-            </a:solidFill>
-            <a:tailEnd type="triangle"/>
-          </a:ln>
-        </p:spPr>
-        <p:style>
-          <a:lnRef idx="1">
-            <a:schemeClr val="accent1"/>
-          </a:lnRef>
-          <a:fillRef idx="0">
-            <a:schemeClr val="accent1"/>
-          </a:fillRef>
-          <a:effectRef idx="0">
-            <a:schemeClr val="accent1"/>
-          </a:effectRef>
-          <a:fontRef idx="minor">
-            <a:schemeClr val="tx1"/>
-          </a:fontRef>
-        </p:style>
-      </p:cxnSp>
-      <p:cxnSp>
-        <p:nvCxnSpPr>
-          <p:cNvPr id="50" name="Conector Angulado 49"/>
-          <p:cNvCxnSpPr>
-            <a:stCxn id="37" idx="3"/>
-          </p:cNvCxnSpPr>
-          <p:nvPr/>
-        </p:nvCxnSpPr>
-        <p:spPr>
-          <a:xfrm flipV="1">
-            <a:off x="6241269" y="3013780"/>
-            <a:ext cx="1319840" cy="2291581"/>
-          </a:xfrm>
-          <a:prstGeom prst="bentConnector2">
-            <a:avLst/>
-          </a:prstGeom>
-          <a:ln>
-            <a:tailEnd type="triangle"/>
-          </a:ln>
-        </p:spPr>
-        <p:style>
-          <a:lnRef idx="1">
-            <a:schemeClr val="dk1"/>
-          </a:lnRef>
-          <a:fillRef idx="0">
-            <a:schemeClr val="dk1"/>
-          </a:fillRef>
-          <a:effectRef idx="0">
-            <a:schemeClr val="dk1"/>
-          </a:effectRef>
-          <a:fontRef idx="minor">
-            <a:schemeClr val="tx1"/>
-          </a:fontRef>
-        </p:style>
-      </p:cxnSp>
-      <p:cxnSp>
-        <p:nvCxnSpPr>
-          <p:cNvPr id="51" name="Conector Angulado 50"/>
-          <p:cNvCxnSpPr/>
-          <p:nvPr/>
-        </p:nvCxnSpPr>
-        <p:spPr>
-          <a:xfrm flipV="1">
-            <a:off x="4618041" y="3009587"/>
-            <a:ext cx="3693773" cy="3510952"/>
-          </a:xfrm>
-          <a:prstGeom prst="bentConnector3">
-            <a:avLst>
-              <a:gd name="adj1" fmla="val 100026"/>
-            </a:avLst>
-          </a:prstGeom>
-          <a:ln>
-            <a:tailEnd type="triangle"/>
-          </a:ln>
-        </p:spPr>
-        <p:style>
-          <a:lnRef idx="1">
-            <a:schemeClr val="dk1"/>
-          </a:lnRef>
-          <a:fillRef idx="0">
-            <a:schemeClr val="dk1"/>
-          </a:fillRef>
-          <a:effectRef idx="0">
-            <a:schemeClr val="dk1"/>
-          </a:effectRef>
-          <a:fontRef idx="minor">
-            <a:schemeClr val="tx1"/>
-          </a:fontRef>
-        </p:style>
-      </p:cxnSp>
-      <p:cxnSp>
-        <p:nvCxnSpPr>
-          <p:cNvPr id="52" name="Conector de Seta Reta 51"/>
-          <p:cNvCxnSpPr/>
-          <p:nvPr/>
-        </p:nvCxnSpPr>
-        <p:spPr>
-          <a:xfrm>
-            <a:off x="8701927" y="2691919"/>
-            <a:ext cx="570827" cy="4760"/>
-          </a:xfrm>
-          <a:prstGeom prst="straightConnector1">
-            <a:avLst/>
-          </a:prstGeom>
-          <a:ln>
-            <a:tailEnd type="triangle"/>
-          </a:ln>
-        </p:spPr>
-        <p:style>
-          <a:lnRef idx="1">
-            <a:schemeClr val="dk1"/>
-          </a:lnRef>
-          <a:fillRef idx="0">
-            <a:schemeClr val="dk1"/>
-          </a:fillRef>
-          <a:effectRef idx="0">
-            <a:schemeClr val="dk1"/>
-          </a:effectRef>
-          <a:fontRef idx="minor">
-            <a:schemeClr val="tx1"/>
-          </a:fontRef>
-        </p:style>
-      </p:cxnSp>
-      <p:cxnSp>
-        <p:nvCxnSpPr>
-          <p:cNvPr id="53" name="Conector Angulado 52"/>
-          <p:cNvCxnSpPr>
-            <a:stCxn id="48" idx="0"/>
-            <a:endCxn id="10" idx="6"/>
-          </p:cNvCxnSpPr>
-          <p:nvPr/>
-        </p:nvCxnSpPr>
-        <p:spPr>
-          <a:xfrm rot="16200000" flipV="1">
-            <a:off x="9106423" y="1641531"/>
-            <a:ext cx="903072" cy="570409"/>
-          </a:xfrm>
-          <a:prstGeom prst="bentConnector2">
-            <a:avLst/>
-          </a:prstGeom>
-          <a:ln>
-            <a:tailEnd type="triangle"/>
-          </a:ln>
-        </p:spPr>
-        <p:style>
-          <a:lnRef idx="1">
-            <a:schemeClr val="dk1"/>
-          </a:lnRef>
-          <a:fillRef idx="0">
-            <a:schemeClr val="dk1"/>
-          </a:fillRef>
-          <a:effectRef idx="0">
-            <a:schemeClr val="dk1"/>
-          </a:effectRef>
-          <a:fontRef idx="minor">
-            <a:schemeClr val="tx1"/>
-          </a:fontRef>
-        </p:style>
-      </p:cxnSp>
-      <p:sp>
-        <p:nvSpPr>
-          <p:cNvPr id="55" name="Fluxograma: Processo 54"/>
-          <p:cNvSpPr/>
-          <p:nvPr/>
-        </p:nvSpPr>
-        <p:spPr>
-          <a:xfrm>
-            <a:off x="2140202" y="3620072"/>
-            <a:ext cx="1140818" cy="636813"/>
-          </a:xfrm>
-          <a:prstGeom prst="flowChartProcess">
-            <a:avLst/>
-          </a:prstGeom>
-          <a:ln>
-            <a:solidFill>
-              <a:schemeClr val="tx1"/>
-            </a:solidFill>
-          </a:ln>
-        </p:spPr>
-        <p:style>
-          <a:lnRef idx="2">
-            <a:schemeClr val="accent6"/>
-          </a:lnRef>
-          <a:fillRef idx="1">
-            <a:schemeClr val="lt1"/>
-          </a:fillRef>
-          <a:effectRef idx="0">
-            <a:schemeClr val="accent6"/>
-          </a:effectRef>
-          <a:fontRef idx="minor">
-            <a:schemeClr val="dk1"/>
-          </a:fontRef>
-        </p:style>
-        <p:txBody>
-          <a:bodyPr rtlCol="0" anchor="ctr"/>
-          <a:lstStyle/>
-          <a:p>
-            <a:pPr algn="ctr"/>
-            <a:r>
-              <a:rPr lang="pt-BR" sz="1200" dirty="0"/>
-              <a:t>Investiga a causa raiz</a:t>
-            </a:r>
-          </a:p>
-        </p:txBody>
-      </p:sp>
-      <p:cxnSp>
-        <p:nvCxnSpPr>
-          <p:cNvPr id="56" name="Conector de Seta Reta 55"/>
-          <p:cNvCxnSpPr>
-            <a:stCxn id="19" idx="3"/>
-            <a:endCxn id="24" idx="1"/>
-          </p:cNvCxnSpPr>
-          <p:nvPr/>
-        </p:nvCxnSpPr>
-        <p:spPr>
-          <a:xfrm>
-            <a:off x="5171295" y="3941547"/>
-            <a:ext cx="437949" cy="4830"/>
-          </a:xfrm>
-          <a:prstGeom prst="straightConnector1">
-            <a:avLst/>
-          </a:prstGeom>
-          <a:ln>
-            <a:solidFill>
-              <a:schemeClr val="tx1"/>
-            </a:solidFill>
-            <a:tailEnd type="triangle"/>
-          </a:ln>
-        </p:spPr>
-        <p:style>
-          <a:lnRef idx="1">
-            <a:schemeClr val="accent1"/>
-          </a:lnRef>
-          <a:fillRef idx="0">
-            <a:schemeClr val="accent1"/>
-          </a:fillRef>
-          <a:effectRef idx="0">
-            <a:schemeClr val="accent1"/>
-          </a:effectRef>
-          <a:fontRef idx="minor">
-            <a:schemeClr val="tx1"/>
-          </a:fontRef>
-        </p:style>
-      </p:cxnSp>
-      <p:sp>
-        <p:nvSpPr>
-          <p:cNvPr id="57" name="Fluxograma: Processo Predefinido 56"/>
-          <p:cNvSpPr/>
-          <p:nvPr/>
-        </p:nvSpPr>
-        <p:spPr>
-          <a:xfrm>
-            <a:off x="1628184" y="1211394"/>
-            <a:ext cx="1405148" cy="660683"/>
-          </a:xfrm>
-          <a:prstGeom prst="flowChartPredefinedProcess">
-            <a:avLst/>
-          </a:prstGeom>
-          <a:ln>
-            <a:solidFill>
-              <a:schemeClr val="tx1"/>
-            </a:solidFill>
-          </a:ln>
-        </p:spPr>
-        <p:style>
-          <a:lnRef idx="2">
-            <a:schemeClr val="accent6"/>
-          </a:lnRef>
-          <a:fillRef idx="1">
-            <a:schemeClr val="lt1"/>
-          </a:fillRef>
-          <a:effectRef idx="0">
-            <a:schemeClr val="accent6"/>
-          </a:effectRef>
-          <a:fontRef idx="minor">
-            <a:schemeClr val="dk1"/>
-          </a:fontRef>
-        </p:style>
-        <p:txBody>
-          <a:bodyPr rtlCol="0" anchor="ctr"/>
-          <a:lstStyle/>
-          <a:p>
-            <a:pPr algn="ctr"/>
-            <a:r>
-              <a:rPr lang="pt-BR" sz="1050" dirty="0" smtClean="0"/>
-              <a:t>Tratativa da gestão de incidentes</a:t>
-            </a:r>
-            <a:endParaRPr lang="pt-BR" sz="1050" dirty="0"/>
-          </a:p>
-        </p:txBody>
-      </p:sp>
-      <p:cxnSp>
-        <p:nvCxnSpPr>
-          <p:cNvPr id="58" name="Conector de Seta Reta 57"/>
-          <p:cNvCxnSpPr>
-            <a:stCxn id="57" idx="3"/>
-            <a:endCxn id="12" idx="1"/>
-          </p:cNvCxnSpPr>
-          <p:nvPr/>
-        </p:nvCxnSpPr>
-        <p:spPr>
-          <a:xfrm flipV="1">
-            <a:off x="3033332" y="1538233"/>
-            <a:ext cx="304765" cy="3503"/>
-          </a:xfrm>
-          <a:prstGeom prst="straightConnector1">
-            <a:avLst/>
-          </a:prstGeom>
-          <a:ln>
-            <a:tailEnd type="triangle"/>
-          </a:ln>
-        </p:spPr>
-        <p:style>
-          <a:lnRef idx="1">
-            <a:schemeClr val="dk1"/>
-          </a:lnRef>
-          <a:fillRef idx="0">
-            <a:schemeClr val="dk1"/>
-          </a:fillRef>
-          <a:effectRef idx="0">
-            <a:schemeClr val="dk1"/>
-          </a:effectRef>
-          <a:fontRef idx="minor">
-            <a:schemeClr val="tx1"/>
-          </a:fontRef>
-        </p:style>
-      </p:cxnSp>
-      <p:cxnSp>
-        <p:nvCxnSpPr>
-          <p:cNvPr id="59" name="Conector de Seta Reta 58"/>
-          <p:cNvCxnSpPr>
-            <a:stCxn id="55" idx="3"/>
-            <a:endCxn id="19" idx="1"/>
-          </p:cNvCxnSpPr>
-          <p:nvPr/>
-        </p:nvCxnSpPr>
-        <p:spPr>
-          <a:xfrm>
-            <a:off x="3281020" y="3938479"/>
-            <a:ext cx="340405" cy="3068"/>
-          </a:xfrm>
-          <a:prstGeom prst="straightConnector1">
-            <a:avLst/>
-          </a:prstGeom>
-          <a:ln>
-            <a:solidFill>
-              <a:schemeClr val="tx1"/>
-            </a:solidFill>
-            <a:tailEnd type="triangle"/>
-          </a:ln>
-        </p:spPr>
-        <p:style>
-          <a:lnRef idx="1">
-            <a:schemeClr val="accent1"/>
-          </a:lnRef>
-          <a:fillRef idx="0">
-            <a:schemeClr val="accent1"/>
-          </a:fillRef>
-          <a:effectRef idx="0">
-            <a:schemeClr val="accent1"/>
-          </a:effectRef>
-          <a:fontRef idx="minor">
-            <a:schemeClr val="tx1"/>
-          </a:fontRef>
-        </p:style>
-      </p:cxnSp>
-      <p:sp>
-        <p:nvSpPr>
-          <p:cNvPr id="60" name="Seta: Pentágono 2">
+          <p:cNvPr id="2" name="Seta: Pentágono 2">
             <a:extLst>
               <a:ext uri="{FF2B5EF4-FFF2-40B4-BE49-F238E27FC236}">
                 <a16:creationId xmlns:a16="http://schemas.microsoft.com/office/drawing/2014/main" id="{305FC1E8-F2E8-42C2-B81F-097C0FA4A259}"/>
@@ -16840,8 +14346,8 @@
         </p:nvSpPr>
         <p:spPr>
           <a:xfrm>
-            <a:off x="0" y="107790"/>
-            <a:ext cx="7700656" cy="612894"/>
+            <a:off x="-1" y="555340"/>
+            <a:ext cx="6785811" cy="968660"/>
           </a:xfrm>
           <a:prstGeom prst="homePlate">
             <a:avLst/>
@@ -16874,18 +14380,41 @@
           <a:lstStyle/>
           <a:p>
             <a:r>
-              <a:rPr lang="pt-BR" sz="4000" dirty="0" smtClean="0">
+              <a:rPr lang="pt-BR" sz="4400" dirty="0" smtClean="0">
                 <a:latin typeface="+mj-lt"/>
               </a:rPr>
-              <a:t>Processo para tratar problemas</a:t>
-            </a:r>
-          </a:p>
-        </p:txBody>
-      </p:sp>
+              <a:t>Manual de instalação</a:t>
+            </a:r>
+          </a:p>
+        </p:txBody>
+      </p:sp>
+      <p:pic>
+        <p:nvPicPr>
+          <p:cNvPr id="3" name="Imagem 2"/>
+          <p:cNvPicPr>
+            <a:picLocks noChangeAspect="1"/>
+          </p:cNvPicPr>
+          <p:nvPr/>
+        </p:nvPicPr>
+        <p:blipFill rotWithShape="1">
+          <a:blip r:embed="rId2"/>
+          <a:srcRect l="26327" t="19935" r="27190" b="10237"/>
+          <a:stretch/>
+        </p:blipFill>
+        <p:spPr>
+          <a:xfrm>
+            <a:off x="1801969" y="1524000"/>
+            <a:ext cx="6047873" cy="5108027"/>
+          </a:xfrm>
+          <a:prstGeom prst="rect">
+            <a:avLst/>
+          </a:prstGeom>
+        </p:spPr>
+      </p:pic>
     </p:spTree>
     <p:extLst>
       <p:ext uri="{BB962C8B-B14F-4D97-AF65-F5344CB8AC3E}">
-        <p14:creationId xmlns:p14="http://schemas.microsoft.com/office/powerpoint/2010/main" val="2404350173"/>
+        <p14:creationId xmlns:p14="http://schemas.microsoft.com/office/powerpoint/2010/main" val="963247618"/>
       </p:ext>
     </p:extLst>
   </p:cSld>
@@ -16921,6 +14450,2512 @@
       </p:grpSpPr>
       <p:sp>
         <p:nvSpPr>
+          <p:cNvPr id="61" name="Retângulo 60"/>
+          <p:cNvSpPr/>
+          <p:nvPr/>
+        </p:nvSpPr>
+        <p:spPr>
+          <a:xfrm>
+            <a:off x="486068" y="6025487"/>
+            <a:ext cx="10489475" cy="1086601"/>
+          </a:xfrm>
+          <a:prstGeom prst="rect">
+            <a:avLst/>
+          </a:prstGeom>
+          <a:ln>
+            <a:solidFill>
+              <a:schemeClr val="tx1"/>
+            </a:solidFill>
+          </a:ln>
+        </p:spPr>
+        <p:style>
+          <a:lnRef idx="2">
+            <a:schemeClr val="accent6"/>
+          </a:lnRef>
+          <a:fillRef idx="1">
+            <a:schemeClr val="lt1"/>
+          </a:fillRef>
+          <a:effectRef idx="0">
+            <a:schemeClr val="accent6"/>
+          </a:effectRef>
+          <a:fontRef idx="minor">
+            <a:schemeClr val="dk1"/>
+          </a:fontRef>
+        </p:style>
+        <p:txBody>
+          <a:bodyPr rtlCol="0" anchor="ctr"/>
+          <a:lstStyle/>
+          <a:p>
+            <a:pPr algn="ctr"/>
+            <a:endParaRPr lang="pt-BR" dirty="0"/>
+          </a:p>
+        </p:txBody>
+      </p:sp>
+      <p:sp>
+        <p:nvSpPr>
+          <p:cNvPr id="2" name="Retângulo 1"/>
+          <p:cNvSpPr/>
+          <p:nvPr/>
+        </p:nvSpPr>
+        <p:spPr>
+          <a:xfrm>
+            <a:off x="486075" y="758975"/>
+            <a:ext cx="10489475" cy="391886"/>
+          </a:xfrm>
+          <a:prstGeom prst="rect">
+            <a:avLst/>
+          </a:prstGeom>
+          <a:ln>
+            <a:solidFill>
+              <a:schemeClr val="tx1"/>
+            </a:solidFill>
+          </a:ln>
+        </p:spPr>
+        <p:style>
+          <a:lnRef idx="2">
+            <a:schemeClr val="accent6"/>
+          </a:lnRef>
+          <a:fillRef idx="1">
+            <a:schemeClr val="lt1"/>
+          </a:fillRef>
+          <a:effectRef idx="0">
+            <a:schemeClr val="accent6"/>
+          </a:effectRef>
+          <a:fontRef idx="minor">
+            <a:schemeClr val="dk1"/>
+          </a:fontRef>
+        </p:style>
+        <p:txBody>
+          <a:bodyPr rtlCol="0" anchor="ctr"/>
+          <a:lstStyle/>
+          <a:p>
+            <a:pPr algn="ctr"/>
+            <a:r>
+              <a:rPr lang="pt-BR" dirty="0" smtClean="0"/>
+              <a:t>Equipe de gestão de problemas</a:t>
+            </a:r>
+          </a:p>
+        </p:txBody>
+      </p:sp>
+      <p:sp>
+        <p:nvSpPr>
+          <p:cNvPr id="3" name="Retângulo 2"/>
+          <p:cNvSpPr/>
+          <p:nvPr/>
+        </p:nvSpPr>
+        <p:spPr>
+          <a:xfrm>
+            <a:off x="486075" y="1150861"/>
+            <a:ext cx="10489475" cy="824592"/>
+          </a:xfrm>
+          <a:prstGeom prst="rect">
+            <a:avLst/>
+          </a:prstGeom>
+          <a:ln>
+            <a:solidFill>
+              <a:schemeClr val="tx1"/>
+            </a:solidFill>
+          </a:ln>
+        </p:spPr>
+        <p:style>
+          <a:lnRef idx="2">
+            <a:schemeClr val="accent6"/>
+          </a:lnRef>
+          <a:fillRef idx="1">
+            <a:schemeClr val="lt1"/>
+          </a:fillRef>
+          <a:effectRef idx="0">
+            <a:schemeClr val="accent6"/>
+          </a:effectRef>
+          <a:fontRef idx="minor">
+            <a:schemeClr val="dk1"/>
+          </a:fontRef>
+        </p:style>
+        <p:txBody>
+          <a:bodyPr rtlCol="0" anchor="ctr"/>
+          <a:lstStyle/>
+          <a:p>
+            <a:pPr algn="ctr"/>
+            <a:endParaRPr lang="pt-BR"/>
+          </a:p>
+        </p:txBody>
+      </p:sp>
+      <p:sp>
+        <p:nvSpPr>
+          <p:cNvPr id="4" name="Retângulo 3"/>
+          <p:cNvSpPr/>
+          <p:nvPr/>
+        </p:nvSpPr>
+        <p:spPr>
+          <a:xfrm>
+            <a:off x="486075" y="1975453"/>
+            <a:ext cx="10489475" cy="1209660"/>
+          </a:xfrm>
+          <a:prstGeom prst="rect">
+            <a:avLst/>
+          </a:prstGeom>
+          <a:ln>
+            <a:solidFill>
+              <a:schemeClr val="tx1"/>
+            </a:solidFill>
+          </a:ln>
+        </p:spPr>
+        <p:style>
+          <a:lnRef idx="2">
+            <a:schemeClr val="accent6"/>
+          </a:lnRef>
+          <a:fillRef idx="1">
+            <a:schemeClr val="lt1"/>
+          </a:fillRef>
+          <a:effectRef idx="0">
+            <a:schemeClr val="accent6"/>
+          </a:effectRef>
+          <a:fontRef idx="minor">
+            <a:schemeClr val="dk1"/>
+          </a:fontRef>
+        </p:style>
+        <p:txBody>
+          <a:bodyPr rtlCol="0" anchor="ctr"/>
+          <a:lstStyle/>
+          <a:p>
+            <a:pPr algn="ctr"/>
+            <a:endParaRPr lang="pt-BR" dirty="0"/>
+          </a:p>
+        </p:txBody>
+      </p:sp>
+      <p:sp>
+        <p:nvSpPr>
+          <p:cNvPr id="5" name="Retângulo 4"/>
+          <p:cNvSpPr/>
+          <p:nvPr/>
+        </p:nvSpPr>
+        <p:spPr>
+          <a:xfrm>
+            <a:off x="486068" y="3403077"/>
+            <a:ext cx="10489475" cy="1086601"/>
+          </a:xfrm>
+          <a:prstGeom prst="rect">
+            <a:avLst/>
+          </a:prstGeom>
+          <a:ln>
+            <a:solidFill>
+              <a:schemeClr val="tx1"/>
+            </a:solidFill>
+          </a:ln>
+        </p:spPr>
+        <p:style>
+          <a:lnRef idx="2">
+            <a:schemeClr val="accent6"/>
+          </a:lnRef>
+          <a:fillRef idx="1">
+            <a:schemeClr val="lt1"/>
+          </a:fillRef>
+          <a:effectRef idx="0">
+            <a:schemeClr val="accent6"/>
+          </a:effectRef>
+          <a:fontRef idx="minor">
+            <a:schemeClr val="dk1"/>
+          </a:fontRef>
+        </p:style>
+        <p:txBody>
+          <a:bodyPr rtlCol="0" anchor="ctr"/>
+          <a:lstStyle/>
+          <a:p>
+            <a:pPr algn="ctr"/>
+            <a:endParaRPr lang="pt-BR" dirty="0"/>
+          </a:p>
+        </p:txBody>
+      </p:sp>
+      <p:sp>
+        <p:nvSpPr>
+          <p:cNvPr id="6" name="Retângulo 5"/>
+          <p:cNvSpPr/>
+          <p:nvPr/>
+        </p:nvSpPr>
+        <p:spPr>
+          <a:xfrm>
+            <a:off x="486073" y="3185114"/>
+            <a:ext cx="10489475" cy="228600"/>
+          </a:xfrm>
+          <a:prstGeom prst="rect">
+            <a:avLst/>
+          </a:prstGeom>
+          <a:ln>
+            <a:solidFill>
+              <a:schemeClr val="tx1"/>
+            </a:solidFill>
+          </a:ln>
+        </p:spPr>
+        <p:style>
+          <a:lnRef idx="2">
+            <a:schemeClr val="accent6"/>
+          </a:lnRef>
+          <a:fillRef idx="1">
+            <a:schemeClr val="lt1"/>
+          </a:fillRef>
+          <a:effectRef idx="0">
+            <a:schemeClr val="accent6"/>
+          </a:effectRef>
+          <a:fontRef idx="minor">
+            <a:schemeClr val="dk1"/>
+          </a:fontRef>
+        </p:style>
+        <p:txBody>
+          <a:bodyPr rtlCol="0" anchor="ctr"/>
+          <a:lstStyle/>
+          <a:p>
+            <a:pPr algn="ctr"/>
+            <a:r>
+              <a:rPr lang="pt-BR" dirty="0" smtClean="0"/>
+              <a:t>Suporte nível 1</a:t>
+            </a:r>
+            <a:endParaRPr lang="pt-BR" dirty="0"/>
+          </a:p>
+        </p:txBody>
+      </p:sp>
+      <p:sp>
+        <p:nvSpPr>
+          <p:cNvPr id="7" name="Retângulo 6"/>
+          <p:cNvSpPr/>
+          <p:nvPr/>
+        </p:nvSpPr>
+        <p:spPr>
+          <a:xfrm>
+            <a:off x="486081" y="4493478"/>
+            <a:ext cx="10489475" cy="228600"/>
+          </a:xfrm>
+          <a:prstGeom prst="rect">
+            <a:avLst/>
+          </a:prstGeom>
+          <a:ln>
+            <a:solidFill>
+              <a:schemeClr val="tx1"/>
+            </a:solidFill>
+          </a:ln>
+        </p:spPr>
+        <p:style>
+          <a:lnRef idx="2">
+            <a:schemeClr val="accent6"/>
+          </a:lnRef>
+          <a:fillRef idx="1">
+            <a:schemeClr val="lt1"/>
+          </a:fillRef>
+          <a:effectRef idx="0">
+            <a:schemeClr val="accent6"/>
+          </a:effectRef>
+          <a:fontRef idx="minor">
+            <a:schemeClr val="dk1"/>
+          </a:fontRef>
+        </p:style>
+        <p:txBody>
+          <a:bodyPr rtlCol="0" anchor="ctr"/>
+          <a:lstStyle/>
+          <a:p>
+            <a:pPr algn="ctr"/>
+            <a:r>
+              <a:rPr lang="pt-BR" dirty="0" smtClean="0"/>
+              <a:t>Suporte nível 2</a:t>
+            </a:r>
+            <a:endParaRPr lang="pt-BR" dirty="0"/>
+          </a:p>
+        </p:txBody>
+      </p:sp>
+      <p:sp>
+        <p:nvSpPr>
+          <p:cNvPr id="8" name="Retângulo 7"/>
+          <p:cNvSpPr/>
+          <p:nvPr/>
+        </p:nvSpPr>
+        <p:spPr>
+          <a:xfrm>
+            <a:off x="486068" y="5801133"/>
+            <a:ext cx="10489475" cy="228600"/>
+          </a:xfrm>
+          <a:prstGeom prst="rect">
+            <a:avLst/>
+          </a:prstGeom>
+          <a:ln>
+            <a:solidFill>
+              <a:schemeClr val="tx1"/>
+            </a:solidFill>
+          </a:ln>
+        </p:spPr>
+        <p:style>
+          <a:lnRef idx="2">
+            <a:schemeClr val="accent6"/>
+          </a:lnRef>
+          <a:fillRef idx="1">
+            <a:schemeClr val="lt1"/>
+          </a:fillRef>
+          <a:effectRef idx="0">
+            <a:schemeClr val="accent6"/>
+          </a:effectRef>
+          <a:fontRef idx="minor">
+            <a:schemeClr val="dk1"/>
+          </a:fontRef>
+        </p:style>
+        <p:txBody>
+          <a:bodyPr rtlCol="0" anchor="ctr"/>
+          <a:lstStyle/>
+          <a:p>
+            <a:pPr algn="ctr"/>
+            <a:r>
+              <a:rPr lang="pt-BR" dirty="0" smtClean="0"/>
+              <a:t>Suporte nível 3</a:t>
+            </a:r>
+            <a:endParaRPr lang="pt-BR" dirty="0"/>
+          </a:p>
+        </p:txBody>
+      </p:sp>
+      <p:sp>
+        <p:nvSpPr>
+          <p:cNvPr id="9" name="Fluxograma: Conector 8"/>
+          <p:cNvSpPr/>
+          <p:nvPr/>
+        </p:nvSpPr>
+        <p:spPr>
+          <a:xfrm>
+            <a:off x="926403" y="1322856"/>
+            <a:ext cx="457200" cy="457200"/>
+          </a:xfrm>
+          <a:prstGeom prst="flowChartConnector">
+            <a:avLst/>
+          </a:prstGeom>
+          <a:ln>
+            <a:solidFill>
+              <a:schemeClr val="tx1"/>
+            </a:solidFill>
+          </a:ln>
+        </p:spPr>
+        <p:style>
+          <a:lnRef idx="2">
+            <a:schemeClr val="accent6"/>
+          </a:lnRef>
+          <a:fillRef idx="1">
+            <a:schemeClr val="lt1"/>
+          </a:fillRef>
+          <a:effectRef idx="0">
+            <a:schemeClr val="accent6"/>
+          </a:effectRef>
+          <a:fontRef idx="minor">
+            <a:schemeClr val="dk1"/>
+          </a:fontRef>
+        </p:style>
+        <p:txBody>
+          <a:bodyPr rtlCol="0" anchor="ctr"/>
+          <a:lstStyle/>
+          <a:p>
+            <a:pPr algn="ctr"/>
+            <a:endParaRPr lang="pt-BR"/>
+          </a:p>
+        </p:txBody>
+      </p:sp>
+      <p:sp>
+        <p:nvSpPr>
+          <p:cNvPr id="10" name="Fluxograma: Conector 9"/>
+          <p:cNvSpPr/>
+          <p:nvPr/>
+        </p:nvSpPr>
+        <p:spPr>
+          <a:xfrm>
+            <a:off x="8815554" y="1246600"/>
+            <a:ext cx="457200" cy="457200"/>
+          </a:xfrm>
+          <a:prstGeom prst="flowChartConnector">
+            <a:avLst/>
+          </a:prstGeom>
+          <a:ln>
+            <a:solidFill>
+              <a:schemeClr val="tx1"/>
+            </a:solidFill>
+          </a:ln>
+        </p:spPr>
+        <p:style>
+          <a:lnRef idx="2">
+            <a:schemeClr val="accent6"/>
+          </a:lnRef>
+          <a:fillRef idx="1">
+            <a:schemeClr val="lt1"/>
+          </a:fillRef>
+          <a:effectRef idx="0">
+            <a:schemeClr val="accent6"/>
+          </a:effectRef>
+          <a:fontRef idx="minor">
+            <a:schemeClr val="dk1"/>
+          </a:fontRef>
+        </p:style>
+        <p:txBody>
+          <a:bodyPr rtlCol="0" anchor="ctr"/>
+          <a:lstStyle/>
+          <a:p>
+            <a:pPr algn="ctr"/>
+            <a:endParaRPr lang="pt-BR"/>
+          </a:p>
+        </p:txBody>
+      </p:sp>
+      <p:sp>
+        <p:nvSpPr>
+          <p:cNvPr id="11" name="Fluxograma: Conector 10"/>
+          <p:cNvSpPr/>
+          <p:nvPr/>
+        </p:nvSpPr>
+        <p:spPr>
+          <a:xfrm>
+            <a:off x="8891754" y="1322800"/>
+            <a:ext cx="304800" cy="304800"/>
+          </a:xfrm>
+          <a:prstGeom prst="flowChartConnector">
+            <a:avLst/>
+          </a:prstGeom>
+        </p:spPr>
+        <p:style>
+          <a:lnRef idx="2">
+            <a:schemeClr val="dk1">
+              <a:shade val="50000"/>
+            </a:schemeClr>
+          </a:lnRef>
+          <a:fillRef idx="1">
+            <a:schemeClr val="dk1"/>
+          </a:fillRef>
+          <a:effectRef idx="0">
+            <a:schemeClr val="dk1"/>
+          </a:effectRef>
+          <a:fontRef idx="minor">
+            <a:schemeClr val="lt1"/>
+          </a:fontRef>
+        </p:style>
+        <p:txBody>
+          <a:bodyPr rtlCol="0" anchor="ctr"/>
+          <a:lstStyle/>
+          <a:p>
+            <a:pPr algn="ctr"/>
+            <a:endParaRPr lang="pt-BR"/>
+          </a:p>
+        </p:txBody>
+      </p:sp>
+      <p:sp>
+        <p:nvSpPr>
+          <p:cNvPr id="12" name="Fluxograma: Processo 11"/>
+          <p:cNvSpPr/>
+          <p:nvPr/>
+        </p:nvSpPr>
+        <p:spPr>
+          <a:xfrm>
+            <a:off x="3338097" y="1219826"/>
+            <a:ext cx="1554480" cy="636813"/>
+          </a:xfrm>
+          <a:prstGeom prst="flowChartProcess">
+            <a:avLst/>
+          </a:prstGeom>
+          <a:ln>
+            <a:solidFill>
+              <a:schemeClr val="tx1"/>
+            </a:solidFill>
+          </a:ln>
+        </p:spPr>
+        <p:style>
+          <a:lnRef idx="2">
+            <a:schemeClr val="accent6"/>
+          </a:lnRef>
+          <a:fillRef idx="1">
+            <a:schemeClr val="lt1"/>
+          </a:fillRef>
+          <a:effectRef idx="0">
+            <a:schemeClr val="accent6"/>
+          </a:effectRef>
+          <a:fontRef idx="minor">
+            <a:schemeClr val="dk1"/>
+          </a:fontRef>
+        </p:style>
+        <p:txBody>
+          <a:bodyPr rtlCol="0" anchor="ctr"/>
+          <a:lstStyle/>
+          <a:p>
+            <a:pPr algn="ctr"/>
+            <a:r>
+              <a:rPr lang="pt-BR" sz="1200" dirty="0" smtClean="0"/>
+              <a:t>Time de TI identifica e registra o problema</a:t>
+            </a:r>
+            <a:endParaRPr lang="pt-BR" sz="1200" dirty="0"/>
+          </a:p>
+        </p:txBody>
+      </p:sp>
+      <p:cxnSp>
+        <p:nvCxnSpPr>
+          <p:cNvPr id="13" name="Conector de Seta Reta 12"/>
+          <p:cNvCxnSpPr>
+            <a:stCxn id="9" idx="6"/>
+          </p:cNvCxnSpPr>
+          <p:nvPr/>
+        </p:nvCxnSpPr>
+        <p:spPr>
+          <a:xfrm>
+            <a:off x="1383603" y="1551456"/>
+            <a:ext cx="236592" cy="6322"/>
+          </a:xfrm>
+          <a:prstGeom prst="straightConnector1">
+            <a:avLst/>
+          </a:prstGeom>
+          <a:ln>
+            <a:tailEnd type="triangle"/>
+          </a:ln>
+        </p:spPr>
+        <p:style>
+          <a:lnRef idx="1">
+            <a:schemeClr val="dk1"/>
+          </a:lnRef>
+          <a:fillRef idx="0">
+            <a:schemeClr val="dk1"/>
+          </a:fillRef>
+          <a:effectRef idx="0">
+            <a:schemeClr val="dk1"/>
+          </a:effectRef>
+          <a:fontRef idx="minor">
+            <a:schemeClr val="tx1"/>
+          </a:fontRef>
+        </p:style>
+      </p:cxnSp>
+      <p:sp>
+        <p:nvSpPr>
+          <p:cNvPr id="14" name="Fluxograma: Processo 13"/>
+          <p:cNvSpPr/>
+          <p:nvPr/>
+        </p:nvSpPr>
+        <p:spPr>
+          <a:xfrm>
+            <a:off x="561191" y="2373514"/>
+            <a:ext cx="1140823" cy="636813"/>
+          </a:xfrm>
+          <a:prstGeom prst="flowChartProcess">
+            <a:avLst/>
+          </a:prstGeom>
+          <a:ln>
+            <a:solidFill>
+              <a:schemeClr val="tx1"/>
+            </a:solidFill>
+          </a:ln>
+        </p:spPr>
+        <p:style>
+          <a:lnRef idx="2">
+            <a:schemeClr val="accent6"/>
+          </a:lnRef>
+          <a:fillRef idx="1">
+            <a:schemeClr val="lt1"/>
+          </a:fillRef>
+          <a:effectRef idx="0">
+            <a:schemeClr val="accent6"/>
+          </a:effectRef>
+          <a:fontRef idx="minor">
+            <a:schemeClr val="dk1"/>
+          </a:fontRef>
+        </p:style>
+        <p:txBody>
+          <a:bodyPr rtlCol="0" anchor="ctr"/>
+          <a:lstStyle/>
+          <a:p>
+            <a:pPr algn="ctr"/>
+            <a:r>
+              <a:rPr lang="pt-BR" sz="1200" dirty="0" smtClean="0"/>
+              <a:t>Problema é recebido</a:t>
+            </a:r>
+            <a:endParaRPr lang="pt-BR" sz="1200" dirty="0"/>
+          </a:p>
+        </p:txBody>
+      </p:sp>
+      <p:sp>
+        <p:nvSpPr>
+          <p:cNvPr id="15" name="Fluxograma: Processo 14"/>
+          <p:cNvSpPr/>
+          <p:nvPr/>
+        </p:nvSpPr>
+        <p:spPr>
+          <a:xfrm>
+            <a:off x="1991880" y="2373514"/>
+            <a:ext cx="1140823" cy="636813"/>
+          </a:xfrm>
+          <a:prstGeom prst="flowChartProcess">
+            <a:avLst/>
+          </a:prstGeom>
+          <a:ln>
+            <a:solidFill>
+              <a:schemeClr val="tx1"/>
+            </a:solidFill>
+          </a:ln>
+        </p:spPr>
+        <p:style>
+          <a:lnRef idx="2">
+            <a:schemeClr val="accent6"/>
+          </a:lnRef>
+          <a:fillRef idx="1">
+            <a:schemeClr val="lt1"/>
+          </a:fillRef>
+          <a:effectRef idx="0">
+            <a:schemeClr val="accent6"/>
+          </a:effectRef>
+          <a:fontRef idx="minor">
+            <a:schemeClr val="dk1"/>
+          </a:fontRef>
+        </p:style>
+        <p:txBody>
+          <a:bodyPr rtlCol="0" anchor="ctr"/>
+          <a:lstStyle/>
+          <a:p>
+            <a:pPr algn="ctr"/>
+            <a:r>
+              <a:rPr lang="pt-BR" sz="1200" dirty="0"/>
+              <a:t>Problema</a:t>
+            </a:r>
+            <a:r>
+              <a:rPr lang="pt-BR" sz="1200" dirty="0" smtClean="0"/>
+              <a:t> é registrado</a:t>
+            </a:r>
+            <a:endParaRPr lang="pt-BR" sz="1200" dirty="0"/>
+          </a:p>
+        </p:txBody>
+      </p:sp>
+      <p:sp>
+        <p:nvSpPr>
+          <p:cNvPr id="16" name="Fluxograma: Processo 15"/>
+          <p:cNvSpPr/>
+          <p:nvPr/>
+        </p:nvSpPr>
+        <p:spPr>
+          <a:xfrm>
+            <a:off x="3421191" y="2373513"/>
+            <a:ext cx="1150567" cy="636813"/>
+          </a:xfrm>
+          <a:prstGeom prst="flowChartProcess">
+            <a:avLst/>
+          </a:prstGeom>
+          <a:ln>
+            <a:solidFill>
+              <a:schemeClr val="tx1"/>
+            </a:solidFill>
+          </a:ln>
+        </p:spPr>
+        <p:style>
+          <a:lnRef idx="2">
+            <a:schemeClr val="accent6"/>
+          </a:lnRef>
+          <a:fillRef idx="1">
+            <a:schemeClr val="lt1"/>
+          </a:fillRef>
+          <a:effectRef idx="0">
+            <a:schemeClr val="accent6"/>
+          </a:effectRef>
+          <a:fontRef idx="minor">
+            <a:schemeClr val="dk1"/>
+          </a:fontRef>
+        </p:style>
+        <p:txBody>
+          <a:bodyPr rtlCol="0" anchor="ctr"/>
+          <a:lstStyle/>
+          <a:p>
+            <a:pPr algn="ctr"/>
+            <a:r>
+              <a:rPr lang="pt-BR" sz="1200" dirty="0"/>
+              <a:t>Problema </a:t>
+            </a:r>
+            <a:r>
+              <a:rPr lang="pt-BR" sz="1200" dirty="0" smtClean="0"/>
+              <a:t> é classificado </a:t>
+            </a:r>
+            <a:endParaRPr lang="pt-BR" sz="1200" dirty="0"/>
+          </a:p>
+        </p:txBody>
+      </p:sp>
+      <p:cxnSp>
+        <p:nvCxnSpPr>
+          <p:cNvPr id="17" name="Conector de Seta Reta 16"/>
+          <p:cNvCxnSpPr/>
+          <p:nvPr/>
+        </p:nvCxnSpPr>
+        <p:spPr>
+          <a:xfrm>
+            <a:off x="1702014" y="2678857"/>
+            <a:ext cx="307624" cy="0"/>
+          </a:xfrm>
+          <a:prstGeom prst="straightConnector1">
+            <a:avLst/>
+          </a:prstGeom>
+          <a:ln>
+            <a:solidFill>
+              <a:schemeClr val="tx1"/>
+            </a:solidFill>
+            <a:tailEnd type="triangle"/>
+          </a:ln>
+        </p:spPr>
+        <p:style>
+          <a:lnRef idx="1">
+            <a:schemeClr val="accent1"/>
+          </a:lnRef>
+          <a:fillRef idx="0">
+            <a:schemeClr val="accent1"/>
+          </a:fillRef>
+          <a:effectRef idx="0">
+            <a:schemeClr val="accent1"/>
+          </a:effectRef>
+          <a:fontRef idx="minor">
+            <a:schemeClr val="tx1"/>
+          </a:fontRef>
+        </p:style>
+      </p:cxnSp>
+      <p:sp>
+        <p:nvSpPr>
+          <p:cNvPr id="18" name="Fluxograma: Processo 17"/>
+          <p:cNvSpPr/>
+          <p:nvPr/>
+        </p:nvSpPr>
+        <p:spPr>
+          <a:xfrm>
+            <a:off x="4860241" y="2369161"/>
+            <a:ext cx="1140818" cy="636813"/>
+          </a:xfrm>
+          <a:prstGeom prst="flowChartProcess">
+            <a:avLst/>
+          </a:prstGeom>
+          <a:ln>
+            <a:solidFill>
+              <a:schemeClr val="tx1"/>
+            </a:solidFill>
+          </a:ln>
+        </p:spPr>
+        <p:style>
+          <a:lnRef idx="2">
+            <a:schemeClr val="accent6"/>
+          </a:lnRef>
+          <a:fillRef idx="1">
+            <a:schemeClr val="lt1"/>
+          </a:fillRef>
+          <a:effectRef idx="0">
+            <a:schemeClr val="accent6"/>
+          </a:effectRef>
+          <a:fontRef idx="minor">
+            <a:schemeClr val="dk1"/>
+          </a:fontRef>
+        </p:style>
+        <p:txBody>
+          <a:bodyPr rtlCol="0" anchor="ctr"/>
+          <a:lstStyle/>
+          <a:p>
+            <a:pPr algn="ctr"/>
+            <a:r>
+              <a:rPr lang="pt-BR" sz="1200" dirty="0"/>
+              <a:t>Problema</a:t>
+            </a:r>
+            <a:r>
+              <a:rPr lang="pt-BR" sz="1200" dirty="0" smtClean="0"/>
+              <a:t> é priorizado </a:t>
+            </a:r>
+            <a:endParaRPr lang="pt-BR" sz="1200" dirty="0"/>
+          </a:p>
+        </p:txBody>
+      </p:sp>
+      <p:sp>
+        <p:nvSpPr>
+          <p:cNvPr id="19" name="Fluxograma: Decisão 18"/>
+          <p:cNvSpPr/>
+          <p:nvPr/>
+        </p:nvSpPr>
+        <p:spPr>
+          <a:xfrm>
+            <a:off x="3621425" y="3575989"/>
+            <a:ext cx="1549870" cy="731115"/>
+          </a:xfrm>
+          <a:prstGeom prst="flowChartDecision">
+            <a:avLst/>
+          </a:prstGeom>
+          <a:ln>
+            <a:solidFill>
+              <a:schemeClr val="tx1"/>
+            </a:solidFill>
+          </a:ln>
+        </p:spPr>
+        <p:style>
+          <a:lnRef idx="2">
+            <a:schemeClr val="accent6"/>
+          </a:lnRef>
+          <a:fillRef idx="1">
+            <a:schemeClr val="lt1"/>
+          </a:fillRef>
+          <a:effectRef idx="0">
+            <a:schemeClr val="accent6"/>
+          </a:effectRef>
+          <a:fontRef idx="minor">
+            <a:schemeClr val="dk1"/>
+          </a:fontRef>
+        </p:style>
+        <p:txBody>
+          <a:bodyPr rtlCol="0" anchor="ctr"/>
+          <a:lstStyle/>
+          <a:p>
+            <a:pPr algn="ctr"/>
+            <a:r>
+              <a:rPr lang="pt-BR" sz="900" dirty="0" smtClean="0"/>
+              <a:t>Problema pode ser resolvido?</a:t>
+            </a:r>
+            <a:endParaRPr lang="pt-BR" sz="900" dirty="0"/>
+          </a:p>
+        </p:txBody>
+      </p:sp>
+      <p:sp>
+        <p:nvSpPr>
+          <p:cNvPr id="20" name="Fluxograma: Processo 19"/>
+          <p:cNvSpPr/>
+          <p:nvPr/>
+        </p:nvSpPr>
+        <p:spPr>
+          <a:xfrm>
+            <a:off x="584591" y="3624716"/>
+            <a:ext cx="1140818" cy="636813"/>
+          </a:xfrm>
+          <a:prstGeom prst="flowChartProcess">
+            <a:avLst/>
+          </a:prstGeom>
+          <a:ln>
+            <a:solidFill>
+              <a:schemeClr val="tx1"/>
+            </a:solidFill>
+          </a:ln>
+        </p:spPr>
+        <p:style>
+          <a:lnRef idx="2">
+            <a:schemeClr val="accent6"/>
+          </a:lnRef>
+          <a:fillRef idx="1">
+            <a:schemeClr val="lt1"/>
+          </a:fillRef>
+          <a:effectRef idx="0">
+            <a:schemeClr val="accent6"/>
+          </a:effectRef>
+          <a:fontRef idx="minor">
+            <a:schemeClr val="dk1"/>
+          </a:fontRef>
+        </p:style>
+        <p:txBody>
+          <a:bodyPr rtlCol="0" anchor="ctr"/>
+          <a:lstStyle/>
+          <a:p>
+            <a:pPr algn="ctr"/>
+            <a:r>
+              <a:rPr lang="pt-BR" sz="1200" dirty="0"/>
+              <a:t>Problema</a:t>
+            </a:r>
+            <a:r>
+              <a:rPr lang="pt-BR" sz="1200" dirty="0" smtClean="0"/>
+              <a:t> é diagnosticado</a:t>
+            </a:r>
+            <a:endParaRPr lang="pt-BR" sz="1200" dirty="0"/>
+          </a:p>
+        </p:txBody>
+      </p:sp>
+      <p:cxnSp>
+        <p:nvCxnSpPr>
+          <p:cNvPr id="21" name="Conector de Seta Reta 20"/>
+          <p:cNvCxnSpPr/>
+          <p:nvPr/>
+        </p:nvCxnSpPr>
+        <p:spPr>
+          <a:xfrm>
+            <a:off x="3132703" y="2691920"/>
+            <a:ext cx="307624" cy="0"/>
+          </a:xfrm>
+          <a:prstGeom prst="straightConnector1">
+            <a:avLst/>
+          </a:prstGeom>
+          <a:ln>
+            <a:solidFill>
+              <a:schemeClr val="tx1"/>
+            </a:solidFill>
+            <a:tailEnd type="triangle"/>
+          </a:ln>
+        </p:spPr>
+        <p:style>
+          <a:lnRef idx="1">
+            <a:schemeClr val="accent1"/>
+          </a:lnRef>
+          <a:fillRef idx="0">
+            <a:schemeClr val="accent1"/>
+          </a:fillRef>
+          <a:effectRef idx="0">
+            <a:schemeClr val="accent1"/>
+          </a:effectRef>
+          <a:fontRef idx="minor">
+            <a:schemeClr val="tx1"/>
+          </a:fontRef>
+        </p:style>
+      </p:cxnSp>
+      <p:cxnSp>
+        <p:nvCxnSpPr>
+          <p:cNvPr id="22" name="Conector de Seta Reta 21"/>
+          <p:cNvCxnSpPr/>
+          <p:nvPr/>
+        </p:nvCxnSpPr>
+        <p:spPr>
+          <a:xfrm>
+            <a:off x="4571758" y="2691919"/>
+            <a:ext cx="307624" cy="0"/>
+          </a:xfrm>
+          <a:prstGeom prst="straightConnector1">
+            <a:avLst/>
+          </a:prstGeom>
+          <a:ln>
+            <a:solidFill>
+              <a:schemeClr val="tx1"/>
+            </a:solidFill>
+            <a:tailEnd type="triangle"/>
+          </a:ln>
+        </p:spPr>
+        <p:style>
+          <a:lnRef idx="1">
+            <a:schemeClr val="accent1"/>
+          </a:lnRef>
+          <a:fillRef idx="0">
+            <a:schemeClr val="accent1"/>
+          </a:fillRef>
+          <a:effectRef idx="0">
+            <a:schemeClr val="accent1"/>
+          </a:effectRef>
+          <a:fontRef idx="minor">
+            <a:schemeClr val="tx1"/>
+          </a:fontRef>
+        </p:style>
+      </p:cxnSp>
+      <p:cxnSp>
+        <p:nvCxnSpPr>
+          <p:cNvPr id="23" name="Conector de Seta Reta 22"/>
+          <p:cNvCxnSpPr>
+            <a:stCxn id="20" idx="3"/>
+            <a:endCxn id="55" idx="1"/>
+          </p:cNvCxnSpPr>
+          <p:nvPr/>
+        </p:nvCxnSpPr>
+        <p:spPr>
+          <a:xfrm flipV="1">
+            <a:off x="1725409" y="3938479"/>
+            <a:ext cx="414793" cy="4644"/>
+          </a:xfrm>
+          <a:prstGeom prst="straightConnector1">
+            <a:avLst/>
+          </a:prstGeom>
+          <a:ln>
+            <a:solidFill>
+              <a:schemeClr val="tx1"/>
+            </a:solidFill>
+            <a:tailEnd type="triangle"/>
+          </a:ln>
+        </p:spPr>
+        <p:style>
+          <a:lnRef idx="1">
+            <a:schemeClr val="accent1"/>
+          </a:lnRef>
+          <a:fillRef idx="0">
+            <a:schemeClr val="accent1"/>
+          </a:fillRef>
+          <a:effectRef idx="0">
+            <a:schemeClr val="accent1"/>
+          </a:effectRef>
+          <a:fontRef idx="minor">
+            <a:schemeClr val="tx1"/>
+          </a:fontRef>
+        </p:style>
+      </p:cxnSp>
+      <p:sp>
+        <p:nvSpPr>
+          <p:cNvPr id="24" name="Fluxograma: Processo 23"/>
+          <p:cNvSpPr/>
+          <p:nvPr/>
+        </p:nvSpPr>
+        <p:spPr>
+          <a:xfrm>
+            <a:off x="5609244" y="3627970"/>
+            <a:ext cx="1140818" cy="636813"/>
+          </a:xfrm>
+          <a:prstGeom prst="flowChartProcess">
+            <a:avLst/>
+          </a:prstGeom>
+          <a:ln>
+            <a:solidFill>
+              <a:schemeClr val="tx1"/>
+            </a:solidFill>
+          </a:ln>
+        </p:spPr>
+        <p:style>
+          <a:lnRef idx="2">
+            <a:schemeClr val="accent6"/>
+          </a:lnRef>
+          <a:fillRef idx="1">
+            <a:schemeClr val="lt1"/>
+          </a:fillRef>
+          <a:effectRef idx="0">
+            <a:schemeClr val="accent6"/>
+          </a:effectRef>
+          <a:fontRef idx="minor">
+            <a:schemeClr val="dk1"/>
+          </a:fontRef>
+        </p:style>
+        <p:txBody>
+          <a:bodyPr rtlCol="0" anchor="ctr"/>
+          <a:lstStyle/>
+          <a:p>
+            <a:pPr algn="ctr"/>
+            <a:r>
+              <a:rPr lang="pt-BR" sz="1200" dirty="0" smtClean="0"/>
+              <a:t>Resolver</a:t>
+            </a:r>
+            <a:endParaRPr lang="pt-BR" sz="1200" dirty="0"/>
+          </a:p>
+        </p:txBody>
+      </p:sp>
+      <p:sp>
+        <p:nvSpPr>
+          <p:cNvPr id="25" name="CaixaDeTexto 24"/>
+          <p:cNvSpPr txBox="1"/>
+          <p:nvPr/>
+        </p:nvSpPr>
+        <p:spPr>
+          <a:xfrm>
+            <a:off x="5139029" y="3717444"/>
+            <a:ext cx="485765" cy="246221"/>
+          </a:xfrm>
+          <a:prstGeom prst="rect">
+            <a:avLst/>
+          </a:prstGeom>
+          <a:noFill/>
+        </p:spPr>
+        <p:txBody>
+          <a:bodyPr wrap="square" rtlCol="0">
+            <a:spAutoFit/>
+          </a:bodyPr>
+          <a:lstStyle/>
+          <a:p>
+            <a:r>
+              <a:rPr lang="pt-BR" sz="1000" dirty="0" smtClean="0"/>
+              <a:t>sim</a:t>
+            </a:r>
+            <a:endParaRPr lang="pt-BR" sz="1000" dirty="0"/>
+          </a:p>
+        </p:txBody>
+      </p:sp>
+      <p:sp>
+        <p:nvSpPr>
+          <p:cNvPr id="26" name="CaixaDeTexto 25"/>
+          <p:cNvSpPr txBox="1"/>
+          <p:nvPr/>
+        </p:nvSpPr>
+        <p:spPr>
+          <a:xfrm>
+            <a:off x="4460874" y="4308626"/>
+            <a:ext cx="485765" cy="246221"/>
+          </a:xfrm>
+          <a:prstGeom prst="rect">
+            <a:avLst/>
+          </a:prstGeom>
+          <a:noFill/>
+        </p:spPr>
+        <p:txBody>
+          <a:bodyPr wrap="square" rtlCol="0">
+            <a:spAutoFit/>
+          </a:bodyPr>
+          <a:lstStyle/>
+          <a:p>
+            <a:r>
+              <a:rPr lang="pt-BR" sz="1000" dirty="0" smtClean="0"/>
+              <a:t>não</a:t>
+            </a:r>
+            <a:endParaRPr lang="pt-BR" sz="1000" dirty="0"/>
+          </a:p>
+        </p:txBody>
+      </p:sp>
+      <p:sp>
+        <p:nvSpPr>
+          <p:cNvPr id="27" name="Retângulo 26"/>
+          <p:cNvSpPr/>
+          <p:nvPr/>
+        </p:nvSpPr>
+        <p:spPr>
+          <a:xfrm>
+            <a:off x="486068" y="1975452"/>
+            <a:ext cx="10489475" cy="228600"/>
+          </a:xfrm>
+          <a:prstGeom prst="rect">
+            <a:avLst/>
+          </a:prstGeom>
+          <a:ln>
+            <a:solidFill>
+              <a:schemeClr val="tx1"/>
+            </a:solidFill>
+          </a:ln>
+        </p:spPr>
+        <p:style>
+          <a:lnRef idx="2">
+            <a:schemeClr val="accent6"/>
+          </a:lnRef>
+          <a:fillRef idx="1">
+            <a:schemeClr val="lt1"/>
+          </a:fillRef>
+          <a:effectRef idx="0">
+            <a:schemeClr val="accent6"/>
+          </a:effectRef>
+          <a:fontRef idx="minor">
+            <a:schemeClr val="dk1"/>
+          </a:fontRef>
+        </p:style>
+        <p:txBody>
+          <a:bodyPr rtlCol="0" anchor="ctr"/>
+          <a:lstStyle/>
+          <a:p>
+            <a:pPr algn="ctr"/>
+            <a:r>
+              <a:rPr lang="pt-BR" dirty="0"/>
+              <a:t>Central de serviços de </a:t>
+            </a:r>
+            <a:r>
+              <a:rPr lang="pt-BR" dirty="0" smtClean="0"/>
+              <a:t>TI</a:t>
+            </a:r>
+            <a:endParaRPr lang="pt-BR" dirty="0"/>
+          </a:p>
+        </p:txBody>
+      </p:sp>
+      <p:sp>
+        <p:nvSpPr>
+          <p:cNvPr id="28" name="Retângulo 27"/>
+          <p:cNvSpPr/>
+          <p:nvPr/>
+        </p:nvSpPr>
+        <p:spPr>
+          <a:xfrm>
+            <a:off x="486068" y="4718576"/>
+            <a:ext cx="10489475" cy="1086601"/>
+          </a:xfrm>
+          <a:prstGeom prst="rect">
+            <a:avLst/>
+          </a:prstGeom>
+          <a:ln>
+            <a:solidFill>
+              <a:schemeClr val="tx1"/>
+            </a:solidFill>
+          </a:ln>
+        </p:spPr>
+        <p:style>
+          <a:lnRef idx="2">
+            <a:schemeClr val="accent6"/>
+          </a:lnRef>
+          <a:fillRef idx="1">
+            <a:schemeClr val="lt1"/>
+          </a:fillRef>
+          <a:effectRef idx="0">
+            <a:schemeClr val="accent6"/>
+          </a:effectRef>
+          <a:fontRef idx="minor">
+            <a:schemeClr val="dk1"/>
+          </a:fontRef>
+        </p:style>
+        <p:txBody>
+          <a:bodyPr rtlCol="0" anchor="ctr"/>
+          <a:lstStyle/>
+          <a:p>
+            <a:pPr algn="ctr"/>
+            <a:endParaRPr lang="pt-BR" dirty="0"/>
+          </a:p>
+        </p:txBody>
+      </p:sp>
+      <p:cxnSp>
+        <p:nvCxnSpPr>
+          <p:cNvPr id="29" name="Conector Angulado 28"/>
+          <p:cNvCxnSpPr>
+            <a:stCxn id="12" idx="2"/>
+            <a:endCxn id="14" idx="0"/>
+          </p:cNvCxnSpPr>
+          <p:nvPr/>
+        </p:nvCxnSpPr>
+        <p:spPr>
+          <a:xfrm rot="5400000">
+            <a:off x="2365033" y="623209"/>
+            <a:ext cx="516875" cy="2983734"/>
+          </a:xfrm>
+          <a:prstGeom prst="bentConnector3">
+            <a:avLst>
+              <a:gd name="adj1" fmla="val 50000"/>
+            </a:avLst>
+          </a:prstGeom>
+          <a:ln>
+            <a:tailEnd type="triangle"/>
+          </a:ln>
+        </p:spPr>
+        <p:style>
+          <a:lnRef idx="1">
+            <a:schemeClr val="dk1"/>
+          </a:lnRef>
+          <a:fillRef idx="0">
+            <a:schemeClr val="dk1"/>
+          </a:fillRef>
+          <a:effectRef idx="0">
+            <a:schemeClr val="dk1"/>
+          </a:effectRef>
+          <a:fontRef idx="minor">
+            <a:schemeClr val="tx1"/>
+          </a:fontRef>
+        </p:style>
+      </p:cxnSp>
+      <p:sp>
+        <p:nvSpPr>
+          <p:cNvPr id="30" name="Fluxograma: Processo 29"/>
+          <p:cNvSpPr/>
+          <p:nvPr/>
+        </p:nvSpPr>
+        <p:spPr>
+          <a:xfrm>
+            <a:off x="584591" y="4986954"/>
+            <a:ext cx="1140818" cy="636813"/>
+          </a:xfrm>
+          <a:prstGeom prst="flowChartProcess">
+            <a:avLst/>
+          </a:prstGeom>
+          <a:ln>
+            <a:solidFill>
+              <a:schemeClr val="tx1"/>
+            </a:solidFill>
+          </a:ln>
+        </p:spPr>
+        <p:style>
+          <a:lnRef idx="2">
+            <a:schemeClr val="accent6"/>
+          </a:lnRef>
+          <a:fillRef idx="1">
+            <a:schemeClr val="lt1"/>
+          </a:fillRef>
+          <a:effectRef idx="0">
+            <a:schemeClr val="accent6"/>
+          </a:effectRef>
+          <a:fontRef idx="minor">
+            <a:schemeClr val="dk1"/>
+          </a:fontRef>
+        </p:style>
+        <p:txBody>
+          <a:bodyPr rtlCol="0" anchor="ctr"/>
+          <a:lstStyle/>
+          <a:p>
+            <a:pPr algn="ctr"/>
+            <a:r>
+              <a:rPr lang="pt-BR" sz="1200" dirty="0" smtClean="0"/>
+              <a:t>Escalar para próximo nível</a:t>
+            </a:r>
+          </a:p>
+        </p:txBody>
+      </p:sp>
+      <p:sp>
+        <p:nvSpPr>
+          <p:cNvPr id="31" name="Fluxograma: Processo 30"/>
+          <p:cNvSpPr/>
+          <p:nvPr/>
+        </p:nvSpPr>
+        <p:spPr>
+          <a:xfrm>
+            <a:off x="2028781" y="4967819"/>
+            <a:ext cx="1140818" cy="636813"/>
+          </a:xfrm>
+          <a:prstGeom prst="flowChartProcess">
+            <a:avLst/>
+          </a:prstGeom>
+          <a:ln>
+            <a:solidFill>
+              <a:schemeClr val="tx1"/>
+            </a:solidFill>
+          </a:ln>
+        </p:spPr>
+        <p:style>
+          <a:lnRef idx="2">
+            <a:schemeClr val="accent6"/>
+          </a:lnRef>
+          <a:fillRef idx="1">
+            <a:schemeClr val="lt1"/>
+          </a:fillRef>
+          <a:effectRef idx="0">
+            <a:schemeClr val="accent6"/>
+          </a:effectRef>
+          <a:fontRef idx="minor">
+            <a:schemeClr val="dk1"/>
+          </a:fontRef>
+        </p:style>
+        <p:txBody>
+          <a:bodyPr rtlCol="0" anchor="ctr"/>
+          <a:lstStyle/>
+          <a:p>
+            <a:pPr algn="ctr"/>
+            <a:r>
+              <a:rPr lang="pt-BR" sz="1200" dirty="0"/>
+              <a:t>Investiga a causa raiz</a:t>
+            </a:r>
+          </a:p>
+        </p:txBody>
+      </p:sp>
+      <p:cxnSp>
+        <p:nvCxnSpPr>
+          <p:cNvPr id="32" name="Conector Angulado 31"/>
+          <p:cNvCxnSpPr>
+            <a:stCxn id="19" idx="2"/>
+            <a:endCxn id="30" idx="0"/>
+          </p:cNvCxnSpPr>
+          <p:nvPr/>
+        </p:nvCxnSpPr>
+        <p:spPr>
+          <a:xfrm rot="5400000">
+            <a:off x="2435755" y="3026349"/>
+            <a:ext cx="679850" cy="3241360"/>
+          </a:xfrm>
+          <a:prstGeom prst="bentConnector3">
+            <a:avLst>
+              <a:gd name="adj1" fmla="val 50000"/>
+            </a:avLst>
+          </a:prstGeom>
+          <a:ln>
+            <a:tailEnd type="triangle"/>
+          </a:ln>
+        </p:spPr>
+        <p:style>
+          <a:lnRef idx="1">
+            <a:schemeClr val="dk1"/>
+          </a:lnRef>
+          <a:fillRef idx="0">
+            <a:schemeClr val="dk1"/>
+          </a:fillRef>
+          <a:effectRef idx="0">
+            <a:schemeClr val="dk1"/>
+          </a:effectRef>
+          <a:fontRef idx="minor">
+            <a:schemeClr val="tx1"/>
+          </a:fontRef>
+        </p:style>
+      </p:cxnSp>
+      <p:cxnSp>
+        <p:nvCxnSpPr>
+          <p:cNvPr id="33" name="Conector de Seta Reta 32"/>
+          <p:cNvCxnSpPr/>
+          <p:nvPr/>
+        </p:nvCxnSpPr>
+        <p:spPr>
+          <a:xfrm>
+            <a:off x="1725409" y="5270575"/>
+            <a:ext cx="307624" cy="0"/>
+          </a:xfrm>
+          <a:prstGeom prst="straightConnector1">
+            <a:avLst/>
+          </a:prstGeom>
+          <a:ln>
+            <a:solidFill>
+              <a:schemeClr val="tx1"/>
+            </a:solidFill>
+            <a:tailEnd type="triangle"/>
+          </a:ln>
+        </p:spPr>
+        <p:style>
+          <a:lnRef idx="1">
+            <a:schemeClr val="accent1"/>
+          </a:lnRef>
+          <a:fillRef idx="0">
+            <a:schemeClr val="accent1"/>
+          </a:fillRef>
+          <a:effectRef idx="0">
+            <a:schemeClr val="accent1"/>
+          </a:effectRef>
+          <a:fontRef idx="minor">
+            <a:schemeClr val="tx1"/>
+          </a:fontRef>
+        </p:style>
+      </p:cxnSp>
+      <p:cxnSp>
+        <p:nvCxnSpPr>
+          <p:cNvPr id="34" name="Conector Angulado 33"/>
+          <p:cNvCxnSpPr>
+            <a:stCxn id="18" idx="2"/>
+            <a:endCxn id="20" idx="0"/>
+          </p:cNvCxnSpPr>
+          <p:nvPr/>
+        </p:nvCxnSpPr>
+        <p:spPr>
+          <a:xfrm rot="5400000">
+            <a:off x="2983454" y="1177520"/>
+            <a:ext cx="618742" cy="4275650"/>
+          </a:xfrm>
+          <a:prstGeom prst="bentConnector3">
+            <a:avLst>
+              <a:gd name="adj1" fmla="val 17672"/>
+            </a:avLst>
+          </a:prstGeom>
+          <a:ln>
+            <a:tailEnd type="triangle"/>
+          </a:ln>
+        </p:spPr>
+        <p:style>
+          <a:lnRef idx="1">
+            <a:schemeClr val="dk1"/>
+          </a:lnRef>
+          <a:fillRef idx="0">
+            <a:schemeClr val="dk1"/>
+          </a:fillRef>
+          <a:effectRef idx="0">
+            <a:schemeClr val="dk1"/>
+          </a:effectRef>
+          <a:fontRef idx="minor">
+            <a:schemeClr val="tx1"/>
+          </a:fontRef>
+        </p:style>
+      </p:cxnSp>
+      <p:sp>
+        <p:nvSpPr>
+          <p:cNvPr id="35" name="Fluxograma: Decisão 34"/>
+          <p:cNvSpPr/>
+          <p:nvPr/>
+        </p:nvSpPr>
+        <p:spPr>
+          <a:xfrm>
+            <a:off x="3437845" y="4934805"/>
+            <a:ext cx="1354982" cy="731115"/>
+          </a:xfrm>
+          <a:prstGeom prst="flowChartDecision">
+            <a:avLst/>
+          </a:prstGeom>
+          <a:ln>
+            <a:solidFill>
+              <a:schemeClr val="tx1"/>
+            </a:solidFill>
+          </a:ln>
+        </p:spPr>
+        <p:style>
+          <a:lnRef idx="2">
+            <a:schemeClr val="accent6"/>
+          </a:lnRef>
+          <a:fillRef idx="1">
+            <a:schemeClr val="lt1"/>
+          </a:fillRef>
+          <a:effectRef idx="0">
+            <a:schemeClr val="accent6"/>
+          </a:effectRef>
+          <a:fontRef idx="minor">
+            <a:schemeClr val="dk1"/>
+          </a:fontRef>
+        </p:style>
+        <p:txBody>
+          <a:bodyPr rtlCol="0" anchor="ctr"/>
+          <a:lstStyle/>
+          <a:p>
+            <a:pPr algn="ctr"/>
+            <a:r>
+              <a:rPr lang="pt-BR" sz="900" dirty="0" smtClean="0"/>
+              <a:t>Problema pode ser resolvido?</a:t>
+            </a:r>
+            <a:endParaRPr lang="pt-BR" sz="900" dirty="0"/>
+          </a:p>
+        </p:txBody>
+      </p:sp>
+      <p:cxnSp>
+        <p:nvCxnSpPr>
+          <p:cNvPr id="36" name="Conector de Seta Reta 35"/>
+          <p:cNvCxnSpPr/>
+          <p:nvPr/>
+        </p:nvCxnSpPr>
+        <p:spPr>
+          <a:xfrm>
+            <a:off x="3149367" y="5300363"/>
+            <a:ext cx="307624" cy="0"/>
+          </a:xfrm>
+          <a:prstGeom prst="straightConnector1">
+            <a:avLst/>
+          </a:prstGeom>
+          <a:ln>
+            <a:solidFill>
+              <a:schemeClr val="tx1"/>
+            </a:solidFill>
+            <a:tailEnd type="triangle"/>
+          </a:ln>
+        </p:spPr>
+        <p:style>
+          <a:lnRef idx="1">
+            <a:schemeClr val="accent1"/>
+          </a:lnRef>
+          <a:fillRef idx="0">
+            <a:schemeClr val="accent1"/>
+          </a:fillRef>
+          <a:effectRef idx="0">
+            <a:schemeClr val="accent1"/>
+          </a:effectRef>
+          <a:fontRef idx="minor">
+            <a:schemeClr val="tx1"/>
+          </a:fontRef>
+        </p:style>
+      </p:cxnSp>
+      <p:sp>
+        <p:nvSpPr>
+          <p:cNvPr id="37" name="Fluxograma: Processo 36"/>
+          <p:cNvSpPr/>
+          <p:nvPr/>
+        </p:nvSpPr>
+        <p:spPr>
+          <a:xfrm>
+            <a:off x="5100451" y="4986954"/>
+            <a:ext cx="1140818" cy="636813"/>
+          </a:xfrm>
+          <a:prstGeom prst="flowChartProcess">
+            <a:avLst/>
+          </a:prstGeom>
+          <a:ln>
+            <a:solidFill>
+              <a:schemeClr val="tx1"/>
+            </a:solidFill>
+          </a:ln>
+        </p:spPr>
+        <p:style>
+          <a:lnRef idx="2">
+            <a:schemeClr val="accent6"/>
+          </a:lnRef>
+          <a:fillRef idx="1">
+            <a:schemeClr val="lt1"/>
+          </a:fillRef>
+          <a:effectRef idx="0">
+            <a:schemeClr val="accent6"/>
+          </a:effectRef>
+          <a:fontRef idx="minor">
+            <a:schemeClr val="dk1"/>
+          </a:fontRef>
+        </p:style>
+        <p:txBody>
+          <a:bodyPr rtlCol="0" anchor="ctr"/>
+          <a:lstStyle/>
+          <a:p>
+            <a:pPr algn="ctr"/>
+            <a:r>
+              <a:rPr lang="pt-BR" sz="1200" dirty="0" smtClean="0"/>
+              <a:t>Resolver</a:t>
+            </a:r>
+            <a:endParaRPr lang="pt-BR" sz="1200" dirty="0"/>
+          </a:p>
+        </p:txBody>
+      </p:sp>
+      <p:sp>
+        <p:nvSpPr>
+          <p:cNvPr id="38" name="CaixaDeTexto 37"/>
+          <p:cNvSpPr txBox="1"/>
+          <p:nvPr/>
+        </p:nvSpPr>
+        <p:spPr>
+          <a:xfrm>
+            <a:off x="4718526" y="5062851"/>
+            <a:ext cx="485765" cy="246221"/>
+          </a:xfrm>
+          <a:prstGeom prst="rect">
+            <a:avLst/>
+          </a:prstGeom>
+          <a:noFill/>
+        </p:spPr>
+        <p:txBody>
+          <a:bodyPr wrap="square" rtlCol="0">
+            <a:spAutoFit/>
+          </a:bodyPr>
+          <a:lstStyle/>
+          <a:p>
+            <a:r>
+              <a:rPr lang="pt-BR" sz="1000" dirty="0" smtClean="0"/>
+              <a:t>sim</a:t>
+            </a:r>
+            <a:endParaRPr lang="pt-BR" sz="1000" dirty="0"/>
+          </a:p>
+        </p:txBody>
+      </p:sp>
+      <p:sp>
+        <p:nvSpPr>
+          <p:cNvPr id="39" name="CaixaDeTexto 38"/>
+          <p:cNvSpPr txBox="1"/>
+          <p:nvPr/>
+        </p:nvSpPr>
+        <p:spPr>
+          <a:xfrm>
+            <a:off x="3614466" y="5601900"/>
+            <a:ext cx="485765" cy="246221"/>
+          </a:xfrm>
+          <a:prstGeom prst="rect">
+            <a:avLst/>
+          </a:prstGeom>
+          <a:noFill/>
+        </p:spPr>
+        <p:txBody>
+          <a:bodyPr wrap="square" rtlCol="0">
+            <a:spAutoFit/>
+          </a:bodyPr>
+          <a:lstStyle/>
+          <a:p>
+            <a:r>
+              <a:rPr lang="pt-BR" sz="1000" dirty="0" smtClean="0"/>
+              <a:t>não</a:t>
+            </a:r>
+            <a:endParaRPr lang="pt-BR" sz="1000" dirty="0"/>
+          </a:p>
+        </p:txBody>
+      </p:sp>
+      <p:cxnSp>
+        <p:nvCxnSpPr>
+          <p:cNvPr id="40" name="Conector de Seta Reta 39"/>
+          <p:cNvCxnSpPr/>
+          <p:nvPr/>
+        </p:nvCxnSpPr>
+        <p:spPr>
+          <a:xfrm>
+            <a:off x="4792827" y="5300362"/>
+            <a:ext cx="307624" cy="0"/>
+          </a:xfrm>
+          <a:prstGeom prst="straightConnector1">
+            <a:avLst/>
+          </a:prstGeom>
+          <a:ln>
+            <a:solidFill>
+              <a:schemeClr val="tx1"/>
+            </a:solidFill>
+            <a:tailEnd type="triangle"/>
+          </a:ln>
+        </p:spPr>
+        <p:style>
+          <a:lnRef idx="1">
+            <a:schemeClr val="accent1"/>
+          </a:lnRef>
+          <a:fillRef idx="0">
+            <a:schemeClr val="accent1"/>
+          </a:fillRef>
+          <a:effectRef idx="0">
+            <a:schemeClr val="accent1"/>
+          </a:effectRef>
+          <a:fontRef idx="minor">
+            <a:schemeClr val="tx1"/>
+          </a:fontRef>
+        </p:style>
+      </p:cxnSp>
+      <p:sp>
+        <p:nvSpPr>
+          <p:cNvPr id="41" name="Fluxograma: Processo 40"/>
+          <p:cNvSpPr/>
+          <p:nvPr/>
+        </p:nvSpPr>
+        <p:spPr>
+          <a:xfrm>
+            <a:off x="584591" y="6221187"/>
+            <a:ext cx="1140818" cy="636813"/>
+          </a:xfrm>
+          <a:prstGeom prst="flowChartProcess">
+            <a:avLst/>
+          </a:prstGeom>
+          <a:ln>
+            <a:solidFill>
+              <a:schemeClr val="tx1"/>
+            </a:solidFill>
+          </a:ln>
+        </p:spPr>
+        <p:style>
+          <a:lnRef idx="2">
+            <a:schemeClr val="accent6"/>
+          </a:lnRef>
+          <a:fillRef idx="1">
+            <a:schemeClr val="lt1"/>
+          </a:fillRef>
+          <a:effectRef idx="0">
+            <a:schemeClr val="accent6"/>
+          </a:effectRef>
+          <a:fontRef idx="minor">
+            <a:schemeClr val="dk1"/>
+          </a:fontRef>
+        </p:style>
+        <p:txBody>
+          <a:bodyPr rtlCol="0" anchor="ctr"/>
+          <a:lstStyle/>
+          <a:p>
+            <a:pPr algn="ctr"/>
+            <a:r>
+              <a:rPr lang="pt-BR" sz="1200" dirty="0" smtClean="0"/>
+              <a:t>Escalar para próximo nível</a:t>
+            </a:r>
+          </a:p>
+        </p:txBody>
+      </p:sp>
+      <p:sp>
+        <p:nvSpPr>
+          <p:cNvPr id="42" name="Fluxograma: Processo 41"/>
+          <p:cNvSpPr/>
+          <p:nvPr/>
+        </p:nvSpPr>
+        <p:spPr>
+          <a:xfrm>
+            <a:off x="2028781" y="6202052"/>
+            <a:ext cx="1140818" cy="636813"/>
+          </a:xfrm>
+          <a:prstGeom prst="flowChartProcess">
+            <a:avLst/>
+          </a:prstGeom>
+          <a:ln>
+            <a:solidFill>
+              <a:schemeClr val="tx1"/>
+            </a:solidFill>
+          </a:ln>
+        </p:spPr>
+        <p:style>
+          <a:lnRef idx="2">
+            <a:schemeClr val="accent6"/>
+          </a:lnRef>
+          <a:fillRef idx="1">
+            <a:schemeClr val="lt1"/>
+          </a:fillRef>
+          <a:effectRef idx="0">
+            <a:schemeClr val="accent6"/>
+          </a:effectRef>
+          <a:fontRef idx="minor">
+            <a:schemeClr val="dk1"/>
+          </a:fontRef>
+        </p:style>
+        <p:txBody>
+          <a:bodyPr rtlCol="0" anchor="ctr"/>
+          <a:lstStyle/>
+          <a:p>
+            <a:pPr algn="ctr"/>
+            <a:r>
+              <a:rPr lang="pt-BR" sz="1200" dirty="0"/>
+              <a:t>Investiga a causa raiz</a:t>
+            </a:r>
+          </a:p>
+        </p:txBody>
+      </p:sp>
+      <p:cxnSp>
+        <p:nvCxnSpPr>
+          <p:cNvPr id="43" name="Conector de Seta Reta 42"/>
+          <p:cNvCxnSpPr/>
+          <p:nvPr/>
+        </p:nvCxnSpPr>
+        <p:spPr>
+          <a:xfrm>
+            <a:off x="1725409" y="6504808"/>
+            <a:ext cx="307624" cy="0"/>
+          </a:xfrm>
+          <a:prstGeom prst="straightConnector1">
+            <a:avLst/>
+          </a:prstGeom>
+          <a:ln>
+            <a:solidFill>
+              <a:schemeClr val="tx1"/>
+            </a:solidFill>
+            <a:tailEnd type="triangle"/>
+          </a:ln>
+        </p:spPr>
+        <p:style>
+          <a:lnRef idx="1">
+            <a:schemeClr val="accent1"/>
+          </a:lnRef>
+          <a:fillRef idx="0">
+            <a:schemeClr val="accent1"/>
+          </a:fillRef>
+          <a:effectRef idx="0">
+            <a:schemeClr val="accent1"/>
+          </a:effectRef>
+          <a:fontRef idx="minor">
+            <a:schemeClr val="tx1"/>
+          </a:fontRef>
+        </p:style>
+      </p:cxnSp>
+      <p:sp>
+        <p:nvSpPr>
+          <p:cNvPr id="44" name="Fluxograma: Processo 43"/>
+          <p:cNvSpPr/>
+          <p:nvPr/>
+        </p:nvSpPr>
+        <p:spPr>
+          <a:xfrm>
+            <a:off x="3477223" y="6196477"/>
+            <a:ext cx="1140818" cy="636813"/>
+          </a:xfrm>
+          <a:prstGeom prst="flowChartProcess">
+            <a:avLst/>
+          </a:prstGeom>
+          <a:ln>
+            <a:solidFill>
+              <a:schemeClr val="tx1"/>
+            </a:solidFill>
+          </a:ln>
+        </p:spPr>
+        <p:style>
+          <a:lnRef idx="2">
+            <a:schemeClr val="accent6"/>
+          </a:lnRef>
+          <a:fillRef idx="1">
+            <a:schemeClr val="lt1"/>
+          </a:fillRef>
+          <a:effectRef idx="0">
+            <a:schemeClr val="accent6"/>
+          </a:effectRef>
+          <a:fontRef idx="minor">
+            <a:schemeClr val="dk1"/>
+          </a:fontRef>
+        </p:style>
+        <p:txBody>
+          <a:bodyPr rtlCol="0" anchor="ctr"/>
+          <a:lstStyle/>
+          <a:p>
+            <a:pPr algn="ctr"/>
+            <a:r>
+              <a:rPr lang="pt-BR" sz="1200" dirty="0" smtClean="0"/>
+              <a:t>Resolver</a:t>
+            </a:r>
+            <a:endParaRPr lang="pt-BR" sz="1200" dirty="0"/>
+          </a:p>
+        </p:txBody>
+      </p:sp>
+      <p:cxnSp>
+        <p:nvCxnSpPr>
+          <p:cNvPr id="45" name="Conector de Seta Reta 44"/>
+          <p:cNvCxnSpPr/>
+          <p:nvPr/>
+        </p:nvCxnSpPr>
+        <p:spPr>
+          <a:xfrm>
+            <a:off x="3169599" y="6487200"/>
+            <a:ext cx="307624" cy="0"/>
+          </a:xfrm>
+          <a:prstGeom prst="straightConnector1">
+            <a:avLst/>
+          </a:prstGeom>
+          <a:ln>
+            <a:solidFill>
+              <a:schemeClr val="tx1"/>
+            </a:solidFill>
+            <a:tailEnd type="triangle"/>
+          </a:ln>
+        </p:spPr>
+        <p:style>
+          <a:lnRef idx="1">
+            <a:schemeClr val="accent1"/>
+          </a:lnRef>
+          <a:fillRef idx="0">
+            <a:schemeClr val="accent1"/>
+          </a:fillRef>
+          <a:effectRef idx="0">
+            <a:schemeClr val="accent1"/>
+          </a:effectRef>
+          <a:fontRef idx="minor">
+            <a:schemeClr val="tx1"/>
+          </a:fontRef>
+        </p:style>
+      </p:cxnSp>
+      <p:cxnSp>
+        <p:nvCxnSpPr>
+          <p:cNvPr id="46" name="Conector Angulado 45"/>
+          <p:cNvCxnSpPr>
+            <a:stCxn id="35" idx="2"/>
+            <a:endCxn id="41" idx="0"/>
+          </p:cNvCxnSpPr>
+          <p:nvPr/>
+        </p:nvCxnSpPr>
+        <p:spPr>
+          <a:xfrm rot="5400000">
+            <a:off x="2357535" y="4463385"/>
+            <a:ext cx="555267" cy="2960336"/>
+          </a:xfrm>
+          <a:prstGeom prst="bentConnector3">
+            <a:avLst/>
+          </a:prstGeom>
+          <a:ln>
+            <a:tailEnd type="triangle"/>
+          </a:ln>
+        </p:spPr>
+        <p:style>
+          <a:lnRef idx="1">
+            <a:schemeClr val="dk1"/>
+          </a:lnRef>
+          <a:fillRef idx="0">
+            <a:schemeClr val="dk1"/>
+          </a:fillRef>
+          <a:effectRef idx="0">
+            <a:schemeClr val="dk1"/>
+          </a:effectRef>
+          <a:fontRef idx="minor">
+            <a:schemeClr val="tx1"/>
+          </a:fontRef>
+        </p:style>
+      </p:cxnSp>
+      <p:sp>
+        <p:nvSpPr>
+          <p:cNvPr id="47" name="Fluxograma: Processo Predefinido 46"/>
+          <p:cNvSpPr/>
+          <p:nvPr/>
+        </p:nvSpPr>
+        <p:spPr>
+          <a:xfrm>
+            <a:off x="7292533" y="2378446"/>
+            <a:ext cx="1409394" cy="635334"/>
+          </a:xfrm>
+          <a:prstGeom prst="flowChartPredefinedProcess">
+            <a:avLst/>
+          </a:prstGeom>
+          <a:ln>
+            <a:solidFill>
+              <a:schemeClr val="tx1"/>
+            </a:solidFill>
+          </a:ln>
+        </p:spPr>
+        <p:style>
+          <a:lnRef idx="2">
+            <a:schemeClr val="accent6"/>
+          </a:lnRef>
+          <a:fillRef idx="1">
+            <a:schemeClr val="lt1"/>
+          </a:fillRef>
+          <a:effectRef idx="0">
+            <a:schemeClr val="accent6"/>
+          </a:effectRef>
+          <a:fontRef idx="minor">
+            <a:schemeClr val="dk1"/>
+          </a:fontRef>
+        </p:style>
+        <p:txBody>
+          <a:bodyPr rtlCol="0" anchor="ctr"/>
+          <a:lstStyle/>
+          <a:p>
+            <a:pPr algn="ctr"/>
+            <a:r>
+              <a:rPr lang="pt-BR" sz="1050" dirty="0" smtClean="0"/>
+              <a:t>Atualizar base de conhecimento</a:t>
+            </a:r>
+            <a:endParaRPr lang="pt-BR" sz="1050" dirty="0"/>
+          </a:p>
+        </p:txBody>
+      </p:sp>
+      <p:sp>
+        <p:nvSpPr>
+          <p:cNvPr id="48" name="Fluxograma: Processo 47"/>
+          <p:cNvSpPr/>
+          <p:nvPr/>
+        </p:nvSpPr>
+        <p:spPr>
+          <a:xfrm>
+            <a:off x="9272754" y="2378272"/>
+            <a:ext cx="1140818" cy="636813"/>
+          </a:xfrm>
+          <a:prstGeom prst="flowChartProcess">
+            <a:avLst/>
+          </a:prstGeom>
+          <a:ln>
+            <a:solidFill>
+              <a:schemeClr val="tx1"/>
+            </a:solidFill>
+          </a:ln>
+        </p:spPr>
+        <p:style>
+          <a:lnRef idx="2">
+            <a:schemeClr val="accent6"/>
+          </a:lnRef>
+          <a:fillRef idx="1">
+            <a:schemeClr val="lt1"/>
+          </a:fillRef>
+          <a:effectRef idx="0">
+            <a:schemeClr val="accent6"/>
+          </a:effectRef>
+          <a:fontRef idx="minor">
+            <a:schemeClr val="dk1"/>
+          </a:fontRef>
+        </p:style>
+        <p:txBody>
+          <a:bodyPr rtlCol="0" anchor="ctr"/>
+          <a:lstStyle/>
+          <a:p>
+            <a:pPr algn="ctr"/>
+            <a:r>
+              <a:rPr lang="pt-BR" sz="1200" dirty="0"/>
+              <a:t>Problema</a:t>
+            </a:r>
+            <a:r>
+              <a:rPr lang="pt-BR" sz="1200" dirty="0" smtClean="0"/>
+              <a:t> é fechado</a:t>
+            </a:r>
+            <a:endParaRPr lang="pt-BR" sz="1200" dirty="0"/>
+          </a:p>
+        </p:txBody>
+      </p:sp>
+      <p:cxnSp>
+        <p:nvCxnSpPr>
+          <p:cNvPr id="49" name="Conector Angulado 48"/>
+          <p:cNvCxnSpPr>
+            <a:stCxn id="24" idx="3"/>
+            <a:endCxn id="47" idx="1"/>
+          </p:cNvCxnSpPr>
+          <p:nvPr/>
+        </p:nvCxnSpPr>
+        <p:spPr>
+          <a:xfrm flipV="1">
+            <a:off x="6750062" y="2696113"/>
+            <a:ext cx="542471" cy="1250264"/>
+          </a:xfrm>
+          <a:prstGeom prst="bentConnector3">
+            <a:avLst>
+              <a:gd name="adj1" fmla="val 50000"/>
+            </a:avLst>
+          </a:prstGeom>
+          <a:ln>
+            <a:solidFill>
+              <a:schemeClr val="tx1"/>
+            </a:solidFill>
+            <a:tailEnd type="triangle"/>
+          </a:ln>
+        </p:spPr>
+        <p:style>
+          <a:lnRef idx="1">
+            <a:schemeClr val="accent1"/>
+          </a:lnRef>
+          <a:fillRef idx="0">
+            <a:schemeClr val="accent1"/>
+          </a:fillRef>
+          <a:effectRef idx="0">
+            <a:schemeClr val="accent1"/>
+          </a:effectRef>
+          <a:fontRef idx="minor">
+            <a:schemeClr val="tx1"/>
+          </a:fontRef>
+        </p:style>
+      </p:cxnSp>
+      <p:cxnSp>
+        <p:nvCxnSpPr>
+          <p:cNvPr id="50" name="Conector Angulado 49"/>
+          <p:cNvCxnSpPr>
+            <a:stCxn id="37" idx="3"/>
+          </p:cNvCxnSpPr>
+          <p:nvPr/>
+        </p:nvCxnSpPr>
+        <p:spPr>
+          <a:xfrm flipV="1">
+            <a:off x="6241269" y="3013780"/>
+            <a:ext cx="1319840" cy="2291581"/>
+          </a:xfrm>
+          <a:prstGeom prst="bentConnector2">
+            <a:avLst/>
+          </a:prstGeom>
+          <a:ln>
+            <a:tailEnd type="triangle"/>
+          </a:ln>
+        </p:spPr>
+        <p:style>
+          <a:lnRef idx="1">
+            <a:schemeClr val="dk1"/>
+          </a:lnRef>
+          <a:fillRef idx="0">
+            <a:schemeClr val="dk1"/>
+          </a:fillRef>
+          <a:effectRef idx="0">
+            <a:schemeClr val="dk1"/>
+          </a:effectRef>
+          <a:fontRef idx="minor">
+            <a:schemeClr val="tx1"/>
+          </a:fontRef>
+        </p:style>
+      </p:cxnSp>
+      <p:cxnSp>
+        <p:nvCxnSpPr>
+          <p:cNvPr id="51" name="Conector Angulado 50"/>
+          <p:cNvCxnSpPr/>
+          <p:nvPr/>
+        </p:nvCxnSpPr>
+        <p:spPr>
+          <a:xfrm flipV="1">
+            <a:off x="4618041" y="3009587"/>
+            <a:ext cx="3693773" cy="3510952"/>
+          </a:xfrm>
+          <a:prstGeom prst="bentConnector3">
+            <a:avLst>
+              <a:gd name="adj1" fmla="val 100026"/>
+            </a:avLst>
+          </a:prstGeom>
+          <a:ln>
+            <a:tailEnd type="triangle"/>
+          </a:ln>
+        </p:spPr>
+        <p:style>
+          <a:lnRef idx="1">
+            <a:schemeClr val="dk1"/>
+          </a:lnRef>
+          <a:fillRef idx="0">
+            <a:schemeClr val="dk1"/>
+          </a:fillRef>
+          <a:effectRef idx="0">
+            <a:schemeClr val="dk1"/>
+          </a:effectRef>
+          <a:fontRef idx="minor">
+            <a:schemeClr val="tx1"/>
+          </a:fontRef>
+        </p:style>
+      </p:cxnSp>
+      <p:cxnSp>
+        <p:nvCxnSpPr>
+          <p:cNvPr id="52" name="Conector de Seta Reta 51"/>
+          <p:cNvCxnSpPr/>
+          <p:nvPr/>
+        </p:nvCxnSpPr>
+        <p:spPr>
+          <a:xfrm>
+            <a:off x="8701927" y="2691919"/>
+            <a:ext cx="570827" cy="4760"/>
+          </a:xfrm>
+          <a:prstGeom prst="straightConnector1">
+            <a:avLst/>
+          </a:prstGeom>
+          <a:ln>
+            <a:tailEnd type="triangle"/>
+          </a:ln>
+        </p:spPr>
+        <p:style>
+          <a:lnRef idx="1">
+            <a:schemeClr val="dk1"/>
+          </a:lnRef>
+          <a:fillRef idx="0">
+            <a:schemeClr val="dk1"/>
+          </a:fillRef>
+          <a:effectRef idx="0">
+            <a:schemeClr val="dk1"/>
+          </a:effectRef>
+          <a:fontRef idx="minor">
+            <a:schemeClr val="tx1"/>
+          </a:fontRef>
+        </p:style>
+      </p:cxnSp>
+      <p:cxnSp>
+        <p:nvCxnSpPr>
+          <p:cNvPr id="53" name="Conector Angulado 52"/>
+          <p:cNvCxnSpPr>
+            <a:stCxn id="48" idx="0"/>
+            <a:endCxn id="10" idx="6"/>
+          </p:cNvCxnSpPr>
+          <p:nvPr/>
+        </p:nvCxnSpPr>
+        <p:spPr>
+          <a:xfrm rot="16200000" flipV="1">
+            <a:off x="9106423" y="1641531"/>
+            <a:ext cx="903072" cy="570409"/>
+          </a:xfrm>
+          <a:prstGeom prst="bentConnector2">
+            <a:avLst/>
+          </a:prstGeom>
+          <a:ln>
+            <a:tailEnd type="triangle"/>
+          </a:ln>
+        </p:spPr>
+        <p:style>
+          <a:lnRef idx="1">
+            <a:schemeClr val="dk1"/>
+          </a:lnRef>
+          <a:fillRef idx="0">
+            <a:schemeClr val="dk1"/>
+          </a:fillRef>
+          <a:effectRef idx="0">
+            <a:schemeClr val="dk1"/>
+          </a:effectRef>
+          <a:fontRef idx="minor">
+            <a:schemeClr val="tx1"/>
+          </a:fontRef>
+        </p:style>
+      </p:cxnSp>
+      <p:sp>
+        <p:nvSpPr>
+          <p:cNvPr id="55" name="Fluxograma: Processo 54"/>
+          <p:cNvSpPr/>
+          <p:nvPr/>
+        </p:nvSpPr>
+        <p:spPr>
+          <a:xfrm>
+            <a:off x="2140202" y="3620072"/>
+            <a:ext cx="1140818" cy="636813"/>
+          </a:xfrm>
+          <a:prstGeom prst="flowChartProcess">
+            <a:avLst/>
+          </a:prstGeom>
+          <a:ln>
+            <a:solidFill>
+              <a:schemeClr val="tx1"/>
+            </a:solidFill>
+          </a:ln>
+        </p:spPr>
+        <p:style>
+          <a:lnRef idx="2">
+            <a:schemeClr val="accent6"/>
+          </a:lnRef>
+          <a:fillRef idx="1">
+            <a:schemeClr val="lt1"/>
+          </a:fillRef>
+          <a:effectRef idx="0">
+            <a:schemeClr val="accent6"/>
+          </a:effectRef>
+          <a:fontRef idx="minor">
+            <a:schemeClr val="dk1"/>
+          </a:fontRef>
+        </p:style>
+        <p:txBody>
+          <a:bodyPr rtlCol="0" anchor="ctr"/>
+          <a:lstStyle/>
+          <a:p>
+            <a:pPr algn="ctr"/>
+            <a:r>
+              <a:rPr lang="pt-BR" sz="1200" dirty="0"/>
+              <a:t>Investiga a causa raiz</a:t>
+            </a:r>
+          </a:p>
+        </p:txBody>
+      </p:sp>
+      <p:cxnSp>
+        <p:nvCxnSpPr>
+          <p:cNvPr id="56" name="Conector de Seta Reta 55"/>
+          <p:cNvCxnSpPr>
+            <a:stCxn id="19" idx="3"/>
+            <a:endCxn id="24" idx="1"/>
+          </p:cNvCxnSpPr>
+          <p:nvPr/>
+        </p:nvCxnSpPr>
+        <p:spPr>
+          <a:xfrm>
+            <a:off x="5171295" y="3941547"/>
+            <a:ext cx="437949" cy="4830"/>
+          </a:xfrm>
+          <a:prstGeom prst="straightConnector1">
+            <a:avLst/>
+          </a:prstGeom>
+          <a:ln>
+            <a:solidFill>
+              <a:schemeClr val="tx1"/>
+            </a:solidFill>
+            <a:tailEnd type="triangle"/>
+          </a:ln>
+        </p:spPr>
+        <p:style>
+          <a:lnRef idx="1">
+            <a:schemeClr val="accent1"/>
+          </a:lnRef>
+          <a:fillRef idx="0">
+            <a:schemeClr val="accent1"/>
+          </a:fillRef>
+          <a:effectRef idx="0">
+            <a:schemeClr val="accent1"/>
+          </a:effectRef>
+          <a:fontRef idx="minor">
+            <a:schemeClr val="tx1"/>
+          </a:fontRef>
+        </p:style>
+      </p:cxnSp>
+      <p:sp>
+        <p:nvSpPr>
+          <p:cNvPr id="57" name="Fluxograma: Processo Predefinido 56"/>
+          <p:cNvSpPr/>
+          <p:nvPr/>
+        </p:nvSpPr>
+        <p:spPr>
+          <a:xfrm>
+            <a:off x="1628184" y="1211394"/>
+            <a:ext cx="1405148" cy="660683"/>
+          </a:xfrm>
+          <a:prstGeom prst="flowChartPredefinedProcess">
+            <a:avLst/>
+          </a:prstGeom>
+          <a:ln>
+            <a:solidFill>
+              <a:schemeClr val="tx1"/>
+            </a:solidFill>
+          </a:ln>
+        </p:spPr>
+        <p:style>
+          <a:lnRef idx="2">
+            <a:schemeClr val="accent6"/>
+          </a:lnRef>
+          <a:fillRef idx="1">
+            <a:schemeClr val="lt1"/>
+          </a:fillRef>
+          <a:effectRef idx="0">
+            <a:schemeClr val="accent6"/>
+          </a:effectRef>
+          <a:fontRef idx="minor">
+            <a:schemeClr val="dk1"/>
+          </a:fontRef>
+        </p:style>
+        <p:txBody>
+          <a:bodyPr rtlCol="0" anchor="ctr"/>
+          <a:lstStyle/>
+          <a:p>
+            <a:pPr algn="ctr"/>
+            <a:r>
+              <a:rPr lang="pt-BR" sz="1050" dirty="0" smtClean="0"/>
+              <a:t>Tratativa da gestão de incidentes</a:t>
+            </a:r>
+            <a:endParaRPr lang="pt-BR" sz="1050" dirty="0"/>
+          </a:p>
+        </p:txBody>
+      </p:sp>
+      <p:cxnSp>
+        <p:nvCxnSpPr>
+          <p:cNvPr id="58" name="Conector de Seta Reta 57"/>
+          <p:cNvCxnSpPr>
+            <a:stCxn id="57" idx="3"/>
+            <a:endCxn id="12" idx="1"/>
+          </p:cNvCxnSpPr>
+          <p:nvPr/>
+        </p:nvCxnSpPr>
+        <p:spPr>
+          <a:xfrm flipV="1">
+            <a:off x="3033332" y="1538233"/>
+            <a:ext cx="304765" cy="3503"/>
+          </a:xfrm>
+          <a:prstGeom prst="straightConnector1">
+            <a:avLst/>
+          </a:prstGeom>
+          <a:ln>
+            <a:tailEnd type="triangle"/>
+          </a:ln>
+        </p:spPr>
+        <p:style>
+          <a:lnRef idx="1">
+            <a:schemeClr val="dk1"/>
+          </a:lnRef>
+          <a:fillRef idx="0">
+            <a:schemeClr val="dk1"/>
+          </a:fillRef>
+          <a:effectRef idx="0">
+            <a:schemeClr val="dk1"/>
+          </a:effectRef>
+          <a:fontRef idx="minor">
+            <a:schemeClr val="tx1"/>
+          </a:fontRef>
+        </p:style>
+      </p:cxnSp>
+      <p:cxnSp>
+        <p:nvCxnSpPr>
+          <p:cNvPr id="59" name="Conector de Seta Reta 58"/>
+          <p:cNvCxnSpPr>
+            <a:stCxn id="55" idx="3"/>
+            <a:endCxn id="19" idx="1"/>
+          </p:cNvCxnSpPr>
+          <p:nvPr/>
+        </p:nvCxnSpPr>
+        <p:spPr>
+          <a:xfrm>
+            <a:off x="3281020" y="3938479"/>
+            <a:ext cx="340405" cy="3068"/>
+          </a:xfrm>
+          <a:prstGeom prst="straightConnector1">
+            <a:avLst/>
+          </a:prstGeom>
+          <a:ln>
+            <a:solidFill>
+              <a:schemeClr val="tx1"/>
+            </a:solidFill>
+            <a:tailEnd type="triangle"/>
+          </a:ln>
+        </p:spPr>
+        <p:style>
+          <a:lnRef idx="1">
+            <a:schemeClr val="accent1"/>
+          </a:lnRef>
+          <a:fillRef idx="0">
+            <a:schemeClr val="accent1"/>
+          </a:fillRef>
+          <a:effectRef idx="0">
+            <a:schemeClr val="accent1"/>
+          </a:effectRef>
+          <a:fontRef idx="minor">
+            <a:schemeClr val="tx1"/>
+          </a:fontRef>
+        </p:style>
+      </p:cxnSp>
+      <p:sp>
+        <p:nvSpPr>
+          <p:cNvPr id="60" name="Seta: Pentágono 2">
+            <a:extLst>
+              <a:ext uri="{FF2B5EF4-FFF2-40B4-BE49-F238E27FC236}">
+                <a16:creationId xmlns:a16="http://schemas.microsoft.com/office/drawing/2014/main" id="{305FC1E8-F2E8-42C2-B81F-097C0FA4A259}"/>
+              </a:ext>
+            </a:extLst>
+          </p:cNvPr>
+          <p:cNvSpPr/>
+          <p:nvPr/>
+        </p:nvSpPr>
+        <p:spPr>
+          <a:xfrm>
+            <a:off x="0" y="107790"/>
+            <a:ext cx="7700656" cy="612894"/>
+          </a:xfrm>
+          <a:prstGeom prst="homePlate">
+            <a:avLst/>
+          </a:prstGeom>
+          <a:solidFill>
+            <a:srgbClr val="227EA4"/>
+          </a:solidFill>
+          <a:ln>
+            <a:noFill/>
+          </a:ln>
+        </p:spPr>
+        <p:style>
+          <a:lnRef idx="2">
+            <a:schemeClr val="accent1">
+              <a:shade val="50000"/>
+            </a:schemeClr>
+          </a:lnRef>
+          <a:fillRef idx="1">
+            <a:schemeClr val="accent1"/>
+          </a:fillRef>
+          <a:effectRef idx="0">
+            <a:schemeClr val="accent1"/>
+          </a:effectRef>
+          <a:fontRef idx="minor">
+            <a:schemeClr val="lt1"/>
+          </a:fontRef>
+        </p:style>
+        <p:txBody>
+          <a:bodyPr rtlCol="0" anchor="ctr"/>
+          <a:lstStyle/>
+          <a:p>
+            <a:r>
+              <a:rPr lang="pt-BR" sz="4000" dirty="0" smtClean="0">
+                <a:latin typeface="+mj-lt"/>
+              </a:rPr>
+              <a:t>Processo para tratar problemas</a:t>
+            </a:r>
+          </a:p>
+        </p:txBody>
+      </p:sp>
+    </p:spTree>
+    <p:extLst>
+      <p:ext uri="{BB962C8B-B14F-4D97-AF65-F5344CB8AC3E}">
+        <p14:creationId xmlns:p14="http://schemas.microsoft.com/office/powerpoint/2010/main" val="2404350173"/>
+      </p:ext>
+    </p:extLst>
+  </p:cSld>
+  <p:clrMapOvr>
+    <a:masterClrMapping/>
+  </p:clrMapOvr>
+  <p:timing>
+    <p:tnLst>
+      <p:par>
+        <p:cTn id="1" dur="indefinite" restart="never" nodeType="tmRoot"/>
+      </p:par>
+    </p:tnLst>
+  </p:timing>
+</p:sld>
+</file>
+
+<file path=ppt/slides/slide27.xml><?xml version="1.0" encoding="utf-8"?>
+<p:sld xmlns:a="http://schemas.openxmlformats.org/drawingml/2006/main" xmlns:r="http://schemas.openxmlformats.org/officeDocument/2006/relationships" xmlns:p="http://schemas.openxmlformats.org/presentationml/2006/main">
+  <p:cSld>
+    <p:spTree>
+      <p:nvGrpSpPr>
+        <p:cNvPr id="1" name=""/>
+        <p:cNvGrpSpPr/>
+        <p:nvPr/>
+      </p:nvGrpSpPr>
+      <p:grpSpPr>
+        <a:xfrm>
+          <a:off x="0" y="0"/>
+          <a:ext cx="0" cy="0"/>
+          <a:chOff x="0" y="0"/>
+          <a:chExt cx="0" cy="0"/>
+        </a:xfrm>
+      </p:grpSpPr>
+      <p:sp>
+        <p:nvSpPr>
           <p:cNvPr id="2" name="Seta: Pentágono 2">
             <a:extLst>
               <a:ext uri="{FF2B5EF4-FFF2-40B4-BE49-F238E27FC236}">
@@ -17024,7 +17059,7 @@
 </p:sld>
 </file>
 
-<file path=ppt/slides/slide27.xml><?xml version="1.0" encoding="utf-8"?>
+<file path=ppt/slides/slide28.xml><?xml version="1.0" encoding="utf-8"?>
 <p:sld xmlns:a="http://schemas.openxmlformats.org/drawingml/2006/main" xmlns:r="http://schemas.openxmlformats.org/officeDocument/2006/relationships" xmlns:p="http://schemas.openxmlformats.org/presentationml/2006/main">
   <p:cSld>
     <p:spTree>

--- a/documentacao/apresentação/MIT- 3ª sprint.pptx
+++ b/documentacao/apresentação/MIT- 3ª sprint.pptx
@@ -5,7 +5,7 @@
     <p:sldMasterId id="2147483766" r:id="rId1"/>
   </p:sldMasterIdLst>
   <p:notesMasterIdLst>
-    <p:notesMasterId r:id="rId30"/>
+    <p:notesMasterId r:id="rId29"/>
   </p:notesMasterIdLst>
   <p:sldIdLst>
     <p:sldId id="257" r:id="rId2"/>
@@ -31,11 +31,10 @@
     <p:sldId id="371" r:id="rId22"/>
     <p:sldId id="372" r:id="rId23"/>
     <p:sldId id="354" r:id="rId24"/>
-    <p:sldId id="365" r:id="rId25"/>
-    <p:sldId id="373" r:id="rId26"/>
-    <p:sldId id="374" r:id="rId27"/>
-    <p:sldId id="375" r:id="rId28"/>
-    <p:sldId id="358" r:id="rId29"/>
+    <p:sldId id="373" r:id="rId25"/>
+    <p:sldId id="374" r:id="rId26"/>
+    <p:sldId id="375" r:id="rId27"/>
+    <p:sldId id="358" r:id="rId28"/>
   </p:sldIdLst>
   <p:sldSz cx="12192000" cy="6858000"/>
   <p:notesSz cx="6858000" cy="9144000"/>
@@ -292,7 +291,7 @@
           <a:p>
             <a:fld id="{4132B5A0-3D7C-4A8B-9857-D57DB7BEA661}" type="datetimeFigureOut">
               <a:rPr lang="pt-BR" smtClean="0"/>
-              <a:t>26/06/2020</a:t>
+              <a:t>27/06/2020</a:t>
             </a:fld>
             <a:endParaRPr lang="pt-BR" dirty="0"/>
           </a:p>
@@ -811,7 +810,7 @@
           <a:p>
             <a:fld id="{CC4436DD-0265-4424-9439-2D4FAD906258}" type="slidenum">
               <a:rPr lang="pt-BR" smtClean="0"/>
-              <a:t>27</a:t>
+              <a:t>26</a:t>
             </a:fld>
             <a:endParaRPr lang="pt-BR" dirty="0"/>
           </a:p>
@@ -1552,7 +1551,7 @@
           <a:p>
             <a:fld id="{51C1A2F9-5E2E-41AF-8CA8-6F6A8CA531AC}" type="datetimeFigureOut">
               <a:rPr lang="pt-BR" smtClean="0"/>
-              <a:t>26/06/2020</a:t>
+              <a:t>27/06/2020</a:t>
             </a:fld>
             <a:endParaRPr lang="pt-BR" dirty="0"/>
           </a:p>
@@ -1803,7 +1802,7 @@
           <a:p>
             <a:fld id="{51C1A2F9-5E2E-41AF-8CA8-6F6A8CA531AC}" type="datetimeFigureOut">
               <a:rPr lang="pt-BR" smtClean="0"/>
-              <a:t>26/06/2020</a:t>
+              <a:t>27/06/2020</a:t>
             </a:fld>
             <a:endParaRPr lang="pt-BR" dirty="0"/>
           </a:p>
@@ -2117,7 +2116,7 @@
           <a:p>
             <a:fld id="{51C1A2F9-5E2E-41AF-8CA8-6F6A8CA531AC}" type="datetimeFigureOut">
               <a:rPr lang="pt-BR" smtClean="0"/>
-              <a:t>26/06/2020</a:t>
+              <a:t>27/06/2020</a:t>
             </a:fld>
             <a:endParaRPr lang="pt-BR" dirty="0"/>
           </a:p>
@@ -2458,7 +2457,7 @@
           <a:p>
             <a:fld id="{51C1A2F9-5E2E-41AF-8CA8-6F6A8CA531AC}" type="datetimeFigureOut">
               <a:rPr lang="pt-BR" smtClean="0"/>
-              <a:t>26/06/2020</a:t>
+              <a:t>27/06/2020</a:t>
             </a:fld>
             <a:endParaRPr lang="pt-BR" dirty="0"/>
           </a:p>
@@ -2772,7 +2771,7 @@
           <a:p>
             <a:fld id="{51C1A2F9-5E2E-41AF-8CA8-6F6A8CA531AC}" type="datetimeFigureOut">
               <a:rPr lang="pt-BR" smtClean="0"/>
-              <a:t>26/06/2020</a:t>
+              <a:t>27/06/2020</a:t>
             </a:fld>
             <a:endParaRPr lang="pt-BR" dirty="0"/>
           </a:p>
@@ -3165,7 +3164,7 @@
           <a:p>
             <a:fld id="{51C1A2F9-5E2E-41AF-8CA8-6F6A8CA531AC}" type="datetimeFigureOut">
               <a:rPr lang="pt-BR" smtClean="0"/>
-              <a:t>26/06/2020</a:t>
+              <a:t>27/06/2020</a:t>
             </a:fld>
             <a:endParaRPr lang="pt-BR" dirty="0"/>
           </a:p>
@@ -3335,7 +3334,7 @@
           <a:p>
             <a:fld id="{51C1A2F9-5E2E-41AF-8CA8-6F6A8CA531AC}" type="datetimeFigureOut">
               <a:rPr lang="pt-BR" smtClean="0"/>
-              <a:t>26/06/2020</a:t>
+              <a:t>27/06/2020</a:t>
             </a:fld>
             <a:endParaRPr lang="pt-BR" dirty="0"/>
           </a:p>
@@ -3515,7 +3514,7 @@
           <a:p>
             <a:fld id="{51C1A2F9-5E2E-41AF-8CA8-6F6A8CA531AC}" type="datetimeFigureOut">
               <a:rPr lang="pt-BR" smtClean="0"/>
-              <a:t>26/06/2020</a:t>
+              <a:t>27/06/2020</a:t>
             </a:fld>
             <a:endParaRPr lang="pt-BR" dirty="0"/>
           </a:p>
@@ -3674,7 +3673,7 @@
           <a:p>
             <a:fld id="{51C1A2F9-5E2E-41AF-8CA8-6F6A8CA531AC}" type="datetimeFigureOut">
               <a:rPr lang="pt-BR" smtClean="0"/>
-              <a:t>26/06/2020</a:t>
+              <a:t>27/06/2020</a:t>
             </a:fld>
             <a:endParaRPr lang="pt-BR" dirty="0"/>
           </a:p>
@@ -3831,7 +3830,7 @@
           <a:p>
             <a:fld id="{51C1A2F9-5E2E-41AF-8CA8-6F6A8CA531AC}" type="datetimeFigureOut">
               <a:rPr lang="pt-BR" smtClean="0"/>
-              <a:t>26/06/2020</a:t>
+              <a:t>27/06/2020</a:t>
             </a:fld>
             <a:endParaRPr lang="pt-BR" dirty="0"/>
           </a:p>
@@ -3972,7 +3971,7 @@
           <a:p>
             <a:fld id="{51C1A2F9-5E2E-41AF-8CA8-6F6A8CA531AC}" type="datetimeFigureOut">
               <a:rPr lang="pt-BR" smtClean="0"/>
-              <a:t>26/06/2020</a:t>
+              <a:t>27/06/2020</a:t>
             </a:fld>
             <a:endParaRPr lang="pt-BR" dirty="0"/>
           </a:p>
@@ -4160,7 +4159,7 @@
           <a:p>
             <a:fld id="{51C1A2F9-5E2E-41AF-8CA8-6F6A8CA531AC}" type="datetimeFigureOut">
               <a:rPr lang="pt-BR" smtClean="0"/>
-              <a:t>26/06/2020</a:t>
+              <a:t>27/06/2020</a:t>
             </a:fld>
             <a:endParaRPr lang="pt-BR" dirty="0"/>
           </a:p>
@@ -4289,7 +4288,7 @@
           <a:p>
             <a:fld id="{51C1A2F9-5E2E-41AF-8CA8-6F6A8CA531AC}" type="datetimeFigureOut">
               <a:rPr lang="pt-BR" smtClean="0"/>
-              <a:t>26/06/2020</a:t>
+              <a:t>27/06/2020</a:t>
             </a:fld>
             <a:endParaRPr lang="pt-BR" dirty="0"/>
           </a:p>
@@ -4548,7 +4547,7 @@
           <a:p>
             <a:fld id="{51C1A2F9-5E2E-41AF-8CA8-6F6A8CA531AC}" type="datetimeFigureOut">
               <a:rPr lang="pt-BR" smtClean="0"/>
-              <a:t>26/06/2020</a:t>
+              <a:t>27/06/2020</a:t>
             </a:fld>
             <a:endParaRPr lang="pt-BR" dirty="0"/>
           </a:p>
@@ -4780,7 +4779,7 @@
           <a:p>
             <a:fld id="{51C1A2F9-5E2E-41AF-8CA8-6F6A8CA531AC}" type="datetimeFigureOut">
               <a:rPr lang="pt-BR" smtClean="0"/>
-              <a:t>26/06/2020</a:t>
+              <a:t>27/06/2020</a:t>
             </a:fld>
             <a:endParaRPr lang="pt-BR" dirty="0"/>
           </a:p>
@@ -5154,7 +5153,7 @@
           <a:p>
             <a:fld id="{51C1A2F9-5E2E-41AF-8CA8-6F6A8CA531AC}" type="datetimeFigureOut">
               <a:rPr lang="pt-BR" smtClean="0"/>
-              <a:t>26/06/2020</a:t>
+              <a:t>27/06/2020</a:t>
             </a:fld>
             <a:endParaRPr lang="pt-BR" dirty="0"/>
           </a:p>
@@ -5277,7 +5276,7 @@
           <a:p>
             <a:fld id="{51C1A2F9-5E2E-41AF-8CA8-6F6A8CA531AC}" type="datetimeFigureOut">
               <a:rPr lang="pt-BR" smtClean="0"/>
-              <a:t>26/06/2020</a:t>
+              <a:t>27/06/2020</a:t>
             </a:fld>
             <a:endParaRPr lang="pt-BR" dirty="0"/>
           </a:p>
@@ -5372,7 +5371,7 @@
           <a:p>
             <a:fld id="{51C1A2F9-5E2E-41AF-8CA8-6F6A8CA531AC}" type="datetimeFigureOut">
               <a:rPr lang="pt-BR" smtClean="0"/>
-              <a:t>26/06/2020</a:t>
+              <a:t>27/06/2020</a:t>
             </a:fld>
             <a:endParaRPr lang="pt-BR" dirty="0"/>
           </a:p>
@@ -5627,7 +5626,7 @@
           <a:p>
             <a:fld id="{51C1A2F9-5E2E-41AF-8CA8-6F6A8CA531AC}" type="datetimeFigureOut">
               <a:rPr lang="pt-BR" smtClean="0"/>
-              <a:t>26/06/2020</a:t>
+              <a:t>27/06/2020</a:t>
             </a:fld>
             <a:endParaRPr lang="pt-BR" dirty="0"/>
           </a:p>
@@ -5890,7 +5889,7 @@
           <a:p>
             <a:fld id="{51C1A2F9-5E2E-41AF-8CA8-6F6A8CA531AC}" type="datetimeFigureOut">
               <a:rPr lang="pt-BR" smtClean="0"/>
-              <a:t>26/06/2020</a:t>
+              <a:t>27/06/2020</a:t>
             </a:fld>
             <a:endParaRPr lang="pt-BR" dirty="0"/>
           </a:p>
@@ -6633,7 +6632,7 @@
           <a:p>
             <a:fld id="{51C1A2F9-5E2E-41AF-8CA8-6F6A8CA531AC}" type="datetimeFigureOut">
               <a:rPr lang="pt-BR" smtClean="0"/>
-              <a:t>26/06/2020</a:t>
+              <a:t>27/06/2020</a:t>
             </a:fld>
             <a:endParaRPr lang="pt-BR" dirty="0"/>
           </a:p>
@@ -10229,6 +10228,360 @@
           <a:chExt cx="0" cy="0"/>
         </a:xfrm>
       </p:grpSpPr>
+      <p:pic>
+        <p:nvPicPr>
+          <p:cNvPr id="3" name="Imagem 2"/>
+          <p:cNvPicPr>
+            <a:picLocks noChangeAspect="1"/>
+          </p:cNvPicPr>
+          <p:nvPr/>
+        </p:nvPicPr>
+        <p:blipFill rotWithShape="1">
+          <a:blip r:embed="rId2"/>
+          <a:srcRect t="8899" r="286" b="6243"/>
+          <a:stretch/>
+        </p:blipFill>
+        <p:spPr>
+          <a:xfrm>
+            <a:off x="536358" y="2885088"/>
+            <a:ext cx="7578585" cy="3626069"/>
+          </a:xfrm>
+          <a:prstGeom prst="rect">
+            <a:avLst/>
+          </a:prstGeom>
+        </p:spPr>
+      </p:pic>
+      <p:pic>
+        <p:nvPicPr>
+          <p:cNvPr id="4" name="Imagem 3"/>
+          <p:cNvPicPr>
+            <a:picLocks noChangeAspect="1"/>
+          </p:cNvPicPr>
+          <p:nvPr/>
+        </p:nvPicPr>
+        <p:blipFill rotWithShape="1">
+          <a:blip r:embed="rId3"/>
+          <a:srcRect b="15850"/>
+          <a:stretch/>
+        </p:blipFill>
+        <p:spPr>
+          <a:xfrm>
+            <a:off x="2878670" y="1859181"/>
+            <a:ext cx="1446980" cy="600240"/>
+          </a:xfrm>
+          <a:prstGeom prst="rect">
+            <a:avLst/>
+          </a:prstGeom>
+        </p:spPr>
+      </p:pic>
+      <p:pic>
+        <p:nvPicPr>
+          <p:cNvPr id="5" name="Imagem 4"/>
+          <p:cNvPicPr>
+            <a:picLocks noChangeAspect="1"/>
+          </p:cNvPicPr>
+          <p:nvPr/>
+        </p:nvPicPr>
+        <p:blipFill rotWithShape="1">
+          <a:blip r:embed="rId4"/>
+          <a:srcRect l="6286" t="10296" r="5720" b="12346"/>
+          <a:stretch/>
+        </p:blipFill>
+        <p:spPr>
+          <a:xfrm>
+            <a:off x="4840013" y="1876097"/>
+            <a:ext cx="1434663" cy="551793"/>
+          </a:xfrm>
+          <a:prstGeom prst="rect">
+            <a:avLst/>
+          </a:prstGeom>
+        </p:spPr>
+      </p:pic>
+      <p:sp>
+        <p:nvSpPr>
+          <p:cNvPr id="6" name="Fluxograma: Processo Alternativo 5"/>
+          <p:cNvSpPr/>
+          <p:nvPr/>
+        </p:nvSpPr>
+        <p:spPr>
+          <a:xfrm>
+            <a:off x="2878670" y="1859181"/>
+            <a:ext cx="1446980" cy="600240"/>
+          </a:xfrm>
+          <a:prstGeom prst="flowChartAlternateProcess">
+            <a:avLst/>
+          </a:prstGeom>
+          <a:noFill/>
+        </p:spPr>
+        <p:style>
+          <a:lnRef idx="2">
+            <a:schemeClr val="accent1">
+              <a:shade val="50000"/>
+            </a:schemeClr>
+          </a:lnRef>
+          <a:fillRef idx="1">
+            <a:schemeClr val="accent1"/>
+          </a:fillRef>
+          <a:effectRef idx="0">
+            <a:schemeClr val="accent1"/>
+          </a:effectRef>
+          <a:fontRef idx="minor">
+            <a:schemeClr val="lt1"/>
+          </a:fontRef>
+        </p:style>
+        <p:txBody>
+          <a:bodyPr rtlCol="0" anchor="ctr"/>
+          <a:lstStyle/>
+          <a:p>
+            <a:pPr algn="ctr"/>
+            <a:endParaRPr lang="pt-BR"/>
+          </a:p>
+        </p:txBody>
+      </p:sp>
+      <p:sp>
+        <p:nvSpPr>
+          <p:cNvPr id="7" name="Fluxograma: Processo Alternativo 6"/>
+          <p:cNvSpPr/>
+          <p:nvPr/>
+        </p:nvSpPr>
+        <p:spPr>
+          <a:xfrm>
+            <a:off x="4829246" y="1859181"/>
+            <a:ext cx="1446980" cy="600240"/>
+          </a:xfrm>
+          <a:prstGeom prst="flowChartAlternateProcess">
+            <a:avLst/>
+          </a:prstGeom>
+          <a:noFill/>
+        </p:spPr>
+        <p:style>
+          <a:lnRef idx="2">
+            <a:schemeClr val="accent1">
+              <a:shade val="50000"/>
+            </a:schemeClr>
+          </a:lnRef>
+          <a:fillRef idx="1">
+            <a:schemeClr val="accent1"/>
+          </a:fillRef>
+          <a:effectRef idx="0">
+            <a:schemeClr val="accent1"/>
+          </a:effectRef>
+          <a:fontRef idx="minor">
+            <a:schemeClr val="lt1"/>
+          </a:fontRef>
+        </p:style>
+        <p:txBody>
+          <a:bodyPr rtlCol="0" anchor="ctr"/>
+          <a:lstStyle/>
+          <a:p>
+            <a:pPr algn="ctr"/>
+            <a:endParaRPr lang="pt-BR"/>
+          </a:p>
+        </p:txBody>
+      </p:sp>
+      <p:cxnSp>
+        <p:nvCxnSpPr>
+          <p:cNvPr id="9" name="Conector reto 8"/>
+          <p:cNvCxnSpPr>
+            <a:endCxn id="6" idx="2"/>
+          </p:cNvCxnSpPr>
+          <p:nvPr/>
+        </p:nvCxnSpPr>
+        <p:spPr>
+          <a:xfrm flipV="1">
+            <a:off x="3484179" y="2459421"/>
+            <a:ext cx="117981" cy="693682"/>
+          </a:xfrm>
+          <a:prstGeom prst="line">
+            <a:avLst/>
+          </a:prstGeom>
+        </p:spPr>
+        <p:style>
+          <a:lnRef idx="1">
+            <a:schemeClr val="dk1"/>
+          </a:lnRef>
+          <a:fillRef idx="0">
+            <a:schemeClr val="dk1"/>
+          </a:fillRef>
+          <a:effectRef idx="0">
+            <a:schemeClr val="dk1"/>
+          </a:effectRef>
+          <a:fontRef idx="minor">
+            <a:schemeClr val="tx1"/>
+          </a:fontRef>
+        </p:style>
+      </p:cxnSp>
+      <p:cxnSp>
+        <p:nvCxnSpPr>
+          <p:cNvPr id="11" name="Conector reto 10"/>
+          <p:cNvCxnSpPr>
+            <a:endCxn id="7" idx="2"/>
+          </p:cNvCxnSpPr>
+          <p:nvPr/>
+        </p:nvCxnSpPr>
+        <p:spPr>
+          <a:xfrm flipV="1">
+            <a:off x="3894083" y="2459421"/>
+            <a:ext cx="1658653" cy="693682"/>
+          </a:xfrm>
+          <a:prstGeom prst="line">
+            <a:avLst/>
+          </a:prstGeom>
+        </p:spPr>
+        <p:style>
+          <a:lnRef idx="1">
+            <a:schemeClr val="dk1"/>
+          </a:lnRef>
+          <a:fillRef idx="0">
+            <a:schemeClr val="dk1"/>
+          </a:fillRef>
+          <a:effectRef idx="0">
+            <a:schemeClr val="dk1"/>
+          </a:effectRef>
+          <a:fontRef idx="minor">
+            <a:schemeClr val="tx1"/>
+          </a:fontRef>
+        </p:style>
+      </p:cxnSp>
+      <p:pic>
+        <p:nvPicPr>
+          <p:cNvPr id="12" name="Imagem 11"/>
+          <p:cNvPicPr>
+            <a:picLocks noChangeAspect="1"/>
+          </p:cNvPicPr>
+          <p:nvPr/>
+        </p:nvPicPr>
+        <p:blipFill>
+          <a:blip r:embed="rId5"/>
+          <a:stretch>
+            <a:fillRect/>
+          </a:stretch>
+        </p:blipFill>
+        <p:spPr>
+          <a:xfrm>
+            <a:off x="8720451" y="1787908"/>
+            <a:ext cx="2015865" cy="1920520"/>
+          </a:xfrm>
+          <a:prstGeom prst="rect">
+            <a:avLst/>
+          </a:prstGeom>
+        </p:spPr>
+      </p:pic>
+      <p:cxnSp>
+        <p:nvCxnSpPr>
+          <p:cNvPr id="19" name="Conector Angulado 18"/>
+          <p:cNvCxnSpPr>
+            <a:stCxn id="23" idx="2"/>
+            <a:endCxn id="12" idx="2"/>
+          </p:cNvCxnSpPr>
+          <p:nvPr/>
+        </p:nvCxnSpPr>
+        <p:spPr>
+          <a:xfrm rot="5400000" flipH="1" flipV="1">
+            <a:off x="3941710" y="724484"/>
+            <a:ext cx="2802729" cy="8770618"/>
+          </a:xfrm>
+          <a:prstGeom prst="bentConnector3">
+            <a:avLst>
+              <a:gd name="adj1" fmla="val -8156"/>
+            </a:avLst>
+          </a:prstGeom>
+        </p:spPr>
+        <p:style>
+          <a:lnRef idx="1">
+            <a:schemeClr val="dk1"/>
+          </a:lnRef>
+          <a:fillRef idx="0">
+            <a:schemeClr val="dk1"/>
+          </a:fillRef>
+          <a:effectRef idx="0">
+            <a:schemeClr val="dk1"/>
+          </a:effectRef>
+          <a:fontRef idx="minor">
+            <a:schemeClr val="tx1"/>
+          </a:fontRef>
+        </p:style>
+      </p:cxnSp>
+      <p:pic>
+        <p:nvPicPr>
+          <p:cNvPr id="23" name="Imagem 22"/>
+          <p:cNvPicPr>
+            <a:picLocks noChangeAspect="1"/>
+          </p:cNvPicPr>
+          <p:nvPr/>
+        </p:nvPicPr>
+        <p:blipFill>
+          <a:blip r:embed="rId5"/>
+          <a:stretch>
+            <a:fillRect/>
+          </a:stretch>
+        </p:blipFill>
+        <p:spPr>
+          <a:xfrm>
+            <a:off x="536358" y="5737692"/>
+            <a:ext cx="842816" cy="773465"/>
+          </a:xfrm>
+          <a:prstGeom prst="rect">
+            <a:avLst/>
+          </a:prstGeom>
+        </p:spPr>
+      </p:pic>
+      <p:sp>
+        <p:nvSpPr>
+          <p:cNvPr id="27" name="Seta: Pentágono 2">
+            <a:extLst>
+              <a:ext uri="{FF2B5EF4-FFF2-40B4-BE49-F238E27FC236}">
+                <a16:creationId xmlns:a16="http://schemas.microsoft.com/office/drawing/2014/main" id="{305FC1E8-F2E8-42C2-B81F-097C0FA4A259}"/>
+              </a:ext>
+            </a:extLst>
+          </p:cNvPr>
+          <p:cNvSpPr/>
+          <p:nvPr/>
+        </p:nvSpPr>
+        <p:spPr>
+          <a:xfrm>
+            <a:off x="0" y="327620"/>
+            <a:ext cx="8843553" cy="1000057"/>
+          </a:xfrm>
+          <a:prstGeom prst="homePlate">
+            <a:avLst/>
+          </a:prstGeom>
+          <a:solidFill>
+            <a:srgbClr val="227EA4"/>
+          </a:solidFill>
+          <a:ln>
+            <a:noFill/>
+          </a:ln>
+        </p:spPr>
+        <p:style>
+          <a:lnRef idx="2">
+            <a:schemeClr val="accent1">
+              <a:shade val="50000"/>
+            </a:schemeClr>
+          </a:lnRef>
+          <a:fillRef idx="1">
+            <a:schemeClr val="accent1"/>
+          </a:fillRef>
+          <a:effectRef idx="0">
+            <a:schemeClr val="accent1"/>
+          </a:effectRef>
+          <a:fontRef idx="minor">
+            <a:schemeClr val="lt1"/>
+          </a:fontRef>
+        </p:style>
+        <p:txBody>
+          <a:bodyPr rtlCol="0" anchor="ctr"/>
+          <a:lstStyle/>
+          <a:p>
+            <a:r>
+              <a:rPr lang="pt-BR" sz="4400" dirty="0">
+                <a:latin typeface="+mj-lt"/>
+              </a:rPr>
+              <a:t> Ferramenta de gestão do projeto </a:t>
+            </a:r>
+          </a:p>
+        </p:txBody>
+      </p:sp>
     </p:spTree>
     <p:extLst>
       <p:ext uri="{BB962C8B-B14F-4D97-AF65-F5344CB8AC3E}">
@@ -10239,6 +10592,13 @@
   <p:clrMapOvr>
     <a:masterClrMapping/>
   </p:clrMapOvr>
+  <p:timing>
+    <p:tnLst>
+      <p:par>
+        <p:cTn id="1" dur="indefinite" restart="never" nodeType="tmRoot"/>
+      </p:par>
+    </p:tnLst>
+  </p:timing>
 </p:sld>
 </file>
 
@@ -11042,11 +11402,7 @@
           <a:p>
             <a:r>
               <a:rPr lang="pt-BR" sz="2400" dirty="0" smtClean="0"/>
-              <a:t>Erro </a:t>
-            </a:r>
-            <a:r>
-              <a:rPr lang="pt-BR" sz="2400" dirty="0" smtClean="0"/>
-              <a:t>entre o sensor e o arduino.</a:t>
+              <a:t>Erro entre o sensor e o arduino.</a:t>
             </a:r>
           </a:p>
           <a:p>
@@ -14068,7 +14424,7 @@
         </p:nvSpPr>
         <p:spPr>
           <a:xfrm>
-            <a:off x="0" y="1001410"/>
+            <a:off x="0" y="270039"/>
             <a:ext cx="5804452" cy="947113"/>
           </a:xfrm>
           <a:prstGeom prst="homePlate">
@@ -14132,8 +14488,126 @@
         </p:blipFill>
         <p:spPr>
           <a:xfrm>
-            <a:off x="1267326" y="2485768"/>
-            <a:ext cx="7332901" cy="3674402"/>
+            <a:off x="557878" y="2722251"/>
+            <a:ext cx="6583902" cy="3299090"/>
+          </a:xfrm>
+          <a:prstGeom prst="rect">
+            <a:avLst/>
+          </a:prstGeom>
+        </p:spPr>
+      </p:pic>
+      <p:sp>
+        <p:nvSpPr>
+          <p:cNvPr id="5" name="Seta: Pentágono 2">
+            <a:extLst>
+              <a:ext uri="{FF2B5EF4-FFF2-40B4-BE49-F238E27FC236}">
+                <a16:creationId xmlns:a16="http://schemas.microsoft.com/office/drawing/2014/main" id="{305FC1E8-F2E8-42C2-B81F-097C0FA4A259}"/>
+              </a:ext>
+            </a:extLst>
+          </p:cNvPr>
+          <p:cNvSpPr/>
+          <p:nvPr/>
+        </p:nvSpPr>
+        <p:spPr>
+          <a:xfrm>
+            <a:off x="0" y="1274338"/>
+            <a:ext cx="6769768" cy="1154243"/>
+          </a:xfrm>
+          <a:prstGeom prst="homePlate">
+            <a:avLst/>
+          </a:prstGeom>
+          <a:solidFill>
+            <a:srgbClr val="227EA4"/>
+          </a:solidFill>
+          <a:ln>
+            <a:noFill/>
+          </a:ln>
+        </p:spPr>
+        <p:style>
+          <a:lnRef idx="2">
+            <a:schemeClr val="accent1">
+              <a:shade val="50000"/>
+            </a:schemeClr>
+          </a:lnRef>
+          <a:fillRef idx="1">
+            <a:schemeClr val="accent1"/>
+          </a:fillRef>
+          <a:effectRef idx="0">
+            <a:schemeClr val="accent1"/>
+          </a:effectRef>
+          <a:fontRef idx="minor">
+            <a:schemeClr val="lt1"/>
+          </a:fontRef>
+        </p:style>
+        <p:txBody>
+          <a:bodyPr rtlCol="0" anchor="ctr"/>
+          <a:lstStyle/>
+          <a:p>
+            <a:r>
+              <a:rPr lang="pt-BR" sz="4400" dirty="0" smtClean="0">
+                <a:latin typeface="+mj-lt"/>
+              </a:rPr>
+              <a:t>Ferramenta de suporte </a:t>
+            </a:r>
+            <a:endParaRPr lang="pt-BR" sz="4400" dirty="0">
+              <a:latin typeface="+mj-lt"/>
+            </a:endParaRPr>
+          </a:p>
+        </p:txBody>
+      </p:sp>
+      <p:pic>
+        <p:nvPicPr>
+          <p:cNvPr id="6" name="Imagem 5"/>
+          <p:cNvPicPr>
+            <a:picLocks noChangeAspect="1"/>
+          </p:cNvPicPr>
+          <p:nvPr/>
+        </p:nvPicPr>
+        <p:blipFill rotWithShape="1">
+          <a:blip r:embed="rId3">
+            <a:extLst>
+              <a:ext uri="{28A0092B-C50C-407E-A947-70E740481C1C}">
+                <a14:useLocalDpi xmlns:a14="http://schemas.microsoft.com/office/drawing/2010/main" val="0"/>
+              </a:ext>
+            </a:extLst>
+          </a:blip>
+          <a:srcRect l="11076" t="28663" r="8923" b="29563"/>
+          <a:stretch/>
+        </p:blipFill>
+        <p:spPr>
+          <a:xfrm>
+            <a:off x="7918936" y="4009703"/>
+            <a:ext cx="1374367" cy="724186"/>
+          </a:xfrm>
+          <a:prstGeom prst="rect">
+            <a:avLst/>
+          </a:prstGeom>
+        </p:spPr>
+      </p:pic>
+      <p:pic>
+        <p:nvPicPr>
+          <p:cNvPr id="7" name="Imagem 6"/>
+          <p:cNvPicPr>
+            <a:picLocks noChangeAspect="1"/>
+          </p:cNvPicPr>
+          <p:nvPr/>
+        </p:nvPicPr>
+        <p:blipFill>
+          <a:blip r:embed="rId4" cstate="print">
+            <a:extLst>
+              <a:ext uri="{28A0092B-C50C-407E-A947-70E740481C1C}">
+                <a14:useLocalDpi xmlns:a14="http://schemas.microsoft.com/office/drawing/2010/main" val="0"/>
+              </a:ext>
+            </a:extLst>
+          </a:blip>
+          <a:stretch>
+            <a:fillRect/>
+          </a:stretch>
+        </p:blipFill>
+        <p:spPr>
+          <a:xfrm>
+            <a:off x="8219086" y="3084298"/>
+            <a:ext cx="774069" cy="730957"/>
           </a:xfrm>
           <a:prstGeom prst="rect">
             <a:avLst/>
@@ -14179,7 +14653,7 @@
       </p:grpSpPr>
       <p:sp>
         <p:nvSpPr>
-          <p:cNvPr id="3" name="Seta: Pentágono 2">
+          <p:cNvPr id="2" name="Seta: Pentágono 2">
             <a:extLst>
               <a:ext uri="{FF2B5EF4-FFF2-40B4-BE49-F238E27FC236}">
                 <a16:creationId xmlns:a16="http://schemas.microsoft.com/office/drawing/2014/main" id="{305FC1E8-F2E8-42C2-B81F-097C0FA4A259}"/>
@@ -14191,8 +14665,8 @@
         </p:nvSpPr>
         <p:spPr>
           <a:xfrm>
-            <a:off x="0" y="330749"/>
-            <a:ext cx="6769768" cy="1154243"/>
+            <a:off x="-1" y="555340"/>
+            <a:ext cx="6785811" cy="968660"/>
           </a:xfrm>
           <a:prstGeom prst="homePlate">
             <a:avLst/>
@@ -14228,67 +14702,28 @@
               <a:rPr lang="pt-BR" sz="4400" dirty="0" smtClean="0">
                 <a:latin typeface="+mj-lt"/>
               </a:rPr>
-              <a:t>Ferramenta de suporte </a:t>
-            </a:r>
-            <a:endParaRPr lang="pt-BR" sz="4400" dirty="0">
-              <a:latin typeface="+mj-lt"/>
-            </a:endParaRPr>
+              <a:t>Manual de instalação</a:t>
+            </a:r>
           </a:p>
         </p:txBody>
       </p:sp>
       <p:pic>
         <p:nvPicPr>
-          <p:cNvPr id="4" name="Imagem 3"/>
+          <p:cNvPr id="3" name="Imagem 2"/>
           <p:cNvPicPr>
             <a:picLocks noChangeAspect="1"/>
           </p:cNvPicPr>
           <p:nvPr/>
         </p:nvPicPr>
         <p:blipFill rotWithShape="1">
-          <a:blip r:embed="rId2">
-            <a:extLst>
-              <a:ext uri="{28A0092B-C50C-407E-A947-70E740481C1C}">
-                <a14:useLocalDpi xmlns:a14="http://schemas.microsoft.com/office/drawing/2010/main" val="0"/>
-              </a:ext>
-            </a:extLst>
-          </a:blip>
-          <a:srcRect l="11076" t="28663" r="8923" b="29563"/>
+          <a:blip r:embed="rId2"/>
+          <a:srcRect l="26327" t="19935" r="27190" b="10237"/>
           <a:stretch/>
         </p:blipFill>
         <p:spPr>
           <a:xfrm>
-            <a:off x="1668378" y="2832812"/>
-            <a:ext cx="4395538" cy="2316110"/>
-          </a:xfrm>
-          <a:prstGeom prst="rect">
-            <a:avLst/>
-          </a:prstGeom>
-        </p:spPr>
-      </p:pic>
-      <p:pic>
-        <p:nvPicPr>
-          <p:cNvPr id="5" name="Imagem 4"/>
-          <p:cNvPicPr>
-            <a:picLocks noChangeAspect="1"/>
-          </p:cNvPicPr>
-          <p:nvPr/>
-        </p:nvPicPr>
-        <p:blipFill>
-          <a:blip r:embed="rId3">
-            <a:extLst>
-              <a:ext uri="{28A0092B-C50C-407E-A947-70E740481C1C}">
-                <a14:useLocalDpi xmlns:a14="http://schemas.microsoft.com/office/drawing/2010/main" val="0"/>
-              </a:ext>
-            </a:extLst>
-          </a:blip>
-          <a:stretch>
-            <a:fillRect/>
-          </a:stretch>
-        </p:blipFill>
-        <p:spPr>
-          <a:xfrm>
-            <a:off x="6476748" y="4672574"/>
-            <a:ext cx="2314325" cy="2185426"/>
+            <a:off x="1801969" y="1524000"/>
+            <a:ext cx="6047873" cy="5108027"/>
           </a:xfrm>
           <a:prstGeom prst="rect">
             <a:avLst/>
@@ -14298,7 +14733,7 @@
     </p:spTree>
     <p:extLst>
       <p:ext uri="{BB962C8B-B14F-4D97-AF65-F5344CB8AC3E}">
-        <p14:creationId xmlns:p14="http://schemas.microsoft.com/office/powerpoint/2010/main" val="4245214836"/>
+        <p14:creationId xmlns:p14="http://schemas.microsoft.com/office/powerpoint/2010/main" val="963247618"/>
       </p:ext>
     </p:extLst>
   </p:cSld>
@@ -14334,7 +14769,2420 @@
       </p:grpSpPr>
       <p:sp>
         <p:nvSpPr>
-          <p:cNvPr id="2" name="Seta: Pentágono 2">
+          <p:cNvPr id="61" name="Retângulo 60"/>
+          <p:cNvSpPr/>
+          <p:nvPr/>
+        </p:nvSpPr>
+        <p:spPr>
+          <a:xfrm>
+            <a:off x="486068" y="6025487"/>
+            <a:ext cx="10489475" cy="1086601"/>
+          </a:xfrm>
+          <a:prstGeom prst="rect">
+            <a:avLst/>
+          </a:prstGeom>
+          <a:ln>
+            <a:solidFill>
+              <a:schemeClr val="tx1"/>
+            </a:solidFill>
+          </a:ln>
+        </p:spPr>
+        <p:style>
+          <a:lnRef idx="2">
+            <a:schemeClr val="accent6"/>
+          </a:lnRef>
+          <a:fillRef idx="1">
+            <a:schemeClr val="lt1"/>
+          </a:fillRef>
+          <a:effectRef idx="0">
+            <a:schemeClr val="accent6"/>
+          </a:effectRef>
+          <a:fontRef idx="minor">
+            <a:schemeClr val="dk1"/>
+          </a:fontRef>
+        </p:style>
+        <p:txBody>
+          <a:bodyPr rtlCol="0" anchor="ctr"/>
+          <a:lstStyle/>
+          <a:p>
+            <a:pPr algn="ctr"/>
+            <a:endParaRPr lang="pt-BR" dirty="0"/>
+          </a:p>
+        </p:txBody>
+      </p:sp>
+      <p:sp>
+        <p:nvSpPr>
+          <p:cNvPr id="2" name="Retângulo 1"/>
+          <p:cNvSpPr/>
+          <p:nvPr/>
+        </p:nvSpPr>
+        <p:spPr>
+          <a:xfrm>
+            <a:off x="486075" y="758975"/>
+            <a:ext cx="10489475" cy="391886"/>
+          </a:xfrm>
+          <a:prstGeom prst="rect">
+            <a:avLst/>
+          </a:prstGeom>
+          <a:ln>
+            <a:solidFill>
+              <a:schemeClr val="tx1"/>
+            </a:solidFill>
+          </a:ln>
+        </p:spPr>
+        <p:style>
+          <a:lnRef idx="2">
+            <a:schemeClr val="accent6"/>
+          </a:lnRef>
+          <a:fillRef idx="1">
+            <a:schemeClr val="lt1"/>
+          </a:fillRef>
+          <a:effectRef idx="0">
+            <a:schemeClr val="accent6"/>
+          </a:effectRef>
+          <a:fontRef idx="minor">
+            <a:schemeClr val="dk1"/>
+          </a:fontRef>
+        </p:style>
+        <p:txBody>
+          <a:bodyPr rtlCol="0" anchor="ctr"/>
+          <a:lstStyle/>
+          <a:p>
+            <a:pPr algn="ctr"/>
+            <a:r>
+              <a:rPr lang="pt-BR" dirty="0" smtClean="0"/>
+              <a:t>Equipe de gestão de problemas</a:t>
+            </a:r>
+          </a:p>
+        </p:txBody>
+      </p:sp>
+      <p:sp>
+        <p:nvSpPr>
+          <p:cNvPr id="3" name="Retângulo 2"/>
+          <p:cNvSpPr/>
+          <p:nvPr/>
+        </p:nvSpPr>
+        <p:spPr>
+          <a:xfrm>
+            <a:off x="486075" y="1150861"/>
+            <a:ext cx="10489475" cy="824592"/>
+          </a:xfrm>
+          <a:prstGeom prst="rect">
+            <a:avLst/>
+          </a:prstGeom>
+          <a:ln>
+            <a:solidFill>
+              <a:schemeClr val="tx1"/>
+            </a:solidFill>
+          </a:ln>
+        </p:spPr>
+        <p:style>
+          <a:lnRef idx="2">
+            <a:schemeClr val="accent6"/>
+          </a:lnRef>
+          <a:fillRef idx="1">
+            <a:schemeClr val="lt1"/>
+          </a:fillRef>
+          <a:effectRef idx="0">
+            <a:schemeClr val="accent6"/>
+          </a:effectRef>
+          <a:fontRef idx="minor">
+            <a:schemeClr val="dk1"/>
+          </a:fontRef>
+        </p:style>
+        <p:txBody>
+          <a:bodyPr rtlCol="0" anchor="ctr"/>
+          <a:lstStyle/>
+          <a:p>
+            <a:pPr algn="ctr"/>
+            <a:endParaRPr lang="pt-BR"/>
+          </a:p>
+        </p:txBody>
+      </p:sp>
+      <p:sp>
+        <p:nvSpPr>
+          <p:cNvPr id="4" name="Retângulo 3"/>
+          <p:cNvSpPr/>
+          <p:nvPr/>
+        </p:nvSpPr>
+        <p:spPr>
+          <a:xfrm>
+            <a:off x="486075" y="1975453"/>
+            <a:ext cx="10489475" cy="1209660"/>
+          </a:xfrm>
+          <a:prstGeom prst="rect">
+            <a:avLst/>
+          </a:prstGeom>
+          <a:ln>
+            <a:solidFill>
+              <a:schemeClr val="tx1"/>
+            </a:solidFill>
+          </a:ln>
+        </p:spPr>
+        <p:style>
+          <a:lnRef idx="2">
+            <a:schemeClr val="accent6"/>
+          </a:lnRef>
+          <a:fillRef idx="1">
+            <a:schemeClr val="lt1"/>
+          </a:fillRef>
+          <a:effectRef idx="0">
+            <a:schemeClr val="accent6"/>
+          </a:effectRef>
+          <a:fontRef idx="minor">
+            <a:schemeClr val="dk1"/>
+          </a:fontRef>
+        </p:style>
+        <p:txBody>
+          <a:bodyPr rtlCol="0" anchor="ctr"/>
+          <a:lstStyle/>
+          <a:p>
+            <a:pPr algn="ctr"/>
+            <a:endParaRPr lang="pt-BR" dirty="0"/>
+          </a:p>
+        </p:txBody>
+      </p:sp>
+      <p:sp>
+        <p:nvSpPr>
+          <p:cNvPr id="5" name="Retângulo 4"/>
+          <p:cNvSpPr/>
+          <p:nvPr/>
+        </p:nvSpPr>
+        <p:spPr>
+          <a:xfrm>
+            <a:off x="486068" y="3403077"/>
+            <a:ext cx="10489475" cy="1086601"/>
+          </a:xfrm>
+          <a:prstGeom prst="rect">
+            <a:avLst/>
+          </a:prstGeom>
+          <a:ln>
+            <a:solidFill>
+              <a:schemeClr val="tx1"/>
+            </a:solidFill>
+          </a:ln>
+        </p:spPr>
+        <p:style>
+          <a:lnRef idx="2">
+            <a:schemeClr val="accent6"/>
+          </a:lnRef>
+          <a:fillRef idx="1">
+            <a:schemeClr val="lt1"/>
+          </a:fillRef>
+          <a:effectRef idx="0">
+            <a:schemeClr val="accent6"/>
+          </a:effectRef>
+          <a:fontRef idx="minor">
+            <a:schemeClr val="dk1"/>
+          </a:fontRef>
+        </p:style>
+        <p:txBody>
+          <a:bodyPr rtlCol="0" anchor="ctr"/>
+          <a:lstStyle/>
+          <a:p>
+            <a:pPr algn="ctr"/>
+            <a:endParaRPr lang="pt-BR" dirty="0"/>
+          </a:p>
+        </p:txBody>
+      </p:sp>
+      <p:sp>
+        <p:nvSpPr>
+          <p:cNvPr id="6" name="Retângulo 5"/>
+          <p:cNvSpPr/>
+          <p:nvPr/>
+        </p:nvSpPr>
+        <p:spPr>
+          <a:xfrm>
+            <a:off x="486073" y="3185114"/>
+            <a:ext cx="10489475" cy="228600"/>
+          </a:xfrm>
+          <a:prstGeom prst="rect">
+            <a:avLst/>
+          </a:prstGeom>
+          <a:ln>
+            <a:solidFill>
+              <a:schemeClr val="tx1"/>
+            </a:solidFill>
+          </a:ln>
+        </p:spPr>
+        <p:style>
+          <a:lnRef idx="2">
+            <a:schemeClr val="accent6"/>
+          </a:lnRef>
+          <a:fillRef idx="1">
+            <a:schemeClr val="lt1"/>
+          </a:fillRef>
+          <a:effectRef idx="0">
+            <a:schemeClr val="accent6"/>
+          </a:effectRef>
+          <a:fontRef idx="minor">
+            <a:schemeClr val="dk1"/>
+          </a:fontRef>
+        </p:style>
+        <p:txBody>
+          <a:bodyPr rtlCol="0" anchor="ctr"/>
+          <a:lstStyle/>
+          <a:p>
+            <a:pPr algn="ctr"/>
+            <a:r>
+              <a:rPr lang="pt-BR" dirty="0" smtClean="0"/>
+              <a:t>Suporte nível 1</a:t>
+            </a:r>
+            <a:endParaRPr lang="pt-BR" dirty="0"/>
+          </a:p>
+        </p:txBody>
+      </p:sp>
+      <p:sp>
+        <p:nvSpPr>
+          <p:cNvPr id="7" name="Retângulo 6"/>
+          <p:cNvSpPr/>
+          <p:nvPr/>
+        </p:nvSpPr>
+        <p:spPr>
+          <a:xfrm>
+            <a:off x="486081" y="4493478"/>
+            <a:ext cx="10489475" cy="228600"/>
+          </a:xfrm>
+          <a:prstGeom prst="rect">
+            <a:avLst/>
+          </a:prstGeom>
+          <a:ln>
+            <a:solidFill>
+              <a:schemeClr val="tx1"/>
+            </a:solidFill>
+          </a:ln>
+        </p:spPr>
+        <p:style>
+          <a:lnRef idx="2">
+            <a:schemeClr val="accent6"/>
+          </a:lnRef>
+          <a:fillRef idx="1">
+            <a:schemeClr val="lt1"/>
+          </a:fillRef>
+          <a:effectRef idx="0">
+            <a:schemeClr val="accent6"/>
+          </a:effectRef>
+          <a:fontRef idx="minor">
+            <a:schemeClr val="dk1"/>
+          </a:fontRef>
+        </p:style>
+        <p:txBody>
+          <a:bodyPr rtlCol="0" anchor="ctr"/>
+          <a:lstStyle/>
+          <a:p>
+            <a:pPr algn="ctr"/>
+            <a:r>
+              <a:rPr lang="pt-BR" dirty="0" smtClean="0"/>
+              <a:t>Suporte nível 2</a:t>
+            </a:r>
+            <a:endParaRPr lang="pt-BR" dirty="0"/>
+          </a:p>
+        </p:txBody>
+      </p:sp>
+      <p:sp>
+        <p:nvSpPr>
+          <p:cNvPr id="8" name="Retângulo 7"/>
+          <p:cNvSpPr/>
+          <p:nvPr/>
+        </p:nvSpPr>
+        <p:spPr>
+          <a:xfrm>
+            <a:off x="486068" y="5801133"/>
+            <a:ext cx="10489475" cy="228600"/>
+          </a:xfrm>
+          <a:prstGeom prst="rect">
+            <a:avLst/>
+          </a:prstGeom>
+          <a:ln>
+            <a:solidFill>
+              <a:schemeClr val="tx1"/>
+            </a:solidFill>
+          </a:ln>
+        </p:spPr>
+        <p:style>
+          <a:lnRef idx="2">
+            <a:schemeClr val="accent6"/>
+          </a:lnRef>
+          <a:fillRef idx="1">
+            <a:schemeClr val="lt1"/>
+          </a:fillRef>
+          <a:effectRef idx="0">
+            <a:schemeClr val="accent6"/>
+          </a:effectRef>
+          <a:fontRef idx="minor">
+            <a:schemeClr val="dk1"/>
+          </a:fontRef>
+        </p:style>
+        <p:txBody>
+          <a:bodyPr rtlCol="0" anchor="ctr"/>
+          <a:lstStyle/>
+          <a:p>
+            <a:pPr algn="ctr"/>
+            <a:r>
+              <a:rPr lang="pt-BR" dirty="0" smtClean="0"/>
+              <a:t>Suporte nível 3</a:t>
+            </a:r>
+            <a:endParaRPr lang="pt-BR" dirty="0"/>
+          </a:p>
+        </p:txBody>
+      </p:sp>
+      <p:sp>
+        <p:nvSpPr>
+          <p:cNvPr id="9" name="Fluxograma: Conector 8"/>
+          <p:cNvSpPr/>
+          <p:nvPr/>
+        </p:nvSpPr>
+        <p:spPr>
+          <a:xfrm>
+            <a:off x="926403" y="1322856"/>
+            <a:ext cx="457200" cy="457200"/>
+          </a:xfrm>
+          <a:prstGeom prst="flowChartConnector">
+            <a:avLst/>
+          </a:prstGeom>
+          <a:ln>
+            <a:solidFill>
+              <a:schemeClr val="tx1"/>
+            </a:solidFill>
+          </a:ln>
+        </p:spPr>
+        <p:style>
+          <a:lnRef idx="2">
+            <a:schemeClr val="accent6"/>
+          </a:lnRef>
+          <a:fillRef idx="1">
+            <a:schemeClr val="lt1"/>
+          </a:fillRef>
+          <a:effectRef idx="0">
+            <a:schemeClr val="accent6"/>
+          </a:effectRef>
+          <a:fontRef idx="minor">
+            <a:schemeClr val="dk1"/>
+          </a:fontRef>
+        </p:style>
+        <p:txBody>
+          <a:bodyPr rtlCol="0" anchor="ctr"/>
+          <a:lstStyle/>
+          <a:p>
+            <a:pPr algn="ctr"/>
+            <a:endParaRPr lang="pt-BR"/>
+          </a:p>
+        </p:txBody>
+      </p:sp>
+      <p:sp>
+        <p:nvSpPr>
+          <p:cNvPr id="10" name="Fluxograma: Conector 9"/>
+          <p:cNvSpPr/>
+          <p:nvPr/>
+        </p:nvSpPr>
+        <p:spPr>
+          <a:xfrm>
+            <a:off x="8815554" y="1246600"/>
+            <a:ext cx="457200" cy="457200"/>
+          </a:xfrm>
+          <a:prstGeom prst="flowChartConnector">
+            <a:avLst/>
+          </a:prstGeom>
+          <a:ln>
+            <a:solidFill>
+              <a:schemeClr val="tx1"/>
+            </a:solidFill>
+          </a:ln>
+        </p:spPr>
+        <p:style>
+          <a:lnRef idx="2">
+            <a:schemeClr val="accent6"/>
+          </a:lnRef>
+          <a:fillRef idx="1">
+            <a:schemeClr val="lt1"/>
+          </a:fillRef>
+          <a:effectRef idx="0">
+            <a:schemeClr val="accent6"/>
+          </a:effectRef>
+          <a:fontRef idx="minor">
+            <a:schemeClr val="dk1"/>
+          </a:fontRef>
+        </p:style>
+        <p:txBody>
+          <a:bodyPr rtlCol="0" anchor="ctr"/>
+          <a:lstStyle/>
+          <a:p>
+            <a:pPr algn="ctr"/>
+            <a:endParaRPr lang="pt-BR"/>
+          </a:p>
+        </p:txBody>
+      </p:sp>
+      <p:sp>
+        <p:nvSpPr>
+          <p:cNvPr id="11" name="Fluxograma: Conector 10"/>
+          <p:cNvSpPr/>
+          <p:nvPr/>
+        </p:nvSpPr>
+        <p:spPr>
+          <a:xfrm>
+            <a:off x="8891754" y="1322800"/>
+            <a:ext cx="304800" cy="304800"/>
+          </a:xfrm>
+          <a:prstGeom prst="flowChartConnector">
+            <a:avLst/>
+          </a:prstGeom>
+        </p:spPr>
+        <p:style>
+          <a:lnRef idx="2">
+            <a:schemeClr val="dk1">
+              <a:shade val="50000"/>
+            </a:schemeClr>
+          </a:lnRef>
+          <a:fillRef idx="1">
+            <a:schemeClr val="dk1"/>
+          </a:fillRef>
+          <a:effectRef idx="0">
+            <a:schemeClr val="dk1"/>
+          </a:effectRef>
+          <a:fontRef idx="minor">
+            <a:schemeClr val="lt1"/>
+          </a:fontRef>
+        </p:style>
+        <p:txBody>
+          <a:bodyPr rtlCol="0" anchor="ctr"/>
+          <a:lstStyle/>
+          <a:p>
+            <a:pPr algn="ctr"/>
+            <a:endParaRPr lang="pt-BR"/>
+          </a:p>
+        </p:txBody>
+      </p:sp>
+      <p:sp>
+        <p:nvSpPr>
+          <p:cNvPr id="12" name="Fluxograma: Processo 11"/>
+          <p:cNvSpPr/>
+          <p:nvPr/>
+        </p:nvSpPr>
+        <p:spPr>
+          <a:xfrm>
+            <a:off x="3338097" y="1219826"/>
+            <a:ext cx="1554480" cy="636813"/>
+          </a:xfrm>
+          <a:prstGeom prst="flowChartProcess">
+            <a:avLst/>
+          </a:prstGeom>
+          <a:ln>
+            <a:solidFill>
+              <a:schemeClr val="tx1"/>
+            </a:solidFill>
+          </a:ln>
+        </p:spPr>
+        <p:style>
+          <a:lnRef idx="2">
+            <a:schemeClr val="accent6"/>
+          </a:lnRef>
+          <a:fillRef idx="1">
+            <a:schemeClr val="lt1"/>
+          </a:fillRef>
+          <a:effectRef idx="0">
+            <a:schemeClr val="accent6"/>
+          </a:effectRef>
+          <a:fontRef idx="minor">
+            <a:schemeClr val="dk1"/>
+          </a:fontRef>
+        </p:style>
+        <p:txBody>
+          <a:bodyPr rtlCol="0" anchor="ctr"/>
+          <a:lstStyle/>
+          <a:p>
+            <a:pPr algn="ctr"/>
+            <a:r>
+              <a:rPr lang="pt-BR" sz="1200" dirty="0" smtClean="0"/>
+              <a:t>Time de TI identifica e registra o problema</a:t>
+            </a:r>
+            <a:endParaRPr lang="pt-BR" sz="1200" dirty="0"/>
+          </a:p>
+        </p:txBody>
+      </p:sp>
+      <p:cxnSp>
+        <p:nvCxnSpPr>
+          <p:cNvPr id="13" name="Conector de Seta Reta 12"/>
+          <p:cNvCxnSpPr>
+            <a:stCxn id="9" idx="6"/>
+          </p:cNvCxnSpPr>
+          <p:nvPr/>
+        </p:nvCxnSpPr>
+        <p:spPr>
+          <a:xfrm>
+            <a:off x="1383603" y="1551456"/>
+            <a:ext cx="236592" cy="6322"/>
+          </a:xfrm>
+          <a:prstGeom prst="straightConnector1">
+            <a:avLst/>
+          </a:prstGeom>
+          <a:ln>
+            <a:tailEnd type="triangle"/>
+          </a:ln>
+        </p:spPr>
+        <p:style>
+          <a:lnRef idx="1">
+            <a:schemeClr val="dk1"/>
+          </a:lnRef>
+          <a:fillRef idx="0">
+            <a:schemeClr val="dk1"/>
+          </a:fillRef>
+          <a:effectRef idx="0">
+            <a:schemeClr val="dk1"/>
+          </a:effectRef>
+          <a:fontRef idx="minor">
+            <a:schemeClr val="tx1"/>
+          </a:fontRef>
+        </p:style>
+      </p:cxnSp>
+      <p:sp>
+        <p:nvSpPr>
+          <p:cNvPr id="14" name="Fluxograma: Processo 13"/>
+          <p:cNvSpPr/>
+          <p:nvPr/>
+        </p:nvSpPr>
+        <p:spPr>
+          <a:xfrm>
+            <a:off x="561191" y="2373514"/>
+            <a:ext cx="1140823" cy="636813"/>
+          </a:xfrm>
+          <a:prstGeom prst="flowChartProcess">
+            <a:avLst/>
+          </a:prstGeom>
+          <a:ln>
+            <a:solidFill>
+              <a:schemeClr val="tx1"/>
+            </a:solidFill>
+          </a:ln>
+        </p:spPr>
+        <p:style>
+          <a:lnRef idx="2">
+            <a:schemeClr val="accent6"/>
+          </a:lnRef>
+          <a:fillRef idx="1">
+            <a:schemeClr val="lt1"/>
+          </a:fillRef>
+          <a:effectRef idx="0">
+            <a:schemeClr val="accent6"/>
+          </a:effectRef>
+          <a:fontRef idx="minor">
+            <a:schemeClr val="dk1"/>
+          </a:fontRef>
+        </p:style>
+        <p:txBody>
+          <a:bodyPr rtlCol="0" anchor="ctr"/>
+          <a:lstStyle/>
+          <a:p>
+            <a:pPr algn="ctr"/>
+            <a:r>
+              <a:rPr lang="pt-BR" sz="1200" dirty="0" smtClean="0"/>
+              <a:t>Problema é recebido</a:t>
+            </a:r>
+            <a:endParaRPr lang="pt-BR" sz="1200" dirty="0"/>
+          </a:p>
+        </p:txBody>
+      </p:sp>
+      <p:sp>
+        <p:nvSpPr>
+          <p:cNvPr id="15" name="Fluxograma: Processo 14"/>
+          <p:cNvSpPr/>
+          <p:nvPr/>
+        </p:nvSpPr>
+        <p:spPr>
+          <a:xfrm>
+            <a:off x="1991880" y="2373514"/>
+            <a:ext cx="1140823" cy="636813"/>
+          </a:xfrm>
+          <a:prstGeom prst="flowChartProcess">
+            <a:avLst/>
+          </a:prstGeom>
+          <a:ln>
+            <a:solidFill>
+              <a:schemeClr val="tx1"/>
+            </a:solidFill>
+          </a:ln>
+        </p:spPr>
+        <p:style>
+          <a:lnRef idx="2">
+            <a:schemeClr val="accent6"/>
+          </a:lnRef>
+          <a:fillRef idx="1">
+            <a:schemeClr val="lt1"/>
+          </a:fillRef>
+          <a:effectRef idx="0">
+            <a:schemeClr val="accent6"/>
+          </a:effectRef>
+          <a:fontRef idx="minor">
+            <a:schemeClr val="dk1"/>
+          </a:fontRef>
+        </p:style>
+        <p:txBody>
+          <a:bodyPr rtlCol="0" anchor="ctr"/>
+          <a:lstStyle/>
+          <a:p>
+            <a:pPr algn="ctr"/>
+            <a:r>
+              <a:rPr lang="pt-BR" sz="1200" dirty="0"/>
+              <a:t>Problema</a:t>
+            </a:r>
+            <a:r>
+              <a:rPr lang="pt-BR" sz="1200" dirty="0" smtClean="0"/>
+              <a:t> é registrado</a:t>
+            </a:r>
+            <a:endParaRPr lang="pt-BR" sz="1200" dirty="0"/>
+          </a:p>
+        </p:txBody>
+      </p:sp>
+      <p:sp>
+        <p:nvSpPr>
+          <p:cNvPr id="16" name="Fluxograma: Processo 15"/>
+          <p:cNvSpPr/>
+          <p:nvPr/>
+        </p:nvSpPr>
+        <p:spPr>
+          <a:xfrm>
+            <a:off x="3421191" y="2373513"/>
+            <a:ext cx="1150567" cy="636813"/>
+          </a:xfrm>
+          <a:prstGeom prst="flowChartProcess">
+            <a:avLst/>
+          </a:prstGeom>
+          <a:ln>
+            <a:solidFill>
+              <a:schemeClr val="tx1"/>
+            </a:solidFill>
+          </a:ln>
+        </p:spPr>
+        <p:style>
+          <a:lnRef idx="2">
+            <a:schemeClr val="accent6"/>
+          </a:lnRef>
+          <a:fillRef idx="1">
+            <a:schemeClr val="lt1"/>
+          </a:fillRef>
+          <a:effectRef idx="0">
+            <a:schemeClr val="accent6"/>
+          </a:effectRef>
+          <a:fontRef idx="minor">
+            <a:schemeClr val="dk1"/>
+          </a:fontRef>
+        </p:style>
+        <p:txBody>
+          <a:bodyPr rtlCol="0" anchor="ctr"/>
+          <a:lstStyle/>
+          <a:p>
+            <a:pPr algn="ctr"/>
+            <a:r>
+              <a:rPr lang="pt-BR" sz="1200" dirty="0"/>
+              <a:t>Problema </a:t>
+            </a:r>
+            <a:r>
+              <a:rPr lang="pt-BR" sz="1200" dirty="0" smtClean="0"/>
+              <a:t> é classificado </a:t>
+            </a:r>
+            <a:endParaRPr lang="pt-BR" sz="1200" dirty="0"/>
+          </a:p>
+        </p:txBody>
+      </p:sp>
+      <p:cxnSp>
+        <p:nvCxnSpPr>
+          <p:cNvPr id="17" name="Conector de Seta Reta 16"/>
+          <p:cNvCxnSpPr/>
+          <p:nvPr/>
+        </p:nvCxnSpPr>
+        <p:spPr>
+          <a:xfrm>
+            <a:off x="1702014" y="2678857"/>
+            <a:ext cx="307624" cy="0"/>
+          </a:xfrm>
+          <a:prstGeom prst="straightConnector1">
+            <a:avLst/>
+          </a:prstGeom>
+          <a:ln>
+            <a:solidFill>
+              <a:schemeClr val="tx1"/>
+            </a:solidFill>
+            <a:tailEnd type="triangle"/>
+          </a:ln>
+        </p:spPr>
+        <p:style>
+          <a:lnRef idx="1">
+            <a:schemeClr val="accent1"/>
+          </a:lnRef>
+          <a:fillRef idx="0">
+            <a:schemeClr val="accent1"/>
+          </a:fillRef>
+          <a:effectRef idx="0">
+            <a:schemeClr val="accent1"/>
+          </a:effectRef>
+          <a:fontRef idx="minor">
+            <a:schemeClr val="tx1"/>
+          </a:fontRef>
+        </p:style>
+      </p:cxnSp>
+      <p:sp>
+        <p:nvSpPr>
+          <p:cNvPr id="18" name="Fluxograma: Processo 17"/>
+          <p:cNvSpPr/>
+          <p:nvPr/>
+        </p:nvSpPr>
+        <p:spPr>
+          <a:xfrm>
+            <a:off x="4860241" y="2369161"/>
+            <a:ext cx="1140818" cy="636813"/>
+          </a:xfrm>
+          <a:prstGeom prst="flowChartProcess">
+            <a:avLst/>
+          </a:prstGeom>
+          <a:ln>
+            <a:solidFill>
+              <a:schemeClr val="tx1"/>
+            </a:solidFill>
+          </a:ln>
+        </p:spPr>
+        <p:style>
+          <a:lnRef idx="2">
+            <a:schemeClr val="accent6"/>
+          </a:lnRef>
+          <a:fillRef idx="1">
+            <a:schemeClr val="lt1"/>
+          </a:fillRef>
+          <a:effectRef idx="0">
+            <a:schemeClr val="accent6"/>
+          </a:effectRef>
+          <a:fontRef idx="minor">
+            <a:schemeClr val="dk1"/>
+          </a:fontRef>
+        </p:style>
+        <p:txBody>
+          <a:bodyPr rtlCol="0" anchor="ctr"/>
+          <a:lstStyle/>
+          <a:p>
+            <a:pPr algn="ctr"/>
+            <a:r>
+              <a:rPr lang="pt-BR" sz="1200" dirty="0"/>
+              <a:t>Problema</a:t>
+            </a:r>
+            <a:r>
+              <a:rPr lang="pt-BR" sz="1200" dirty="0" smtClean="0"/>
+              <a:t> é priorizado </a:t>
+            </a:r>
+            <a:endParaRPr lang="pt-BR" sz="1200" dirty="0"/>
+          </a:p>
+        </p:txBody>
+      </p:sp>
+      <p:sp>
+        <p:nvSpPr>
+          <p:cNvPr id="19" name="Fluxograma: Decisão 18"/>
+          <p:cNvSpPr/>
+          <p:nvPr/>
+        </p:nvSpPr>
+        <p:spPr>
+          <a:xfrm>
+            <a:off x="3621425" y="3575989"/>
+            <a:ext cx="1549870" cy="731115"/>
+          </a:xfrm>
+          <a:prstGeom prst="flowChartDecision">
+            <a:avLst/>
+          </a:prstGeom>
+          <a:ln>
+            <a:solidFill>
+              <a:schemeClr val="tx1"/>
+            </a:solidFill>
+          </a:ln>
+        </p:spPr>
+        <p:style>
+          <a:lnRef idx="2">
+            <a:schemeClr val="accent6"/>
+          </a:lnRef>
+          <a:fillRef idx="1">
+            <a:schemeClr val="lt1"/>
+          </a:fillRef>
+          <a:effectRef idx="0">
+            <a:schemeClr val="accent6"/>
+          </a:effectRef>
+          <a:fontRef idx="minor">
+            <a:schemeClr val="dk1"/>
+          </a:fontRef>
+        </p:style>
+        <p:txBody>
+          <a:bodyPr rtlCol="0" anchor="ctr"/>
+          <a:lstStyle/>
+          <a:p>
+            <a:pPr algn="ctr"/>
+            <a:r>
+              <a:rPr lang="pt-BR" sz="900" dirty="0" smtClean="0"/>
+              <a:t>Problema pode ser resolvido?</a:t>
+            </a:r>
+            <a:endParaRPr lang="pt-BR" sz="900" dirty="0"/>
+          </a:p>
+        </p:txBody>
+      </p:sp>
+      <p:sp>
+        <p:nvSpPr>
+          <p:cNvPr id="20" name="Fluxograma: Processo 19"/>
+          <p:cNvSpPr/>
+          <p:nvPr/>
+        </p:nvSpPr>
+        <p:spPr>
+          <a:xfrm>
+            <a:off x="584591" y="3624716"/>
+            <a:ext cx="1140818" cy="636813"/>
+          </a:xfrm>
+          <a:prstGeom prst="flowChartProcess">
+            <a:avLst/>
+          </a:prstGeom>
+          <a:ln>
+            <a:solidFill>
+              <a:schemeClr val="tx1"/>
+            </a:solidFill>
+          </a:ln>
+        </p:spPr>
+        <p:style>
+          <a:lnRef idx="2">
+            <a:schemeClr val="accent6"/>
+          </a:lnRef>
+          <a:fillRef idx="1">
+            <a:schemeClr val="lt1"/>
+          </a:fillRef>
+          <a:effectRef idx="0">
+            <a:schemeClr val="accent6"/>
+          </a:effectRef>
+          <a:fontRef idx="minor">
+            <a:schemeClr val="dk1"/>
+          </a:fontRef>
+        </p:style>
+        <p:txBody>
+          <a:bodyPr rtlCol="0" anchor="ctr"/>
+          <a:lstStyle/>
+          <a:p>
+            <a:pPr algn="ctr"/>
+            <a:r>
+              <a:rPr lang="pt-BR" sz="1200" dirty="0"/>
+              <a:t>Problema</a:t>
+            </a:r>
+            <a:r>
+              <a:rPr lang="pt-BR" sz="1200" dirty="0" smtClean="0"/>
+              <a:t> é diagnosticado</a:t>
+            </a:r>
+            <a:endParaRPr lang="pt-BR" sz="1200" dirty="0"/>
+          </a:p>
+        </p:txBody>
+      </p:sp>
+      <p:cxnSp>
+        <p:nvCxnSpPr>
+          <p:cNvPr id="21" name="Conector de Seta Reta 20"/>
+          <p:cNvCxnSpPr/>
+          <p:nvPr/>
+        </p:nvCxnSpPr>
+        <p:spPr>
+          <a:xfrm>
+            <a:off x="3132703" y="2691920"/>
+            <a:ext cx="307624" cy="0"/>
+          </a:xfrm>
+          <a:prstGeom prst="straightConnector1">
+            <a:avLst/>
+          </a:prstGeom>
+          <a:ln>
+            <a:solidFill>
+              <a:schemeClr val="tx1"/>
+            </a:solidFill>
+            <a:tailEnd type="triangle"/>
+          </a:ln>
+        </p:spPr>
+        <p:style>
+          <a:lnRef idx="1">
+            <a:schemeClr val="accent1"/>
+          </a:lnRef>
+          <a:fillRef idx="0">
+            <a:schemeClr val="accent1"/>
+          </a:fillRef>
+          <a:effectRef idx="0">
+            <a:schemeClr val="accent1"/>
+          </a:effectRef>
+          <a:fontRef idx="minor">
+            <a:schemeClr val="tx1"/>
+          </a:fontRef>
+        </p:style>
+      </p:cxnSp>
+      <p:cxnSp>
+        <p:nvCxnSpPr>
+          <p:cNvPr id="22" name="Conector de Seta Reta 21"/>
+          <p:cNvCxnSpPr/>
+          <p:nvPr/>
+        </p:nvCxnSpPr>
+        <p:spPr>
+          <a:xfrm>
+            <a:off x="4571758" y="2691919"/>
+            <a:ext cx="307624" cy="0"/>
+          </a:xfrm>
+          <a:prstGeom prst="straightConnector1">
+            <a:avLst/>
+          </a:prstGeom>
+          <a:ln>
+            <a:solidFill>
+              <a:schemeClr val="tx1"/>
+            </a:solidFill>
+            <a:tailEnd type="triangle"/>
+          </a:ln>
+        </p:spPr>
+        <p:style>
+          <a:lnRef idx="1">
+            <a:schemeClr val="accent1"/>
+          </a:lnRef>
+          <a:fillRef idx="0">
+            <a:schemeClr val="accent1"/>
+          </a:fillRef>
+          <a:effectRef idx="0">
+            <a:schemeClr val="accent1"/>
+          </a:effectRef>
+          <a:fontRef idx="minor">
+            <a:schemeClr val="tx1"/>
+          </a:fontRef>
+        </p:style>
+      </p:cxnSp>
+      <p:cxnSp>
+        <p:nvCxnSpPr>
+          <p:cNvPr id="23" name="Conector de Seta Reta 22"/>
+          <p:cNvCxnSpPr>
+            <a:stCxn id="20" idx="3"/>
+            <a:endCxn id="55" idx="1"/>
+          </p:cNvCxnSpPr>
+          <p:nvPr/>
+        </p:nvCxnSpPr>
+        <p:spPr>
+          <a:xfrm flipV="1">
+            <a:off x="1725409" y="3938479"/>
+            <a:ext cx="414793" cy="4644"/>
+          </a:xfrm>
+          <a:prstGeom prst="straightConnector1">
+            <a:avLst/>
+          </a:prstGeom>
+          <a:ln>
+            <a:solidFill>
+              <a:schemeClr val="tx1"/>
+            </a:solidFill>
+            <a:tailEnd type="triangle"/>
+          </a:ln>
+        </p:spPr>
+        <p:style>
+          <a:lnRef idx="1">
+            <a:schemeClr val="accent1"/>
+          </a:lnRef>
+          <a:fillRef idx="0">
+            <a:schemeClr val="accent1"/>
+          </a:fillRef>
+          <a:effectRef idx="0">
+            <a:schemeClr val="accent1"/>
+          </a:effectRef>
+          <a:fontRef idx="minor">
+            <a:schemeClr val="tx1"/>
+          </a:fontRef>
+        </p:style>
+      </p:cxnSp>
+      <p:sp>
+        <p:nvSpPr>
+          <p:cNvPr id="24" name="Fluxograma: Processo 23"/>
+          <p:cNvSpPr/>
+          <p:nvPr/>
+        </p:nvSpPr>
+        <p:spPr>
+          <a:xfrm>
+            <a:off x="5609244" y="3627970"/>
+            <a:ext cx="1140818" cy="636813"/>
+          </a:xfrm>
+          <a:prstGeom prst="flowChartProcess">
+            <a:avLst/>
+          </a:prstGeom>
+          <a:ln>
+            <a:solidFill>
+              <a:schemeClr val="tx1"/>
+            </a:solidFill>
+          </a:ln>
+        </p:spPr>
+        <p:style>
+          <a:lnRef idx="2">
+            <a:schemeClr val="accent6"/>
+          </a:lnRef>
+          <a:fillRef idx="1">
+            <a:schemeClr val="lt1"/>
+          </a:fillRef>
+          <a:effectRef idx="0">
+            <a:schemeClr val="accent6"/>
+          </a:effectRef>
+          <a:fontRef idx="minor">
+            <a:schemeClr val="dk1"/>
+          </a:fontRef>
+        </p:style>
+        <p:txBody>
+          <a:bodyPr rtlCol="0" anchor="ctr"/>
+          <a:lstStyle/>
+          <a:p>
+            <a:pPr algn="ctr"/>
+            <a:r>
+              <a:rPr lang="pt-BR" sz="1200" dirty="0" smtClean="0"/>
+              <a:t>Resolver</a:t>
+            </a:r>
+            <a:endParaRPr lang="pt-BR" sz="1200" dirty="0"/>
+          </a:p>
+        </p:txBody>
+      </p:sp>
+      <p:sp>
+        <p:nvSpPr>
+          <p:cNvPr id="25" name="CaixaDeTexto 24"/>
+          <p:cNvSpPr txBox="1"/>
+          <p:nvPr/>
+        </p:nvSpPr>
+        <p:spPr>
+          <a:xfrm>
+            <a:off x="5139029" y="3717444"/>
+            <a:ext cx="485765" cy="246221"/>
+          </a:xfrm>
+          <a:prstGeom prst="rect">
+            <a:avLst/>
+          </a:prstGeom>
+          <a:noFill/>
+        </p:spPr>
+        <p:txBody>
+          <a:bodyPr wrap="square" rtlCol="0">
+            <a:spAutoFit/>
+          </a:bodyPr>
+          <a:lstStyle/>
+          <a:p>
+            <a:r>
+              <a:rPr lang="pt-BR" sz="1000" dirty="0" smtClean="0"/>
+              <a:t>sim</a:t>
+            </a:r>
+            <a:endParaRPr lang="pt-BR" sz="1000" dirty="0"/>
+          </a:p>
+        </p:txBody>
+      </p:sp>
+      <p:sp>
+        <p:nvSpPr>
+          <p:cNvPr id="26" name="CaixaDeTexto 25"/>
+          <p:cNvSpPr txBox="1"/>
+          <p:nvPr/>
+        </p:nvSpPr>
+        <p:spPr>
+          <a:xfrm>
+            <a:off x="4460874" y="4308626"/>
+            <a:ext cx="485765" cy="246221"/>
+          </a:xfrm>
+          <a:prstGeom prst="rect">
+            <a:avLst/>
+          </a:prstGeom>
+          <a:noFill/>
+        </p:spPr>
+        <p:txBody>
+          <a:bodyPr wrap="square" rtlCol="0">
+            <a:spAutoFit/>
+          </a:bodyPr>
+          <a:lstStyle/>
+          <a:p>
+            <a:r>
+              <a:rPr lang="pt-BR" sz="1000" dirty="0" smtClean="0"/>
+              <a:t>não</a:t>
+            </a:r>
+            <a:endParaRPr lang="pt-BR" sz="1000" dirty="0"/>
+          </a:p>
+        </p:txBody>
+      </p:sp>
+      <p:sp>
+        <p:nvSpPr>
+          <p:cNvPr id="27" name="Retângulo 26"/>
+          <p:cNvSpPr/>
+          <p:nvPr/>
+        </p:nvSpPr>
+        <p:spPr>
+          <a:xfrm>
+            <a:off x="486068" y="1975452"/>
+            <a:ext cx="10489475" cy="228600"/>
+          </a:xfrm>
+          <a:prstGeom prst="rect">
+            <a:avLst/>
+          </a:prstGeom>
+          <a:ln>
+            <a:solidFill>
+              <a:schemeClr val="tx1"/>
+            </a:solidFill>
+          </a:ln>
+        </p:spPr>
+        <p:style>
+          <a:lnRef idx="2">
+            <a:schemeClr val="accent6"/>
+          </a:lnRef>
+          <a:fillRef idx="1">
+            <a:schemeClr val="lt1"/>
+          </a:fillRef>
+          <a:effectRef idx="0">
+            <a:schemeClr val="accent6"/>
+          </a:effectRef>
+          <a:fontRef idx="minor">
+            <a:schemeClr val="dk1"/>
+          </a:fontRef>
+        </p:style>
+        <p:txBody>
+          <a:bodyPr rtlCol="0" anchor="ctr"/>
+          <a:lstStyle/>
+          <a:p>
+            <a:pPr algn="ctr"/>
+            <a:r>
+              <a:rPr lang="pt-BR" dirty="0"/>
+              <a:t>Central de serviços de </a:t>
+            </a:r>
+            <a:r>
+              <a:rPr lang="pt-BR" dirty="0" smtClean="0"/>
+              <a:t>TI</a:t>
+            </a:r>
+            <a:endParaRPr lang="pt-BR" dirty="0"/>
+          </a:p>
+        </p:txBody>
+      </p:sp>
+      <p:sp>
+        <p:nvSpPr>
+          <p:cNvPr id="28" name="Retângulo 27"/>
+          <p:cNvSpPr/>
+          <p:nvPr/>
+        </p:nvSpPr>
+        <p:spPr>
+          <a:xfrm>
+            <a:off x="486068" y="4718576"/>
+            <a:ext cx="10489475" cy="1086601"/>
+          </a:xfrm>
+          <a:prstGeom prst="rect">
+            <a:avLst/>
+          </a:prstGeom>
+          <a:ln>
+            <a:solidFill>
+              <a:schemeClr val="tx1"/>
+            </a:solidFill>
+          </a:ln>
+        </p:spPr>
+        <p:style>
+          <a:lnRef idx="2">
+            <a:schemeClr val="accent6"/>
+          </a:lnRef>
+          <a:fillRef idx="1">
+            <a:schemeClr val="lt1"/>
+          </a:fillRef>
+          <a:effectRef idx="0">
+            <a:schemeClr val="accent6"/>
+          </a:effectRef>
+          <a:fontRef idx="minor">
+            <a:schemeClr val="dk1"/>
+          </a:fontRef>
+        </p:style>
+        <p:txBody>
+          <a:bodyPr rtlCol="0" anchor="ctr"/>
+          <a:lstStyle/>
+          <a:p>
+            <a:pPr algn="ctr"/>
+            <a:endParaRPr lang="pt-BR" dirty="0"/>
+          </a:p>
+        </p:txBody>
+      </p:sp>
+      <p:cxnSp>
+        <p:nvCxnSpPr>
+          <p:cNvPr id="29" name="Conector Angulado 28"/>
+          <p:cNvCxnSpPr>
+            <a:stCxn id="12" idx="2"/>
+            <a:endCxn id="14" idx="0"/>
+          </p:cNvCxnSpPr>
+          <p:nvPr/>
+        </p:nvCxnSpPr>
+        <p:spPr>
+          <a:xfrm rot="5400000">
+            <a:off x="2365033" y="623209"/>
+            <a:ext cx="516875" cy="2983734"/>
+          </a:xfrm>
+          <a:prstGeom prst="bentConnector3">
+            <a:avLst>
+              <a:gd name="adj1" fmla="val 50000"/>
+            </a:avLst>
+          </a:prstGeom>
+          <a:ln>
+            <a:tailEnd type="triangle"/>
+          </a:ln>
+        </p:spPr>
+        <p:style>
+          <a:lnRef idx="1">
+            <a:schemeClr val="dk1"/>
+          </a:lnRef>
+          <a:fillRef idx="0">
+            <a:schemeClr val="dk1"/>
+          </a:fillRef>
+          <a:effectRef idx="0">
+            <a:schemeClr val="dk1"/>
+          </a:effectRef>
+          <a:fontRef idx="minor">
+            <a:schemeClr val="tx1"/>
+          </a:fontRef>
+        </p:style>
+      </p:cxnSp>
+      <p:sp>
+        <p:nvSpPr>
+          <p:cNvPr id="30" name="Fluxograma: Processo 29"/>
+          <p:cNvSpPr/>
+          <p:nvPr/>
+        </p:nvSpPr>
+        <p:spPr>
+          <a:xfrm>
+            <a:off x="584591" y="4986954"/>
+            <a:ext cx="1140818" cy="636813"/>
+          </a:xfrm>
+          <a:prstGeom prst="flowChartProcess">
+            <a:avLst/>
+          </a:prstGeom>
+          <a:ln>
+            <a:solidFill>
+              <a:schemeClr val="tx1"/>
+            </a:solidFill>
+          </a:ln>
+        </p:spPr>
+        <p:style>
+          <a:lnRef idx="2">
+            <a:schemeClr val="accent6"/>
+          </a:lnRef>
+          <a:fillRef idx="1">
+            <a:schemeClr val="lt1"/>
+          </a:fillRef>
+          <a:effectRef idx="0">
+            <a:schemeClr val="accent6"/>
+          </a:effectRef>
+          <a:fontRef idx="minor">
+            <a:schemeClr val="dk1"/>
+          </a:fontRef>
+        </p:style>
+        <p:txBody>
+          <a:bodyPr rtlCol="0" anchor="ctr"/>
+          <a:lstStyle/>
+          <a:p>
+            <a:pPr algn="ctr"/>
+            <a:r>
+              <a:rPr lang="pt-BR" sz="1200" dirty="0" smtClean="0"/>
+              <a:t>Escalar para próximo nível</a:t>
+            </a:r>
+          </a:p>
+        </p:txBody>
+      </p:sp>
+      <p:sp>
+        <p:nvSpPr>
+          <p:cNvPr id="31" name="Fluxograma: Processo 30"/>
+          <p:cNvSpPr/>
+          <p:nvPr/>
+        </p:nvSpPr>
+        <p:spPr>
+          <a:xfrm>
+            <a:off x="2028781" y="4967819"/>
+            <a:ext cx="1140818" cy="636813"/>
+          </a:xfrm>
+          <a:prstGeom prst="flowChartProcess">
+            <a:avLst/>
+          </a:prstGeom>
+          <a:ln>
+            <a:solidFill>
+              <a:schemeClr val="tx1"/>
+            </a:solidFill>
+          </a:ln>
+        </p:spPr>
+        <p:style>
+          <a:lnRef idx="2">
+            <a:schemeClr val="accent6"/>
+          </a:lnRef>
+          <a:fillRef idx="1">
+            <a:schemeClr val="lt1"/>
+          </a:fillRef>
+          <a:effectRef idx="0">
+            <a:schemeClr val="accent6"/>
+          </a:effectRef>
+          <a:fontRef idx="minor">
+            <a:schemeClr val="dk1"/>
+          </a:fontRef>
+        </p:style>
+        <p:txBody>
+          <a:bodyPr rtlCol="0" anchor="ctr"/>
+          <a:lstStyle/>
+          <a:p>
+            <a:pPr algn="ctr"/>
+            <a:r>
+              <a:rPr lang="pt-BR" sz="1200" dirty="0"/>
+              <a:t>Investiga a causa raiz</a:t>
+            </a:r>
+          </a:p>
+        </p:txBody>
+      </p:sp>
+      <p:cxnSp>
+        <p:nvCxnSpPr>
+          <p:cNvPr id="32" name="Conector Angulado 31"/>
+          <p:cNvCxnSpPr>
+            <a:stCxn id="19" idx="2"/>
+            <a:endCxn id="30" idx="0"/>
+          </p:cNvCxnSpPr>
+          <p:nvPr/>
+        </p:nvCxnSpPr>
+        <p:spPr>
+          <a:xfrm rot="5400000">
+            <a:off x="2435755" y="3026349"/>
+            <a:ext cx="679850" cy="3241360"/>
+          </a:xfrm>
+          <a:prstGeom prst="bentConnector3">
+            <a:avLst>
+              <a:gd name="adj1" fmla="val 50000"/>
+            </a:avLst>
+          </a:prstGeom>
+          <a:ln>
+            <a:tailEnd type="triangle"/>
+          </a:ln>
+        </p:spPr>
+        <p:style>
+          <a:lnRef idx="1">
+            <a:schemeClr val="dk1"/>
+          </a:lnRef>
+          <a:fillRef idx="0">
+            <a:schemeClr val="dk1"/>
+          </a:fillRef>
+          <a:effectRef idx="0">
+            <a:schemeClr val="dk1"/>
+          </a:effectRef>
+          <a:fontRef idx="minor">
+            <a:schemeClr val="tx1"/>
+          </a:fontRef>
+        </p:style>
+      </p:cxnSp>
+      <p:cxnSp>
+        <p:nvCxnSpPr>
+          <p:cNvPr id="33" name="Conector de Seta Reta 32"/>
+          <p:cNvCxnSpPr/>
+          <p:nvPr/>
+        </p:nvCxnSpPr>
+        <p:spPr>
+          <a:xfrm>
+            <a:off x="1725409" y="5270575"/>
+            <a:ext cx="307624" cy="0"/>
+          </a:xfrm>
+          <a:prstGeom prst="straightConnector1">
+            <a:avLst/>
+          </a:prstGeom>
+          <a:ln>
+            <a:solidFill>
+              <a:schemeClr val="tx1"/>
+            </a:solidFill>
+            <a:tailEnd type="triangle"/>
+          </a:ln>
+        </p:spPr>
+        <p:style>
+          <a:lnRef idx="1">
+            <a:schemeClr val="accent1"/>
+          </a:lnRef>
+          <a:fillRef idx="0">
+            <a:schemeClr val="accent1"/>
+          </a:fillRef>
+          <a:effectRef idx="0">
+            <a:schemeClr val="accent1"/>
+          </a:effectRef>
+          <a:fontRef idx="minor">
+            <a:schemeClr val="tx1"/>
+          </a:fontRef>
+        </p:style>
+      </p:cxnSp>
+      <p:cxnSp>
+        <p:nvCxnSpPr>
+          <p:cNvPr id="34" name="Conector Angulado 33"/>
+          <p:cNvCxnSpPr>
+            <a:stCxn id="18" idx="2"/>
+            <a:endCxn id="20" idx="0"/>
+          </p:cNvCxnSpPr>
+          <p:nvPr/>
+        </p:nvCxnSpPr>
+        <p:spPr>
+          <a:xfrm rot="5400000">
+            <a:off x="2983454" y="1177520"/>
+            <a:ext cx="618742" cy="4275650"/>
+          </a:xfrm>
+          <a:prstGeom prst="bentConnector3">
+            <a:avLst>
+              <a:gd name="adj1" fmla="val 17672"/>
+            </a:avLst>
+          </a:prstGeom>
+          <a:ln>
+            <a:tailEnd type="triangle"/>
+          </a:ln>
+        </p:spPr>
+        <p:style>
+          <a:lnRef idx="1">
+            <a:schemeClr val="dk1"/>
+          </a:lnRef>
+          <a:fillRef idx="0">
+            <a:schemeClr val="dk1"/>
+          </a:fillRef>
+          <a:effectRef idx="0">
+            <a:schemeClr val="dk1"/>
+          </a:effectRef>
+          <a:fontRef idx="minor">
+            <a:schemeClr val="tx1"/>
+          </a:fontRef>
+        </p:style>
+      </p:cxnSp>
+      <p:sp>
+        <p:nvSpPr>
+          <p:cNvPr id="35" name="Fluxograma: Decisão 34"/>
+          <p:cNvSpPr/>
+          <p:nvPr/>
+        </p:nvSpPr>
+        <p:spPr>
+          <a:xfrm>
+            <a:off x="3437845" y="4934805"/>
+            <a:ext cx="1354982" cy="731115"/>
+          </a:xfrm>
+          <a:prstGeom prst="flowChartDecision">
+            <a:avLst/>
+          </a:prstGeom>
+          <a:ln>
+            <a:solidFill>
+              <a:schemeClr val="tx1"/>
+            </a:solidFill>
+          </a:ln>
+        </p:spPr>
+        <p:style>
+          <a:lnRef idx="2">
+            <a:schemeClr val="accent6"/>
+          </a:lnRef>
+          <a:fillRef idx="1">
+            <a:schemeClr val="lt1"/>
+          </a:fillRef>
+          <a:effectRef idx="0">
+            <a:schemeClr val="accent6"/>
+          </a:effectRef>
+          <a:fontRef idx="minor">
+            <a:schemeClr val="dk1"/>
+          </a:fontRef>
+        </p:style>
+        <p:txBody>
+          <a:bodyPr rtlCol="0" anchor="ctr"/>
+          <a:lstStyle/>
+          <a:p>
+            <a:pPr algn="ctr"/>
+            <a:r>
+              <a:rPr lang="pt-BR" sz="900" dirty="0" smtClean="0"/>
+              <a:t>Problema pode ser resolvido?</a:t>
+            </a:r>
+            <a:endParaRPr lang="pt-BR" sz="900" dirty="0"/>
+          </a:p>
+        </p:txBody>
+      </p:sp>
+      <p:cxnSp>
+        <p:nvCxnSpPr>
+          <p:cNvPr id="36" name="Conector de Seta Reta 35"/>
+          <p:cNvCxnSpPr/>
+          <p:nvPr/>
+        </p:nvCxnSpPr>
+        <p:spPr>
+          <a:xfrm>
+            <a:off x="3149367" y="5300363"/>
+            <a:ext cx="307624" cy="0"/>
+          </a:xfrm>
+          <a:prstGeom prst="straightConnector1">
+            <a:avLst/>
+          </a:prstGeom>
+          <a:ln>
+            <a:solidFill>
+              <a:schemeClr val="tx1"/>
+            </a:solidFill>
+            <a:tailEnd type="triangle"/>
+          </a:ln>
+        </p:spPr>
+        <p:style>
+          <a:lnRef idx="1">
+            <a:schemeClr val="accent1"/>
+          </a:lnRef>
+          <a:fillRef idx="0">
+            <a:schemeClr val="accent1"/>
+          </a:fillRef>
+          <a:effectRef idx="0">
+            <a:schemeClr val="accent1"/>
+          </a:effectRef>
+          <a:fontRef idx="minor">
+            <a:schemeClr val="tx1"/>
+          </a:fontRef>
+        </p:style>
+      </p:cxnSp>
+      <p:sp>
+        <p:nvSpPr>
+          <p:cNvPr id="37" name="Fluxograma: Processo 36"/>
+          <p:cNvSpPr/>
+          <p:nvPr/>
+        </p:nvSpPr>
+        <p:spPr>
+          <a:xfrm>
+            <a:off x="5100451" y="4986954"/>
+            <a:ext cx="1140818" cy="636813"/>
+          </a:xfrm>
+          <a:prstGeom prst="flowChartProcess">
+            <a:avLst/>
+          </a:prstGeom>
+          <a:ln>
+            <a:solidFill>
+              <a:schemeClr val="tx1"/>
+            </a:solidFill>
+          </a:ln>
+        </p:spPr>
+        <p:style>
+          <a:lnRef idx="2">
+            <a:schemeClr val="accent6"/>
+          </a:lnRef>
+          <a:fillRef idx="1">
+            <a:schemeClr val="lt1"/>
+          </a:fillRef>
+          <a:effectRef idx="0">
+            <a:schemeClr val="accent6"/>
+          </a:effectRef>
+          <a:fontRef idx="minor">
+            <a:schemeClr val="dk1"/>
+          </a:fontRef>
+        </p:style>
+        <p:txBody>
+          <a:bodyPr rtlCol="0" anchor="ctr"/>
+          <a:lstStyle/>
+          <a:p>
+            <a:pPr algn="ctr"/>
+            <a:r>
+              <a:rPr lang="pt-BR" sz="1200" dirty="0" smtClean="0"/>
+              <a:t>Resolver</a:t>
+            </a:r>
+            <a:endParaRPr lang="pt-BR" sz="1200" dirty="0"/>
+          </a:p>
+        </p:txBody>
+      </p:sp>
+      <p:sp>
+        <p:nvSpPr>
+          <p:cNvPr id="38" name="CaixaDeTexto 37"/>
+          <p:cNvSpPr txBox="1"/>
+          <p:nvPr/>
+        </p:nvSpPr>
+        <p:spPr>
+          <a:xfrm>
+            <a:off x="4718526" y="5062851"/>
+            <a:ext cx="485765" cy="246221"/>
+          </a:xfrm>
+          <a:prstGeom prst="rect">
+            <a:avLst/>
+          </a:prstGeom>
+          <a:noFill/>
+        </p:spPr>
+        <p:txBody>
+          <a:bodyPr wrap="square" rtlCol="0">
+            <a:spAutoFit/>
+          </a:bodyPr>
+          <a:lstStyle/>
+          <a:p>
+            <a:r>
+              <a:rPr lang="pt-BR" sz="1000" dirty="0" smtClean="0"/>
+              <a:t>sim</a:t>
+            </a:r>
+            <a:endParaRPr lang="pt-BR" sz="1000" dirty="0"/>
+          </a:p>
+        </p:txBody>
+      </p:sp>
+      <p:sp>
+        <p:nvSpPr>
+          <p:cNvPr id="39" name="CaixaDeTexto 38"/>
+          <p:cNvSpPr txBox="1"/>
+          <p:nvPr/>
+        </p:nvSpPr>
+        <p:spPr>
+          <a:xfrm>
+            <a:off x="3614466" y="5601900"/>
+            <a:ext cx="485765" cy="246221"/>
+          </a:xfrm>
+          <a:prstGeom prst="rect">
+            <a:avLst/>
+          </a:prstGeom>
+          <a:noFill/>
+        </p:spPr>
+        <p:txBody>
+          <a:bodyPr wrap="square" rtlCol="0">
+            <a:spAutoFit/>
+          </a:bodyPr>
+          <a:lstStyle/>
+          <a:p>
+            <a:r>
+              <a:rPr lang="pt-BR" sz="1000" dirty="0" smtClean="0"/>
+              <a:t>não</a:t>
+            </a:r>
+            <a:endParaRPr lang="pt-BR" sz="1000" dirty="0"/>
+          </a:p>
+        </p:txBody>
+      </p:sp>
+      <p:cxnSp>
+        <p:nvCxnSpPr>
+          <p:cNvPr id="40" name="Conector de Seta Reta 39"/>
+          <p:cNvCxnSpPr/>
+          <p:nvPr/>
+        </p:nvCxnSpPr>
+        <p:spPr>
+          <a:xfrm>
+            <a:off x="4792827" y="5300362"/>
+            <a:ext cx="307624" cy="0"/>
+          </a:xfrm>
+          <a:prstGeom prst="straightConnector1">
+            <a:avLst/>
+          </a:prstGeom>
+          <a:ln>
+            <a:solidFill>
+              <a:schemeClr val="tx1"/>
+            </a:solidFill>
+            <a:tailEnd type="triangle"/>
+          </a:ln>
+        </p:spPr>
+        <p:style>
+          <a:lnRef idx="1">
+            <a:schemeClr val="accent1"/>
+          </a:lnRef>
+          <a:fillRef idx="0">
+            <a:schemeClr val="accent1"/>
+          </a:fillRef>
+          <a:effectRef idx="0">
+            <a:schemeClr val="accent1"/>
+          </a:effectRef>
+          <a:fontRef idx="minor">
+            <a:schemeClr val="tx1"/>
+          </a:fontRef>
+        </p:style>
+      </p:cxnSp>
+      <p:sp>
+        <p:nvSpPr>
+          <p:cNvPr id="41" name="Fluxograma: Processo 40"/>
+          <p:cNvSpPr/>
+          <p:nvPr/>
+        </p:nvSpPr>
+        <p:spPr>
+          <a:xfrm>
+            <a:off x="584591" y="6221187"/>
+            <a:ext cx="1140818" cy="636813"/>
+          </a:xfrm>
+          <a:prstGeom prst="flowChartProcess">
+            <a:avLst/>
+          </a:prstGeom>
+          <a:ln>
+            <a:solidFill>
+              <a:schemeClr val="tx1"/>
+            </a:solidFill>
+          </a:ln>
+        </p:spPr>
+        <p:style>
+          <a:lnRef idx="2">
+            <a:schemeClr val="accent6"/>
+          </a:lnRef>
+          <a:fillRef idx="1">
+            <a:schemeClr val="lt1"/>
+          </a:fillRef>
+          <a:effectRef idx="0">
+            <a:schemeClr val="accent6"/>
+          </a:effectRef>
+          <a:fontRef idx="minor">
+            <a:schemeClr val="dk1"/>
+          </a:fontRef>
+        </p:style>
+        <p:txBody>
+          <a:bodyPr rtlCol="0" anchor="ctr"/>
+          <a:lstStyle/>
+          <a:p>
+            <a:pPr algn="ctr"/>
+            <a:r>
+              <a:rPr lang="pt-BR" sz="1200" dirty="0" smtClean="0"/>
+              <a:t>Escalar para próximo nível</a:t>
+            </a:r>
+          </a:p>
+        </p:txBody>
+      </p:sp>
+      <p:sp>
+        <p:nvSpPr>
+          <p:cNvPr id="42" name="Fluxograma: Processo 41"/>
+          <p:cNvSpPr/>
+          <p:nvPr/>
+        </p:nvSpPr>
+        <p:spPr>
+          <a:xfrm>
+            <a:off x="2028781" y="6202052"/>
+            <a:ext cx="1140818" cy="636813"/>
+          </a:xfrm>
+          <a:prstGeom prst="flowChartProcess">
+            <a:avLst/>
+          </a:prstGeom>
+          <a:ln>
+            <a:solidFill>
+              <a:schemeClr val="tx1"/>
+            </a:solidFill>
+          </a:ln>
+        </p:spPr>
+        <p:style>
+          <a:lnRef idx="2">
+            <a:schemeClr val="accent6"/>
+          </a:lnRef>
+          <a:fillRef idx="1">
+            <a:schemeClr val="lt1"/>
+          </a:fillRef>
+          <a:effectRef idx="0">
+            <a:schemeClr val="accent6"/>
+          </a:effectRef>
+          <a:fontRef idx="minor">
+            <a:schemeClr val="dk1"/>
+          </a:fontRef>
+        </p:style>
+        <p:txBody>
+          <a:bodyPr rtlCol="0" anchor="ctr"/>
+          <a:lstStyle/>
+          <a:p>
+            <a:pPr algn="ctr"/>
+            <a:r>
+              <a:rPr lang="pt-BR" sz="1200" dirty="0"/>
+              <a:t>Investiga a causa raiz</a:t>
+            </a:r>
+          </a:p>
+        </p:txBody>
+      </p:sp>
+      <p:cxnSp>
+        <p:nvCxnSpPr>
+          <p:cNvPr id="43" name="Conector de Seta Reta 42"/>
+          <p:cNvCxnSpPr/>
+          <p:nvPr/>
+        </p:nvCxnSpPr>
+        <p:spPr>
+          <a:xfrm>
+            <a:off x="1725409" y="6504808"/>
+            <a:ext cx="307624" cy="0"/>
+          </a:xfrm>
+          <a:prstGeom prst="straightConnector1">
+            <a:avLst/>
+          </a:prstGeom>
+          <a:ln>
+            <a:solidFill>
+              <a:schemeClr val="tx1"/>
+            </a:solidFill>
+            <a:tailEnd type="triangle"/>
+          </a:ln>
+        </p:spPr>
+        <p:style>
+          <a:lnRef idx="1">
+            <a:schemeClr val="accent1"/>
+          </a:lnRef>
+          <a:fillRef idx="0">
+            <a:schemeClr val="accent1"/>
+          </a:fillRef>
+          <a:effectRef idx="0">
+            <a:schemeClr val="accent1"/>
+          </a:effectRef>
+          <a:fontRef idx="minor">
+            <a:schemeClr val="tx1"/>
+          </a:fontRef>
+        </p:style>
+      </p:cxnSp>
+      <p:sp>
+        <p:nvSpPr>
+          <p:cNvPr id="44" name="Fluxograma: Processo 43"/>
+          <p:cNvSpPr/>
+          <p:nvPr/>
+        </p:nvSpPr>
+        <p:spPr>
+          <a:xfrm>
+            <a:off x="3477223" y="6196477"/>
+            <a:ext cx="1140818" cy="636813"/>
+          </a:xfrm>
+          <a:prstGeom prst="flowChartProcess">
+            <a:avLst/>
+          </a:prstGeom>
+          <a:ln>
+            <a:solidFill>
+              <a:schemeClr val="tx1"/>
+            </a:solidFill>
+          </a:ln>
+        </p:spPr>
+        <p:style>
+          <a:lnRef idx="2">
+            <a:schemeClr val="accent6"/>
+          </a:lnRef>
+          <a:fillRef idx="1">
+            <a:schemeClr val="lt1"/>
+          </a:fillRef>
+          <a:effectRef idx="0">
+            <a:schemeClr val="accent6"/>
+          </a:effectRef>
+          <a:fontRef idx="minor">
+            <a:schemeClr val="dk1"/>
+          </a:fontRef>
+        </p:style>
+        <p:txBody>
+          <a:bodyPr rtlCol="0" anchor="ctr"/>
+          <a:lstStyle/>
+          <a:p>
+            <a:pPr algn="ctr"/>
+            <a:r>
+              <a:rPr lang="pt-BR" sz="1200" dirty="0" smtClean="0"/>
+              <a:t>Resolver</a:t>
+            </a:r>
+            <a:endParaRPr lang="pt-BR" sz="1200" dirty="0"/>
+          </a:p>
+        </p:txBody>
+      </p:sp>
+      <p:cxnSp>
+        <p:nvCxnSpPr>
+          <p:cNvPr id="45" name="Conector de Seta Reta 44"/>
+          <p:cNvCxnSpPr/>
+          <p:nvPr/>
+        </p:nvCxnSpPr>
+        <p:spPr>
+          <a:xfrm>
+            <a:off x="3169599" y="6487200"/>
+            <a:ext cx="307624" cy="0"/>
+          </a:xfrm>
+          <a:prstGeom prst="straightConnector1">
+            <a:avLst/>
+          </a:prstGeom>
+          <a:ln>
+            <a:solidFill>
+              <a:schemeClr val="tx1"/>
+            </a:solidFill>
+            <a:tailEnd type="triangle"/>
+          </a:ln>
+        </p:spPr>
+        <p:style>
+          <a:lnRef idx="1">
+            <a:schemeClr val="accent1"/>
+          </a:lnRef>
+          <a:fillRef idx="0">
+            <a:schemeClr val="accent1"/>
+          </a:fillRef>
+          <a:effectRef idx="0">
+            <a:schemeClr val="accent1"/>
+          </a:effectRef>
+          <a:fontRef idx="minor">
+            <a:schemeClr val="tx1"/>
+          </a:fontRef>
+        </p:style>
+      </p:cxnSp>
+      <p:cxnSp>
+        <p:nvCxnSpPr>
+          <p:cNvPr id="46" name="Conector Angulado 45"/>
+          <p:cNvCxnSpPr>
+            <a:stCxn id="35" idx="2"/>
+            <a:endCxn id="41" idx="0"/>
+          </p:cNvCxnSpPr>
+          <p:nvPr/>
+        </p:nvCxnSpPr>
+        <p:spPr>
+          <a:xfrm rot="5400000">
+            <a:off x="2357535" y="4463385"/>
+            <a:ext cx="555267" cy="2960336"/>
+          </a:xfrm>
+          <a:prstGeom prst="bentConnector3">
+            <a:avLst/>
+          </a:prstGeom>
+          <a:ln>
+            <a:tailEnd type="triangle"/>
+          </a:ln>
+        </p:spPr>
+        <p:style>
+          <a:lnRef idx="1">
+            <a:schemeClr val="dk1"/>
+          </a:lnRef>
+          <a:fillRef idx="0">
+            <a:schemeClr val="dk1"/>
+          </a:fillRef>
+          <a:effectRef idx="0">
+            <a:schemeClr val="dk1"/>
+          </a:effectRef>
+          <a:fontRef idx="minor">
+            <a:schemeClr val="tx1"/>
+          </a:fontRef>
+        </p:style>
+      </p:cxnSp>
+      <p:sp>
+        <p:nvSpPr>
+          <p:cNvPr id="47" name="Fluxograma: Processo Predefinido 46"/>
+          <p:cNvSpPr/>
+          <p:nvPr/>
+        </p:nvSpPr>
+        <p:spPr>
+          <a:xfrm>
+            <a:off x="7292533" y="2378446"/>
+            <a:ext cx="1409394" cy="635334"/>
+          </a:xfrm>
+          <a:prstGeom prst="flowChartPredefinedProcess">
+            <a:avLst/>
+          </a:prstGeom>
+          <a:ln>
+            <a:solidFill>
+              <a:schemeClr val="tx1"/>
+            </a:solidFill>
+          </a:ln>
+        </p:spPr>
+        <p:style>
+          <a:lnRef idx="2">
+            <a:schemeClr val="accent6"/>
+          </a:lnRef>
+          <a:fillRef idx="1">
+            <a:schemeClr val="lt1"/>
+          </a:fillRef>
+          <a:effectRef idx="0">
+            <a:schemeClr val="accent6"/>
+          </a:effectRef>
+          <a:fontRef idx="minor">
+            <a:schemeClr val="dk1"/>
+          </a:fontRef>
+        </p:style>
+        <p:txBody>
+          <a:bodyPr rtlCol="0" anchor="ctr"/>
+          <a:lstStyle/>
+          <a:p>
+            <a:pPr algn="ctr"/>
+            <a:r>
+              <a:rPr lang="pt-BR" sz="1050" dirty="0" smtClean="0"/>
+              <a:t>Atualizar base de conhecimento</a:t>
+            </a:r>
+            <a:endParaRPr lang="pt-BR" sz="1050" dirty="0"/>
+          </a:p>
+        </p:txBody>
+      </p:sp>
+      <p:sp>
+        <p:nvSpPr>
+          <p:cNvPr id="48" name="Fluxograma: Processo 47"/>
+          <p:cNvSpPr/>
+          <p:nvPr/>
+        </p:nvSpPr>
+        <p:spPr>
+          <a:xfrm>
+            <a:off x="9272754" y="2378272"/>
+            <a:ext cx="1140818" cy="636813"/>
+          </a:xfrm>
+          <a:prstGeom prst="flowChartProcess">
+            <a:avLst/>
+          </a:prstGeom>
+          <a:ln>
+            <a:solidFill>
+              <a:schemeClr val="tx1"/>
+            </a:solidFill>
+          </a:ln>
+        </p:spPr>
+        <p:style>
+          <a:lnRef idx="2">
+            <a:schemeClr val="accent6"/>
+          </a:lnRef>
+          <a:fillRef idx="1">
+            <a:schemeClr val="lt1"/>
+          </a:fillRef>
+          <a:effectRef idx="0">
+            <a:schemeClr val="accent6"/>
+          </a:effectRef>
+          <a:fontRef idx="minor">
+            <a:schemeClr val="dk1"/>
+          </a:fontRef>
+        </p:style>
+        <p:txBody>
+          <a:bodyPr rtlCol="0" anchor="ctr"/>
+          <a:lstStyle/>
+          <a:p>
+            <a:pPr algn="ctr"/>
+            <a:r>
+              <a:rPr lang="pt-BR" sz="1200" dirty="0"/>
+              <a:t>Problema</a:t>
+            </a:r>
+            <a:r>
+              <a:rPr lang="pt-BR" sz="1200" dirty="0" smtClean="0"/>
+              <a:t> é fechado</a:t>
+            </a:r>
+            <a:endParaRPr lang="pt-BR" sz="1200" dirty="0"/>
+          </a:p>
+        </p:txBody>
+      </p:sp>
+      <p:cxnSp>
+        <p:nvCxnSpPr>
+          <p:cNvPr id="49" name="Conector Angulado 48"/>
+          <p:cNvCxnSpPr>
+            <a:stCxn id="24" idx="3"/>
+            <a:endCxn id="47" idx="1"/>
+          </p:cNvCxnSpPr>
+          <p:nvPr/>
+        </p:nvCxnSpPr>
+        <p:spPr>
+          <a:xfrm flipV="1">
+            <a:off x="6750062" y="2696113"/>
+            <a:ext cx="542471" cy="1250264"/>
+          </a:xfrm>
+          <a:prstGeom prst="bentConnector3">
+            <a:avLst>
+              <a:gd name="adj1" fmla="val 50000"/>
+            </a:avLst>
+          </a:prstGeom>
+          <a:ln>
+            <a:solidFill>
+              <a:schemeClr val="tx1"/>
+            </a:solidFill>
+            <a:tailEnd type="triangle"/>
+          </a:ln>
+        </p:spPr>
+        <p:style>
+          <a:lnRef idx="1">
+            <a:schemeClr val="accent1"/>
+          </a:lnRef>
+          <a:fillRef idx="0">
+            <a:schemeClr val="accent1"/>
+          </a:fillRef>
+          <a:effectRef idx="0">
+            <a:schemeClr val="accent1"/>
+          </a:effectRef>
+          <a:fontRef idx="minor">
+            <a:schemeClr val="tx1"/>
+          </a:fontRef>
+        </p:style>
+      </p:cxnSp>
+      <p:cxnSp>
+        <p:nvCxnSpPr>
+          <p:cNvPr id="50" name="Conector Angulado 49"/>
+          <p:cNvCxnSpPr>
+            <a:stCxn id="37" idx="3"/>
+          </p:cNvCxnSpPr>
+          <p:nvPr/>
+        </p:nvCxnSpPr>
+        <p:spPr>
+          <a:xfrm flipV="1">
+            <a:off x="6241269" y="3013780"/>
+            <a:ext cx="1319840" cy="2291581"/>
+          </a:xfrm>
+          <a:prstGeom prst="bentConnector2">
+            <a:avLst/>
+          </a:prstGeom>
+          <a:ln>
+            <a:tailEnd type="triangle"/>
+          </a:ln>
+        </p:spPr>
+        <p:style>
+          <a:lnRef idx="1">
+            <a:schemeClr val="dk1"/>
+          </a:lnRef>
+          <a:fillRef idx="0">
+            <a:schemeClr val="dk1"/>
+          </a:fillRef>
+          <a:effectRef idx="0">
+            <a:schemeClr val="dk1"/>
+          </a:effectRef>
+          <a:fontRef idx="minor">
+            <a:schemeClr val="tx1"/>
+          </a:fontRef>
+        </p:style>
+      </p:cxnSp>
+      <p:cxnSp>
+        <p:nvCxnSpPr>
+          <p:cNvPr id="51" name="Conector Angulado 50"/>
+          <p:cNvCxnSpPr/>
+          <p:nvPr/>
+        </p:nvCxnSpPr>
+        <p:spPr>
+          <a:xfrm flipV="1">
+            <a:off x="4618041" y="3009587"/>
+            <a:ext cx="3693773" cy="3510952"/>
+          </a:xfrm>
+          <a:prstGeom prst="bentConnector3">
+            <a:avLst>
+              <a:gd name="adj1" fmla="val 100026"/>
+            </a:avLst>
+          </a:prstGeom>
+          <a:ln>
+            <a:tailEnd type="triangle"/>
+          </a:ln>
+        </p:spPr>
+        <p:style>
+          <a:lnRef idx="1">
+            <a:schemeClr val="dk1"/>
+          </a:lnRef>
+          <a:fillRef idx="0">
+            <a:schemeClr val="dk1"/>
+          </a:fillRef>
+          <a:effectRef idx="0">
+            <a:schemeClr val="dk1"/>
+          </a:effectRef>
+          <a:fontRef idx="minor">
+            <a:schemeClr val="tx1"/>
+          </a:fontRef>
+        </p:style>
+      </p:cxnSp>
+      <p:cxnSp>
+        <p:nvCxnSpPr>
+          <p:cNvPr id="52" name="Conector de Seta Reta 51"/>
+          <p:cNvCxnSpPr/>
+          <p:nvPr/>
+        </p:nvCxnSpPr>
+        <p:spPr>
+          <a:xfrm>
+            <a:off x="8701927" y="2691919"/>
+            <a:ext cx="570827" cy="4760"/>
+          </a:xfrm>
+          <a:prstGeom prst="straightConnector1">
+            <a:avLst/>
+          </a:prstGeom>
+          <a:ln>
+            <a:tailEnd type="triangle"/>
+          </a:ln>
+        </p:spPr>
+        <p:style>
+          <a:lnRef idx="1">
+            <a:schemeClr val="dk1"/>
+          </a:lnRef>
+          <a:fillRef idx="0">
+            <a:schemeClr val="dk1"/>
+          </a:fillRef>
+          <a:effectRef idx="0">
+            <a:schemeClr val="dk1"/>
+          </a:effectRef>
+          <a:fontRef idx="minor">
+            <a:schemeClr val="tx1"/>
+          </a:fontRef>
+        </p:style>
+      </p:cxnSp>
+      <p:cxnSp>
+        <p:nvCxnSpPr>
+          <p:cNvPr id="53" name="Conector Angulado 52"/>
+          <p:cNvCxnSpPr>
+            <a:stCxn id="48" idx="0"/>
+            <a:endCxn id="10" idx="6"/>
+          </p:cNvCxnSpPr>
+          <p:nvPr/>
+        </p:nvCxnSpPr>
+        <p:spPr>
+          <a:xfrm rot="16200000" flipV="1">
+            <a:off x="9106423" y="1641531"/>
+            <a:ext cx="903072" cy="570409"/>
+          </a:xfrm>
+          <a:prstGeom prst="bentConnector2">
+            <a:avLst/>
+          </a:prstGeom>
+          <a:ln>
+            <a:tailEnd type="triangle"/>
+          </a:ln>
+        </p:spPr>
+        <p:style>
+          <a:lnRef idx="1">
+            <a:schemeClr val="dk1"/>
+          </a:lnRef>
+          <a:fillRef idx="0">
+            <a:schemeClr val="dk1"/>
+          </a:fillRef>
+          <a:effectRef idx="0">
+            <a:schemeClr val="dk1"/>
+          </a:effectRef>
+          <a:fontRef idx="minor">
+            <a:schemeClr val="tx1"/>
+          </a:fontRef>
+        </p:style>
+      </p:cxnSp>
+      <p:sp>
+        <p:nvSpPr>
+          <p:cNvPr id="55" name="Fluxograma: Processo 54"/>
+          <p:cNvSpPr/>
+          <p:nvPr/>
+        </p:nvSpPr>
+        <p:spPr>
+          <a:xfrm>
+            <a:off x="2140202" y="3620072"/>
+            <a:ext cx="1140818" cy="636813"/>
+          </a:xfrm>
+          <a:prstGeom prst="flowChartProcess">
+            <a:avLst/>
+          </a:prstGeom>
+          <a:ln>
+            <a:solidFill>
+              <a:schemeClr val="tx1"/>
+            </a:solidFill>
+          </a:ln>
+        </p:spPr>
+        <p:style>
+          <a:lnRef idx="2">
+            <a:schemeClr val="accent6"/>
+          </a:lnRef>
+          <a:fillRef idx="1">
+            <a:schemeClr val="lt1"/>
+          </a:fillRef>
+          <a:effectRef idx="0">
+            <a:schemeClr val="accent6"/>
+          </a:effectRef>
+          <a:fontRef idx="minor">
+            <a:schemeClr val="dk1"/>
+          </a:fontRef>
+        </p:style>
+        <p:txBody>
+          <a:bodyPr rtlCol="0" anchor="ctr"/>
+          <a:lstStyle/>
+          <a:p>
+            <a:pPr algn="ctr"/>
+            <a:r>
+              <a:rPr lang="pt-BR" sz="1200" dirty="0"/>
+              <a:t>Investiga a causa raiz</a:t>
+            </a:r>
+          </a:p>
+        </p:txBody>
+      </p:sp>
+      <p:cxnSp>
+        <p:nvCxnSpPr>
+          <p:cNvPr id="56" name="Conector de Seta Reta 55"/>
+          <p:cNvCxnSpPr>
+            <a:stCxn id="19" idx="3"/>
+            <a:endCxn id="24" idx="1"/>
+          </p:cNvCxnSpPr>
+          <p:nvPr/>
+        </p:nvCxnSpPr>
+        <p:spPr>
+          <a:xfrm>
+            <a:off x="5171295" y="3941547"/>
+            <a:ext cx="437949" cy="4830"/>
+          </a:xfrm>
+          <a:prstGeom prst="straightConnector1">
+            <a:avLst/>
+          </a:prstGeom>
+          <a:ln>
+            <a:solidFill>
+              <a:schemeClr val="tx1"/>
+            </a:solidFill>
+            <a:tailEnd type="triangle"/>
+          </a:ln>
+        </p:spPr>
+        <p:style>
+          <a:lnRef idx="1">
+            <a:schemeClr val="accent1"/>
+          </a:lnRef>
+          <a:fillRef idx="0">
+            <a:schemeClr val="accent1"/>
+          </a:fillRef>
+          <a:effectRef idx="0">
+            <a:schemeClr val="accent1"/>
+          </a:effectRef>
+          <a:fontRef idx="minor">
+            <a:schemeClr val="tx1"/>
+          </a:fontRef>
+        </p:style>
+      </p:cxnSp>
+      <p:sp>
+        <p:nvSpPr>
+          <p:cNvPr id="57" name="Fluxograma: Processo Predefinido 56"/>
+          <p:cNvSpPr/>
+          <p:nvPr/>
+        </p:nvSpPr>
+        <p:spPr>
+          <a:xfrm>
+            <a:off x="1628184" y="1211394"/>
+            <a:ext cx="1405148" cy="660683"/>
+          </a:xfrm>
+          <a:prstGeom prst="flowChartPredefinedProcess">
+            <a:avLst/>
+          </a:prstGeom>
+          <a:ln>
+            <a:solidFill>
+              <a:schemeClr val="tx1"/>
+            </a:solidFill>
+          </a:ln>
+        </p:spPr>
+        <p:style>
+          <a:lnRef idx="2">
+            <a:schemeClr val="accent6"/>
+          </a:lnRef>
+          <a:fillRef idx="1">
+            <a:schemeClr val="lt1"/>
+          </a:fillRef>
+          <a:effectRef idx="0">
+            <a:schemeClr val="accent6"/>
+          </a:effectRef>
+          <a:fontRef idx="minor">
+            <a:schemeClr val="dk1"/>
+          </a:fontRef>
+        </p:style>
+        <p:txBody>
+          <a:bodyPr rtlCol="0" anchor="ctr"/>
+          <a:lstStyle/>
+          <a:p>
+            <a:pPr algn="ctr"/>
+            <a:r>
+              <a:rPr lang="pt-BR" sz="1050" dirty="0" smtClean="0"/>
+              <a:t>Tratativa da gestão de incidentes</a:t>
+            </a:r>
+            <a:endParaRPr lang="pt-BR" sz="1050" dirty="0"/>
+          </a:p>
+        </p:txBody>
+      </p:sp>
+      <p:cxnSp>
+        <p:nvCxnSpPr>
+          <p:cNvPr id="58" name="Conector de Seta Reta 57"/>
+          <p:cNvCxnSpPr>
+            <a:stCxn id="57" idx="3"/>
+            <a:endCxn id="12" idx="1"/>
+          </p:cNvCxnSpPr>
+          <p:nvPr/>
+        </p:nvCxnSpPr>
+        <p:spPr>
+          <a:xfrm flipV="1">
+            <a:off x="3033332" y="1538233"/>
+            <a:ext cx="304765" cy="3503"/>
+          </a:xfrm>
+          <a:prstGeom prst="straightConnector1">
+            <a:avLst/>
+          </a:prstGeom>
+          <a:ln>
+            <a:tailEnd type="triangle"/>
+          </a:ln>
+        </p:spPr>
+        <p:style>
+          <a:lnRef idx="1">
+            <a:schemeClr val="dk1"/>
+          </a:lnRef>
+          <a:fillRef idx="0">
+            <a:schemeClr val="dk1"/>
+          </a:fillRef>
+          <a:effectRef idx="0">
+            <a:schemeClr val="dk1"/>
+          </a:effectRef>
+          <a:fontRef idx="minor">
+            <a:schemeClr val="tx1"/>
+          </a:fontRef>
+        </p:style>
+      </p:cxnSp>
+      <p:cxnSp>
+        <p:nvCxnSpPr>
+          <p:cNvPr id="59" name="Conector de Seta Reta 58"/>
+          <p:cNvCxnSpPr>
+            <a:stCxn id="55" idx="3"/>
+            <a:endCxn id="19" idx="1"/>
+          </p:cNvCxnSpPr>
+          <p:nvPr/>
+        </p:nvCxnSpPr>
+        <p:spPr>
+          <a:xfrm>
+            <a:off x="3281020" y="3938479"/>
+            <a:ext cx="340405" cy="3068"/>
+          </a:xfrm>
+          <a:prstGeom prst="straightConnector1">
+            <a:avLst/>
+          </a:prstGeom>
+          <a:ln>
+            <a:solidFill>
+              <a:schemeClr val="tx1"/>
+            </a:solidFill>
+            <a:tailEnd type="triangle"/>
+          </a:ln>
+        </p:spPr>
+        <p:style>
+          <a:lnRef idx="1">
+            <a:schemeClr val="accent1"/>
+          </a:lnRef>
+          <a:fillRef idx="0">
+            <a:schemeClr val="accent1"/>
+          </a:fillRef>
+          <a:effectRef idx="0">
+            <a:schemeClr val="accent1"/>
+          </a:effectRef>
+          <a:fontRef idx="minor">
+            <a:schemeClr val="tx1"/>
+          </a:fontRef>
+        </p:style>
+      </p:cxnSp>
+      <p:sp>
+        <p:nvSpPr>
+          <p:cNvPr id="60" name="Seta: Pentágono 2">
             <a:extLst>
               <a:ext uri="{FF2B5EF4-FFF2-40B4-BE49-F238E27FC236}">
                 <a16:creationId xmlns:a16="http://schemas.microsoft.com/office/drawing/2014/main" id="{305FC1E8-F2E8-42C2-B81F-097C0FA4A259}"/>
@@ -14346,8 +17194,8 @@
         </p:nvSpPr>
         <p:spPr>
           <a:xfrm>
-            <a:off x="-1" y="555340"/>
-            <a:ext cx="6785811" cy="968660"/>
+            <a:off x="0" y="107790"/>
+            <a:ext cx="7700656" cy="612894"/>
           </a:xfrm>
           <a:prstGeom prst="homePlate">
             <a:avLst/>
@@ -14380,41 +17228,18 @@
           <a:lstStyle/>
           <a:p>
             <a:r>
-              <a:rPr lang="pt-BR" sz="4400" dirty="0" smtClean="0">
+              <a:rPr lang="pt-BR" sz="4000" dirty="0" smtClean="0">
                 <a:latin typeface="+mj-lt"/>
               </a:rPr>
-              <a:t>Manual de instalação</a:t>
-            </a:r>
-          </a:p>
-        </p:txBody>
-      </p:sp>
-      <p:pic>
-        <p:nvPicPr>
-          <p:cNvPr id="3" name="Imagem 2"/>
-          <p:cNvPicPr>
-            <a:picLocks noChangeAspect="1"/>
-          </p:cNvPicPr>
-          <p:nvPr/>
-        </p:nvPicPr>
-        <p:blipFill rotWithShape="1">
-          <a:blip r:embed="rId2"/>
-          <a:srcRect l="26327" t="19935" r="27190" b="10237"/>
-          <a:stretch/>
-        </p:blipFill>
-        <p:spPr>
-          <a:xfrm>
-            <a:off x="1801969" y="1524000"/>
-            <a:ext cx="6047873" cy="5108027"/>
-          </a:xfrm>
-          <a:prstGeom prst="rect">
-            <a:avLst/>
-          </a:prstGeom>
-        </p:spPr>
-      </p:pic>
+              <a:t>Processo para tratar problemas</a:t>
+            </a:r>
+          </a:p>
+        </p:txBody>
+      </p:sp>
     </p:spTree>
     <p:extLst>
       <p:ext uri="{BB962C8B-B14F-4D97-AF65-F5344CB8AC3E}">
-        <p14:creationId xmlns:p14="http://schemas.microsoft.com/office/powerpoint/2010/main" val="963247618"/>
+        <p14:creationId xmlns:p14="http://schemas.microsoft.com/office/powerpoint/2010/main" val="2404350173"/>
       </p:ext>
     </p:extLst>
   </p:cSld>
@@ -14450,2512 +17275,6 @@
       </p:grpSpPr>
       <p:sp>
         <p:nvSpPr>
-          <p:cNvPr id="61" name="Retângulo 60"/>
-          <p:cNvSpPr/>
-          <p:nvPr/>
-        </p:nvSpPr>
-        <p:spPr>
-          <a:xfrm>
-            <a:off x="486068" y="6025487"/>
-            <a:ext cx="10489475" cy="1086601"/>
-          </a:xfrm>
-          <a:prstGeom prst="rect">
-            <a:avLst/>
-          </a:prstGeom>
-          <a:ln>
-            <a:solidFill>
-              <a:schemeClr val="tx1"/>
-            </a:solidFill>
-          </a:ln>
-        </p:spPr>
-        <p:style>
-          <a:lnRef idx="2">
-            <a:schemeClr val="accent6"/>
-          </a:lnRef>
-          <a:fillRef idx="1">
-            <a:schemeClr val="lt1"/>
-          </a:fillRef>
-          <a:effectRef idx="0">
-            <a:schemeClr val="accent6"/>
-          </a:effectRef>
-          <a:fontRef idx="minor">
-            <a:schemeClr val="dk1"/>
-          </a:fontRef>
-        </p:style>
-        <p:txBody>
-          <a:bodyPr rtlCol="0" anchor="ctr"/>
-          <a:lstStyle/>
-          <a:p>
-            <a:pPr algn="ctr"/>
-            <a:endParaRPr lang="pt-BR" dirty="0"/>
-          </a:p>
-        </p:txBody>
-      </p:sp>
-      <p:sp>
-        <p:nvSpPr>
-          <p:cNvPr id="2" name="Retângulo 1"/>
-          <p:cNvSpPr/>
-          <p:nvPr/>
-        </p:nvSpPr>
-        <p:spPr>
-          <a:xfrm>
-            <a:off x="486075" y="758975"/>
-            <a:ext cx="10489475" cy="391886"/>
-          </a:xfrm>
-          <a:prstGeom prst="rect">
-            <a:avLst/>
-          </a:prstGeom>
-          <a:ln>
-            <a:solidFill>
-              <a:schemeClr val="tx1"/>
-            </a:solidFill>
-          </a:ln>
-        </p:spPr>
-        <p:style>
-          <a:lnRef idx="2">
-            <a:schemeClr val="accent6"/>
-          </a:lnRef>
-          <a:fillRef idx="1">
-            <a:schemeClr val="lt1"/>
-          </a:fillRef>
-          <a:effectRef idx="0">
-            <a:schemeClr val="accent6"/>
-          </a:effectRef>
-          <a:fontRef idx="minor">
-            <a:schemeClr val="dk1"/>
-          </a:fontRef>
-        </p:style>
-        <p:txBody>
-          <a:bodyPr rtlCol="0" anchor="ctr"/>
-          <a:lstStyle/>
-          <a:p>
-            <a:pPr algn="ctr"/>
-            <a:r>
-              <a:rPr lang="pt-BR" dirty="0" smtClean="0"/>
-              <a:t>Equipe de gestão de problemas</a:t>
-            </a:r>
-          </a:p>
-        </p:txBody>
-      </p:sp>
-      <p:sp>
-        <p:nvSpPr>
-          <p:cNvPr id="3" name="Retângulo 2"/>
-          <p:cNvSpPr/>
-          <p:nvPr/>
-        </p:nvSpPr>
-        <p:spPr>
-          <a:xfrm>
-            <a:off x="486075" y="1150861"/>
-            <a:ext cx="10489475" cy="824592"/>
-          </a:xfrm>
-          <a:prstGeom prst="rect">
-            <a:avLst/>
-          </a:prstGeom>
-          <a:ln>
-            <a:solidFill>
-              <a:schemeClr val="tx1"/>
-            </a:solidFill>
-          </a:ln>
-        </p:spPr>
-        <p:style>
-          <a:lnRef idx="2">
-            <a:schemeClr val="accent6"/>
-          </a:lnRef>
-          <a:fillRef idx="1">
-            <a:schemeClr val="lt1"/>
-          </a:fillRef>
-          <a:effectRef idx="0">
-            <a:schemeClr val="accent6"/>
-          </a:effectRef>
-          <a:fontRef idx="minor">
-            <a:schemeClr val="dk1"/>
-          </a:fontRef>
-        </p:style>
-        <p:txBody>
-          <a:bodyPr rtlCol="0" anchor="ctr"/>
-          <a:lstStyle/>
-          <a:p>
-            <a:pPr algn="ctr"/>
-            <a:endParaRPr lang="pt-BR"/>
-          </a:p>
-        </p:txBody>
-      </p:sp>
-      <p:sp>
-        <p:nvSpPr>
-          <p:cNvPr id="4" name="Retângulo 3"/>
-          <p:cNvSpPr/>
-          <p:nvPr/>
-        </p:nvSpPr>
-        <p:spPr>
-          <a:xfrm>
-            <a:off x="486075" y="1975453"/>
-            <a:ext cx="10489475" cy="1209660"/>
-          </a:xfrm>
-          <a:prstGeom prst="rect">
-            <a:avLst/>
-          </a:prstGeom>
-          <a:ln>
-            <a:solidFill>
-              <a:schemeClr val="tx1"/>
-            </a:solidFill>
-          </a:ln>
-        </p:spPr>
-        <p:style>
-          <a:lnRef idx="2">
-            <a:schemeClr val="accent6"/>
-          </a:lnRef>
-          <a:fillRef idx="1">
-            <a:schemeClr val="lt1"/>
-          </a:fillRef>
-          <a:effectRef idx="0">
-            <a:schemeClr val="accent6"/>
-          </a:effectRef>
-          <a:fontRef idx="minor">
-            <a:schemeClr val="dk1"/>
-          </a:fontRef>
-        </p:style>
-        <p:txBody>
-          <a:bodyPr rtlCol="0" anchor="ctr"/>
-          <a:lstStyle/>
-          <a:p>
-            <a:pPr algn="ctr"/>
-            <a:endParaRPr lang="pt-BR" dirty="0"/>
-          </a:p>
-        </p:txBody>
-      </p:sp>
-      <p:sp>
-        <p:nvSpPr>
-          <p:cNvPr id="5" name="Retângulo 4"/>
-          <p:cNvSpPr/>
-          <p:nvPr/>
-        </p:nvSpPr>
-        <p:spPr>
-          <a:xfrm>
-            <a:off x="486068" y="3403077"/>
-            <a:ext cx="10489475" cy="1086601"/>
-          </a:xfrm>
-          <a:prstGeom prst="rect">
-            <a:avLst/>
-          </a:prstGeom>
-          <a:ln>
-            <a:solidFill>
-              <a:schemeClr val="tx1"/>
-            </a:solidFill>
-          </a:ln>
-        </p:spPr>
-        <p:style>
-          <a:lnRef idx="2">
-            <a:schemeClr val="accent6"/>
-          </a:lnRef>
-          <a:fillRef idx="1">
-            <a:schemeClr val="lt1"/>
-          </a:fillRef>
-          <a:effectRef idx="0">
-            <a:schemeClr val="accent6"/>
-          </a:effectRef>
-          <a:fontRef idx="minor">
-            <a:schemeClr val="dk1"/>
-          </a:fontRef>
-        </p:style>
-        <p:txBody>
-          <a:bodyPr rtlCol="0" anchor="ctr"/>
-          <a:lstStyle/>
-          <a:p>
-            <a:pPr algn="ctr"/>
-            <a:endParaRPr lang="pt-BR" dirty="0"/>
-          </a:p>
-        </p:txBody>
-      </p:sp>
-      <p:sp>
-        <p:nvSpPr>
-          <p:cNvPr id="6" name="Retângulo 5"/>
-          <p:cNvSpPr/>
-          <p:nvPr/>
-        </p:nvSpPr>
-        <p:spPr>
-          <a:xfrm>
-            <a:off x="486073" y="3185114"/>
-            <a:ext cx="10489475" cy="228600"/>
-          </a:xfrm>
-          <a:prstGeom prst="rect">
-            <a:avLst/>
-          </a:prstGeom>
-          <a:ln>
-            <a:solidFill>
-              <a:schemeClr val="tx1"/>
-            </a:solidFill>
-          </a:ln>
-        </p:spPr>
-        <p:style>
-          <a:lnRef idx="2">
-            <a:schemeClr val="accent6"/>
-          </a:lnRef>
-          <a:fillRef idx="1">
-            <a:schemeClr val="lt1"/>
-          </a:fillRef>
-          <a:effectRef idx="0">
-            <a:schemeClr val="accent6"/>
-          </a:effectRef>
-          <a:fontRef idx="minor">
-            <a:schemeClr val="dk1"/>
-          </a:fontRef>
-        </p:style>
-        <p:txBody>
-          <a:bodyPr rtlCol="0" anchor="ctr"/>
-          <a:lstStyle/>
-          <a:p>
-            <a:pPr algn="ctr"/>
-            <a:r>
-              <a:rPr lang="pt-BR" dirty="0" smtClean="0"/>
-              <a:t>Suporte nível 1</a:t>
-            </a:r>
-            <a:endParaRPr lang="pt-BR" dirty="0"/>
-          </a:p>
-        </p:txBody>
-      </p:sp>
-      <p:sp>
-        <p:nvSpPr>
-          <p:cNvPr id="7" name="Retângulo 6"/>
-          <p:cNvSpPr/>
-          <p:nvPr/>
-        </p:nvSpPr>
-        <p:spPr>
-          <a:xfrm>
-            <a:off x="486081" y="4493478"/>
-            <a:ext cx="10489475" cy="228600"/>
-          </a:xfrm>
-          <a:prstGeom prst="rect">
-            <a:avLst/>
-          </a:prstGeom>
-          <a:ln>
-            <a:solidFill>
-              <a:schemeClr val="tx1"/>
-            </a:solidFill>
-          </a:ln>
-        </p:spPr>
-        <p:style>
-          <a:lnRef idx="2">
-            <a:schemeClr val="accent6"/>
-          </a:lnRef>
-          <a:fillRef idx="1">
-            <a:schemeClr val="lt1"/>
-          </a:fillRef>
-          <a:effectRef idx="0">
-            <a:schemeClr val="accent6"/>
-          </a:effectRef>
-          <a:fontRef idx="minor">
-            <a:schemeClr val="dk1"/>
-          </a:fontRef>
-        </p:style>
-        <p:txBody>
-          <a:bodyPr rtlCol="0" anchor="ctr"/>
-          <a:lstStyle/>
-          <a:p>
-            <a:pPr algn="ctr"/>
-            <a:r>
-              <a:rPr lang="pt-BR" dirty="0" smtClean="0"/>
-              <a:t>Suporte nível 2</a:t>
-            </a:r>
-            <a:endParaRPr lang="pt-BR" dirty="0"/>
-          </a:p>
-        </p:txBody>
-      </p:sp>
-      <p:sp>
-        <p:nvSpPr>
-          <p:cNvPr id="8" name="Retângulo 7"/>
-          <p:cNvSpPr/>
-          <p:nvPr/>
-        </p:nvSpPr>
-        <p:spPr>
-          <a:xfrm>
-            <a:off x="486068" y="5801133"/>
-            <a:ext cx="10489475" cy="228600"/>
-          </a:xfrm>
-          <a:prstGeom prst="rect">
-            <a:avLst/>
-          </a:prstGeom>
-          <a:ln>
-            <a:solidFill>
-              <a:schemeClr val="tx1"/>
-            </a:solidFill>
-          </a:ln>
-        </p:spPr>
-        <p:style>
-          <a:lnRef idx="2">
-            <a:schemeClr val="accent6"/>
-          </a:lnRef>
-          <a:fillRef idx="1">
-            <a:schemeClr val="lt1"/>
-          </a:fillRef>
-          <a:effectRef idx="0">
-            <a:schemeClr val="accent6"/>
-          </a:effectRef>
-          <a:fontRef idx="minor">
-            <a:schemeClr val="dk1"/>
-          </a:fontRef>
-        </p:style>
-        <p:txBody>
-          <a:bodyPr rtlCol="0" anchor="ctr"/>
-          <a:lstStyle/>
-          <a:p>
-            <a:pPr algn="ctr"/>
-            <a:r>
-              <a:rPr lang="pt-BR" dirty="0" smtClean="0"/>
-              <a:t>Suporte nível 3</a:t>
-            </a:r>
-            <a:endParaRPr lang="pt-BR" dirty="0"/>
-          </a:p>
-        </p:txBody>
-      </p:sp>
-      <p:sp>
-        <p:nvSpPr>
-          <p:cNvPr id="9" name="Fluxograma: Conector 8"/>
-          <p:cNvSpPr/>
-          <p:nvPr/>
-        </p:nvSpPr>
-        <p:spPr>
-          <a:xfrm>
-            <a:off x="926403" y="1322856"/>
-            <a:ext cx="457200" cy="457200"/>
-          </a:xfrm>
-          <a:prstGeom prst="flowChartConnector">
-            <a:avLst/>
-          </a:prstGeom>
-          <a:ln>
-            <a:solidFill>
-              <a:schemeClr val="tx1"/>
-            </a:solidFill>
-          </a:ln>
-        </p:spPr>
-        <p:style>
-          <a:lnRef idx="2">
-            <a:schemeClr val="accent6"/>
-          </a:lnRef>
-          <a:fillRef idx="1">
-            <a:schemeClr val="lt1"/>
-          </a:fillRef>
-          <a:effectRef idx="0">
-            <a:schemeClr val="accent6"/>
-          </a:effectRef>
-          <a:fontRef idx="minor">
-            <a:schemeClr val="dk1"/>
-          </a:fontRef>
-        </p:style>
-        <p:txBody>
-          <a:bodyPr rtlCol="0" anchor="ctr"/>
-          <a:lstStyle/>
-          <a:p>
-            <a:pPr algn="ctr"/>
-            <a:endParaRPr lang="pt-BR"/>
-          </a:p>
-        </p:txBody>
-      </p:sp>
-      <p:sp>
-        <p:nvSpPr>
-          <p:cNvPr id="10" name="Fluxograma: Conector 9"/>
-          <p:cNvSpPr/>
-          <p:nvPr/>
-        </p:nvSpPr>
-        <p:spPr>
-          <a:xfrm>
-            <a:off x="8815554" y="1246600"/>
-            <a:ext cx="457200" cy="457200"/>
-          </a:xfrm>
-          <a:prstGeom prst="flowChartConnector">
-            <a:avLst/>
-          </a:prstGeom>
-          <a:ln>
-            <a:solidFill>
-              <a:schemeClr val="tx1"/>
-            </a:solidFill>
-          </a:ln>
-        </p:spPr>
-        <p:style>
-          <a:lnRef idx="2">
-            <a:schemeClr val="accent6"/>
-          </a:lnRef>
-          <a:fillRef idx="1">
-            <a:schemeClr val="lt1"/>
-          </a:fillRef>
-          <a:effectRef idx="0">
-            <a:schemeClr val="accent6"/>
-          </a:effectRef>
-          <a:fontRef idx="minor">
-            <a:schemeClr val="dk1"/>
-          </a:fontRef>
-        </p:style>
-        <p:txBody>
-          <a:bodyPr rtlCol="0" anchor="ctr"/>
-          <a:lstStyle/>
-          <a:p>
-            <a:pPr algn="ctr"/>
-            <a:endParaRPr lang="pt-BR"/>
-          </a:p>
-        </p:txBody>
-      </p:sp>
-      <p:sp>
-        <p:nvSpPr>
-          <p:cNvPr id="11" name="Fluxograma: Conector 10"/>
-          <p:cNvSpPr/>
-          <p:nvPr/>
-        </p:nvSpPr>
-        <p:spPr>
-          <a:xfrm>
-            <a:off x="8891754" y="1322800"/>
-            <a:ext cx="304800" cy="304800"/>
-          </a:xfrm>
-          <a:prstGeom prst="flowChartConnector">
-            <a:avLst/>
-          </a:prstGeom>
-        </p:spPr>
-        <p:style>
-          <a:lnRef idx="2">
-            <a:schemeClr val="dk1">
-              <a:shade val="50000"/>
-            </a:schemeClr>
-          </a:lnRef>
-          <a:fillRef idx="1">
-            <a:schemeClr val="dk1"/>
-          </a:fillRef>
-          <a:effectRef idx="0">
-            <a:schemeClr val="dk1"/>
-          </a:effectRef>
-          <a:fontRef idx="minor">
-            <a:schemeClr val="lt1"/>
-          </a:fontRef>
-        </p:style>
-        <p:txBody>
-          <a:bodyPr rtlCol="0" anchor="ctr"/>
-          <a:lstStyle/>
-          <a:p>
-            <a:pPr algn="ctr"/>
-            <a:endParaRPr lang="pt-BR"/>
-          </a:p>
-        </p:txBody>
-      </p:sp>
-      <p:sp>
-        <p:nvSpPr>
-          <p:cNvPr id="12" name="Fluxograma: Processo 11"/>
-          <p:cNvSpPr/>
-          <p:nvPr/>
-        </p:nvSpPr>
-        <p:spPr>
-          <a:xfrm>
-            <a:off x="3338097" y="1219826"/>
-            <a:ext cx="1554480" cy="636813"/>
-          </a:xfrm>
-          <a:prstGeom prst="flowChartProcess">
-            <a:avLst/>
-          </a:prstGeom>
-          <a:ln>
-            <a:solidFill>
-              <a:schemeClr val="tx1"/>
-            </a:solidFill>
-          </a:ln>
-        </p:spPr>
-        <p:style>
-          <a:lnRef idx="2">
-            <a:schemeClr val="accent6"/>
-          </a:lnRef>
-          <a:fillRef idx="1">
-            <a:schemeClr val="lt1"/>
-          </a:fillRef>
-          <a:effectRef idx="0">
-            <a:schemeClr val="accent6"/>
-          </a:effectRef>
-          <a:fontRef idx="minor">
-            <a:schemeClr val="dk1"/>
-          </a:fontRef>
-        </p:style>
-        <p:txBody>
-          <a:bodyPr rtlCol="0" anchor="ctr"/>
-          <a:lstStyle/>
-          <a:p>
-            <a:pPr algn="ctr"/>
-            <a:r>
-              <a:rPr lang="pt-BR" sz="1200" dirty="0" smtClean="0"/>
-              <a:t>Time de TI identifica e registra o problema</a:t>
-            </a:r>
-            <a:endParaRPr lang="pt-BR" sz="1200" dirty="0"/>
-          </a:p>
-        </p:txBody>
-      </p:sp>
-      <p:cxnSp>
-        <p:nvCxnSpPr>
-          <p:cNvPr id="13" name="Conector de Seta Reta 12"/>
-          <p:cNvCxnSpPr>
-            <a:stCxn id="9" idx="6"/>
-          </p:cNvCxnSpPr>
-          <p:nvPr/>
-        </p:nvCxnSpPr>
-        <p:spPr>
-          <a:xfrm>
-            <a:off x="1383603" y="1551456"/>
-            <a:ext cx="236592" cy="6322"/>
-          </a:xfrm>
-          <a:prstGeom prst="straightConnector1">
-            <a:avLst/>
-          </a:prstGeom>
-          <a:ln>
-            <a:tailEnd type="triangle"/>
-          </a:ln>
-        </p:spPr>
-        <p:style>
-          <a:lnRef idx="1">
-            <a:schemeClr val="dk1"/>
-          </a:lnRef>
-          <a:fillRef idx="0">
-            <a:schemeClr val="dk1"/>
-          </a:fillRef>
-          <a:effectRef idx="0">
-            <a:schemeClr val="dk1"/>
-          </a:effectRef>
-          <a:fontRef idx="minor">
-            <a:schemeClr val="tx1"/>
-          </a:fontRef>
-        </p:style>
-      </p:cxnSp>
-      <p:sp>
-        <p:nvSpPr>
-          <p:cNvPr id="14" name="Fluxograma: Processo 13"/>
-          <p:cNvSpPr/>
-          <p:nvPr/>
-        </p:nvSpPr>
-        <p:spPr>
-          <a:xfrm>
-            <a:off x="561191" y="2373514"/>
-            <a:ext cx="1140823" cy="636813"/>
-          </a:xfrm>
-          <a:prstGeom prst="flowChartProcess">
-            <a:avLst/>
-          </a:prstGeom>
-          <a:ln>
-            <a:solidFill>
-              <a:schemeClr val="tx1"/>
-            </a:solidFill>
-          </a:ln>
-        </p:spPr>
-        <p:style>
-          <a:lnRef idx="2">
-            <a:schemeClr val="accent6"/>
-          </a:lnRef>
-          <a:fillRef idx="1">
-            <a:schemeClr val="lt1"/>
-          </a:fillRef>
-          <a:effectRef idx="0">
-            <a:schemeClr val="accent6"/>
-          </a:effectRef>
-          <a:fontRef idx="minor">
-            <a:schemeClr val="dk1"/>
-          </a:fontRef>
-        </p:style>
-        <p:txBody>
-          <a:bodyPr rtlCol="0" anchor="ctr"/>
-          <a:lstStyle/>
-          <a:p>
-            <a:pPr algn="ctr"/>
-            <a:r>
-              <a:rPr lang="pt-BR" sz="1200" dirty="0" smtClean="0"/>
-              <a:t>Problema é recebido</a:t>
-            </a:r>
-            <a:endParaRPr lang="pt-BR" sz="1200" dirty="0"/>
-          </a:p>
-        </p:txBody>
-      </p:sp>
-      <p:sp>
-        <p:nvSpPr>
-          <p:cNvPr id="15" name="Fluxograma: Processo 14"/>
-          <p:cNvSpPr/>
-          <p:nvPr/>
-        </p:nvSpPr>
-        <p:spPr>
-          <a:xfrm>
-            <a:off x="1991880" y="2373514"/>
-            <a:ext cx="1140823" cy="636813"/>
-          </a:xfrm>
-          <a:prstGeom prst="flowChartProcess">
-            <a:avLst/>
-          </a:prstGeom>
-          <a:ln>
-            <a:solidFill>
-              <a:schemeClr val="tx1"/>
-            </a:solidFill>
-          </a:ln>
-        </p:spPr>
-        <p:style>
-          <a:lnRef idx="2">
-            <a:schemeClr val="accent6"/>
-          </a:lnRef>
-          <a:fillRef idx="1">
-            <a:schemeClr val="lt1"/>
-          </a:fillRef>
-          <a:effectRef idx="0">
-            <a:schemeClr val="accent6"/>
-          </a:effectRef>
-          <a:fontRef idx="minor">
-            <a:schemeClr val="dk1"/>
-          </a:fontRef>
-        </p:style>
-        <p:txBody>
-          <a:bodyPr rtlCol="0" anchor="ctr"/>
-          <a:lstStyle/>
-          <a:p>
-            <a:pPr algn="ctr"/>
-            <a:r>
-              <a:rPr lang="pt-BR" sz="1200" dirty="0"/>
-              <a:t>Problema</a:t>
-            </a:r>
-            <a:r>
-              <a:rPr lang="pt-BR" sz="1200" dirty="0" smtClean="0"/>
-              <a:t> é registrado</a:t>
-            </a:r>
-            <a:endParaRPr lang="pt-BR" sz="1200" dirty="0"/>
-          </a:p>
-        </p:txBody>
-      </p:sp>
-      <p:sp>
-        <p:nvSpPr>
-          <p:cNvPr id="16" name="Fluxograma: Processo 15"/>
-          <p:cNvSpPr/>
-          <p:nvPr/>
-        </p:nvSpPr>
-        <p:spPr>
-          <a:xfrm>
-            <a:off x="3421191" y="2373513"/>
-            <a:ext cx="1150567" cy="636813"/>
-          </a:xfrm>
-          <a:prstGeom prst="flowChartProcess">
-            <a:avLst/>
-          </a:prstGeom>
-          <a:ln>
-            <a:solidFill>
-              <a:schemeClr val="tx1"/>
-            </a:solidFill>
-          </a:ln>
-        </p:spPr>
-        <p:style>
-          <a:lnRef idx="2">
-            <a:schemeClr val="accent6"/>
-          </a:lnRef>
-          <a:fillRef idx="1">
-            <a:schemeClr val="lt1"/>
-          </a:fillRef>
-          <a:effectRef idx="0">
-            <a:schemeClr val="accent6"/>
-          </a:effectRef>
-          <a:fontRef idx="minor">
-            <a:schemeClr val="dk1"/>
-          </a:fontRef>
-        </p:style>
-        <p:txBody>
-          <a:bodyPr rtlCol="0" anchor="ctr"/>
-          <a:lstStyle/>
-          <a:p>
-            <a:pPr algn="ctr"/>
-            <a:r>
-              <a:rPr lang="pt-BR" sz="1200" dirty="0"/>
-              <a:t>Problema </a:t>
-            </a:r>
-            <a:r>
-              <a:rPr lang="pt-BR" sz="1200" dirty="0" smtClean="0"/>
-              <a:t> é classificado </a:t>
-            </a:r>
-            <a:endParaRPr lang="pt-BR" sz="1200" dirty="0"/>
-          </a:p>
-        </p:txBody>
-      </p:sp>
-      <p:cxnSp>
-        <p:nvCxnSpPr>
-          <p:cNvPr id="17" name="Conector de Seta Reta 16"/>
-          <p:cNvCxnSpPr/>
-          <p:nvPr/>
-        </p:nvCxnSpPr>
-        <p:spPr>
-          <a:xfrm>
-            <a:off x="1702014" y="2678857"/>
-            <a:ext cx="307624" cy="0"/>
-          </a:xfrm>
-          <a:prstGeom prst="straightConnector1">
-            <a:avLst/>
-          </a:prstGeom>
-          <a:ln>
-            <a:solidFill>
-              <a:schemeClr val="tx1"/>
-            </a:solidFill>
-            <a:tailEnd type="triangle"/>
-          </a:ln>
-        </p:spPr>
-        <p:style>
-          <a:lnRef idx="1">
-            <a:schemeClr val="accent1"/>
-          </a:lnRef>
-          <a:fillRef idx="0">
-            <a:schemeClr val="accent1"/>
-          </a:fillRef>
-          <a:effectRef idx="0">
-            <a:schemeClr val="accent1"/>
-          </a:effectRef>
-          <a:fontRef idx="minor">
-            <a:schemeClr val="tx1"/>
-          </a:fontRef>
-        </p:style>
-      </p:cxnSp>
-      <p:sp>
-        <p:nvSpPr>
-          <p:cNvPr id="18" name="Fluxograma: Processo 17"/>
-          <p:cNvSpPr/>
-          <p:nvPr/>
-        </p:nvSpPr>
-        <p:spPr>
-          <a:xfrm>
-            <a:off x="4860241" y="2369161"/>
-            <a:ext cx="1140818" cy="636813"/>
-          </a:xfrm>
-          <a:prstGeom prst="flowChartProcess">
-            <a:avLst/>
-          </a:prstGeom>
-          <a:ln>
-            <a:solidFill>
-              <a:schemeClr val="tx1"/>
-            </a:solidFill>
-          </a:ln>
-        </p:spPr>
-        <p:style>
-          <a:lnRef idx="2">
-            <a:schemeClr val="accent6"/>
-          </a:lnRef>
-          <a:fillRef idx="1">
-            <a:schemeClr val="lt1"/>
-          </a:fillRef>
-          <a:effectRef idx="0">
-            <a:schemeClr val="accent6"/>
-          </a:effectRef>
-          <a:fontRef idx="minor">
-            <a:schemeClr val="dk1"/>
-          </a:fontRef>
-        </p:style>
-        <p:txBody>
-          <a:bodyPr rtlCol="0" anchor="ctr"/>
-          <a:lstStyle/>
-          <a:p>
-            <a:pPr algn="ctr"/>
-            <a:r>
-              <a:rPr lang="pt-BR" sz="1200" dirty="0"/>
-              <a:t>Problema</a:t>
-            </a:r>
-            <a:r>
-              <a:rPr lang="pt-BR" sz="1200" dirty="0" smtClean="0"/>
-              <a:t> é priorizado </a:t>
-            </a:r>
-            <a:endParaRPr lang="pt-BR" sz="1200" dirty="0"/>
-          </a:p>
-        </p:txBody>
-      </p:sp>
-      <p:sp>
-        <p:nvSpPr>
-          <p:cNvPr id="19" name="Fluxograma: Decisão 18"/>
-          <p:cNvSpPr/>
-          <p:nvPr/>
-        </p:nvSpPr>
-        <p:spPr>
-          <a:xfrm>
-            <a:off x="3621425" y="3575989"/>
-            <a:ext cx="1549870" cy="731115"/>
-          </a:xfrm>
-          <a:prstGeom prst="flowChartDecision">
-            <a:avLst/>
-          </a:prstGeom>
-          <a:ln>
-            <a:solidFill>
-              <a:schemeClr val="tx1"/>
-            </a:solidFill>
-          </a:ln>
-        </p:spPr>
-        <p:style>
-          <a:lnRef idx="2">
-            <a:schemeClr val="accent6"/>
-          </a:lnRef>
-          <a:fillRef idx="1">
-            <a:schemeClr val="lt1"/>
-          </a:fillRef>
-          <a:effectRef idx="0">
-            <a:schemeClr val="accent6"/>
-          </a:effectRef>
-          <a:fontRef idx="minor">
-            <a:schemeClr val="dk1"/>
-          </a:fontRef>
-        </p:style>
-        <p:txBody>
-          <a:bodyPr rtlCol="0" anchor="ctr"/>
-          <a:lstStyle/>
-          <a:p>
-            <a:pPr algn="ctr"/>
-            <a:r>
-              <a:rPr lang="pt-BR" sz="900" dirty="0" smtClean="0"/>
-              <a:t>Problema pode ser resolvido?</a:t>
-            </a:r>
-            <a:endParaRPr lang="pt-BR" sz="900" dirty="0"/>
-          </a:p>
-        </p:txBody>
-      </p:sp>
-      <p:sp>
-        <p:nvSpPr>
-          <p:cNvPr id="20" name="Fluxograma: Processo 19"/>
-          <p:cNvSpPr/>
-          <p:nvPr/>
-        </p:nvSpPr>
-        <p:spPr>
-          <a:xfrm>
-            <a:off x="584591" y="3624716"/>
-            <a:ext cx="1140818" cy="636813"/>
-          </a:xfrm>
-          <a:prstGeom prst="flowChartProcess">
-            <a:avLst/>
-          </a:prstGeom>
-          <a:ln>
-            <a:solidFill>
-              <a:schemeClr val="tx1"/>
-            </a:solidFill>
-          </a:ln>
-        </p:spPr>
-        <p:style>
-          <a:lnRef idx="2">
-            <a:schemeClr val="accent6"/>
-          </a:lnRef>
-          <a:fillRef idx="1">
-            <a:schemeClr val="lt1"/>
-          </a:fillRef>
-          <a:effectRef idx="0">
-            <a:schemeClr val="accent6"/>
-          </a:effectRef>
-          <a:fontRef idx="minor">
-            <a:schemeClr val="dk1"/>
-          </a:fontRef>
-        </p:style>
-        <p:txBody>
-          <a:bodyPr rtlCol="0" anchor="ctr"/>
-          <a:lstStyle/>
-          <a:p>
-            <a:pPr algn="ctr"/>
-            <a:r>
-              <a:rPr lang="pt-BR" sz="1200" dirty="0"/>
-              <a:t>Problema</a:t>
-            </a:r>
-            <a:r>
-              <a:rPr lang="pt-BR" sz="1200" dirty="0" smtClean="0"/>
-              <a:t> é diagnosticado</a:t>
-            </a:r>
-            <a:endParaRPr lang="pt-BR" sz="1200" dirty="0"/>
-          </a:p>
-        </p:txBody>
-      </p:sp>
-      <p:cxnSp>
-        <p:nvCxnSpPr>
-          <p:cNvPr id="21" name="Conector de Seta Reta 20"/>
-          <p:cNvCxnSpPr/>
-          <p:nvPr/>
-        </p:nvCxnSpPr>
-        <p:spPr>
-          <a:xfrm>
-            <a:off x="3132703" y="2691920"/>
-            <a:ext cx="307624" cy="0"/>
-          </a:xfrm>
-          <a:prstGeom prst="straightConnector1">
-            <a:avLst/>
-          </a:prstGeom>
-          <a:ln>
-            <a:solidFill>
-              <a:schemeClr val="tx1"/>
-            </a:solidFill>
-            <a:tailEnd type="triangle"/>
-          </a:ln>
-        </p:spPr>
-        <p:style>
-          <a:lnRef idx="1">
-            <a:schemeClr val="accent1"/>
-          </a:lnRef>
-          <a:fillRef idx="0">
-            <a:schemeClr val="accent1"/>
-          </a:fillRef>
-          <a:effectRef idx="0">
-            <a:schemeClr val="accent1"/>
-          </a:effectRef>
-          <a:fontRef idx="minor">
-            <a:schemeClr val="tx1"/>
-          </a:fontRef>
-        </p:style>
-      </p:cxnSp>
-      <p:cxnSp>
-        <p:nvCxnSpPr>
-          <p:cNvPr id="22" name="Conector de Seta Reta 21"/>
-          <p:cNvCxnSpPr/>
-          <p:nvPr/>
-        </p:nvCxnSpPr>
-        <p:spPr>
-          <a:xfrm>
-            <a:off x="4571758" y="2691919"/>
-            <a:ext cx="307624" cy="0"/>
-          </a:xfrm>
-          <a:prstGeom prst="straightConnector1">
-            <a:avLst/>
-          </a:prstGeom>
-          <a:ln>
-            <a:solidFill>
-              <a:schemeClr val="tx1"/>
-            </a:solidFill>
-            <a:tailEnd type="triangle"/>
-          </a:ln>
-        </p:spPr>
-        <p:style>
-          <a:lnRef idx="1">
-            <a:schemeClr val="accent1"/>
-          </a:lnRef>
-          <a:fillRef idx="0">
-            <a:schemeClr val="accent1"/>
-          </a:fillRef>
-          <a:effectRef idx="0">
-            <a:schemeClr val="accent1"/>
-          </a:effectRef>
-          <a:fontRef idx="minor">
-            <a:schemeClr val="tx1"/>
-          </a:fontRef>
-        </p:style>
-      </p:cxnSp>
-      <p:cxnSp>
-        <p:nvCxnSpPr>
-          <p:cNvPr id="23" name="Conector de Seta Reta 22"/>
-          <p:cNvCxnSpPr>
-            <a:stCxn id="20" idx="3"/>
-            <a:endCxn id="55" idx="1"/>
-          </p:cNvCxnSpPr>
-          <p:nvPr/>
-        </p:nvCxnSpPr>
-        <p:spPr>
-          <a:xfrm flipV="1">
-            <a:off x="1725409" y="3938479"/>
-            <a:ext cx="414793" cy="4644"/>
-          </a:xfrm>
-          <a:prstGeom prst="straightConnector1">
-            <a:avLst/>
-          </a:prstGeom>
-          <a:ln>
-            <a:solidFill>
-              <a:schemeClr val="tx1"/>
-            </a:solidFill>
-            <a:tailEnd type="triangle"/>
-          </a:ln>
-        </p:spPr>
-        <p:style>
-          <a:lnRef idx="1">
-            <a:schemeClr val="accent1"/>
-          </a:lnRef>
-          <a:fillRef idx="0">
-            <a:schemeClr val="accent1"/>
-          </a:fillRef>
-          <a:effectRef idx="0">
-            <a:schemeClr val="accent1"/>
-          </a:effectRef>
-          <a:fontRef idx="minor">
-            <a:schemeClr val="tx1"/>
-          </a:fontRef>
-        </p:style>
-      </p:cxnSp>
-      <p:sp>
-        <p:nvSpPr>
-          <p:cNvPr id="24" name="Fluxograma: Processo 23"/>
-          <p:cNvSpPr/>
-          <p:nvPr/>
-        </p:nvSpPr>
-        <p:spPr>
-          <a:xfrm>
-            <a:off x="5609244" y="3627970"/>
-            <a:ext cx="1140818" cy="636813"/>
-          </a:xfrm>
-          <a:prstGeom prst="flowChartProcess">
-            <a:avLst/>
-          </a:prstGeom>
-          <a:ln>
-            <a:solidFill>
-              <a:schemeClr val="tx1"/>
-            </a:solidFill>
-          </a:ln>
-        </p:spPr>
-        <p:style>
-          <a:lnRef idx="2">
-            <a:schemeClr val="accent6"/>
-          </a:lnRef>
-          <a:fillRef idx="1">
-            <a:schemeClr val="lt1"/>
-          </a:fillRef>
-          <a:effectRef idx="0">
-            <a:schemeClr val="accent6"/>
-          </a:effectRef>
-          <a:fontRef idx="minor">
-            <a:schemeClr val="dk1"/>
-          </a:fontRef>
-        </p:style>
-        <p:txBody>
-          <a:bodyPr rtlCol="0" anchor="ctr"/>
-          <a:lstStyle/>
-          <a:p>
-            <a:pPr algn="ctr"/>
-            <a:r>
-              <a:rPr lang="pt-BR" sz="1200" dirty="0" smtClean="0"/>
-              <a:t>Resolver</a:t>
-            </a:r>
-            <a:endParaRPr lang="pt-BR" sz="1200" dirty="0"/>
-          </a:p>
-        </p:txBody>
-      </p:sp>
-      <p:sp>
-        <p:nvSpPr>
-          <p:cNvPr id="25" name="CaixaDeTexto 24"/>
-          <p:cNvSpPr txBox="1"/>
-          <p:nvPr/>
-        </p:nvSpPr>
-        <p:spPr>
-          <a:xfrm>
-            <a:off x="5139029" y="3717444"/>
-            <a:ext cx="485765" cy="246221"/>
-          </a:xfrm>
-          <a:prstGeom prst="rect">
-            <a:avLst/>
-          </a:prstGeom>
-          <a:noFill/>
-        </p:spPr>
-        <p:txBody>
-          <a:bodyPr wrap="square" rtlCol="0">
-            <a:spAutoFit/>
-          </a:bodyPr>
-          <a:lstStyle/>
-          <a:p>
-            <a:r>
-              <a:rPr lang="pt-BR" sz="1000" dirty="0" smtClean="0"/>
-              <a:t>sim</a:t>
-            </a:r>
-            <a:endParaRPr lang="pt-BR" sz="1000" dirty="0"/>
-          </a:p>
-        </p:txBody>
-      </p:sp>
-      <p:sp>
-        <p:nvSpPr>
-          <p:cNvPr id="26" name="CaixaDeTexto 25"/>
-          <p:cNvSpPr txBox="1"/>
-          <p:nvPr/>
-        </p:nvSpPr>
-        <p:spPr>
-          <a:xfrm>
-            <a:off x="4460874" y="4308626"/>
-            <a:ext cx="485765" cy="246221"/>
-          </a:xfrm>
-          <a:prstGeom prst="rect">
-            <a:avLst/>
-          </a:prstGeom>
-          <a:noFill/>
-        </p:spPr>
-        <p:txBody>
-          <a:bodyPr wrap="square" rtlCol="0">
-            <a:spAutoFit/>
-          </a:bodyPr>
-          <a:lstStyle/>
-          <a:p>
-            <a:r>
-              <a:rPr lang="pt-BR" sz="1000" dirty="0" smtClean="0"/>
-              <a:t>não</a:t>
-            </a:r>
-            <a:endParaRPr lang="pt-BR" sz="1000" dirty="0"/>
-          </a:p>
-        </p:txBody>
-      </p:sp>
-      <p:sp>
-        <p:nvSpPr>
-          <p:cNvPr id="27" name="Retângulo 26"/>
-          <p:cNvSpPr/>
-          <p:nvPr/>
-        </p:nvSpPr>
-        <p:spPr>
-          <a:xfrm>
-            <a:off x="486068" y="1975452"/>
-            <a:ext cx="10489475" cy="228600"/>
-          </a:xfrm>
-          <a:prstGeom prst="rect">
-            <a:avLst/>
-          </a:prstGeom>
-          <a:ln>
-            <a:solidFill>
-              <a:schemeClr val="tx1"/>
-            </a:solidFill>
-          </a:ln>
-        </p:spPr>
-        <p:style>
-          <a:lnRef idx="2">
-            <a:schemeClr val="accent6"/>
-          </a:lnRef>
-          <a:fillRef idx="1">
-            <a:schemeClr val="lt1"/>
-          </a:fillRef>
-          <a:effectRef idx="0">
-            <a:schemeClr val="accent6"/>
-          </a:effectRef>
-          <a:fontRef idx="minor">
-            <a:schemeClr val="dk1"/>
-          </a:fontRef>
-        </p:style>
-        <p:txBody>
-          <a:bodyPr rtlCol="0" anchor="ctr"/>
-          <a:lstStyle/>
-          <a:p>
-            <a:pPr algn="ctr"/>
-            <a:r>
-              <a:rPr lang="pt-BR" dirty="0"/>
-              <a:t>Central de serviços de </a:t>
-            </a:r>
-            <a:r>
-              <a:rPr lang="pt-BR" dirty="0" smtClean="0"/>
-              <a:t>TI</a:t>
-            </a:r>
-            <a:endParaRPr lang="pt-BR" dirty="0"/>
-          </a:p>
-        </p:txBody>
-      </p:sp>
-      <p:sp>
-        <p:nvSpPr>
-          <p:cNvPr id="28" name="Retângulo 27"/>
-          <p:cNvSpPr/>
-          <p:nvPr/>
-        </p:nvSpPr>
-        <p:spPr>
-          <a:xfrm>
-            <a:off x="486068" y="4718576"/>
-            <a:ext cx="10489475" cy="1086601"/>
-          </a:xfrm>
-          <a:prstGeom prst="rect">
-            <a:avLst/>
-          </a:prstGeom>
-          <a:ln>
-            <a:solidFill>
-              <a:schemeClr val="tx1"/>
-            </a:solidFill>
-          </a:ln>
-        </p:spPr>
-        <p:style>
-          <a:lnRef idx="2">
-            <a:schemeClr val="accent6"/>
-          </a:lnRef>
-          <a:fillRef idx="1">
-            <a:schemeClr val="lt1"/>
-          </a:fillRef>
-          <a:effectRef idx="0">
-            <a:schemeClr val="accent6"/>
-          </a:effectRef>
-          <a:fontRef idx="minor">
-            <a:schemeClr val="dk1"/>
-          </a:fontRef>
-        </p:style>
-        <p:txBody>
-          <a:bodyPr rtlCol="0" anchor="ctr"/>
-          <a:lstStyle/>
-          <a:p>
-            <a:pPr algn="ctr"/>
-            <a:endParaRPr lang="pt-BR" dirty="0"/>
-          </a:p>
-        </p:txBody>
-      </p:sp>
-      <p:cxnSp>
-        <p:nvCxnSpPr>
-          <p:cNvPr id="29" name="Conector Angulado 28"/>
-          <p:cNvCxnSpPr>
-            <a:stCxn id="12" idx="2"/>
-            <a:endCxn id="14" idx="0"/>
-          </p:cNvCxnSpPr>
-          <p:nvPr/>
-        </p:nvCxnSpPr>
-        <p:spPr>
-          <a:xfrm rot="5400000">
-            <a:off x="2365033" y="623209"/>
-            <a:ext cx="516875" cy="2983734"/>
-          </a:xfrm>
-          <a:prstGeom prst="bentConnector3">
-            <a:avLst>
-              <a:gd name="adj1" fmla="val 50000"/>
-            </a:avLst>
-          </a:prstGeom>
-          <a:ln>
-            <a:tailEnd type="triangle"/>
-          </a:ln>
-        </p:spPr>
-        <p:style>
-          <a:lnRef idx="1">
-            <a:schemeClr val="dk1"/>
-          </a:lnRef>
-          <a:fillRef idx="0">
-            <a:schemeClr val="dk1"/>
-          </a:fillRef>
-          <a:effectRef idx="0">
-            <a:schemeClr val="dk1"/>
-          </a:effectRef>
-          <a:fontRef idx="minor">
-            <a:schemeClr val="tx1"/>
-          </a:fontRef>
-        </p:style>
-      </p:cxnSp>
-      <p:sp>
-        <p:nvSpPr>
-          <p:cNvPr id="30" name="Fluxograma: Processo 29"/>
-          <p:cNvSpPr/>
-          <p:nvPr/>
-        </p:nvSpPr>
-        <p:spPr>
-          <a:xfrm>
-            <a:off x="584591" y="4986954"/>
-            <a:ext cx="1140818" cy="636813"/>
-          </a:xfrm>
-          <a:prstGeom prst="flowChartProcess">
-            <a:avLst/>
-          </a:prstGeom>
-          <a:ln>
-            <a:solidFill>
-              <a:schemeClr val="tx1"/>
-            </a:solidFill>
-          </a:ln>
-        </p:spPr>
-        <p:style>
-          <a:lnRef idx="2">
-            <a:schemeClr val="accent6"/>
-          </a:lnRef>
-          <a:fillRef idx="1">
-            <a:schemeClr val="lt1"/>
-          </a:fillRef>
-          <a:effectRef idx="0">
-            <a:schemeClr val="accent6"/>
-          </a:effectRef>
-          <a:fontRef idx="minor">
-            <a:schemeClr val="dk1"/>
-          </a:fontRef>
-        </p:style>
-        <p:txBody>
-          <a:bodyPr rtlCol="0" anchor="ctr"/>
-          <a:lstStyle/>
-          <a:p>
-            <a:pPr algn="ctr"/>
-            <a:r>
-              <a:rPr lang="pt-BR" sz="1200" dirty="0" smtClean="0"/>
-              <a:t>Escalar para próximo nível</a:t>
-            </a:r>
-          </a:p>
-        </p:txBody>
-      </p:sp>
-      <p:sp>
-        <p:nvSpPr>
-          <p:cNvPr id="31" name="Fluxograma: Processo 30"/>
-          <p:cNvSpPr/>
-          <p:nvPr/>
-        </p:nvSpPr>
-        <p:spPr>
-          <a:xfrm>
-            <a:off x="2028781" y="4967819"/>
-            <a:ext cx="1140818" cy="636813"/>
-          </a:xfrm>
-          <a:prstGeom prst="flowChartProcess">
-            <a:avLst/>
-          </a:prstGeom>
-          <a:ln>
-            <a:solidFill>
-              <a:schemeClr val="tx1"/>
-            </a:solidFill>
-          </a:ln>
-        </p:spPr>
-        <p:style>
-          <a:lnRef idx="2">
-            <a:schemeClr val="accent6"/>
-          </a:lnRef>
-          <a:fillRef idx="1">
-            <a:schemeClr val="lt1"/>
-          </a:fillRef>
-          <a:effectRef idx="0">
-            <a:schemeClr val="accent6"/>
-          </a:effectRef>
-          <a:fontRef idx="minor">
-            <a:schemeClr val="dk1"/>
-          </a:fontRef>
-        </p:style>
-        <p:txBody>
-          <a:bodyPr rtlCol="0" anchor="ctr"/>
-          <a:lstStyle/>
-          <a:p>
-            <a:pPr algn="ctr"/>
-            <a:r>
-              <a:rPr lang="pt-BR" sz="1200" dirty="0"/>
-              <a:t>Investiga a causa raiz</a:t>
-            </a:r>
-          </a:p>
-        </p:txBody>
-      </p:sp>
-      <p:cxnSp>
-        <p:nvCxnSpPr>
-          <p:cNvPr id="32" name="Conector Angulado 31"/>
-          <p:cNvCxnSpPr>
-            <a:stCxn id="19" idx="2"/>
-            <a:endCxn id="30" idx="0"/>
-          </p:cNvCxnSpPr>
-          <p:nvPr/>
-        </p:nvCxnSpPr>
-        <p:spPr>
-          <a:xfrm rot="5400000">
-            <a:off x="2435755" y="3026349"/>
-            <a:ext cx="679850" cy="3241360"/>
-          </a:xfrm>
-          <a:prstGeom prst="bentConnector3">
-            <a:avLst>
-              <a:gd name="adj1" fmla="val 50000"/>
-            </a:avLst>
-          </a:prstGeom>
-          <a:ln>
-            <a:tailEnd type="triangle"/>
-          </a:ln>
-        </p:spPr>
-        <p:style>
-          <a:lnRef idx="1">
-            <a:schemeClr val="dk1"/>
-          </a:lnRef>
-          <a:fillRef idx="0">
-            <a:schemeClr val="dk1"/>
-          </a:fillRef>
-          <a:effectRef idx="0">
-            <a:schemeClr val="dk1"/>
-          </a:effectRef>
-          <a:fontRef idx="minor">
-            <a:schemeClr val="tx1"/>
-          </a:fontRef>
-        </p:style>
-      </p:cxnSp>
-      <p:cxnSp>
-        <p:nvCxnSpPr>
-          <p:cNvPr id="33" name="Conector de Seta Reta 32"/>
-          <p:cNvCxnSpPr/>
-          <p:nvPr/>
-        </p:nvCxnSpPr>
-        <p:spPr>
-          <a:xfrm>
-            <a:off x="1725409" y="5270575"/>
-            <a:ext cx="307624" cy="0"/>
-          </a:xfrm>
-          <a:prstGeom prst="straightConnector1">
-            <a:avLst/>
-          </a:prstGeom>
-          <a:ln>
-            <a:solidFill>
-              <a:schemeClr val="tx1"/>
-            </a:solidFill>
-            <a:tailEnd type="triangle"/>
-          </a:ln>
-        </p:spPr>
-        <p:style>
-          <a:lnRef idx="1">
-            <a:schemeClr val="accent1"/>
-          </a:lnRef>
-          <a:fillRef idx="0">
-            <a:schemeClr val="accent1"/>
-          </a:fillRef>
-          <a:effectRef idx="0">
-            <a:schemeClr val="accent1"/>
-          </a:effectRef>
-          <a:fontRef idx="minor">
-            <a:schemeClr val="tx1"/>
-          </a:fontRef>
-        </p:style>
-      </p:cxnSp>
-      <p:cxnSp>
-        <p:nvCxnSpPr>
-          <p:cNvPr id="34" name="Conector Angulado 33"/>
-          <p:cNvCxnSpPr>
-            <a:stCxn id="18" idx="2"/>
-            <a:endCxn id="20" idx="0"/>
-          </p:cNvCxnSpPr>
-          <p:nvPr/>
-        </p:nvCxnSpPr>
-        <p:spPr>
-          <a:xfrm rot="5400000">
-            <a:off x="2983454" y="1177520"/>
-            <a:ext cx="618742" cy="4275650"/>
-          </a:xfrm>
-          <a:prstGeom prst="bentConnector3">
-            <a:avLst>
-              <a:gd name="adj1" fmla="val 17672"/>
-            </a:avLst>
-          </a:prstGeom>
-          <a:ln>
-            <a:tailEnd type="triangle"/>
-          </a:ln>
-        </p:spPr>
-        <p:style>
-          <a:lnRef idx="1">
-            <a:schemeClr val="dk1"/>
-          </a:lnRef>
-          <a:fillRef idx="0">
-            <a:schemeClr val="dk1"/>
-          </a:fillRef>
-          <a:effectRef idx="0">
-            <a:schemeClr val="dk1"/>
-          </a:effectRef>
-          <a:fontRef idx="minor">
-            <a:schemeClr val="tx1"/>
-          </a:fontRef>
-        </p:style>
-      </p:cxnSp>
-      <p:sp>
-        <p:nvSpPr>
-          <p:cNvPr id="35" name="Fluxograma: Decisão 34"/>
-          <p:cNvSpPr/>
-          <p:nvPr/>
-        </p:nvSpPr>
-        <p:spPr>
-          <a:xfrm>
-            <a:off x="3437845" y="4934805"/>
-            <a:ext cx="1354982" cy="731115"/>
-          </a:xfrm>
-          <a:prstGeom prst="flowChartDecision">
-            <a:avLst/>
-          </a:prstGeom>
-          <a:ln>
-            <a:solidFill>
-              <a:schemeClr val="tx1"/>
-            </a:solidFill>
-          </a:ln>
-        </p:spPr>
-        <p:style>
-          <a:lnRef idx="2">
-            <a:schemeClr val="accent6"/>
-          </a:lnRef>
-          <a:fillRef idx="1">
-            <a:schemeClr val="lt1"/>
-          </a:fillRef>
-          <a:effectRef idx="0">
-            <a:schemeClr val="accent6"/>
-          </a:effectRef>
-          <a:fontRef idx="minor">
-            <a:schemeClr val="dk1"/>
-          </a:fontRef>
-        </p:style>
-        <p:txBody>
-          <a:bodyPr rtlCol="0" anchor="ctr"/>
-          <a:lstStyle/>
-          <a:p>
-            <a:pPr algn="ctr"/>
-            <a:r>
-              <a:rPr lang="pt-BR" sz="900" dirty="0" smtClean="0"/>
-              <a:t>Problema pode ser resolvido?</a:t>
-            </a:r>
-            <a:endParaRPr lang="pt-BR" sz="900" dirty="0"/>
-          </a:p>
-        </p:txBody>
-      </p:sp>
-      <p:cxnSp>
-        <p:nvCxnSpPr>
-          <p:cNvPr id="36" name="Conector de Seta Reta 35"/>
-          <p:cNvCxnSpPr/>
-          <p:nvPr/>
-        </p:nvCxnSpPr>
-        <p:spPr>
-          <a:xfrm>
-            <a:off x="3149367" y="5300363"/>
-            <a:ext cx="307624" cy="0"/>
-          </a:xfrm>
-          <a:prstGeom prst="straightConnector1">
-            <a:avLst/>
-          </a:prstGeom>
-          <a:ln>
-            <a:solidFill>
-              <a:schemeClr val="tx1"/>
-            </a:solidFill>
-            <a:tailEnd type="triangle"/>
-          </a:ln>
-        </p:spPr>
-        <p:style>
-          <a:lnRef idx="1">
-            <a:schemeClr val="accent1"/>
-          </a:lnRef>
-          <a:fillRef idx="0">
-            <a:schemeClr val="accent1"/>
-          </a:fillRef>
-          <a:effectRef idx="0">
-            <a:schemeClr val="accent1"/>
-          </a:effectRef>
-          <a:fontRef idx="minor">
-            <a:schemeClr val="tx1"/>
-          </a:fontRef>
-        </p:style>
-      </p:cxnSp>
-      <p:sp>
-        <p:nvSpPr>
-          <p:cNvPr id="37" name="Fluxograma: Processo 36"/>
-          <p:cNvSpPr/>
-          <p:nvPr/>
-        </p:nvSpPr>
-        <p:spPr>
-          <a:xfrm>
-            <a:off x="5100451" y="4986954"/>
-            <a:ext cx="1140818" cy="636813"/>
-          </a:xfrm>
-          <a:prstGeom prst="flowChartProcess">
-            <a:avLst/>
-          </a:prstGeom>
-          <a:ln>
-            <a:solidFill>
-              <a:schemeClr val="tx1"/>
-            </a:solidFill>
-          </a:ln>
-        </p:spPr>
-        <p:style>
-          <a:lnRef idx="2">
-            <a:schemeClr val="accent6"/>
-          </a:lnRef>
-          <a:fillRef idx="1">
-            <a:schemeClr val="lt1"/>
-          </a:fillRef>
-          <a:effectRef idx="0">
-            <a:schemeClr val="accent6"/>
-          </a:effectRef>
-          <a:fontRef idx="minor">
-            <a:schemeClr val="dk1"/>
-          </a:fontRef>
-        </p:style>
-        <p:txBody>
-          <a:bodyPr rtlCol="0" anchor="ctr"/>
-          <a:lstStyle/>
-          <a:p>
-            <a:pPr algn="ctr"/>
-            <a:r>
-              <a:rPr lang="pt-BR" sz="1200" dirty="0" smtClean="0"/>
-              <a:t>Resolver</a:t>
-            </a:r>
-            <a:endParaRPr lang="pt-BR" sz="1200" dirty="0"/>
-          </a:p>
-        </p:txBody>
-      </p:sp>
-      <p:sp>
-        <p:nvSpPr>
-          <p:cNvPr id="38" name="CaixaDeTexto 37"/>
-          <p:cNvSpPr txBox="1"/>
-          <p:nvPr/>
-        </p:nvSpPr>
-        <p:spPr>
-          <a:xfrm>
-            <a:off x="4718526" y="5062851"/>
-            <a:ext cx="485765" cy="246221"/>
-          </a:xfrm>
-          <a:prstGeom prst="rect">
-            <a:avLst/>
-          </a:prstGeom>
-          <a:noFill/>
-        </p:spPr>
-        <p:txBody>
-          <a:bodyPr wrap="square" rtlCol="0">
-            <a:spAutoFit/>
-          </a:bodyPr>
-          <a:lstStyle/>
-          <a:p>
-            <a:r>
-              <a:rPr lang="pt-BR" sz="1000" dirty="0" smtClean="0"/>
-              <a:t>sim</a:t>
-            </a:r>
-            <a:endParaRPr lang="pt-BR" sz="1000" dirty="0"/>
-          </a:p>
-        </p:txBody>
-      </p:sp>
-      <p:sp>
-        <p:nvSpPr>
-          <p:cNvPr id="39" name="CaixaDeTexto 38"/>
-          <p:cNvSpPr txBox="1"/>
-          <p:nvPr/>
-        </p:nvSpPr>
-        <p:spPr>
-          <a:xfrm>
-            <a:off x="3614466" y="5601900"/>
-            <a:ext cx="485765" cy="246221"/>
-          </a:xfrm>
-          <a:prstGeom prst="rect">
-            <a:avLst/>
-          </a:prstGeom>
-          <a:noFill/>
-        </p:spPr>
-        <p:txBody>
-          <a:bodyPr wrap="square" rtlCol="0">
-            <a:spAutoFit/>
-          </a:bodyPr>
-          <a:lstStyle/>
-          <a:p>
-            <a:r>
-              <a:rPr lang="pt-BR" sz="1000" dirty="0" smtClean="0"/>
-              <a:t>não</a:t>
-            </a:r>
-            <a:endParaRPr lang="pt-BR" sz="1000" dirty="0"/>
-          </a:p>
-        </p:txBody>
-      </p:sp>
-      <p:cxnSp>
-        <p:nvCxnSpPr>
-          <p:cNvPr id="40" name="Conector de Seta Reta 39"/>
-          <p:cNvCxnSpPr/>
-          <p:nvPr/>
-        </p:nvCxnSpPr>
-        <p:spPr>
-          <a:xfrm>
-            <a:off x="4792827" y="5300362"/>
-            <a:ext cx="307624" cy="0"/>
-          </a:xfrm>
-          <a:prstGeom prst="straightConnector1">
-            <a:avLst/>
-          </a:prstGeom>
-          <a:ln>
-            <a:solidFill>
-              <a:schemeClr val="tx1"/>
-            </a:solidFill>
-            <a:tailEnd type="triangle"/>
-          </a:ln>
-        </p:spPr>
-        <p:style>
-          <a:lnRef idx="1">
-            <a:schemeClr val="accent1"/>
-          </a:lnRef>
-          <a:fillRef idx="0">
-            <a:schemeClr val="accent1"/>
-          </a:fillRef>
-          <a:effectRef idx="0">
-            <a:schemeClr val="accent1"/>
-          </a:effectRef>
-          <a:fontRef idx="minor">
-            <a:schemeClr val="tx1"/>
-          </a:fontRef>
-        </p:style>
-      </p:cxnSp>
-      <p:sp>
-        <p:nvSpPr>
-          <p:cNvPr id="41" name="Fluxograma: Processo 40"/>
-          <p:cNvSpPr/>
-          <p:nvPr/>
-        </p:nvSpPr>
-        <p:spPr>
-          <a:xfrm>
-            <a:off x="584591" y="6221187"/>
-            <a:ext cx="1140818" cy="636813"/>
-          </a:xfrm>
-          <a:prstGeom prst="flowChartProcess">
-            <a:avLst/>
-          </a:prstGeom>
-          <a:ln>
-            <a:solidFill>
-              <a:schemeClr val="tx1"/>
-            </a:solidFill>
-          </a:ln>
-        </p:spPr>
-        <p:style>
-          <a:lnRef idx="2">
-            <a:schemeClr val="accent6"/>
-          </a:lnRef>
-          <a:fillRef idx="1">
-            <a:schemeClr val="lt1"/>
-          </a:fillRef>
-          <a:effectRef idx="0">
-            <a:schemeClr val="accent6"/>
-          </a:effectRef>
-          <a:fontRef idx="minor">
-            <a:schemeClr val="dk1"/>
-          </a:fontRef>
-        </p:style>
-        <p:txBody>
-          <a:bodyPr rtlCol="0" anchor="ctr"/>
-          <a:lstStyle/>
-          <a:p>
-            <a:pPr algn="ctr"/>
-            <a:r>
-              <a:rPr lang="pt-BR" sz="1200" dirty="0" smtClean="0"/>
-              <a:t>Escalar para próximo nível</a:t>
-            </a:r>
-          </a:p>
-        </p:txBody>
-      </p:sp>
-      <p:sp>
-        <p:nvSpPr>
-          <p:cNvPr id="42" name="Fluxograma: Processo 41"/>
-          <p:cNvSpPr/>
-          <p:nvPr/>
-        </p:nvSpPr>
-        <p:spPr>
-          <a:xfrm>
-            <a:off x="2028781" y="6202052"/>
-            <a:ext cx="1140818" cy="636813"/>
-          </a:xfrm>
-          <a:prstGeom prst="flowChartProcess">
-            <a:avLst/>
-          </a:prstGeom>
-          <a:ln>
-            <a:solidFill>
-              <a:schemeClr val="tx1"/>
-            </a:solidFill>
-          </a:ln>
-        </p:spPr>
-        <p:style>
-          <a:lnRef idx="2">
-            <a:schemeClr val="accent6"/>
-          </a:lnRef>
-          <a:fillRef idx="1">
-            <a:schemeClr val="lt1"/>
-          </a:fillRef>
-          <a:effectRef idx="0">
-            <a:schemeClr val="accent6"/>
-          </a:effectRef>
-          <a:fontRef idx="minor">
-            <a:schemeClr val="dk1"/>
-          </a:fontRef>
-        </p:style>
-        <p:txBody>
-          <a:bodyPr rtlCol="0" anchor="ctr"/>
-          <a:lstStyle/>
-          <a:p>
-            <a:pPr algn="ctr"/>
-            <a:r>
-              <a:rPr lang="pt-BR" sz="1200" dirty="0"/>
-              <a:t>Investiga a causa raiz</a:t>
-            </a:r>
-          </a:p>
-        </p:txBody>
-      </p:sp>
-      <p:cxnSp>
-        <p:nvCxnSpPr>
-          <p:cNvPr id="43" name="Conector de Seta Reta 42"/>
-          <p:cNvCxnSpPr/>
-          <p:nvPr/>
-        </p:nvCxnSpPr>
-        <p:spPr>
-          <a:xfrm>
-            <a:off x="1725409" y="6504808"/>
-            <a:ext cx="307624" cy="0"/>
-          </a:xfrm>
-          <a:prstGeom prst="straightConnector1">
-            <a:avLst/>
-          </a:prstGeom>
-          <a:ln>
-            <a:solidFill>
-              <a:schemeClr val="tx1"/>
-            </a:solidFill>
-            <a:tailEnd type="triangle"/>
-          </a:ln>
-        </p:spPr>
-        <p:style>
-          <a:lnRef idx="1">
-            <a:schemeClr val="accent1"/>
-          </a:lnRef>
-          <a:fillRef idx="0">
-            <a:schemeClr val="accent1"/>
-          </a:fillRef>
-          <a:effectRef idx="0">
-            <a:schemeClr val="accent1"/>
-          </a:effectRef>
-          <a:fontRef idx="minor">
-            <a:schemeClr val="tx1"/>
-          </a:fontRef>
-        </p:style>
-      </p:cxnSp>
-      <p:sp>
-        <p:nvSpPr>
-          <p:cNvPr id="44" name="Fluxograma: Processo 43"/>
-          <p:cNvSpPr/>
-          <p:nvPr/>
-        </p:nvSpPr>
-        <p:spPr>
-          <a:xfrm>
-            <a:off x="3477223" y="6196477"/>
-            <a:ext cx="1140818" cy="636813"/>
-          </a:xfrm>
-          <a:prstGeom prst="flowChartProcess">
-            <a:avLst/>
-          </a:prstGeom>
-          <a:ln>
-            <a:solidFill>
-              <a:schemeClr val="tx1"/>
-            </a:solidFill>
-          </a:ln>
-        </p:spPr>
-        <p:style>
-          <a:lnRef idx="2">
-            <a:schemeClr val="accent6"/>
-          </a:lnRef>
-          <a:fillRef idx="1">
-            <a:schemeClr val="lt1"/>
-          </a:fillRef>
-          <a:effectRef idx="0">
-            <a:schemeClr val="accent6"/>
-          </a:effectRef>
-          <a:fontRef idx="minor">
-            <a:schemeClr val="dk1"/>
-          </a:fontRef>
-        </p:style>
-        <p:txBody>
-          <a:bodyPr rtlCol="0" anchor="ctr"/>
-          <a:lstStyle/>
-          <a:p>
-            <a:pPr algn="ctr"/>
-            <a:r>
-              <a:rPr lang="pt-BR" sz="1200" dirty="0" smtClean="0"/>
-              <a:t>Resolver</a:t>
-            </a:r>
-            <a:endParaRPr lang="pt-BR" sz="1200" dirty="0"/>
-          </a:p>
-        </p:txBody>
-      </p:sp>
-      <p:cxnSp>
-        <p:nvCxnSpPr>
-          <p:cNvPr id="45" name="Conector de Seta Reta 44"/>
-          <p:cNvCxnSpPr/>
-          <p:nvPr/>
-        </p:nvCxnSpPr>
-        <p:spPr>
-          <a:xfrm>
-            <a:off x="3169599" y="6487200"/>
-            <a:ext cx="307624" cy="0"/>
-          </a:xfrm>
-          <a:prstGeom prst="straightConnector1">
-            <a:avLst/>
-          </a:prstGeom>
-          <a:ln>
-            <a:solidFill>
-              <a:schemeClr val="tx1"/>
-            </a:solidFill>
-            <a:tailEnd type="triangle"/>
-          </a:ln>
-        </p:spPr>
-        <p:style>
-          <a:lnRef idx="1">
-            <a:schemeClr val="accent1"/>
-          </a:lnRef>
-          <a:fillRef idx="0">
-            <a:schemeClr val="accent1"/>
-          </a:fillRef>
-          <a:effectRef idx="0">
-            <a:schemeClr val="accent1"/>
-          </a:effectRef>
-          <a:fontRef idx="minor">
-            <a:schemeClr val="tx1"/>
-          </a:fontRef>
-        </p:style>
-      </p:cxnSp>
-      <p:cxnSp>
-        <p:nvCxnSpPr>
-          <p:cNvPr id="46" name="Conector Angulado 45"/>
-          <p:cNvCxnSpPr>
-            <a:stCxn id="35" idx="2"/>
-            <a:endCxn id="41" idx="0"/>
-          </p:cNvCxnSpPr>
-          <p:nvPr/>
-        </p:nvCxnSpPr>
-        <p:spPr>
-          <a:xfrm rot="5400000">
-            <a:off x="2357535" y="4463385"/>
-            <a:ext cx="555267" cy="2960336"/>
-          </a:xfrm>
-          <a:prstGeom prst="bentConnector3">
-            <a:avLst/>
-          </a:prstGeom>
-          <a:ln>
-            <a:tailEnd type="triangle"/>
-          </a:ln>
-        </p:spPr>
-        <p:style>
-          <a:lnRef idx="1">
-            <a:schemeClr val="dk1"/>
-          </a:lnRef>
-          <a:fillRef idx="0">
-            <a:schemeClr val="dk1"/>
-          </a:fillRef>
-          <a:effectRef idx="0">
-            <a:schemeClr val="dk1"/>
-          </a:effectRef>
-          <a:fontRef idx="minor">
-            <a:schemeClr val="tx1"/>
-          </a:fontRef>
-        </p:style>
-      </p:cxnSp>
-      <p:sp>
-        <p:nvSpPr>
-          <p:cNvPr id="47" name="Fluxograma: Processo Predefinido 46"/>
-          <p:cNvSpPr/>
-          <p:nvPr/>
-        </p:nvSpPr>
-        <p:spPr>
-          <a:xfrm>
-            <a:off x="7292533" y="2378446"/>
-            <a:ext cx="1409394" cy="635334"/>
-          </a:xfrm>
-          <a:prstGeom prst="flowChartPredefinedProcess">
-            <a:avLst/>
-          </a:prstGeom>
-          <a:ln>
-            <a:solidFill>
-              <a:schemeClr val="tx1"/>
-            </a:solidFill>
-          </a:ln>
-        </p:spPr>
-        <p:style>
-          <a:lnRef idx="2">
-            <a:schemeClr val="accent6"/>
-          </a:lnRef>
-          <a:fillRef idx="1">
-            <a:schemeClr val="lt1"/>
-          </a:fillRef>
-          <a:effectRef idx="0">
-            <a:schemeClr val="accent6"/>
-          </a:effectRef>
-          <a:fontRef idx="minor">
-            <a:schemeClr val="dk1"/>
-          </a:fontRef>
-        </p:style>
-        <p:txBody>
-          <a:bodyPr rtlCol="0" anchor="ctr"/>
-          <a:lstStyle/>
-          <a:p>
-            <a:pPr algn="ctr"/>
-            <a:r>
-              <a:rPr lang="pt-BR" sz="1050" dirty="0" smtClean="0"/>
-              <a:t>Atualizar base de conhecimento</a:t>
-            </a:r>
-            <a:endParaRPr lang="pt-BR" sz="1050" dirty="0"/>
-          </a:p>
-        </p:txBody>
-      </p:sp>
-      <p:sp>
-        <p:nvSpPr>
-          <p:cNvPr id="48" name="Fluxograma: Processo 47"/>
-          <p:cNvSpPr/>
-          <p:nvPr/>
-        </p:nvSpPr>
-        <p:spPr>
-          <a:xfrm>
-            <a:off x="9272754" y="2378272"/>
-            <a:ext cx="1140818" cy="636813"/>
-          </a:xfrm>
-          <a:prstGeom prst="flowChartProcess">
-            <a:avLst/>
-          </a:prstGeom>
-          <a:ln>
-            <a:solidFill>
-              <a:schemeClr val="tx1"/>
-            </a:solidFill>
-          </a:ln>
-        </p:spPr>
-        <p:style>
-          <a:lnRef idx="2">
-            <a:schemeClr val="accent6"/>
-          </a:lnRef>
-          <a:fillRef idx="1">
-            <a:schemeClr val="lt1"/>
-          </a:fillRef>
-          <a:effectRef idx="0">
-            <a:schemeClr val="accent6"/>
-          </a:effectRef>
-          <a:fontRef idx="minor">
-            <a:schemeClr val="dk1"/>
-          </a:fontRef>
-        </p:style>
-        <p:txBody>
-          <a:bodyPr rtlCol="0" anchor="ctr"/>
-          <a:lstStyle/>
-          <a:p>
-            <a:pPr algn="ctr"/>
-            <a:r>
-              <a:rPr lang="pt-BR" sz="1200" dirty="0"/>
-              <a:t>Problema</a:t>
-            </a:r>
-            <a:r>
-              <a:rPr lang="pt-BR" sz="1200" dirty="0" smtClean="0"/>
-              <a:t> é fechado</a:t>
-            </a:r>
-            <a:endParaRPr lang="pt-BR" sz="1200" dirty="0"/>
-          </a:p>
-        </p:txBody>
-      </p:sp>
-      <p:cxnSp>
-        <p:nvCxnSpPr>
-          <p:cNvPr id="49" name="Conector Angulado 48"/>
-          <p:cNvCxnSpPr>
-            <a:stCxn id="24" idx="3"/>
-            <a:endCxn id="47" idx="1"/>
-          </p:cNvCxnSpPr>
-          <p:nvPr/>
-        </p:nvCxnSpPr>
-        <p:spPr>
-          <a:xfrm flipV="1">
-            <a:off x="6750062" y="2696113"/>
-            <a:ext cx="542471" cy="1250264"/>
-          </a:xfrm>
-          <a:prstGeom prst="bentConnector3">
-            <a:avLst>
-              <a:gd name="adj1" fmla="val 50000"/>
-            </a:avLst>
-          </a:prstGeom>
-          <a:ln>
-            <a:solidFill>
-              <a:schemeClr val="tx1"/>
-            </a:solidFill>
-            <a:tailEnd type="triangle"/>
-          </a:ln>
-        </p:spPr>
-        <p:style>
-          <a:lnRef idx="1">
-            <a:schemeClr val="accent1"/>
-          </a:lnRef>
-          <a:fillRef idx="0">
-            <a:schemeClr val="accent1"/>
-          </a:fillRef>
-          <a:effectRef idx="0">
-            <a:schemeClr val="accent1"/>
-          </a:effectRef>
-          <a:fontRef idx="minor">
-            <a:schemeClr val="tx1"/>
-          </a:fontRef>
-        </p:style>
-      </p:cxnSp>
-      <p:cxnSp>
-        <p:nvCxnSpPr>
-          <p:cNvPr id="50" name="Conector Angulado 49"/>
-          <p:cNvCxnSpPr>
-            <a:stCxn id="37" idx="3"/>
-          </p:cNvCxnSpPr>
-          <p:nvPr/>
-        </p:nvCxnSpPr>
-        <p:spPr>
-          <a:xfrm flipV="1">
-            <a:off x="6241269" y="3013780"/>
-            <a:ext cx="1319840" cy="2291581"/>
-          </a:xfrm>
-          <a:prstGeom prst="bentConnector2">
-            <a:avLst/>
-          </a:prstGeom>
-          <a:ln>
-            <a:tailEnd type="triangle"/>
-          </a:ln>
-        </p:spPr>
-        <p:style>
-          <a:lnRef idx="1">
-            <a:schemeClr val="dk1"/>
-          </a:lnRef>
-          <a:fillRef idx="0">
-            <a:schemeClr val="dk1"/>
-          </a:fillRef>
-          <a:effectRef idx="0">
-            <a:schemeClr val="dk1"/>
-          </a:effectRef>
-          <a:fontRef idx="minor">
-            <a:schemeClr val="tx1"/>
-          </a:fontRef>
-        </p:style>
-      </p:cxnSp>
-      <p:cxnSp>
-        <p:nvCxnSpPr>
-          <p:cNvPr id="51" name="Conector Angulado 50"/>
-          <p:cNvCxnSpPr/>
-          <p:nvPr/>
-        </p:nvCxnSpPr>
-        <p:spPr>
-          <a:xfrm flipV="1">
-            <a:off x="4618041" y="3009587"/>
-            <a:ext cx="3693773" cy="3510952"/>
-          </a:xfrm>
-          <a:prstGeom prst="bentConnector3">
-            <a:avLst>
-              <a:gd name="adj1" fmla="val 100026"/>
-            </a:avLst>
-          </a:prstGeom>
-          <a:ln>
-            <a:tailEnd type="triangle"/>
-          </a:ln>
-        </p:spPr>
-        <p:style>
-          <a:lnRef idx="1">
-            <a:schemeClr val="dk1"/>
-          </a:lnRef>
-          <a:fillRef idx="0">
-            <a:schemeClr val="dk1"/>
-          </a:fillRef>
-          <a:effectRef idx="0">
-            <a:schemeClr val="dk1"/>
-          </a:effectRef>
-          <a:fontRef idx="minor">
-            <a:schemeClr val="tx1"/>
-          </a:fontRef>
-        </p:style>
-      </p:cxnSp>
-      <p:cxnSp>
-        <p:nvCxnSpPr>
-          <p:cNvPr id="52" name="Conector de Seta Reta 51"/>
-          <p:cNvCxnSpPr/>
-          <p:nvPr/>
-        </p:nvCxnSpPr>
-        <p:spPr>
-          <a:xfrm>
-            <a:off x="8701927" y="2691919"/>
-            <a:ext cx="570827" cy="4760"/>
-          </a:xfrm>
-          <a:prstGeom prst="straightConnector1">
-            <a:avLst/>
-          </a:prstGeom>
-          <a:ln>
-            <a:tailEnd type="triangle"/>
-          </a:ln>
-        </p:spPr>
-        <p:style>
-          <a:lnRef idx="1">
-            <a:schemeClr val="dk1"/>
-          </a:lnRef>
-          <a:fillRef idx="0">
-            <a:schemeClr val="dk1"/>
-          </a:fillRef>
-          <a:effectRef idx="0">
-            <a:schemeClr val="dk1"/>
-          </a:effectRef>
-          <a:fontRef idx="minor">
-            <a:schemeClr val="tx1"/>
-          </a:fontRef>
-        </p:style>
-      </p:cxnSp>
-      <p:cxnSp>
-        <p:nvCxnSpPr>
-          <p:cNvPr id="53" name="Conector Angulado 52"/>
-          <p:cNvCxnSpPr>
-            <a:stCxn id="48" idx="0"/>
-            <a:endCxn id="10" idx="6"/>
-          </p:cNvCxnSpPr>
-          <p:nvPr/>
-        </p:nvCxnSpPr>
-        <p:spPr>
-          <a:xfrm rot="16200000" flipV="1">
-            <a:off x="9106423" y="1641531"/>
-            <a:ext cx="903072" cy="570409"/>
-          </a:xfrm>
-          <a:prstGeom prst="bentConnector2">
-            <a:avLst/>
-          </a:prstGeom>
-          <a:ln>
-            <a:tailEnd type="triangle"/>
-          </a:ln>
-        </p:spPr>
-        <p:style>
-          <a:lnRef idx="1">
-            <a:schemeClr val="dk1"/>
-          </a:lnRef>
-          <a:fillRef idx="0">
-            <a:schemeClr val="dk1"/>
-          </a:fillRef>
-          <a:effectRef idx="0">
-            <a:schemeClr val="dk1"/>
-          </a:effectRef>
-          <a:fontRef idx="minor">
-            <a:schemeClr val="tx1"/>
-          </a:fontRef>
-        </p:style>
-      </p:cxnSp>
-      <p:sp>
-        <p:nvSpPr>
-          <p:cNvPr id="55" name="Fluxograma: Processo 54"/>
-          <p:cNvSpPr/>
-          <p:nvPr/>
-        </p:nvSpPr>
-        <p:spPr>
-          <a:xfrm>
-            <a:off x="2140202" y="3620072"/>
-            <a:ext cx="1140818" cy="636813"/>
-          </a:xfrm>
-          <a:prstGeom prst="flowChartProcess">
-            <a:avLst/>
-          </a:prstGeom>
-          <a:ln>
-            <a:solidFill>
-              <a:schemeClr val="tx1"/>
-            </a:solidFill>
-          </a:ln>
-        </p:spPr>
-        <p:style>
-          <a:lnRef idx="2">
-            <a:schemeClr val="accent6"/>
-          </a:lnRef>
-          <a:fillRef idx="1">
-            <a:schemeClr val="lt1"/>
-          </a:fillRef>
-          <a:effectRef idx="0">
-            <a:schemeClr val="accent6"/>
-          </a:effectRef>
-          <a:fontRef idx="minor">
-            <a:schemeClr val="dk1"/>
-          </a:fontRef>
-        </p:style>
-        <p:txBody>
-          <a:bodyPr rtlCol="0" anchor="ctr"/>
-          <a:lstStyle/>
-          <a:p>
-            <a:pPr algn="ctr"/>
-            <a:r>
-              <a:rPr lang="pt-BR" sz="1200" dirty="0"/>
-              <a:t>Investiga a causa raiz</a:t>
-            </a:r>
-          </a:p>
-        </p:txBody>
-      </p:sp>
-      <p:cxnSp>
-        <p:nvCxnSpPr>
-          <p:cNvPr id="56" name="Conector de Seta Reta 55"/>
-          <p:cNvCxnSpPr>
-            <a:stCxn id="19" idx="3"/>
-            <a:endCxn id="24" idx="1"/>
-          </p:cNvCxnSpPr>
-          <p:nvPr/>
-        </p:nvCxnSpPr>
-        <p:spPr>
-          <a:xfrm>
-            <a:off x="5171295" y="3941547"/>
-            <a:ext cx="437949" cy="4830"/>
-          </a:xfrm>
-          <a:prstGeom prst="straightConnector1">
-            <a:avLst/>
-          </a:prstGeom>
-          <a:ln>
-            <a:solidFill>
-              <a:schemeClr val="tx1"/>
-            </a:solidFill>
-            <a:tailEnd type="triangle"/>
-          </a:ln>
-        </p:spPr>
-        <p:style>
-          <a:lnRef idx="1">
-            <a:schemeClr val="accent1"/>
-          </a:lnRef>
-          <a:fillRef idx="0">
-            <a:schemeClr val="accent1"/>
-          </a:fillRef>
-          <a:effectRef idx="0">
-            <a:schemeClr val="accent1"/>
-          </a:effectRef>
-          <a:fontRef idx="minor">
-            <a:schemeClr val="tx1"/>
-          </a:fontRef>
-        </p:style>
-      </p:cxnSp>
-      <p:sp>
-        <p:nvSpPr>
-          <p:cNvPr id="57" name="Fluxograma: Processo Predefinido 56"/>
-          <p:cNvSpPr/>
-          <p:nvPr/>
-        </p:nvSpPr>
-        <p:spPr>
-          <a:xfrm>
-            <a:off x="1628184" y="1211394"/>
-            <a:ext cx="1405148" cy="660683"/>
-          </a:xfrm>
-          <a:prstGeom prst="flowChartPredefinedProcess">
-            <a:avLst/>
-          </a:prstGeom>
-          <a:ln>
-            <a:solidFill>
-              <a:schemeClr val="tx1"/>
-            </a:solidFill>
-          </a:ln>
-        </p:spPr>
-        <p:style>
-          <a:lnRef idx="2">
-            <a:schemeClr val="accent6"/>
-          </a:lnRef>
-          <a:fillRef idx="1">
-            <a:schemeClr val="lt1"/>
-          </a:fillRef>
-          <a:effectRef idx="0">
-            <a:schemeClr val="accent6"/>
-          </a:effectRef>
-          <a:fontRef idx="minor">
-            <a:schemeClr val="dk1"/>
-          </a:fontRef>
-        </p:style>
-        <p:txBody>
-          <a:bodyPr rtlCol="0" anchor="ctr"/>
-          <a:lstStyle/>
-          <a:p>
-            <a:pPr algn="ctr"/>
-            <a:r>
-              <a:rPr lang="pt-BR" sz="1050" dirty="0" smtClean="0"/>
-              <a:t>Tratativa da gestão de incidentes</a:t>
-            </a:r>
-            <a:endParaRPr lang="pt-BR" sz="1050" dirty="0"/>
-          </a:p>
-        </p:txBody>
-      </p:sp>
-      <p:cxnSp>
-        <p:nvCxnSpPr>
-          <p:cNvPr id="58" name="Conector de Seta Reta 57"/>
-          <p:cNvCxnSpPr>
-            <a:stCxn id="57" idx="3"/>
-            <a:endCxn id="12" idx="1"/>
-          </p:cNvCxnSpPr>
-          <p:nvPr/>
-        </p:nvCxnSpPr>
-        <p:spPr>
-          <a:xfrm flipV="1">
-            <a:off x="3033332" y="1538233"/>
-            <a:ext cx="304765" cy="3503"/>
-          </a:xfrm>
-          <a:prstGeom prst="straightConnector1">
-            <a:avLst/>
-          </a:prstGeom>
-          <a:ln>
-            <a:tailEnd type="triangle"/>
-          </a:ln>
-        </p:spPr>
-        <p:style>
-          <a:lnRef idx="1">
-            <a:schemeClr val="dk1"/>
-          </a:lnRef>
-          <a:fillRef idx="0">
-            <a:schemeClr val="dk1"/>
-          </a:fillRef>
-          <a:effectRef idx="0">
-            <a:schemeClr val="dk1"/>
-          </a:effectRef>
-          <a:fontRef idx="minor">
-            <a:schemeClr val="tx1"/>
-          </a:fontRef>
-        </p:style>
-      </p:cxnSp>
-      <p:cxnSp>
-        <p:nvCxnSpPr>
-          <p:cNvPr id="59" name="Conector de Seta Reta 58"/>
-          <p:cNvCxnSpPr>
-            <a:stCxn id="55" idx="3"/>
-            <a:endCxn id="19" idx="1"/>
-          </p:cNvCxnSpPr>
-          <p:nvPr/>
-        </p:nvCxnSpPr>
-        <p:spPr>
-          <a:xfrm>
-            <a:off x="3281020" y="3938479"/>
-            <a:ext cx="340405" cy="3068"/>
-          </a:xfrm>
-          <a:prstGeom prst="straightConnector1">
-            <a:avLst/>
-          </a:prstGeom>
-          <a:ln>
-            <a:solidFill>
-              <a:schemeClr val="tx1"/>
-            </a:solidFill>
-            <a:tailEnd type="triangle"/>
-          </a:ln>
-        </p:spPr>
-        <p:style>
-          <a:lnRef idx="1">
-            <a:schemeClr val="accent1"/>
-          </a:lnRef>
-          <a:fillRef idx="0">
-            <a:schemeClr val="accent1"/>
-          </a:fillRef>
-          <a:effectRef idx="0">
-            <a:schemeClr val="accent1"/>
-          </a:effectRef>
-          <a:fontRef idx="minor">
-            <a:schemeClr val="tx1"/>
-          </a:fontRef>
-        </p:style>
-      </p:cxnSp>
-      <p:sp>
-        <p:nvSpPr>
-          <p:cNvPr id="60" name="Seta: Pentágono 2">
-            <a:extLst>
-              <a:ext uri="{FF2B5EF4-FFF2-40B4-BE49-F238E27FC236}">
-                <a16:creationId xmlns:a16="http://schemas.microsoft.com/office/drawing/2014/main" id="{305FC1E8-F2E8-42C2-B81F-097C0FA4A259}"/>
-              </a:ext>
-            </a:extLst>
-          </p:cNvPr>
-          <p:cNvSpPr/>
-          <p:nvPr/>
-        </p:nvSpPr>
-        <p:spPr>
-          <a:xfrm>
-            <a:off x="0" y="107790"/>
-            <a:ext cx="7700656" cy="612894"/>
-          </a:xfrm>
-          <a:prstGeom prst="homePlate">
-            <a:avLst/>
-          </a:prstGeom>
-          <a:solidFill>
-            <a:srgbClr val="227EA4"/>
-          </a:solidFill>
-          <a:ln>
-            <a:noFill/>
-          </a:ln>
-        </p:spPr>
-        <p:style>
-          <a:lnRef idx="2">
-            <a:schemeClr val="accent1">
-              <a:shade val="50000"/>
-            </a:schemeClr>
-          </a:lnRef>
-          <a:fillRef idx="1">
-            <a:schemeClr val="accent1"/>
-          </a:fillRef>
-          <a:effectRef idx="0">
-            <a:schemeClr val="accent1"/>
-          </a:effectRef>
-          <a:fontRef idx="minor">
-            <a:schemeClr val="lt1"/>
-          </a:fontRef>
-        </p:style>
-        <p:txBody>
-          <a:bodyPr rtlCol="0" anchor="ctr"/>
-          <a:lstStyle/>
-          <a:p>
-            <a:r>
-              <a:rPr lang="pt-BR" sz="4000" dirty="0" smtClean="0">
-                <a:latin typeface="+mj-lt"/>
-              </a:rPr>
-              <a:t>Processo para tratar problemas</a:t>
-            </a:r>
-          </a:p>
-        </p:txBody>
-      </p:sp>
-    </p:spTree>
-    <p:extLst>
-      <p:ext uri="{BB962C8B-B14F-4D97-AF65-F5344CB8AC3E}">
-        <p14:creationId xmlns:p14="http://schemas.microsoft.com/office/powerpoint/2010/main" val="2404350173"/>
-      </p:ext>
-    </p:extLst>
-  </p:cSld>
-  <p:clrMapOvr>
-    <a:masterClrMapping/>
-  </p:clrMapOvr>
-  <p:timing>
-    <p:tnLst>
-      <p:par>
-        <p:cTn id="1" dur="indefinite" restart="never" nodeType="tmRoot"/>
-      </p:par>
-    </p:tnLst>
-  </p:timing>
-</p:sld>
-</file>
-
-<file path=ppt/slides/slide27.xml><?xml version="1.0" encoding="utf-8"?>
-<p:sld xmlns:a="http://schemas.openxmlformats.org/drawingml/2006/main" xmlns:r="http://schemas.openxmlformats.org/officeDocument/2006/relationships" xmlns:p="http://schemas.openxmlformats.org/presentationml/2006/main">
-  <p:cSld>
-    <p:spTree>
-      <p:nvGrpSpPr>
-        <p:cNvPr id="1" name=""/>
-        <p:cNvGrpSpPr/>
-        <p:nvPr/>
-      </p:nvGrpSpPr>
-      <p:grpSpPr>
-        <a:xfrm>
-          <a:off x="0" y="0"/>
-          <a:ext cx="0" cy="0"/>
-          <a:chOff x="0" y="0"/>
-          <a:chExt cx="0" cy="0"/>
-        </a:xfrm>
-      </p:grpSpPr>
-      <p:sp>
-        <p:nvSpPr>
           <p:cNvPr id="2" name="Seta: Pentágono 2">
             <a:extLst>
               <a:ext uri="{FF2B5EF4-FFF2-40B4-BE49-F238E27FC236}">
@@ -17059,7 +17378,7 @@
 </p:sld>
 </file>
 
-<file path=ppt/slides/slide28.xml><?xml version="1.0" encoding="utf-8"?>
+<file path=ppt/slides/slide27.xml><?xml version="1.0" encoding="utf-8"?>
 <p:sld xmlns:a="http://schemas.openxmlformats.org/drawingml/2006/main" xmlns:r="http://schemas.openxmlformats.org/officeDocument/2006/relationships" xmlns:p="http://schemas.openxmlformats.org/presentationml/2006/main">
   <p:cSld>
     <p:spTree>

--- a/documentacao/apresentação/MIT- 3ª sprint.pptx
+++ b/documentacao/apresentação/MIT- 3ª sprint.pptx
@@ -1549,7 +1549,7 @@
           <a:bodyPr/>
           <a:lstStyle/>
           <a:p>
-            <a:fld id="{51C1A2F9-5E2E-41AF-8CA8-6F6A8CA531AC}" type="datetimeFigureOut">
+            <a:fld id="{43D6C1B0-41E2-4CF5-B010-2E1CE80529BB}" type="datetime1">
               <a:rPr lang="pt-BR" smtClean="0"/>
               <a:t>27/06/2020</a:t>
             </a:fld>
@@ -1800,7 +1800,7 @@
           <a:bodyPr/>
           <a:lstStyle/>
           <a:p>
-            <a:fld id="{51C1A2F9-5E2E-41AF-8CA8-6F6A8CA531AC}" type="datetimeFigureOut">
+            <a:fld id="{3D58F538-BC63-48A4-8390-4256E03AF7E2}" type="datetime1">
               <a:rPr lang="pt-BR" smtClean="0"/>
               <a:t>27/06/2020</a:t>
             </a:fld>
@@ -2114,7 +2114,7 @@
           <a:bodyPr/>
           <a:lstStyle/>
           <a:p>
-            <a:fld id="{51C1A2F9-5E2E-41AF-8CA8-6F6A8CA531AC}" type="datetimeFigureOut">
+            <a:fld id="{384E3A63-3B80-4B09-A4E6-B1BD33878D08}" type="datetime1">
               <a:rPr lang="pt-BR" smtClean="0"/>
               <a:t>27/06/2020</a:t>
             </a:fld>
@@ -2455,7 +2455,7 @@
           <a:bodyPr/>
           <a:lstStyle/>
           <a:p>
-            <a:fld id="{51C1A2F9-5E2E-41AF-8CA8-6F6A8CA531AC}" type="datetimeFigureOut">
+            <a:fld id="{60681499-E5BA-44FA-85A2-D7CA9B6A1044}" type="datetime1">
               <a:rPr lang="pt-BR" smtClean="0"/>
               <a:t>27/06/2020</a:t>
             </a:fld>
@@ -2769,7 +2769,7 @@
           <a:bodyPr/>
           <a:lstStyle/>
           <a:p>
-            <a:fld id="{51C1A2F9-5E2E-41AF-8CA8-6F6A8CA531AC}" type="datetimeFigureOut">
+            <a:fld id="{46DEF17D-81C3-42CF-95AF-84022CC3120F}" type="datetime1">
               <a:rPr lang="pt-BR" smtClean="0"/>
               <a:t>27/06/2020</a:t>
             </a:fld>
@@ -3162,7 +3162,7 @@
           <a:bodyPr/>
           <a:lstStyle/>
           <a:p>
-            <a:fld id="{51C1A2F9-5E2E-41AF-8CA8-6F6A8CA531AC}" type="datetimeFigureOut">
+            <a:fld id="{C803D9DE-1335-4A65-BEE8-6C88ADF383D2}" type="datetime1">
               <a:rPr lang="pt-BR" smtClean="0"/>
               <a:t>27/06/2020</a:t>
             </a:fld>
@@ -3332,7 +3332,7 @@
           <a:bodyPr/>
           <a:lstStyle/>
           <a:p>
-            <a:fld id="{51C1A2F9-5E2E-41AF-8CA8-6F6A8CA531AC}" type="datetimeFigureOut">
+            <a:fld id="{3BA8C087-E3A5-42AB-BBEF-85D6D4750298}" type="datetime1">
               <a:rPr lang="pt-BR" smtClean="0"/>
               <a:t>27/06/2020</a:t>
             </a:fld>
@@ -3512,7 +3512,7 @@
           <a:bodyPr/>
           <a:lstStyle/>
           <a:p>
-            <a:fld id="{51C1A2F9-5E2E-41AF-8CA8-6F6A8CA531AC}" type="datetimeFigureOut">
+            <a:fld id="{00EEF6C7-73CE-47A7-8AB8-D50259097AD5}" type="datetime1">
               <a:rPr lang="pt-BR" smtClean="0"/>
               <a:t>27/06/2020</a:t>
             </a:fld>
@@ -3671,7 +3671,7 @@
           <a:bodyPr/>
           <a:lstStyle/>
           <a:p>
-            <a:fld id="{51C1A2F9-5E2E-41AF-8CA8-6F6A8CA531AC}" type="datetimeFigureOut">
+            <a:fld id="{C3391C1F-FC05-4CE2-8A14-6B8D7C60F1DC}" type="datetime1">
               <a:rPr lang="pt-BR" smtClean="0"/>
               <a:t>27/06/2020</a:t>
             </a:fld>
@@ -3828,7 +3828,7 @@
           <a:bodyPr/>
           <a:lstStyle/>
           <a:p>
-            <a:fld id="{51C1A2F9-5E2E-41AF-8CA8-6F6A8CA531AC}" type="datetimeFigureOut">
+            <a:fld id="{DB14C6E0-BDB2-44EA-8FAA-C1570C1DF003}" type="datetime1">
               <a:rPr lang="pt-BR" smtClean="0"/>
               <a:t>27/06/2020</a:t>
             </a:fld>
@@ -3969,7 +3969,7 @@
           <a:bodyPr/>
           <a:lstStyle/>
           <a:p>
-            <a:fld id="{51C1A2F9-5E2E-41AF-8CA8-6F6A8CA531AC}" type="datetimeFigureOut">
+            <a:fld id="{6D9A3433-B063-443E-A4D8-6A6E86F468A0}" type="datetime1">
               <a:rPr lang="pt-BR" smtClean="0"/>
               <a:t>27/06/2020</a:t>
             </a:fld>
@@ -4157,7 +4157,7 @@
           <a:bodyPr/>
           <a:lstStyle/>
           <a:p>
-            <a:fld id="{51C1A2F9-5E2E-41AF-8CA8-6F6A8CA531AC}" type="datetimeFigureOut">
+            <a:fld id="{187D55B0-CFE9-4248-9150-7100D91D6B45}" type="datetime1">
               <a:rPr lang="pt-BR" smtClean="0"/>
               <a:t>27/06/2020</a:t>
             </a:fld>
@@ -4286,7 +4286,7 @@
           <a:bodyPr/>
           <a:lstStyle/>
           <a:p>
-            <a:fld id="{51C1A2F9-5E2E-41AF-8CA8-6F6A8CA531AC}" type="datetimeFigureOut">
+            <a:fld id="{154A925A-3340-445C-AA30-777D0627E0F7}" type="datetime1">
               <a:rPr lang="pt-BR" smtClean="0"/>
               <a:t>27/06/2020</a:t>
             </a:fld>
@@ -4545,7 +4545,7 @@
           <a:bodyPr/>
           <a:lstStyle/>
           <a:p>
-            <a:fld id="{51C1A2F9-5E2E-41AF-8CA8-6F6A8CA531AC}" type="datetimeFigureOut">
+            <a:fld id="{B93BF990-1AF7-428A-B70D-BF1C219963A5}" type="datetime1">
               <a:rPr lang="pt-BR" smtClean="0"/>
               <a:t>27/06/2020</a:t>
             </a:fld>
@@ -4777,7 +4777,7 @@
           <a:bodyPr/>
           <a:lstStyle/>
           <a:p>
-            <a:fld id="{51C1A2F9-5E2E-41AF-8CA8-6F6A8CA531AC}" type="datetimeFigureOut">
+            <a:fld id="{DB35D971-1474-4283-A628-26BFE91DE222}" type="datetime1">
               <a:rPr lang="pt-BR" smtClean="0"/>
               <a:t>27/06/2020</a:t>
             </a:fld>
@@ -5151,7 +5151,7 @@
           <a:bodyPr/>
           <a:lstStyle/>
           <a:p>
-            <a:fld id="{51C1A2F9-5E2E-41AF-8CA8-6F6A8CA531AC}" type="datetimeFigureOut">
+            <a:fld id="{6E66B56A-172D-4BF3-A461-B46C43BDB63F}" type="datetime1">
               <a:rPr lang="pt-BR" smtClean="0"/>
               <a:t>27/06/2020</a:t>
             </a:fld>
@@ -5274,7 +5274,7 @@
           <a:bodyPr/>
           <a:lstStyle/>
           <a:p>
-            <a:fld id="{51C1A2F9-5E2E-41AF-8CA8-6F6A8CA531AC}" type="datetimeFigureOut">
+            <a:fld id="{1DFD2D03-4FB4-4B79-B683-D48BAACD408A}" type="datetime1">
               <a:rPr lang="pt-BR" smtClean="0"/>
               <a:t>27/06/2020</a:t>
             </a:fld>
@@ -5369,7 +5369,7 @@
           <a:bodyPr/>
           <a:lstStyle/>
           <a:p>
-            <a:fld id="{51C1A2F9-5E2E-41AF-8CA8-6F6A8CA531AC}" type="datetimeFigureOut">
+            <a:fld id="{C70BCF85-565D-41BB-8725-4381EA9B82DC}" type="datetime1">
               <a:rPr lang="pt-BR" smtClean="0"/>
               <a:t>27/06/2020</a:t>
             </a:fld>
@@ -5624,7 +5624,7 @@
           <a:bodyPr/>
           <a:lstStyle/>
           <a:p>
-            <a:fld id="{51C1A2F9-5E2E-41AF-8CA8-6F6A8CA531AC}" type="datetimeFigureOut">
+            <a:fld id="{3042FF5A-0126-432B-895D-46D5AA1CD9BA}" type="datetime1">
               <a:rPr lang="pt-BR" smtClean="0"/>
               <a:t>27/06/2020</a:t>
             </a:fld>
@@ -5887,7 +5887,7 @@
           <a:bodyPr/>
           <a:lstStyle/>
           <a:p>
-            <a:fld id="{51C1A2F9-5E2E-41AF-8CA8-6F6A8CA531AC}" type="datetimeFigureOut">
+            <a:fld id="{B7DAC1BE-821B-4786-BF08-AD49F75C8446}" type="datetime1">
               <a:rPr lang="pt-BR" smtClean="0"/>
               <a:t>27/06/2020</a:t>
             </a:fld>
@@ -6630,7 +6630,7 @@
             </a:lvl1pPr>
           </a:lstStyle>
           <a:p>
-            <a:fld id="{51C1A2F9-5E2E-41AF-8CA8-6F6A8CA531AC}" type="datetimeFigureOut">
+            <a:fld id="{7C60EA1B-CEC0-4625-A797-7AE88501D33F}" type="datetime1">
               <a:rPr lang="pt-BR" smtClean="0"/>
               <a:t>27/06/2020</a:t>
             </a:fld>
@@ -6780,6 +6780,7 @@
     <p:sldLayoutId id="2147483661" r:id="rId19"/>
     <p:sldLayoutId id="2147483662" r:id="rId20"/>
   </p:sldLayoutIdLst>
+  <p:hf hdr="0" ftr="0" dt="0"/>
   <p:txStyles>
     <p:titleStyle>
       <a:lvl1pPr algn="l" defTabSz="457200" rtl="0" eaLnBrk="1" latinLnBrk="0" hangingPunct="1">
@@ -7272,6 +7273,29 @@
           </a:prstGeom>
         </p:spPr>
       </p:pic>
+      <p:sp>
+        <p:nvSpPr>
+          <p:cNvPr id="2" name="Espaço Reservado para Número de Slide 1"/>
+          <p:cNvSpPr>
+            <a:spLocks noGrp="1"/>
+          </p:cNvSpPr>
+          <p:nvPr>
+            <p:ph type="sldNum" sz="quarter" idx="12"/>
+          </p:nvPr>
+        </p:nvSpPr>
+        <p:spPr/>
+        <p:txBody>
+          <a:bodyPr/>
+          <a:lstStyle/>
+          <a:p>
+            <a:fld id="{E063C712-96B2-4EF6-B382-BB7E4B2E1881}" type="slidenum">
+              <a:rPr lang="pt-BR" smtClean="0"/>
+              <a:t>1</a:t>
+            </a:fld>
+            <a:endParaRPr lang="pt-BR" dirty="0"/>
+          </a:p>
+        </p:txBody>
+      </p:sp>
     </p:spTree>
     <p:extLst>
       <p:ext uri="{BB962C8B-B14F-4D97-AF65-F5344CB8AC3E}">
@@ -7477,6 +7501,29 @@
           </a:prstGeom>
         </p:spPr>
       </p:pic>
+      <p:sp>
+        <p:nvSpPr>
+          <p:cNvPr id="5" name="Espaço Reservado para Número de Slide 4"/>
+          <p:cNvSpPr>
+            <a:spLocks noGrp="1"/>
+          </p:cNvSpPr>
+          <p:nvPr>
+            <p:ph type="sldNum" sz="quarter" idx="12"/>
+          </p:nvPr>
+        </p:nvSpPr>
+        <p:spPr/>
+        <p:txBody>
+          <a:bodyPr/>
+          <a:lstStyle/>
+          <a:p>
+            <a:fld id="{E063C712-96B2-4EF6-B382-BB7E4B2E1881}" type="slidenum">
+              <a:rPr lang="pt-BR" smtClean="0"/>
+              <a:t>10</a:t>
+            </a:fld>
+            <a:endParaRPr lang="pt-BR" dirty="0"/>
+          </a:p>
+        </p:txBody>
+      </p:sp>
     </p:spTree>
     <p:extLst>
       <p:ext uri="{BB962C8B-B14F-4D97-AF65-F5344CB8AC3E}">
@@ -9926,6 +9973,29 @@
           </a:p>
         </p:txBody>
       </p:sp>
+      <p:sp>
+        <p:nvSpPr>
+          <p:cNvPr id="4" name="Espaço Reservado para Número de Slide 3"/>
+          <p:cNvSpPr>
+            <a:spLocks noGrp="1"/>
+          </p:cNvSpPr>
+          <p:nvPr>
+            <p:ph type="sldNum" sz="quarter" idx="12"/>
+          </p:nvPr>
+        </p:nvSpPr>
+        <p:spPr/>
+        <p:txBody>
+          <a:bodyPr/>
+          <a:lstStyle/>
+          <a:p>
+            <a:fld id="{E063C712-96B2-4EF6-B382-BB7E4B2E1881}" type="slidenum">
+              <a:rPr lang="pt-BR" smtClean="0"/>
+              <a:t>11</a:t>
+            </a:fld>
+            <a:endParaRPr lang="pt-BR" dirty="0"/>
+          </a:p>
+        </p:txBody>
+      </p:sp>
     </p:spTree>
     <p:extLst>
       <p:ext uri="{BB962C8B-B14F-4D97-AF65-F5344CB8AC3E}">
@@ -10188,6 +10258,29 @@
               </a:rPr>
               <a:t> Ferramenta de gestão do projeto </a:t>
             </a:r>
+          </a:p>
+        </p:txBody>
+      </p:sp>
+      <p:sp>
+        <p:nvSpPr>
+          <p:cNvPr id="3" name="Espaço Reservado para Número de Slide 2"/>
+          <p:cNvSpPr>
+            <a:spLocks noGrp="1"/>
+          </p:cNvSpPr>
+          <p:nvPr>
+            <p:ph type="sldNum" sz="quarter" idx="12"/>
+          </p:nvPr>
+        </p:nvSpPr>
+        <p:spPr/>
+        <p:txBody>
+          <a:bodyPr/>
+          <a:lstStyle/>
+          <a:p>
+            <a:fld id="{E063C712-96B2-4EF6-B382-BB7E4B2E1881}" type="slidenum">
+              <a:rPr lang="pt-BR" smtClean="0"/>
+              <a:t>12</a:t>
+            </a:fld>
+            <a:endParaRPr lang="pt-BR" dirty="0"/>
           </a:p>
         </p:txBody>
       </p:sp>
@@ -10579,6 +10672,29 @@
               </a:rPr>
               <a:t> Ferramenta de gestão do projeto </a:t>
             </a:r>
+          </a:p>
+        </p:txBody>
+      </p:sp>
+      <p:sp>
+        <p:nvSpPr>
+          <p:cNvPr id="8" name="Espaço Reservado para Número de Slide 7"/>
+          <p:cNvSpPr>
+            <a:spLocks noGrp="1"/>
+          </p:cNvSpPr>
+          <p:nvPr>
+            <p:ph type="sldNum" sz="quarter" idx="12"/>
+          </p:nvPr>
+        </p:nvSpPr>
+        <p:spPr/>
+        <p:txBody>
+          <a:bodyPr/>
+          <a:lstStyle/>
+          <a:p>
+            <a:fld id="{E063C712-96B2-4EF6-B382-BB7E4B2E1881}" type="slidenum">
+              <a:rPr lang="pt-BR" smtClean="0"/>
+              <a:t>13</a:t>
+            </a:fld>
+            <a:endParaRPr lang="pt-BR" dirty="0"/>
           </a:p>
         </p:txBody>
       </p:sp>
@@ -11322,6 +11438,29 @@
           </a:p>
         </p:txBody>
       </p:sp>
+      <p:sp>
+        <p:nvSpPr>
+          <p:cNvPr id="4" name="Espaço Reservado para Número de Slide 3"/>
+          <p:cNvSpPr>
+            <a:spLocks noGrp="1"/>
+          </p:cNvSpPr>
+          <p:nvPr>
+            <p:ph type="sldNum" sz="quarter" idx="12"/>
+          </p:nvPr>
+        </p:nvSpPr>
+        <p:spPr/>
+        <p:txBody>
+          <a:bodyPr/>
+          <a:lstStyle/>
+          <a:p>
+            <a:fld id="{E063C712-96B2-4EF6-B382-BB7E4B2E1881}" type="slidenum">
+              <a:rPr lang="pt-BR" smtClean="0"/>
+              <a:t>14</a:t>
+            </a:fld>
+            <a:endParaRPr lang="pt-BR" dirty="0"/>
+          </a:p>
+        </p:txBody>
+      </p:sp>
     </p:spTree>
     <p:extLst>
       <p:ext uri="{BB962C8B-B14F-4D97-AF65-F5344CB8AC3E}">
@@ -11469,6 +11608,29 @@
           </a:p>
         </p:txBody>
       </p:sp>
+      <p:sp>
+        <p:nvSpPr>
+          <p:cNvPr id="4" name="Espaço Reservado para Número de Slide 3"/>
+          <p:cNvSpPr>
+            <a:spLocks noGrp="1"/>
+          </p:cNvSpPr>
+          <p:nvPr>
+            <p:ph type="sldNum" sz="quarter" idx="12"/>
+          </p:nvPr>
+        </p:nvSpPr>
+        <p:spPr/>
+        <p:txBody>
+          <a:bodyPr/>
+          <a:lstStyle/>
+          <a:p>
+            <a:fld id="{E063C712-96B2-4EF6-B382-BB7E4B2E1881}" type="slidenum">
+              <a:rPr lang="pt-BR" smtClean="0"/>
+              <a:t>15</a:t>
+            </a:fld>
+            <a:endParaRPr lang="pt-BR" dirty="0"/>
+          </a:p>
+        </p:txBody>
+      </p:sp>
     </p:spTree>
     <p:extLst>
       <p:ext uri="{BB962C8B-B14F-4D97-AF65-F5344CB8AC3E}">
@@ -11600,6 +11762,29 @@
           </a:effectLst>
         </p:spPr>
       </p:pic>
+      <p:sp>
+        <p:nvSpPr>
+          <p:cNvPr id="3" name="Espaço Reservado para Número de Slide 2"/>
+          <p:cNvSpPr>
+            <a:spLocks noGrp="1"/>
+          </p:cNvSpPr>
+          <p:nvPr>
+            <p:ph type="sldNum" sz="quarter" idx="12"/>
+          </p:nvPr>
+        </p:nvSpPr>
+        <p:spPr/>
+        <p:txBody>
+          <a:bodyPr/>
+          <a:lstStyle/>
+          <a:p>
+            <a:fld id="{E063C712-96B2-4EF6-B382-BB7E4B2E1881}" type="slidenum">
+              <a:rPr lang="pt-BR" smtClean="0"/>
+              <a:t>16</a:t>
+            </a:fld>
+            <a:endParaRPr lang="pt-BR" dirty="0"/>
+          </a:p>
+        </p:txBody>
+      </p:sp>
     </p:spTree>
     <p:extLst>
       <p:ext uri="{BB962C8B-B14F-4D97-AF65-F5344CB8AC3E}">
@@ -13060,6 +13245,29 @@
           </a:p>
         </p:txBody>
       </p:sp>
+      <p:sp>
+        <p:nvSpPr>
+          <p:cNvPr id="42" name="Espaço Reservado para Número de Slide 41"/>
+          <p:cNvSpPr>
+            <a:spLocks noGrp="1"/>
+          </p:cNvSpPr>
+          <p:nvPr>
+            <p:ph type="sldNum" sz="quarter" idx="12"/>
+          </p:nvPr>
+        </p:nvSpPr>
+        <p:spPr/>
+        <p:txBody>
+          <a:bodyPr/>
+          <a:lstStyle/>
+          <a:p>
+            <a:fld id="{E063C712-96B2-4EF6-B382-BB7E4B2E1881}" type="slidenum">
+              <a:rPr lang="pt-BR" smtClean="0"/>
+              <a:t>17</a:t>
+            </a:fld>
+            <a:endParaRPr lang="pt-BR" dirty="0"/>
+          </a:p>
+        </p:txBody>
+      </p:sp>
     </p:spTree>
     <p:extLst>
       <p:ext uri="{BB962C8B-B14F-4D97-AF65-F5344CB8AC3E}">
@@ -13179,6 +13387,29 @@
               </a:rPr>
               <a:t>LLD </a:t>
             </a:r>
+          </a:p>
+        </p:txBody>
+      </p:sp>
+      <p:sp>
+        <p:nvSpPr>
+          <p:cNvPr id="4" name="Espaço Reservado para Número de Slide 3"/>
+          <p:cNvSpPr>
+            <a:spLocks noGrp="1"/>
+          </p:cNvSpPr>
+          <p:nvPr>
+            <p:ph type="sldNum" sz="quarter" idx="12"/>
+          </p:nvPr>
+        </p:nvSpPr>
+        <p:spPr/>
+        <p:txBody>
+          <a:bodyPr/>
+          <a:lstStyle/>
+          <a:p>
+            <a:fld id="{E063C712-96B2-4EF6-B382-BB7E4B2E1881}" type="slidenum">
+              <a:rPr lang="pt-BR" smtClean="0"/>
+              <a:t>18</a:t>
+            </a:fld>
+            <a:endParaRPr lang="pt-BR" dirty="0"/>
           </a:p>
         </p:txBody>
       </p:sp>
@@ -13427,6 +13658,29 @@
           </a:prstGeom>
         </p:spPr>
       </p:pic>
+      <p:sp>
+        <p:nvSpPr>
+          <p:cNvPr id="9" name="Espaço Reservado para Número de Slide 8"/>
+          <p:cNvSpPr>
+            <a:spLocks noGrp="1"/>
+          </p:cNvSpPr>
+          <p:nvPr>
+            <p:ph type="sldNum" sz="quarter" idx="12"/>
+          </p:nvPr>
+        </p:nvSpPr>
+        <p:spPr/>
+        <p:txBody>
+          <a:bodyPr/>
+          <a:lstStyle/>
+          <a:p>
+            <a:fld id="{E063C712-96B2-4EF6-B382-BB7E4B2E1881}" type="slidenum">
+              <a:rPr lang="pt-BR" smtClean="0"/>
+              <a:t>19</a:t>
+            </a:fld>
+            <a:endParaRPr lang="pt-BR" dirty="0"/>
+          </a:p>
+        </p:txBody>
+      </p:sp>
     </p:spTree>
     <p:extLst>
       <p:ext uri="{BB962C8B-B14F-4D97-AF65-F5344CB8AC3E}">
@@ -13610,6 +13864,29 @@
               </a:rPr>
               <a:t> Quem somos</a:t>
             </a:r>
+          </a:p>
+        </p:txBody>
+      </p:sp>
+      <p:sp>
+        <p:nvSpPr>
+          <p:cNvPr id="4" name="Espaço Reservado para Número de Slide 3"/>
+          <p:cNvSpPr>
+            <a:spLocks noGrp="1"/>
+          </p:cNvSpPr>
+          <p:nvPr>
+            <p:ph type="sldNum" sz="quarter" idx="12"/>
+          </p:nvPr>
+        </p:nvSpPr>
+        <p:spPr/>
+        <p:txBody>
+          <a:bodyPr/>
+          <a:lstStyle/>
+          <a:p>
+            <a:fld id="{E063C712-96B2-4EF6-B382-BB7E4B2E1881}" type="slidenum">
+              <a:rPr lang="pt-BR" smtClean="0"/>
+              <a:t>2</a:t>
+            </a:fld>
+            <a:endParaRPr lang="pt-BR" dirty="0"/>
           </a:p>
         </p:txBody>
       </p:sp>
@@ -13794,6 +14071,29 @@
           </a:prstGeom>
         </p:spPr>
       </p:pic>
+      <p:sp>
+        <p:nvSpPr>
+          <p:cNvPr id="4" name="Espaço Reservado para Número de Slide 3"/>
+          <p:cNvSpPr>
+            <a:spLocks noGrp="1"/>
+          </p:cNvSpPr>
+          <p:nvPr>
+            <p:ph type="sldNum" sz="quarter" idx="12"/>
+          </p:nvPr>
+        </p:nvSpPr>
+        <p:spPr/>
+        <p:txBody>
+          <a:bodyPr/>
+          <a:lstStyle/>
+          <a:p>
+            <a:fld id="{E063C712-96B2-4EF6-B382-BB7E4B2E1881}" type="slidenum">
+              <a:rPr lang="pt-BR" smtClean="0"/>
+              <a:t>20</a:t>
+            </a:fld>
+            <a:endParaRPr lang="pt-BR" dirty="0"/>
+          </a:p>
+        </p:txBody>
+      </p:sp>
     </p:spTree>
     <p:extLst>
       <p:ext uri="{BB962C8B-B14F-4D97-AF65-F5344CB8AC3E}">
@@ -13957,6 +14257,29 @@
           </a:prstGeom>
         </p:spPr>
       </p:pic>
+      <p:sp>
+        <p:nvSpPr>
+          <p:cNvPr id="5" name="Espaço Reservado para Número de Slide 4"/>
+          <p:cNvSpPr>
+            <a:spLocks noGrp="1"/>
+          </p:cNvSpPr>
+          <p:nvPr>
+            <p:ph type="sldNum" sz="quarter" idx="12"/>
+          </p:nvPr>
+        </p:nvSpPr>
+        <p:spPr/>
+        <p:txBody>
+          <a:bodyPr/>
+          <a:lstStyle/>
+          <a:p>
+            <a:fld id="{E063C712-96B2-4EF6-B382-BB7E4B2E1881}" type="slidenum">
+              <a:rPr lang="pt-BR" smtClean="0"/>
+              <a:t>21</a:t>
+            </a:fld>
+            <a:endParaRPr lang="pt-BR" dirty="0"/>
+          </a:p>
+        </p:txBody>
+      </p:sp>
     </p:spTree>
     <p:extLst>
       <p:ext uri="{BB962C8B-B14F-4D97-AF65-F5344CB8AC3E}">
@@ -14224,6 +14547,28 @@
               <a:buChar char=""/>
             </a:pPr>
             <a:r>
+              <a:rPr lang="pt-BR" sz="2400" dirty="0" smtClean="0">
+                <a:solidFill>
+                  <a:schemeClr val="tx1">
+                    <a:lumMod val="75000"/>
+                    <a:lumOff val="25000"/>
+                  </a:schemeClr>
+                </a:solidFill>
+              </a:rPr>
+              <a:t>75</a:t>
+            </a:r>
+            <a:r>
+              <a:rPr lang="pt-BR" sz="2400" dirty="0" smtClean="0">
+                <a:solidFill>
+                  <a:schemeClr val="tx1">
+                    <a:lumMod val="75000"/>
+                    <a:lumOff val="25000"/>
+                  </a:schemeClr>
+                </a:solidFill>
+              </a:rPr>
+              <a:t>% </a:t>
+            </a:r>
+            <a:r>
               <a:rPr lang="pt-BR" sz="2400" dirty="0">
                 <a:solidFill>
                   <a:schemeClr val="tx1">
@@ -14232,7 +14577,7 @@
                   </a:schemeClr>
                 </a:solidFill>
               </a:rPr>
-              <a:t>100% da </a:t>
+              <a:t>da </a:t>
             </a:r>
             <a:r>
               <a:rPr lang="pt-BR" sz="2400" dirty="0" smtClean="0">
@@ -14282,6 +14627,17 @@
               <a:buChar char=""/>
             </a:pPr>
             <a:r>
+              <a:rPr lang="pt-BR" sz="2400" dirty="0" smtClean="0">
+                <a:solidFill>
+                  <a:schemeClr val="tx1">
+                    <a:lumMod val="75000"/>
+                    <a:lumOff val="25000"/>
+                  </a:schemeClr>
+                </a:solidFill>
+              </a:rPr>
+              <a:t>50% </a:t>
+            </a:r>
+            <a:r>
               <a:rPr lang="pt-BR" sz="2400" dirty="0">
                 <a:solidFill>
                   <a:schemeClr val="tx1">
@@ -14290,7 +14646,7 @@
                   </a:schemeClr>
                 </a:solidFill>
               </a:rPr>
-              <a:t>75% da capacidade</a:t>
+              <a:t>da capacidade</a:t>
             </a:r>
             <a:r>
               <a:rPr lang="pt-BR" dirty="0" smtClean="0">
@@ -14370,6 +14726,29 @@
               <a:t>% da capacidade</a:t>
             </a:r>
             <a:endParaRPr lang="pt-BR" sz="2400" dirty="0"/>
+          </a:p>
+        </p:txBody>
+      </p:sp>
+      <p:sp>
+        <p:nvSpPr>
+          <p:cNvPr id="8" name="Espaço Reservado para Número de Slide 7"/>
+          <p:cNvSpPr>
+            <a:spLocks noGrp="1"/>
+          </p:cNvSpPr>
+          <p:nvPr>
+            <p:ph type="sldNum" sz="quarter" idx="12"/>
+          </p:nvPr>
+        </p:nvSpPr>
+        <p:spPr/>
+        <p:txBody>
+          <a:bodyPr/>
+          <a:lstStyle/>
+          <a:p>
+            <a:fld id="{E063C712-96B2-4EF6-B382-BB7E4B2E1881}" type="slidenum">
+              <a:rPr lang="pt-BR" smtClean="0"/>
+              <a:t>22</a:t>
+            </a:fld>
+            <a:endParaRPr lang="pt-BR" dirty="0"/>
           </a:p>
         </p:txBody>
       </p:sp>
@@ -14614,6 +14993,29 @@
           </a:prstGeom>
         </p:spPr>
       </p:pic>
+      <p:sp>
+        <p:nvSpPr>
+          <p:cNvPr id="8" name="Espaço Reservado para Número de Slide 7"/>
+          <p:cNvSpPr>
+            <a:spLocks noGrp="1"/>
+          </p:cNvSpPr>
+          <p:nvPr>
+            <p:ph type="sldNum" sz="quarter" idx="12"/>
+          </p:nvPr>
+        </p:nvSpPr>
+        <p:spPr/>
+        <p:txBody>
+          <a:bodyPr/>
+          <a:lstStyle/>
+          <a:p>
+            <a:fld id="{E063C712-96B2-4EF6-B382-BB7E4B2E1881}" type="slidenum">
+              <a:rPr lang="pt-BR" smtClean="0"/>
+              <a:t>23</a:t>
+            </a:fld>
+            <a:endParaRPr lang="pt-BR" dirty="0"/>
+          </a:p>
+        </p:txBody>
+      </p:sp>
     </p:spTree>
     <p:extLst>
       <p:ext uri="{BB962C8B-B14F-4D97-AF65-F5344CB8AC3E}">
@@ -14730,6 +15132,29 @@
           </a:prstGeom>
         </p:spPr>
       </p:pic>
+      <p:sp>
+        <p:nvSpPr>
+          <p:cNvPr id="5" name="Espaço Reservado para Número de Slide 4"/>
+          <p:cNvSpPr>
+            <a:spLocks noGrp="1"/>
+          </p:cNvSpPr>
+          <p:nvPr>
+            <p:ph type="sldNum" sz="quarter" idx="12"/>
+          </p:nvPr>
+        </p:nvSpPr>
+        <p:spPr/>
+        <p:txBody>
+          <a:bodyPr/>
+          <a:lstStyle/>
+          <a:p>
+            <a:fld id="{E063C712-96B2-4EF6-B382-BB7E4B2E1881}" type="slidenum">
+              <a:rPr lang="pt-BR" smtClean="0"/>
+              <a:t>24</a:t>
+            </a:fld>
+            <a:endParaRPr lang="pt-BR" dirty="0"/>
+          </a:p>
+        </p:txBody>
+      </p:sp>
     </p:spTree>
     <p:extLst>
       <p:ext uri="{BB962C8B-B14F-4D97-AF65-F5344CB8AC3E}">
@@ -17236,6 +17661,29 @@
           </a:p>
         </p:txBody>
       </p:sp>
+      <p:sp>
+        <p:nvSpPr>
+          <p:cNvPr id="62" name="Espaço Reservado para Número de Slide 61"/>
+          <p:cNvSpPr>
+            <a:spLocks noGrp="1"/>
+          </p:cNvSpPr>
+          <p:nvPr>
+            <p:ph type="sldNum" sz="quarter" idx="12"/>
+          </p:nvPr>
+        </p:nvSpPr>
+        <p:spPr/>
+        <p:txBody>
+          <a:bodyPr/>
+          <a:lstStyle/>
+          <a:p>
+            <a:fld id="{E063C712-96B2-4EF6-B382-BB7E4B2E1881}" type="slidenum">
+              <a:rPr lang="pt-BR" smtClean="0"/>
+              <a:t>25</a:t>
+            </a:fld>
+            <a:endParaRPr lang="pt-BR" dirty="0"/>
+          </a:p>
+        </p:txBody>
+      </p:sp>
     </p:spTree>
     <p:extLst>
       <p:ext uri="{BB962C8B-B14F-4D97-AF65-F5344CB8AC3E}">
@@ -17358,6 +17806,29 @@
           </a:prstGeom>
         </p:spPr>
       </p:pic>
+      <p:sp>
+        <p:nvSpPr>
+          <p:cNvPr id="5" name="Espaço Reservado para Número de Slide 4"/>
+          <p:cNvSpPr>
+            <a:spLocks noGrp="1"/>
+          </p:cNvSpPr>
+          <p:nvPr>
+            <p:ph type="sldNum" sz="quarter" idx="12"/>
+          </p:nvPr>
+        </p:nvSpPr>
+        <p:spPr/>
+        <p:txBody>
+          <a:bodyPr/>
+          <a:lstStyle/>
+          <a:p>
+            <a:fld id="{E063C712-96B2-4EF6-B382-BB7E4B2E1881}" type="slidenum">
+              <a:rPr lang="pt-BR" smtClean="0"/>
+              <a:t>26</a:t>
+            </a:fld>
+            <a:endParaRPr lang="pt-BR" dirty="0"/>
+          </a:p>
+        </p:txBody>
+      </p:sp>
     </p:spTree>
     <p:extLst>
       <p:ext uri="{BB962C8B-B14F-4D97-AF65-F5344CB8AC3E}">
@@ -17553,6 +18024,29 @@
           </a:prstGeom>
         </p:spPr>
       </p:pic>
+      <p:sp>
+        <p:nvSpPr>
+          <p:cNvPr id="7" name="Espaço Reservado para Número de Slide 6"/>
+          <p:cNvSpPr>
+            <a:spLocks noGrp="1"/>
+          </p:cNvSpPr>
+          <p:nvPr>
+            <p:ph type="sldNum" sz="quarter" idx="12"/>
+          </p:nvPr>
+        </p:nvSpPr>
+        <p:spPr/>
+        <p:txBody>
+          <a:bodyPr/>
+          <a:lstStyle/>
+          <a:p>
+            <a:fld id="{E063C712-96B2-4EF6-B382-BB7E4B2E1881}" type="slidenum">
+              <a:rPr lang="pt-BR" smtClean="0"/>
+              <a:t>27</a:t>
+            </a:fld>
+            <a:endParaRPr lang="pt-BR" dirty="0"/>
+          </a:p>
+        </p:txBody>
+      </p:sp>
     </p:spTree>
     <p:extLst>
       <p:ext uri="{BB962C8B-B14F-4D97-AF65-F5344CB8AC3E}">
@@ -18372,6 +18866,29 @@
           </a:p>
         </p:txBody>
       </p:sp>
+      <p:sp>
+        <p:nvSpPr>
+          <p:cNvPr id="4" name="Espaço Reservado para Número de Slide 3"/>
+          <p:cNvSpPr>
+            <a:spLocks noGrp="1"/>
+          </p:cNvSpPr>
+          <p:nvPr>
+            <p:ph type="sldNum" sz="quarter" idx="12"/>
+          </p:nvPr>
+        </p:nvSpPr>
+        <p:spPr/>
+        <p:txBody>
+          <a:bodyPr/>
+          <a:lstStyle/>
+          <a:p>
+            <a:fld id="{E063C712-96B2-4EF6-B382-BB7E4B2E1881}" type="slidenum">
+              <a:rPr lang="pt-BR" smtClean="0"/>
+              <a:t>3</a:t>
+            </a:fld>
+            <a:endParaRPr lang="pt-BR" dirty="0"/>
+          </a:p>
+        </p:txBody>
+      </p:sp>
     </p:spTree>
     <p:extLst>
       <p:ext uri="{BB962C8B-B14F-4D97-AF65-F5344CB8AC3E}">
@@ -18546,6 +19063,29 @@
           </a:prstGeom>
         </p:spPr>
       </p:pic>
+      <p:sp>
+        <p:nvSpPr>
+          <p:cNvPr id="5" name="Espaço Reservado para Número de Slide 4"/>
+          <p:cNvSpPr>
+            <a:spLocks noGrp="1"/>
+          </p:cNvSpPr>
+          <p:nvPr>
+            <p:ph type="sldNum" sz="quarter" idx="12"/>
+          </p:nvPr>
+        </p:nvSpPr>
+        <p:spPr/>
+        <p:txBody>
+          <a:bodyPr/>
+          <a:lstStyle/>
+          <a:p>
+            <a:fld id="{E063C712-96B2-4EF6-B382-BB7E4B2E1881}" type="slidenum">
+              <a:rPr lang="pt-BR" smtClean="0"/>
+              <a:t>4</a:t>
+            </a:fld>
+            <a:endParaRPr lang="pt-BR" dirty="0"/>
+          </a:p>
+        </p:txBody>
+      </p:sp>
     </p:spTree>
     <p:extLst>
       <p:ext uri="{BB962C8B-B14F-4D97-AF65-F5344CB8AC3E}">
@@ -18861,6 +19401,29 @@
           </a:prstGeom>
         </p:spPr>
       </p:pic>
+      <p:sp>
+        <p:nvSpPr>
+          <p:cNvPr id="6" name="Espaço Reservado para Número de Slide 5"/>
+          <p:cNvSpPr>
+            <a:spLocks noGrp="1"/>
+          </p:cNvSpPr>
+          <p:nvPr>
+            <p:ph type="sldNum" sz="quarter" idx="12"/>
+          </p:nvPr>
+        </p:nvSpPr>
+        <p:spPr/>
+        <p:txBody>
+          <a:bodyPr/>
+          <a:lstStyle/>
+          <a:p>
+            <a:fld id="{E063C712-96B2-4EF6-B382-BB7E4B2E1881}" type="slidenum">
+              <a:rPr lang="pt-BR" smtClean="0"/>
+              <a:t>5</a:t>
+            </a:fld>
+            <a:endParaRPr lang="pt-BR" dirty="0"/>
+          </a:p>
+        </p:txBody>
+      </p:sp>
     </p:spTree>
     <p:extLst>
       <p:ext uri="{BB962C8B-B14F-4D97-AF65-F5344CB8AC3E}">
@@ -19115,6 +19678,29 @@
           </a:prstGeom>
         </p:spPr>
       </p:pic>
+      <p:sp>
+        <p:nvSpPr>
+          <p:cNvPr id="6" name="Espaço Reservado para Número de Slide 5"/>
+          <p:cNvSpPr>
+            <a:spLocks noGrp="1"/>
+          </p:cNvSpPr>
+          <p:nvPr>
+            <p:ph type="sldNum" sz="quarter" idx="12"/>
+          </p:nvPr>
+        </p:nvSpPr>
+        <p:spPr/>
+        <p:txBody>
+          <a:bodyPr/>
+          <a:lstStyle/>
+          <a:p>
+            <a:fld id="{E063C712-96B2-4EF6-B382-BB7E4B2E1881}" type="slidenum">
+              <a:rPr lang="pt-BR" smtClean="0"/>
+              <a:t>6</a:t>
+            </a:fld>
+            <a:endParaRPr lang="pt-BR" dirty="0"/>
+          </a:p>
+        </p:txBody>
+      </p:sp>
     </p:spTree>
     <p:extLst>
       <p:ext uri="{BB962C8B-B14F-4D97-AF65-F5344CB8AC3E}">
@@ -19496,6 +20082,29 @@
           </a:prstGeom>
         </p:spPr>
       </p:pic>
+      <p:sp>
+        <p:nvSpPr>
+          <p:cNvPr id="6" name="Espaço Reservado para Número de Slide 5"/>
+          <p:cNvSpPr>
+            <a:spLocks noGrp="1"/>
+          </p:cNvSpPr>
+          <p:nvPr>
+            <p:ph type="sldNum" sz="quarter" idx="12"/>
+          </p:nvPr>
+        </p:nvSpPr>
+        <p:spPr/>
+        <p:txBody>
+          <a:bodyPr/>
+          <a:lstStyle/>
+          <a:p>
+            <a:fld id="{E063C712-96B2-4EF6-B382-BB7E4B2E1881}" type="slidenum">
+              <a:rPr lang="pt-BR" smtClean="0"/>
+              <a:t>7</a:t>
+            </a:fld>
+            <a:endParaRPr lang="pt-BR" dirty="0"/>
+          </a:p>
+        </p:txBody>
+      </p:sp>
     </p:spTree>
     <p:extLst>
       <p:ext uri="{BB962C8B-B14F-4D97-AF65-F5344CB8AC3E}">
@@ -19767,6 +20376,29 @@
           </a:prstGeom>
         </p:spPr>
       </p:pic>
+      <p:sp>
+        <p:nvSpPr>
+          <p:cNvPr id="10" name="Espaço Reservado para Número de Slide 9"/>
+          <p:cNvSpPr>
+            <a:spLocks noGrp="1"/>
+          </p:cNvSpPr>
+          <p:nvPr>
+            <p:ph type="sldNum" sz="quarter" idx="12"/>
+          </p:nvPr>
+        </p:nvSpPr>
+        <p:spPr/>
+        <p:txBody>
+          <a:bodyPr/>
+          <a:lstStyle/>
+          <a:p>
+            <a:fld id="{E063C712-96B2-4EF6-B382-BB7E4B2E1881}" type="slidenum">
+              <a:rPr lang="pt-BR" smtClean="0"/>
+              <a:t>8</a:t>
+            </a:fld>
+            <a:endParaRPr lang="pt-BR" dirty="0"/>
+          </a:p>
+        </p:txBody>
+      </p:sp>
     </p:spTree>
     <p:extLst>
       <p:ext uri="{BB962C8B-B14F-4D97-AF65-F5344CB8AC3E}">
@@ -20752,6 +21384,29 @@
           </a:prstGeom>
         </p:spPr>
       </p:pic>
+      <p:sp>
+        <p:nvSpPr>
+          <p:cNvPr id="5" name="Espaço Reservado para Número de Slide 4"/>
+          <p:cNvSpPr>
+            <a:spLocks noGrp="1"/>
+          </p:cNvSpPr>
+          <p:nvPr>
+            <p:ph type="sldNum" sz="quarter" idx="12"/>
+          </p:nvPr>
+        </p:nvSpPr>
+        <p:spPr/>
+        <p:txBody>
+          <a:bodyPr/>
+          <a:lstStyle/>
+          <a:p>
+            <a:fld id="{E063C712-96B2-4EF6-B382-BB7E4B2E1881}" type="slidenum">
+              <a:rPr lang="pt-BR" smtClean="0"/>
+              <a:t>9</a:t>
+            </a:fld>
+            <a:endParaRPr lang="pt-BR" dirty="0"/>
+          </a:p>
+        </p:txBody>
+      </p:sp>
     </p:spTree>
     <p:extLst>
       <p:ext uri="{BB962C8B-B14F-4D97-AF65-F5344CB8AC3E}">

--- a/documentacao/apresentação/MIT- 3ª sprint.pptx
+++ b/documentacao/apresentação/MIT- 3ª sprint.pptx
@@ -31,8 +31,8 @@
     <p:sldId id="371" r:id="rId22"/>
     <p:sldId id="372" r:id="rId23"/>
     <p:sldId id="354" r:id="rId24"/>
-    <p:sldId id="373" r:id="rId25"/>
-    <p:sldId id="374" r:id="rId26"/>
+    <p:sldId id="374" r:id="rId25"/>
+    <p:sldId id="373" r:id="rId26"/>
     <p:sldId id="375" r:id="rId27"/>
     <p:sldId id="358" r:id="rId28"/>
   </p:sldIdLst>
@@ -603,11 +603,11 @@
           <a:lstStyle/>
           <a:p>
             <a:r>
-              <a:rPr lang="pt-BR" dirty="0" smtClean="0"/>
+              <a:rPr lang="pt-BR" dirty="0"/>
               <a:t>Temos que falar</a:t>
             </a:r>
             <a:r>
-              <a:rPr lang="pt-BR" baseline="0" dirty="0" smtClean="0"/>
+              <a:rPr lang="pt-BR" baseline="0" dirty="0"/>
               <a:t> de experiências positivas e ou negativas.</a:t>
             </a:r>
           </a:p>
@@ -694,10 +694,9 @@
           <a:lstStyle/>
           <a:p>
             <a:r>
-              <a:rPr lang="pt-BR" dirty="0" smtClean="0"/>
+              <a:rPr lang="pt-BR" dirty="0"/>
               <a:t>Citar ao menos um exemplo</a:t>
             </a:r>
-            <a:endParaRPr lang="pt-BR" dirty="0"/>
           </a:p>
         </p:txBody>
       </p:sp>
@@ -782,11 +781,11 @@
           <a:lstStyle/>
           <a:p>
             <a:r>
-              <a:rPr lang="pt-BR" dirty="0" smtClean="0"/>
+              <a:rPr lang="pt-BR" dirty="0"/>
               <a:t>Quem for apresentar pode falar de</a:t>
             </a:r>
             <a:r>
-              <a:rPr lang="pt-BR" baseline="0" dirty="0" smtClean="0"/>
+              <a:rPr lang="pt-BR" baseline="0" dirty="0"/>
               <a:t> aprendizado durante o projeto e tal.</a:t>
             </a:r>
             <a:endParaRPr lang="pt-BR" dirty="0"/>
@@ -7534,13 +7533,6 @@
   <p:clrMapOvr>
     <a:masterClrMapping/>
   </p:clrMapOvr>
-  <p:timing>
-    <p:tnLst>
-      <p:par>
-        <p:cTn id="1" dur="indefinite" restart="never" nodeType="tmRoot"/>
-      </p:par>
-    </p:tnLst>
-  </p:timing>
 </p:sld>
 </file>
 
@@ -9233,16 +9225,6 @@
             <a:p>
               <a:pPr algn="ctr"/>
               <a:r>
-                <a:rPr lang="pt-BR" sz="2200" dirty="0" smtClean="0">
-                  <a:solidFill>
-                    <a:schemeClr val="bg2">
-                      <a:lumMod val="25000"/>
-                    </a:schemeClr>
-                  </a:solidFill>
-                </a:rPr>
-                <a:t>Stefany </a:t>
-              </a:r>
-              <a:r>
                 <a:rPr lang="pt-BR" sz="2200" dirty="0">
                   <a:solidFill>
                     <a:schemeClr val="bg2">
@@ -9250,7 +9232,7 @@
                     </a:schemeClr>
                   </a:solidFill>
                 </a:rPr>
-                <a:t>Batista</a:t>
+                <a:t>Stefany Batista</a:t>
               </a:r>
             </a:p>
           </p:txBody>
@@ -9772,14 +9754,11 @@
           <a:lstStyle/>
           <a:p>
             <a:r>
-              <a:rPr lang="pt-BR" sz="4400" dirty="0" smtClean="0">
+              <a:rPr lang="pt-BR" sz="4400" dirty="0">
                 <a:latin typeface="+mj-lt"/>
               </a:rPr>
               <a:t>Estrutura da equipe do projeto</a:t>
             </a:r>
-            <a:endParaRPr lang="pt-BR" sz="4400" dirty="0">
-              <a:latin typeface="+mj-lt"/>
-            </a:endParaRPr>
           </a:p>
         </p:txBody>
       </p:sp>
@@ -9962,14 +9941,11 @@
           <a:lstStyle/>
           <a:p>
             <a:r>
-              <a:rPr lang="pt-BR" sz="4400" dirty="0" smtClean="0">
+              <a:rPr lang="pt-BR" sz="4400" dirty="0">
                 <a:latin typeface="+mj-lt"/>
               </a:rPr>
               <a:t>Planejamento</a:t>
             </a:r>
-            <a:endParaRPr lang="pt-BR" sz="4400" dirty="0">
-              <a:latin typeface="+mj-lt"/>
-            </a:endParaRPr>
           </a:p>
         </p:txBody>
       </p:sp>
@@ -10006,13 +9982,6 @@
   <p:clrMapOvr>
     <a:masterClrMapping/>
   </p:clrMapOvr>
-  <p:timing>
-    <p:tnLst>
-      <p:par>
-        <p:cTn id="1" dur="indefinite" restart="never" nodeType="tmRoot"/>
-      </p:par>
-    </p:tnLst>
-  </p:timing>
 </p:sld>
 </file>
 
@@ -10081,26 +10050,11 @@
           <a:lstStyle/>
           <a:p>
             <a:r>
-              <a:rPr lang="pt-BR" sz="4400" dirty="0" smtClean="0">
-                <a:latin typeface="+mj-lt"/>
-              </a:rPr>
-              <a:t>Metodologia </a:t>
-            </a:r>
-            <a:r>
               <a:rPr lang="pt-BR" sz="4400" dirty="0">
                 <a:latin typeface="+mj-lt"/>
               </a:rPr>
-              <a:t>á</a:t>
+              <a:t>Metodologia ágil</a:t>
             </a:r>
-            <a:r>
-              <a:rPr lang="pt-BR" sz="4400" dirty="0" smtClean="0">
-                <a:latin typeface="+mj-lt"/>
-              </a:rPr>
-              <a:t>gil</a:t>
-            </a:r>
-            <a:endParaRPr lang="pt-BR" sz="4400" dirty="0">
-              <a:latin typeface="+mj-lt"/>
-            </a:endParaRPr>
           </a:p>
         </p:txBody>
       </p:sp>
@@ -10294,13 +10248,6 @@
   <p:clrMapOvr>
     <a:masterClrMapping/>
   </p:clrMapOvr>
-  <p:timing>
-    <p:tnLst>
-      <p:par>
-        <p:cTn id="1" dur="indefinite" restart="never" nodeType="tmRoot"/>
-      </p:par>
-    </p:tnLst>
-  </p:timing>
 </p:sld>
 </file>
 
@@ -10708,13 +10655,6 @@
   <p:clrMapOvr>
     <a:masterClrMapping/>
   </p:clrMapOvr>
-  <p:timing>
-    <p:tnLst>
-      <p:par>
-        <p:cTn id="1" dur="indefinite" restart="never" nodeType="tmRoot"/>
-      </p:par>
-    </p:tnLst>
-  </p:timing>
 </p:sld>
 </file>
 
@@ -11081,43 +11021,7 @@
           <a:p>
             <a:r>
               <a:rPr lang="pt-BR" sz="2800" dirty="0"/>
-              <a:t>Ferramenta de Help </a:t>
-            </a:r>
-            <a:r>
-              <a:rPr lang="pt-BR" sz="2800" dirty="0" smtClean="0"/>
-              <a:t>Desk</a:t>
-            </a:r>
-          </a:p>
-          <a:p>
-            <a:pPr marL="457200" lvl="1" indent="0">
-              <a:buNone/>
-            </a:pPr>
-            <a:r>
-              <a:rPr lang="pt-BR" altLang="pt-BR" sz="2400" dirty="0" smtClean="0">
-                <a:latin typeface="+mj-lt"/>
-              </a:rPr>
-              <a:t>Ferramenta </a:t>
-            </a:r>
-            <a:r>
-              <a:rPr lang="pt-BR" altLang="pt-BR" sz="2400" dirty="0">
-                <a:latin typeface="+mj-lt"/>
-              </a:rPr>
-              <a:t>irá atuar para suportar chamados de requisição, problemas e incidentes junto ao </a:t>
-            </a:r>
-            <a:r>
-              <a:rPr lang="pt-BR" altLang="pt-BR" sz="2400" dirty="0" smtClean="0">
-                <a:latin typeface="+mj-lt"/>
-              </a:rPr>
-              <a:t>cliente.</a:t>
-            </a:r>
-            <a:endParaRPr lang="pt-BR" altLang="pt-BR" sz="2400" dirty="0">
-              <a:latin typeface="+mj-lt"/>
-            </a:endParaRPr>
-          </a:p>
-          <a:p>
-            <a:r>
-              <a:rPr lang="pt-BR" altLang="pt-BR" sz="2800" dirty="0"/>
-              <a:t>Website</a:t>
+              <a:t>Ferramenta de Help Desk</a:t>
             </a:r>
           </a:p>
           <a:p>
@@ -11128,17 +11032,25 @@
               <a:rPr lang="pt-BR" altLang="pt-BR" sz="2400" dirty="0">
                 <a:latin typeface="+mj-lt"/>
               </a:rPr>
-              <a:t>Empresas parceiras poderão ver seus indicadores de geração de resíduos  dentre outras </a:t>
+              <a:t>Ferramenta irá atuar para suportar chamados de requisição, problemas e incidentes junto ao cliente.</a:t>
             </a:r>
+          </a:p>
+          <a:p>
             <a:r>
-              <a:rPr lang="pt-BR" altLang="pt-BR" sz="2400" dirty="0" smtClean="0">
+              <a:rPr lang="pt-BR" altLang="pt-BR" sz="2800" dirty="0"/>
+              <a:t>Website</a:t>
+            </a:r>
+          </a:p>
+          <a:p>
+            <a:pPr marL="457200" lvl="1" indent="0">
+              <a:buNone/>
+            </a:pPr>
+            <a:r>
+              <a:rPr lang="pt-BR" altLang="pt-BR" sz="2400" dirty="0">
                 <a:latin typeface="+mj-lt"/>
               </a:rPr>
-              <a:t>funcionalidades.</a:t>
+              <a:t>Empresas parceiras poderão ver seus indicadores de geração de resíduos  dentre outras funcionalidades.</a:t>
             </a:r>
-            <a:endParaRPr lang="pt-BR" altLang="pt-BR" sz="2400" dirty="0">
-              <a:latin typeface="+mj-lt"/>
-            </a:endParaRPr>
           </a:p>
         </p:txBody>
       </p:sp>
@@ -11401,14 +11313,11 @@
               <a:buNone/>
             </a:pPr>
             <a:r>
-              <a:rPr lang="pt-BR" altLang="pt-BR" sz="2400" dirty="0" smtClean="0">
+              <a:rPr lang="pt-BR" altLang="pt-BR" sz="2400" dirty="0">
                 <a:latin typeface="+mj-lt"/>
               </a:rPr>
               <a:t>Passo a passo de como instalar nossas lixeiras.</a:t>
             </a:r>
-            <a:endParaRPr lang="pt-BR" altLang="pt-BR" sz="2400" dirty="0">
-              <a:latin typeface="+mj-lt"/>
-            </a:endParaRPr>
           </a:p>
           <a:p>
             <a:endParaRPr lang="pt-BR" altLang="pt-BR" sz="2800" dirty="0"/>
@@ -11471,13 +11380,6 @@
   <p:clrMapOvr>
     <a:masterClrMapping/>
   </p:clrMapOvr>
-  <p:timing>
-    <p:tnLst>
-      <p:par>
-        <p:cTn id="1" dur="indefinite" restart="never" nodeType="tmRoot"/>
-      </p:par>
-    </p:tnLst>
-  </p:timing>
 </p:sld>
 </file>
 
@@ -11516,31 +11418,31 @@
           <a:lstStyle/>
           <a:p>
             <a:r>
-              <a:rPr lang="pt-BR" sz="2400" dirty="0" smtClean="0"/>
+              <a:rPr lang="pt-BR" sz="2400" dirty="0"/>
               <a:t>Sensores apresentarem falhas;</a:t>
             </a:r>
           </a:p>
           <a:p>
             <a:r>
-              <a:rPr lang="pt-BR" sz="2400" dirty="0" smtClean="0"/>
+              <a:rPr lang="pt-BR" sz="2400" dirty="0"/>
               <a:t>Usuário com dificuldades para utilizar a plataforma;</a:t>
             </a:r>
           </a:p>
           <a:p>
             <a:r>
-              <a:rPr lang="pt-BR" sz="2400" dirty="0" smtClean="0"/>
+              <a:rPr lang="pt-BR" sz="2400" dirty="0"/>
               <a:t>Lixeira danificada;</a:t>
             </a:r>
           </a:p>
           <a:p>
             <a:r>
-              <a:rPr lang="pt-BR" sz="2400" dirty="0" smtClean="0"/>
+              <a:rPr lang="pt-BR" sz="2400" dirty="0"/>
               <a:t>Erro entre o node e o banco de dados;</a:t>
             </a:r>
           </a:p>
           <a:p>
             <a:r>
-              <a:rPr lang="pt-BR" sz="2400" dirty="0" smtClean="0"/>
+              <a:rPr lang="pt-BR" sz="2400" dirty="0"/>
               <a:t>Erro entre o sensor e o arduino.</a:t>
             </a:r>
           </a:p>
@@ -11597,14 +11499,11 @@
           <a:lstStyle/>
           <a:p>
             <a:r>
-              <a:rPr lang="pt-BR" sz="4400" dirty="0" smtClean="0">
+              <a:rPr lang="pt-BR" sz="4400" dirty="0">
                 <a:latin typeface="+mj-lt"/>
               </a:rPr>
               <a:t>Mapeamento de riscos</a:t>
             </a:r>
-            <a:endParaRPr lang="pt-BR" sz="4400" dirty="0">
-              <a:latin typeface="+mj-lt"/>
-            </a:endParaRPr>
           </a:p>
         </p:txBody>
       </p:sp>
@@ -11641,13 +11540,6 @@
   <p:clrMapOvr>
     <a:masterClrMapping/>
   </p:clrMapOvr>
-  <p:timing>
-    <p:tnLst>
-      <p:par>
-        <p:cTn id="1" dur="indefinite" restart="never" nodeType="tmRoot"/>
-      </p:par>
-    </p:tnLst>
-  </p:timing>
 </p:sld>
 </file>
 
@@ -11716,14 +11608,11 @@
           <a:lstStyle/>
           <a:p>
             <a:r>
-              <a:rPr lang="pt-BR" sz="4400" dirty="0" smtClean="0">
+              <a:rPr lang="pt-BR" sz="4400" dirty="0">
                 <a:latin typeface="+mj-lt"/>
               </a:rPr>
               <a:t>Desenvolvimento do projeto</a:t>
             </a:r>
-            <a:endParaRPr lang="pt-BR" sz="4400" dirty="0">
-              <a:latin typeface="+mj-lt"/>
-            </a:endParaRPr>
           </a:p>
         </p:txBody>
       </p:sp>
@@ -11795,13 +11684,6 @@
   <p:clrMapOvr>
     <a:masterClrMapping/>
   </p:clrMapOvr>
-  <p:timing>
-    <p:tnLst>
-      <p:par>
-        <p:cTn id="1" dur="indefinite" restart="never" nodeType="tmRoot"/>
-      </p:par>
-    </p:tnLst>
-  </p:timing>
 </p:sld>
 </file>
 
@@ -13214,29 +13096,8 @@
               <a:rPr lang="pt-BR" sz="4400" dirty="0">
                 <a:latin typeface="+mj-lt"/>
               </a:rPr>
-              <a:t> </a:t>
+              <a:t> Desenvolvimento  da arquitetura local</a:t>
             </a:r>
-            <a:r>
-              <a:rPr lang="pt-BR" sz="4400" dirty="0" smtClean="0">
-                <a:latin typeface="+mj-lt"/>
-              </a:rPr>
-              <a:t>Desenvolvimento  da arquitetura </a:t>
-            </a:r>
-            <a:r>
-              <a:rPr lang="pt-BR" sz="4400" dirty="0">
-                <a:latin typeface="+mj-lt"/>
-              </a:rPr>
-              <a:t>l</a:t>
-            </a:r>
-            <a:r>
-              <a:rPr lang="pt-BR" sz="4400" dirty="0" smtClean="0">
-                <a:latin typeface="+mj-lt"/>
-              </a:rPr>
-              <a:t>ocal</a:t>
-            </a:r>
-            <a:endParaRPr lang="pt-BR" sz="4400" dirty="0">
-              <a:latin typeface="+mj-lt"/>
-            </a:endParaRPr>
           </a:p>
           <a:p>
             <a:endParaRPr lang="pt-BR" sz="4400" dirty="0">
@@ -13278,13 +13139,6 @@
   <p:clrMapOvr>
     <a:masterClrMapping/>
   </p:clrMapOvr>
-  <p:timing>
-    <p:tnLst>
-      <p:par>
-        <p:cTn id="1" dur="indefinite" restart="never" nodeType="tmRoot"/>
-      </p:par>
-    </p:tnLst>
-  </p:timing>
 </p:sld>
 </file>
 
@@ -13423,13 +13277,6 @@
   <p:clrMapOvr>
     <a:masterClrMapping/>
   </p:clrMapOvr>
-  <p:timing>
-    <p:tnLst>
-      <p:par>
-        <p:cTn id="1" dur="indefinite" restart="never" nodeType="tmRoot"/>
-      </p:par>
-    </p:tnLst>
-  </p:timing>
 </p:sld>
 </file>
 
@@ -13557,14 +13404,11 @@
           <a:lstStyle/>
           <a:p>
             <a:r>
-              <a:rPr lang="pt-BR" sz="4400" dirty="0" smtClean="0">
+              <a:rPr lang="pt-BR" sz="4400" dirty="0">
                 <a:latin typeface="+mj-lt"/>
               </a:rPr>
               <a:t>Principais ferramentas utilizadas</a:t>
             </a:r>
-            <a:endParaRPr lang="pt-BR" sz="4400" dirty="0">
-              <a:latin typeface="+mj-lt"/>
-            </a:endParaRPr>
           </a:p>
         </p:txBody>
       </p:sp>
@@ -13691,13 +13535,6 @@
   <p:clrMapOvr>
     <a:masterClrMapping/>
   </p:clrMapOvr>
-  <p:timing>
-    <p:tnLst>
-      <p:par>
-        <p:cTn id="1" dur="indefinite" restart="never" nodeType="tmRoot"/>
-      </p:par>
-    </p:tnLst>
-  </p:timing>
 </p:sld>
 </file>
 
@@ -13762,12 +13599,8 @@
           <a:lstStyle/>
           <a:p>
             <a:r>
-              <a:rPr lang="pt-BR" sz="2400" b="1" dirty="0" smtClean="0"/>
-              <a:t>Bruno </a:t>
-            </a:r>
-            <a:r>
               <a:rPr lang="pt-BR" sz="2400" b="1" dirty="0"/>
-              <a:t>Santana RA: 01201134</a:t>
+              <a:t>Bruno Santana RA: 01201134</a:t>
             </a:r>
             <a:endParaRPr lang="pt-BR" sz="2400" dirty="0"/>
           </a:p>
@@ -13900,13 +13733,6 @@
   <p:clrMapOvr>
     <a:masterClrMapping/>
   </p:clrMapOvr>
-  <p:timing>
-    <p:tnLst>
-      <p:par>
-        <p:cTn id="1" dur="indefinite" restart="never" nodeType="tmRoot"/>
-      </p:par>
-    </p:tnLst>
-  </p:timing>
 </p:sld>
 </file>
 
@@ -13975,16 +13801,10 @@
           <a:lstStyle/>
           <a:p>
             <a:r>
-              <a:rPr lang="pt-BR" sz="4400" dirty="0" smtClean="0">
-                <a:latin typeface="+mj-lt"/>
-              </a:rPr>
-              <a:t>Modelagem </a:t>
-            </a:r>
-            <a:r>
               <a:rPr lang="pt-BR" sz="4400" dirty="0">
                 <a:latin typeface="+mj-lt"/>
               </a:rPr>
-              <a:t>conceitual do banco de dados </a:t>
+              <a:t>Modelagem conceitual do banco de dados </a:t>
             </a:r>
           </a:p>
         </p:txBody>
@@ -14104,13 +13924,6 @@
   <p:clrMapOvr>
     <a:masterClrMapping/>
   </p:clrMapOvr>
-  <p:timing>
-    <p:tnLst>
-      <p:par>
-        <p:cTn id="1" dur="indefinite" restart="never" nodeType="tmRoot"/>
-      </p:par>
-    </p:tnLst>
-  </p:timing>
 </p:sld>
 </file>
 
@@ -14179,16 +13992,10 @@
           <a:lstStyle/>
           <a:p>
             <a:r>
-              <a:rPr lang="pt-BR" sz="4400" dirty="0" smtClean="0">
-                <a:latin typeface="+mj-lt"/>
-              </a:rPr>
-              <a:t>Modelagem logica de </a:t>
-            </a:r>
-            <a:r>
               <a:rPr lang="pt-BR" sz="4400" dirty="0">
                 <a:latin typeface="+mj-lt"/>
               </a:rPr>
-              <a:t>banco de dados </a:t>
+              <a:t>Modelagem logica de banco de dados </a:t>
             </a:r>
           </a:p>
         </p:txBody>
@@ -14290,13 +14097,6 @@
   <p:clrMapOvr>
     <a:masterClrMapping/>
   </p:clrMapOvr>
-  <p:timing>
-    <p:tnLst>
-      <p:par>
-        <p:cTn id="1" dur="indefinite" restart="never" nodeType="tmRoot"/>
-      </p:par>
-    </p:tnLst>
-  </p:timing>
 </p:sld>
 </file>
 
@@ -14365,14 +14165,11 @@
           <a:lstStyle/>
           <a:p>
             <a:r>
-              <a:rPr lang="pt-BR" sz="4400" dirty="0" smtClean="0">
+              <a:rPr lang="pt-BR" sz="4400" dirty="0">
                 <a:latin typeface="+mj-lt"/>
               </a:rPr>
               <a:t>Parâmetros utilizados </a:t>
             </a:r>
-            <a:endParaRPr lang="pt-BR" sz="4400" dirty="0">
-              <a:latin typeface="+mj-lt"/>
-            </a:endParaRPr>
           </a:p>
         </p:txBody>
       </p:sp>
@@ -14547,28 +14344,6 @@
               <a:buChar char=""/>
             </a:pPr>
             <a:r>
-              <a:rPr lang="pt-BR" sz="2400" dirty="0" smtClean="0">
-                <a:solidFill>
-                  <a:schemeClr val="tx1">
-                    <a:lumMod val="75000"/>
-                    <a:lumOff val="25000"/>
-                  </a:schemeClr>
-                </a:solidFill>
-              </a:rPr>
-              <a:t>75</a:t>
-            </a:r>
-            <a:r>
-              <a:rPr lang="pt-BR" sz="2400" dirty="0" smtClean="0">
-                <a:solidFill>
-                  <a:schemeClr val="tx1">
-                    <a:lumMod val="75000"/>
-                    <a:lumOff val="25000"/>
-                  </a:schemeClr>
-                </a:solidFill>
-              </a:rPr>
-              <a:t>% </a:t>
-            </a:r>
-            <a:r>
               <a:rPr lang="pt-BR" sz="2400" dirty="0">
                 <a:solidFill>
                   <a:schemeClr val="tx1">
@@ -14577,18 +14352,7 @@
                   </a:schemeClr>
                 </a:solidFill>
               </a:rPr>
-              <a:t>da </a:t>
-            </a:r>
-            <a:r>
-              <a:rPr lang="pt-BR" sz="2400" dirty="0" smtClean="0">
-                <a:solidFill>
-                  <a:schemeClr val="tx1">
-                    <a:lumMod val="75000"/>
-                    <a:lumOff val="25000"/>
-                  </a:schemeClr>
-                </a:solidFill>
-              </a:rPr>
-              <a:t>capacidade;</a:t>
+              <a:t>75% da capacidade;</a:t>
             </a:r>
           </a:p>
         </p:txBody>
@@ -14627,17 +14391,6 @@
               <a:buChar char=""/>
             </a:pPr>
             <a:r>
-              <a:rPr lang="pt-BR" sz="2400" dirty="0" smtClean="0">
-                <a:solidFill>
-                  <a:schemeClr val="tx1">
-                    <a:lumMod val="75000"/>
-                    <a:lumOff val="25000"/>
-                  </a:schemeClr>
-                </a:solidFill>
-              </a:rPr>
-              <a:t>50% </a:t>
-            </a:r>
-            <a:r>
               <a:rPr lang="pt-BR" sz="2400" dirty="0">
                 <a:solidFill>
                   <a:schemeClr val="tx1">
@@ -14646,10 +14399,10 @@
                   </a:schemeClr>
                 </a:solidFill>
               </a:rPr>
-              <a:t>da capacidade</a:t>
+              <a:t>50% da capacidade</a:t>
             </a:r>
             <a:r>
-              <a:rPr lang="pt-BR" dirty="0" smtClean="0">
+              <a:rPr lang="pt-BR" dirty="0">
                 <a:solidFill>
                   <a:schemeClr val="tx1">
                     <a:lumMod val="75000"/>
@@ -14659,14 +14412,6 @@
               </a:rPr>
               <a:t>;</a:t>
             </a:r>
-            <a:endParaRPr lang="pt-BR" dirty="0">
-              <a:solidFill>
-                <a:schemeClr val="tx1">
-                  <a:lumMod val="75000"/>
-                  <a:lumOff val="25000"/>
-                </a:schemeClr>
-              </a:solidFill>
-            </a:endParaRPr>
           </a:p>
         </p:txBody>
       </p:sp>
@@ -14704,17 +14449,6 @@
               <a:buChar char=""/>
             </a:pPr>
             <a:r>
-              <a:rPr lang="pt-BR" sz="2400" dirty="0" smtClean="0">
-                <a:solidFill>
-                  <a:schemeClr val="tx1">
-                    <a:lumMod val="75000"/>
-                    <a:lumOff val="25000"/>
-                  </a:schemeClr>
-                </a:solidFill>
-              </a:rPr>
-              <a:t>25</a:t>
-            </a:r>
-            <a:r>
               <a:rPr lang="pt-BR" sz="2400" dirty="0">
                 <a:solidFill>
                   <a:schemeClr val="tx1">
@@ -14723,7 +14457,7 @@
                   </a:schemeClr>
                 </a:solidFill>
               </a:rPr>
-              <a:t>% da capacidade</a:t>
+              <a:t>25% da capacidade</a:t>
             </a:r>
             <a:endParaRPr lang="pt-BR" sz="2400" dirty="0"/>
           </a:p>
@@ -14762,13 +14496,6 @@
   <p:clrMapOvr>
     <a:masterClrMapping/>
   </p:clrMapOvr>
-  <p:timing>
-    <p:tnLst>
-      <p:par>
-        <p:cTn id="1" dur="indefinite" restart="never" nodeType="tmRoot"/>
-      </p:par>
-    </p:tnLst>
-  </p:timing>
 </p:sld>
 </file>
 
@@ -14923,14 +14650,11 @@
           <a:lstStyle/>
           <a:p>
             <a:r>
-              <a:rPr lang="pt-BR" sz="4400" dirty="0" smtClean="0">
+              <a:rPr lang="pt-BR" sz="4400" dirty="0">
                 <a:latin typeface="+mj-lt"/>
               </a:rPr>
               <a:t>Ferramenta de suporte </a:t>
             </a:r>
-            <a:endParaRPr lang="pt-BR" sz="4400" dirty="0">
-              <a:latin typeface="+mj-lt"/>
-            </a:endParaRPr>
           </a:p>
         </p:txBody>
       </p:sp>
@@ -15026,13 +14750,6 @@
   <p:clrMapOvr>
     <a:masterClrMapping/>
   </p:clrMapOvr>
-  <p:timing>
-    <p:tnLst>
-      <p:par>
-        <p:cTn id="1" dur="indefinite" restart="never" nodeType="tmRoot"/>
-      </p:par>
-    </p:tnLst>
-  </p:timing>
 </p:sld>
 </file>
 
@@ -15055,145 +14772,6 @@
       </p:grpSpPr>
       <p:sp>
         <p:nvSpPr>
-          <p:cNvPr id="2" name="Seta: Pentágono 2">
-            <a:extLst>
-              <a:ext uri="{FF2B5EF4-FFF2-40B4-BE49-F238E27FC236}">
-                <a16:creationId xmlns:a16="http://schemas.microsoft.com/office/drawing/2014/main" id="{305FC1E8-F2E8-42C2-B81F-097C0FA4A259}"/>
-              </a:ext>
-            </a:extLst>
-          </p:cNvPr>
-          <p:cNvSpPr/>
-          <p:nvPr/>
-        </p:nvSpPr>
-        <p:spPr>
-          <a:xfrm>
-            <a:off x="-1" y="555340"/>
-            <a:ext cx="6785811" cy="968660"/>
-          </a:xfrm>
-          <a:prstGeom prst="homePlate">
-            <a:avLst/>
-          </a:prstGeom>
-          <a:solidFill>
-            <a:srgbClr val="227EA4"/>
-          </a:solidFill>
-          <a:ln>
-            <a:noFill/>
-          </a:ln>
-        </p:spPr>
-        <p:style>
-          <a:lnRef idx="2">
-            <a:schemeClr val="accent1">
-              <a:shade val="50000"/>
-            </a:schemeClr>
-          </a:lnRef>
-          <a:fillRef idx="1">
-            <a:schemeClr val="accent1"/>
-          </a:fillRef>
-          <a:effectRef idx="0">
-            <a:schemeClr val="accent1"/>
-          </a:effectRef>
-          <a:fontRef idx="minor">
-            <a:schemeClr val="lt1"/>
-          </a:fontRef>
-        </p:style>
-        <p:txBody>
-          <a:bodyPr rtlCol="0" anchor="ctr"/>
-          <a:lstStyle/>
-          <a:p>
-            <a:r>
-              <a:rPr lang="pt-BR" sz="4400" dirty="0" smtClean="0">
-                <a:latin typeface="+mj-lt"/>
-              </a:rPr>
-              <a:t>Manual de instalação</a:t>
-            </a:r>
-          </a:p>
-        </p:txBody>
-      </p:sp>
-      <p:pic>
-        <p:nvPicPr>
-          <p:cNvPr id="3" name="Imagem 2"/>
-          <p:cNvPicPr>
-            <a:picLocks noChangeAspect="1"/>
-          </p:cNvPicPr>
-          <p:nvPr/>
-        </p:nvPicPr>
-        <p:blipFill rotWithShape="1">
-          <a:blip r:embed="rId2"/>
-          <a:srcRect l="26327" t="19935" r="27190" b="10237"/>
-          <a:stretch/>
-        </p:blipFill>
-        <p:spPr>
-          <a:xfrm>
-            <a:off x="1801969" y="1524000"/>
-            <a:ext cx="6047873" cy="5108027"/>
-          </a:xfrm>
-          <a:prstGeom prst="rect">
-            <a:avLst/>
-          </a:prstGeom>
-        </p:spPr>
-      </p:pic>
-      <p:sp>
-        <p:nvSpPr>
-          <p:cNvPr id="5" name="Espaço Reservado para Número de Slide 4"/>
-          <p:cNvSpPr>
-            <a:spLocks noGrp="1"/>
-          </p:cNvSpPr>
-          <p:nvPr>
-            <p:ph type="sldNum" sz="quarter" idx="12"/>
-          </p:nvPr>
-        </p:nvSpPr>
-        <p:spPr/>
-        <p:txBody>
-          <a:bodyPr/>
-          <a:lstStyle/>
-          <a:p>
-            <a:fld id="{E063C712-96B2-4EF6-B382-BB7E4B2E1881}" type="slidenum">
-              <a:rPr lang="pt-BR" smtClean="0"/>
-              <a:t>24</a:t>
-            </a:fld>
-            <a:endParaRPr lang="pt-BR" dirty="0"/>
-          </a:p>
-        </p:txBody>
-      </p:sp>
-    </p:spTree>
-    <p:extLst>
-      <p:ext uri="{BB962C8B-B14F-4D97-AF65-F5344CB8AC3E}">
-        <p14:creationId xmlns:p14="http://schemas.microsoft.com/office/powerpoint/2010/main" val="963247618"/>
-      </p:ext>
-    </p:extLst>
-  </p:cSld>
-  <p:clrMapOvr>
-    <a:masterClrMapping/>
-  </p:clrMapOvr>
-  <p:timing>
-    <p:tnLst>
-      <p:par>
-        <p:cTn id="1" dur="indefinite" restart="never" nodeType="tmRoot"/>
-      </p:par>
-    </p:tnLst>
-  </p:timing>
-</p:sld>
-</file>
-
-<file path=ppt/slides/slide25.xml><?xml version="1.0" encoding="utf-8"?>
-<p:sld xmlns:a="http://schemas.openxmlformats.org/drawingml/2006/main" xmlns:r="http://schemas.openxmlformats.org/officeDocument/2006/relationships" xmlns:p="http://schemas.openxmlformats.org/presentationml/2006/main">
-  <p:cSld>
-    <p:spTree>
-      <p:nvGrpSpPr>
-        <p:cNvPr id="1" name=""/>
-        <p:cNvGrpSpPr/>
-        <p:nvPr/>
-      </p:nvGrpSpPr>
-      <p:grpSpPr>
-        <a:xfrm>
-          <a:off x="0" y="0"/>
-          <a:ext cx="0" cy="0"/>
-          <a:chOff x="0" y="0"/>
-          <a:chExt cx="0" cy="0"/>
-        </a:xfrm>
-      </p:grpSpPr>
-      <p:sp>
-        <p:nvSpPr>
           <p:cNvPr id="61" name="Retângulo 60"/>
           <p:cNvSpPr/>
           <p:nvPr/>
@@ -15275,7 +14853,7 @@
           <a:p>
             <a:pPr algn="ctr"/>
             <a:r>
-              <a:rPr lang="pt-BR" dirty="0" smtClean="0"/>
+              <a:rPr lang="pt-BR" dirty="0"/>
               <a:t>Equipe de gestão de problemas</a:t>
             </a:r>
           </a:p>
@@ -15450,10 +15028,9 @@
           <a:p>
             <a:pPr algn="ctr"/>
             <a:r>
-              <a:rPr lang="pt-BR" dirty="0" smtClean="0"/>
+              <a:rPr lang="pt-BR" dirty="0"/>
               <a:t>Suporte nível 1</a:t>
             </a:r>
-            <a:endParaRPr lang="pt-BR" dirty="0"/>
           </a:p>
         </p:txBody>
       </p:sp>
@@ -15497,10 +15074,9 @@
           <a:p>
             <a:pPr algn="ctr"/>
             <a:r>
-              <a:rPr lang="pt-BR" dirty="0" smtClean="0"/>
+              <a:rPr lang="pt-BR" dirty="0"/>
               <a:t>Suporte nível 2</a:t>
             </a:r>
-            <a:endParaRPr lang="pt-BR" dirty="0"/>
           </a:p>
         </p:txBody>
       </p:sp>
@@ -15544,10 +15120,9 @@
           <a:p>
             <a:pPr algn="ctr"/>
             <a:r>
-              <a:rPr lang="pt-BR" dirty="0" smtClean="0"/>
+              <a:rPr lang="pt-BR" dirty="0"/>
               <a:t>Suporte nível 3</a:t>
             </a:r>
-            <a:endParaRPr lang="pt-BR" dirty="0"/>
           </a:p>
         </p:txBody>
       </p:sp>
@@ -15717,10 +15292,9 @@
           <a:p>
             <a:pPr algn="ctr"/>
             <a:r>
-              <a:rPr lang="pt-BR" sz="1200" dirty="0" smtClean="0"/>
+              <a:rPr lang="pt-BR" sz="1200" dirty="0"/>
               <a:t>Time de TI identifica e registra o problema</a:t>
             </a:r>
-            <a:endParaRPr lang="pt-BR" sz="1200" dirty="0"/>
           </a:p>
         </p:txBody>
       </p:sp>
@@ -15799,10 +15373,9 @@
           <a:p>
             <a:pPr algn="ctr"/>
             <a:r>
-              <a:rPr lang="pt-BR" sz="1200" dirty="0" smtClean="0"/>
+              <a:rPr lang="pt-BR" sz="1200" dirty="0"/>
               <a:t>Problema é recebido</a:t>
             </a:r>
-            <a:endParaRPr lang="pt-BR" sz="1200" dirty="0"/>
           </a:p>
         </p:txBody>
       </p:sp>
@@ -15847,13 +15420,8 @@
             <a:pPr algn="ctr"/>
             <a:r>
               <a:rPr lang="pt-BR" sz="1200" dirty="0"/>
-              <a:t>Problema</a:t>
+              <a:t>Problema é registrado</a:t>
             </a:r>
-            <a:r>
-              <a:rPr lang="pt-BR" sz="1200" dirty="0" smtClean="0"/>
-              <a:t> é registrado</a:t>
-            </a:r>
-            <a:endParaRPr lang="pt-BR" sz="1200" dirty="0"/>
           </a:p>
         </p:txBody>
       </p:sp>
@@ -15898,13 +15466,8 @@
             <a:pPr algn="ctr"/>
             <a:r>
               <a:rPr lang="pt-BR" sz="1200" dirty="0"/>
-              <a:t>Problema </a:t>
+              <a:t>Problema  é classificado </a:t>
             </a:r>
-            <a:r>
-              <a:rPr lang="pt-BR" sz="1200" dirty="0" smtClean="0"/>
-              <a:t> é classificado </a:t>
-            </a:r>
-            <a:endParaRPr lang="pt-BR" sz="1200" dirty="0"/>
           </a:p>
         </p:txBody>
       </p:sp>
@@ -15985,13 +15548,8 @@
             <a:pPr algn="ctr"/>
             <a:r>
               <a:rPr lang="pt-BR" sz="1200" dirty="0"/>
-              <a:t>Problema</a:t>
+              <a:t>Problema é priorizado </a:t>
             </a:r>
-            <a:r>
-              <a:rPr lang="pt-BR" sz="1200" dirty="0" smtClean="0"/>
-              <a:t> é priorizado </a:t>
-            </a:r>
-            <a:endParaRPr lang="pt-BR" sz="1200" dirty="0"/>
           </a:p>
         </p:txBody>
       </p:sp>
@@ -16035,10 +15593,9 @@
           <a:p>
             <a:pPr algn="ctr"/>
             <a:r>
-              <a:rPr lang="pt-BR" sz="900" dirty="0" smtClean="0"/>
+              <a:rPr lang="pt-BR" sz="900" dirty="0"/>
               <a:t>Problema pode ser resolvido?</a:t>
             </a:r>
-            <a:endParaRPr lang="pt-BR" sz="900" dirty="0"/>
           </a:p>
         </p:txBody>
       </p:sp>
@@ -16083,13 +15640,8 @@
             <a:pPr algn="ctr"/>
             <a:r>
               <a:rPr lang="pt-BR" sz="1200" dirty="0"/>
-              <a:t>Problema</a:t>
+              <a:t>Problema é diagnosticado</a:t>
             </a:r>
-            <a:r>
-              <a:rPr lang="pt-BR" sz="1200" dirty="0" smtClean="0"/>
-              <a:t> é diagnosticado</a:t>
-            </a:r>
-            <a:endParaRPr lang="pt-BR" sz="1200" dirty="0"/>
           </a:p>
         </p:txBody>
       </p:sp>
@@ -16244,10 +15796,9 @@
           <a:p>
             <a:pPr algn="ctr"/>
             <a:r>
-              <a:rPr lang="pt-BR" sz="1200" dirty="0" smtClean="0"/>
+              <a:rPr lang="pt-BR" sz="1200" dirty="0"/>
               <a:t>Resolver</a:t>
             </a:r>
-            <a:endParaRPr lang="pt-BR" sz="1200" dirty="0"/>
           </a:p>
         </p:txBody>
       </p:sp>
@@ -16274,10 +15825,9 @@
           <a:lstStyle/>
           <a:p>
             <a:r>
-              <a:rPr lang="pt-BR" sz="1000" dirty="0" smtClean="0"/>
+              <a:rPr lang="pt-BR" sz="1000" dirty="0"/>
               <a:t>sim</a:t>
             </a:r>
-            <a:endParaRPr lang="pt-BR" sz="1000" dirty="0"/>
           </a:p>
         </p:txBody>
       </p:sp>
@@ -16304,10 +15854,9 @@
           <a:lstStyle/>
           <a:p>
             <a:r>
-              <a:rPr lang="pt-BR" sz="1000" dirty="0" smtClean="0"/>
+              <a:rPr lang="pt-BR" sz="1000" dirty="0"/>
               <a:t>não</a:t>
             </a:r>
-            <a:endParaRPr lang="pt-BR" sz="1000" dirty="0"/>
           </a:p>
         </p:txBody>
       </p:sp>
@@ -16352,13 +15901,8 @@
             <a:pPr algn="ctr"/>
             <a:r>
               <a:rPr lang="pt-BR" dirty="0"/>
-              <a:t>Central de serviços de </a:t>
+              <a:t>Central de serviços de TI</a:t>
             </a:r>
-            <a:r>
-              <a:rPr lang="pt-BR" dirty="0" smtClean="0"/>
-              <a:t>TI</a:t>
-            </a:r>
-            <a:endParaRPr lang="pt-BR" dirty="0"/>
           </a:p>
         </p:txBody>
       </p:sp>
@@ -16483,7 +16027,7 @@
           <a:p>
             <a:pPr algn="ctr"/>
             <a:r>
-              <a:rPr lang="pt-BR" sz="1200" dirty="0" smtClean="0"/>
+              <a:rPr lang="pt-BR" sz="1200" dirty="0"/>
               <a:t>Escalar para próximo nível</a:t>
             </a:r>
           </a:p>
@@ -16687,10 +16231,9 @@
           <a:p>
             <a:pPr algn="ctr"/>
             <a:r>
-              <a:rPr lang="pt-BR" sz="900" dirty="0" smtClean="0"/>
+              <a:rPr lang="pt-BR" sz="900" dirty="0"/>
               <a:t>Problema pode ser resolvido?</a:t>
             </a:r>
-            <a:endParaRPr lang="pt-BR" sz="900" dirty="0"/>
           </a:p>
         </p:txBody>
       </p:sp>
@@ -16770,10 +16313,9 @@
           <a:p>
             <a:pPr algn="ctr"/>
             <a:r>
-              <a:rPr lang="pt-BR" sz="1200" dirty="0" smtClean="0"/>
+              <a:rPr lang="pt-BR" sz="1200" dirty="0"/>
               <a:t>Resolver</a:t>
             </a:r>
-            <a:endParaRPr lang="pt-BR" sz="1200" dirty="0"/>
           </a:p>
         </p:txBody>
       </p:sp>
@@ -16800,10 +16342,9 @@
           <a:lstStyle/>
           <a:p>
             <a:r>
-              <a:rPr lang="pt-BR" sz="1000" dirty="0" smtClean="0"/>
+              <a:rPr lang="pt-BR" sz="1000" dirty="0"/>
               <a:t>sim</a:t>
             </a:r>
-            <a:endParaRPr lang="pt-BR" sz="1000" dirty="0"/>
           </a:p>
         </p:txBody>
       </p:sp>
@@ -16830,10 +16371,9 @@
           <a:lstStyle/>
           <a:p>
             <a:r>
-              <a:rPr lang="pt-BR" sz="1000" dirty="0" smtClean="0"/>
+              <a:rPr lang="pt-BR" sz="1000" dirty="0"/>
               <a:t>não</a:t>
             </a:r>
-            <a:endParaRPr lang="pt-BR" sz="1000" dirty="0"/>
           </a:p>
         </p:txBody>
       </p:sp>
@@ -16913,7 +16453,7 @@
           <a:p>
             <a:pPr algn="ctr"/>
             <a:r>
-              <a:rPr lang="pt-BR" sz="1200" dirty="0" smtClean="0"/>
+              <a:rPr lang="pt-BR" sz="1200" dirty="0"/>
               <a:t>Escalar para próximo nível</a:t>
             </a:r>
           </a:p>
@@ -17041,10 +16581,9 @@
           <a:p>
             <a:pPr algn="ctr"/>
             <a:r>
-              <a:rPr lang="pt-BR" sz="1200" dirty="0" smtClean="0"/>
+              <a:rPr lang="pt-BR" sz="1200" dirty="0"/>
               <a:t>Resolver</a:t>
             </a:r>
-            <a:endParaRPr lang="pt-BR" sz="1200" dirty="0"/>
           </a:p>
         </p:txBody>
       </p:sp>
@@ -17160,10 +16699,9 @@
           <a:p>
             <a:pPr algn="ctr"/>
             <a:r>
-              <a:rPr lang="pt-BR" sz="1050" dirty="0" smtClean="0"/>
+              <a:rPr lang="pt-BR" sz="1050" dirty="0"/>
               <a:t>Atualizar base de conhecimento</a:t>
             </a:r>
-            <a:endParaRPr lang="pt-BR" sz="1050" dirty="0"/>
           </a:p>
         </p:txBody>
       </p:sp>
@@ -17208,13 +16746,8 @@
             <a:pPr algn="ctr"/>
             <a:r>
               <a:rPr lang="pt-BR" sz="1200" dirty="0"/>
-              <a:t>Problema</a:t>
+              <a:t>Problema é fechado</a:t>
             </a:r>
-            <a:r>
-              <a:rPr lang="pt-BR" sz="1200" dirty="0" smtClean="0"/>
-              <a:t> é fechado</a:t>
-            </a:r>
-            <a:endParaRPr lang="pt-BR" sz="1200" dirty="0"/>
           </a:p>
         </p:txBody>
       </p:sp>
@@ -17523,10 +17056,9 @@
           <a:p>
             <a:pPr algn="ctr"/>
             <a:r>
-              <a:rPr lang="pt-BR" sz="1050" dirty="0" smtClean="0"/>
+              <a:rPr lang="pt-BR" sz="1050" dirty="0"/>
               <a:t>Tratativa da gestão de incidentes</a:t>
             </a:r>
-            <a:endParaRPr lang="pt-BR" sz="1050" dirty="0"/>
           </a:p>
         </p:txBody>
       </p:sp>
@@ -17653,7 +17185,7 @@
           <a:lstStyle/>
           <a:p>
             <a:r>
-              <a:rPr lang="pt-BR" sz="4000" dirty="0" smtClean="0">
+              <a:rPr lang="pt-BR" sz="4000" dirty="0">
                 <a:latin typeface="+mj-lt"/>
               </a:rPr>
               <a:t>Processo para tratar problemas</a:t>
@@ -17678,7 +17210,7 @@
           <a:p>
             <a:fld id="{E063C712-96B2-4EF6-B382-BB7E4B2E1881}" type="slidenum">
               <a:rPr lang="pt-BR" smtClean="0"/>
-              <a:t>25</a:t>
+              <a:t>24</a:t>
             </a:fld>
             <a:endParaRPr lang="pt-BR" dirty="0"/>
           </a:p>
@@ -17694,13 +17226,138 @@
   <p:clrMapOvr>
     <a:masterClrMapping/>
   </p:clrMapOvr>
-  <p:timing>
-    <p:tnLst>
-      <p:par>
-        <p:cTn id="1" dur="indefinite" restart="never" nodeType="tmRoot"/>
-      </p:par>
-    </p:tnLst>
-  </p:timing>
+</p:sld>
+</file>
+
+<file path=ppt/slides/slide25.xml><?xml version="1.0" encoding="utf-8"?>
+<p:sld xmlns:a="http://schemas.openxmlformats.org/drawingml/2006/main" xmlns:r="http://schemas.openxmlformats.org/officeDocument/2006/relationships" xmlns:p="http://schemas.openxmlformats.org/presentationml/2006/main">
+  <p:cSld>
+    <p:spTree>
+      <p:nvGrpSpPr>
+        <p:cNvPr id="1" name=""/>
+        <p:cNvGrpSpPr/>
+        <p:nvPr/>
+      </p:nvGrpSpPr>
+      <p:grpSpPr>
+        <a:xfrm>
+          <a:off x="0" y="0"/>
+          <a:ext cx="0" cy="0"/>
+          <a:chOff x="0" y="0"/>
+          <a:chExt cx="0" cy="0"/>
+        </a:xfrm>
+      </p:grpSpPr>
+      <p:sp>
+        <p:nvSpPr>
+          <p:cNvPr id="2" name="Seta: Pentágono 2">
+            <a:extLst>
+              <a:ext uri="{FF2B5EF4-FFF2-40B4-BE49-F238E27FC236}">
+                <a16:creationId xmlns:a16="http://schemas.microsoft.com/office/drawing/2014/main" id="{305FC1E8-F2E8-42C2-B81F-097C0FA4A259}"/>
+              </a:ext>
+            </a:extLst>
+          </p:cNvPr>
+          <p:cNvSpPr/>
+          <p:nvPr/>
+        </p:nvSpPr>
+        <p:spPr>
+          <a:xfrm>
+            <a:off x="-1" y="555340"/>
+            <a:ext cx="6785811" cy="968660"/>
+          </a:xfrm>
+          <a:prstGeom prst="homePlate">
+            <a:avLst/>
+          </a:prstGeom>
+          <a:solidFill>
+            <a:srgbClr val="227EA4"/>
+          </a:solidFill>
+          <a:ln>
+            <a:noFill/>
+          </a:ln>
+        </p:spPr>
+        <p:style>
+          <a:lnRef idx="2">
+            <a:schemeClr val="accent1">
+              <a:shade val="50000"/>
+            </a:schemeClr>
+          </a:lnRef>
+          <a:fillRef idx="1">
+            <a:schemeClr val="accent1"/>
+          </a:fillRef>
+          <a:effectRef idx="0">
+            <a:schemeClr val="accent1"/>
+          </a:effectRef>
+          <a:fontRef idx="minor">
+            <a:schemeClr val="lt1"/>
+          </a:fontRef>
+        </p:style>
+        <p:txBody>
+          <a:bodyPr rtlCol="0" anchor="ctr"/>
+          <a:lstStyle/>
+          <a:p>
+            <a:r>
+              <a:rPr lang="pt-BR" sz="4400" dirty="0">
+                <a:latin typeface="+mj-lt"/>
+              </a:rPr>
+              <a:t>Manual de instalação</a:t>
+            </a:r>
+          </a:p>
+        </p:txBody>
+      </p:sp>
+      <p:pic>
+        <p:nvPicPr>
+          <p:cNvPr id="3" name="Imagem 2"/>
+          <p:cNvPicPr>
+            <a:picLocks noChangeAspect="1"/>
+          </p:cNvPicPr>
+          <p:nvPr/>
+        </p:nvPicPr>
+        <p:blipFill rotWithShape="1">
+          <a:blip r:embed="rId2"/>
+          <a:srcRect l="26327" t="19935" r="27190" b="10237"/>
+          <a:stretch/>
+        </p:blipFill>
+        <p:spPr>
+          <a:xfrm>
+            <a:off x="1801969" y="1524000"/>
+            <a:ext cx="6047873" cy="5108027"/>
+          </a:xfrm>
+          <a:prstGeom prst="rect">
+            <a:avLst/>
+          </a:prstGeom>
+        </p:spPr>
+      </p:pic>
+      <p:sp>
+        <p:nvSpPr>
+          <p:cNvPr id="5" name="Espaço Reservado para Número de Slide 4"/>
+          <p:cNvSpPr>
+            <a:spLocks noGrp="1"/>
+          </p:cNvSpPr>
+          <p:nvPr>
+            <p:ph type="sldNum" sz="quarter" idx="12"/>
+          </p:nvPr>
+        </p:nvSpPr>
+        <p:spPr/>
+        <p:txBody>
+          <a:bodyPr/>
+          <a:lstStyle/>
+          <a:p>
+            <a:fld id="{E063C712-96B2-4EF6-B382-BB7E4B2E1881}" type="slidenum">
+              <a:rPr lang="pt-BR" smtClean="0"/>
+              <a:t>25</a:t>
+            </a:fld>
+            <a:endParaRPr lang="pt-BR" dirty="0"/>
+          </a:p>
+        </p:txBody>
+      </p:sp>
+    </p:spTree>
+    <p:extLst>
+      <p:ext uri="{BB962C8B-B14F-4D97-AF65-F5344CB8AC3E}">
+        <p14:creationId xmlns:p14="http://schemas.microsoft.com/office/powerpoint/2010/main" val="963247618"/>
+      </p:ext>
+    </p:extLst>
+  </p:cSld>
+  <p:clrMapOvr>
+    <a:masterClrMapping/>
+  </p:clrMapOvr>
 </p:sld>
 </file>
 
@@ -17769,7 +17426,7 @@
           <a:lstStyle/>
           <a:p>
             <a:r>
-              <a:rPr lang="pt-BR" sz="4400" dirty="0" smtClean="0">
+              <a:rPr lang="pt-BR" sz="4400" dirty="0">
                 <a:latin typeface="+mj-lt"/>
               </a:rPr>
               <a:t>Agradecimentos</a:t>
@@ -17839,13 +17496,6 @@
   <p:clrMapOvr>
     <a:masterClrMapping/>
   </p:clrMapOvr>
-  <p:timing>
-    <p:tnLst>
-      <p:par>
-        <p:cTn id="1" dur="indefinite" restart="never" nodeType="tmRoot"/>
-      </p:par>
-    </p:tnLst>
-  </p:timing>
 </p:sld>
 </file>
 
@@ -18057,13 +17707,6 @@
   <p:clrMapOvr>
     <a:masterClrMapping/>
   </p:clrMapOvr>
-  <p:timing>
-    <p:tnLst>
-      <p:par>
-        <p:cTn id="1" dur="indefinite" restart="never" nodeType="tmRoot"/>
-      </p:par>
-    </p:tnLst>
-  </p:timing>
 </p:sld>
 </file>
 
@@ -18899,13 +18542,6 @@
   <p:clrMapOvr>
     <a:masterClrMapping/>
   </p:clrMapOvr>
-  <p:timing>
-    <p:tnLst>
-      <p:par>
-        <p:cTn id="1" dur="indefinite" restart="never" nodeType="tmRoot"/>
-      </p:par>
-    </p:tnLst>
-  </p:timing>
 </p:sld>
 </file>
 
@@ -19096,13 +18732,6 @@
   <p:clrMapOvr>
     <a:masterClrMapping/>
   </p:clrMapOvr>
-  <p:timing>
-    <p:tnLst>
-      <p:par>
-        <p:cTn id="1" dur="indefinite" restart="never" nodeType="tmRoot"/>
-      </p:par>
-    </p:tnLst>
-  </p:timing>
 </p:sld>
 </file>
 
@@ -19434,13 +19063,6 @@
   <p:clrMapOvr>
     <a:masterClrMapping/>
   </p:clrMapOvr>
-  <p:timing>
-    <p:tnLst>
-      <p:par>
-        <p:cTn id="1" dur="indefinite" restart="never" nodeType="tmRoot"/>
-      </p:par>
-    </p:tnLst>
-  </p:timing>
 </p:sld>
 </file>
 
@@ -19512,17 +19134,8 @@
               <a:rPr lang="pt-BR" sz="4400" dirty="0">
                 <a:latin typeface="+mj-lt"/>
               </a:rPr>
-              <a:t> </a:t>
+              <a:t> Porque este segmento?</a:t>
             </a:r>
-            <a:r>
-              <a:rPr lang="pt-BR" sz="4400" dirty="0" smtClean="0">
-                <a:latin typeface="+mj-lt"/>
-              </a:rPr>
-              <a:t>Porque este segmento?</a:t>
-            </a:r>
-            <a:endParaRPr lang="pt-BR" sz="4400" dirty="0">
-              <a:latin typeface="+mj-lt"/>
-            </a:endParaRPr>
           </a:p>
         </p:txBody>
       </p:sp>
@@ -19553,53 +19166,8 @@
               <a:rPr lang="pt-BR" sz="2400" dirty="0">
                 <a:latin typeface="+mj-lt"/>
               </a:rPr>
-              <a:t>Os estabelecimentos </a:t>
+              <a:t>Os estabelecimentos públicos, industriais, entre outros que geram mais de 200 litros diários de lixo são enquadrados pela NBR10004 da ABNT sendo obrigados por lei a contratarem um operador de coleta, desta forma uma grande oportunidade de negócio para o projeto MIT.</a:t>
             </a:r>
-            <a:r>
-              <a:rPr lang="pt-BR" sz="2400" dirty="0" smtClean="0">
-                <a:latin typeface="+mj-lt"/>
-              </a:rPr>
-              <a:t>públicos, industriais, entre outros </a:t>
-            </a:r>
-            <a:r>
-              <a:rPr lang="pt-BR" sz="2400" dirty="0">
-                <a:latin typeface="+mj-lt"/>
-              </a:rPr>
-              <a:t>que geram </a:t>
-            </a:r>
-            <a:r>
-              <a:rPr lang="pt-BR" sz="2400" dirty="0" smtClean="0">
-                <a:latin typeface="+mj-lt"/>
-              </a:rPr>
-              <a:t>mais de </a:t>
-            </a:r>
-            <a:r>
-              <a:rPr lang="pt-BR" sz="2400" dirty="0">
-                <a:latin typeface="+mj-lt"/>
-              </a:rPr>
-              <a:t>200 litros diários de lixo são enquadrados pela NBR10004 da ABNT </a:t>
-            </a:r>
-            <a:r>
-              <a:rPr lang="pt-BR" sz="2400" dirty="0" smtClean="0">
-                <a:latin typeface="+mj-lt"/>
-              </a:rPr>
-              <a:t>sendo </a:t>
-            </a:r>
-            <a:r>
-              <a:rPr lang="pt-BR" sz="2400" dirty="0">
-                <a:latin typeface="+mj-lt"/>
-              </a:rPr>
-              <a:t>obrigados por lei a contratarem um operador de </a:t>
-            </a:r>
-            <a:r>
-              <a:rPr lang="pt-BR" sz="2400" dirty="0" smtClean="0">
-                <a:latin typeface="+mj-lt"/>
-              </a:rPr>
-              <a:t>coleta, desta forma uma grande oportunidade de negócio para o projeto MIT.</a:t>
-            </a:r>
-            <a:endParaRPr lang="pt-BR" sz="2400" dirty="0">
-              <a:latin typeface="+mj-lt"/>
-            </a:endParaRPr>
           </a:p>
         </p:txBody>
       </p:sp>
@@ -19711,13 +19279,6 @@
   <p:clrMapOvr>
     <a:masterClrMapping/>
   </p:clrMapOvr>
-  <p:timing>
-    <p:tnLst>
-      <p:par>
-        <p:cTn id="1" dur="indefinite" restart="never" nodeType="tmRoot"/>
-      </p:par>
-    </p:tnLst>
-  </p:timing>
 </p:sld>
 </file>
 
@@ -20115,13 +19676,6 @@
   <p:clrMapOvr>
     <a:masterClrMapping/>
   </p:clrMapOvr>
-  <p:timing>
-    <p:tnLst>
-      <p:par>
-        <p:cTn id="1" dur="indefinite" restart="never" nodeType="tmRoot"/>
-      </p:par>
-    </p:tnLst>
-  </p:timing>
 </p:sld>
 </file>
 
@@ -20409,13 +19963,6 @@
   <p:clrMapOvr>
     <a:masterClrMapping/>
   </p:clrMapOvr>
-  <p:timing>
-    <p:tnLst>
-      <p:par>
-        <p:cTn id="1" dur="indefinite" restart="never" nodeType="tmRoot"/>
-      </p:par>
-    </p:tnLst>
-  </p:timing>
 </p:sld>
 </file>
 
@@ -20556,19 +20103,7 @@
               <a:rPr lang="pt-BR" sz="4400" dirty="0">
                 <a:latin typeface="+mj-lt"/>
               </a:rPr>
-              <a:t> </a:t>
-            </a:r>
-            <a:r>
-              <a:rPr lang="pt-BR" sz="4400" dirty="0" smtClean="0">
-                <a:latin typeface="+mj-lt"/>
-              </a:rPr>
-              <a:t>Conhecendo a </a:t>
-            </a:r>
-            <a:r>
-              <a:rPr lang="pt-BR" sz="4400" dirty="0">
-                <a:latin typeface="+mj-lt"/>
-              </a:rPr>
-              <a:t>solução</a:t>
+              <a:t> Conhecendo a solução</a:t>
             </a:r>
           </a:p>
         </p:txBody>
@@ -21417,13 +20952,6 @@
   <p:clrMapOvr>
     <a:masterClrMapping/>
   </p:clrMapOvr>
-  <p:timing>
-    <p:tnLst>
-      <p:par>
-        <p:cTn id="1" dur="indefinite" restart="never" nodeType="tmRoot"/>
-      </p:par>
-    </p:tnLst>
-  </p:timing>
 </p:sld>
 </file>
 
